--- a/Reimbursement Portal-1.pptx
+++ b/Reimbursement Portal-1.pptx
@@ -1,39 +1,39 @@
 
 <file path=ppt/presentation.xml><?xml version="1.0" encoding="utf-8"?>
-<p:presentation xmlns:a="http://schemas.openxmlformats.org/drawingml/2006/main" xmlns:r="http://schemas.openxmlformats.org/officeDocument/2006/relationships" xmlns:mc="http://schemas.openxmlformats.org/markup-compatibility/2006" xmlns:mv="urn:schemas-microsoft-com:mac:vml" xmlns:p="http://schemas.openxmlformats.org/presentationml/2006/main" xmlns:c="http://schemas.openxmlformats.org/drawingml/2006/chart" xmlns:dgm="http://schemas.openxmlformats.org/drawingml/2006/diagram" xmlns:o="urn:schemas-microsoft-com:office:office" xmlns:v="urn:schemas-microsoft-com:vml" xmlns:pvml="urn:schemas-microsoft-com:office:powerpoint" xmlns:com="http://schemas.openxmlformats.org/drawingml/2006/compatibility" xmlns:p14="http://schemas.microsoft.com/office/powerpoint/2010/main" xmlns:p15="http://schemas.microsoft.com/office/powerpoint/2012/main" xmlns:ahyp="http://schemas.microsoft.com/office/drawing/2018/hyperlinkcolor" autoCompressPictures="0" strictFirstAndLastChars="0" saveSubsetFonts="1">
+<p:presentation xmlns:a="http://schemas.openxmlformats.org/drawingml/2006/main" xmlns:r="http://schemas.openxmlformats.org/officeDocument/2006/relationships" xmlns:p="http://schemas.openxmlformats.org/presentationml/2006/main" strictFirstAndLastChars="0" autoCompressPictures="0">
   <p:sldMasterIdLst>
-    <p:sldMasterId id="2147483659" r:id="rId4"/>
+    <p:sldMasterId id="2147483648" r:id="rId1"/>
   </p:sldMasterIdLst>
   <p:notesMasterIdLst>
-    <p:notesMasterId r:id="rId5"/>
+    <p:notesMasterId r:id="rId4"/>
   </p:notesMasterIdLst>
   <p:sldIdLst>
-    <p:sldId id="256" r:id="rId6"/>
-    <p:sldId id="257" r:id="rId7"/>
-    <p:sldId id="258" r:id="rId8"/>
-    <p:sldId id="259" r:id="rId9"/>
-    <p:sldId id="260" r:id="rId10"/>
-    <p:sldId id="261" r:id="rId11"/>
-    <p:sldId id="262" r:id="rId12"/>
-    <p:sldId id="263" r:id="rId13"/>
-    <p:sldId id="264" r:id="rId14"/>
-    <p:sldId id="265" r:id="rId15"/>
-    <p:sldId id="266" r:id="rId16"/>
-    <p:sldId id="267" r:id="rId17"/>
-    <p:sldId id="268" r:id="rId18"/>
-    <p:sldId id="269" r:id="rId19"/>
-    <p:sldId id="270" r:id="rId20"/>
-    <p:sldId id="271" r:id="rId21"/>
-    <p:sldId id="272" r:id="rId22"/>
-    <p:sldId id="273" r:id="rId23"/>
-    <p:sldId id="274" r:id="rId24"/>
-    <p:sldId id="275" r:id="rId25"/>
-    <p:sldId id="276" r:id="rId26"/>
+    <p:sldId id="256" r:id="rId3"/>
+    <p:sldId id="257" r:id="rId5"/>
+    <p:sldId id="258" r:id="rId6"/>
+    <p:sldId id="259" r:id="rId7"/>
+    <p:sldId id="260" r:id="rId8"/>
+    <p:sldId id="261" r:id="rId9"/>
+    <p:sldId id="262" r:id="rId10"/>
+    <p:sldId id="263" r:id="rId11"/>
+    <p:sldId id="264" r:id="rId12"/>
+    <p:sldId id="265" r:id="rId13"/>
+    <p:sldId id="266" r:id="rId14"/>
+    <p:sldId id="267" r:id="rId15"/>
+    <p:sldId id="268" r:id="rId16"/>
+    <p:sldId id="269" r:id="rId17"/>
+    <p:sldId id="270" r:id="rId18"/>
+    <p:sldId id="271" r:id="rId19"/>
+    <p:sldId id="272" r:id="rId20"/>
+    <p:sldId id="273" r:id="rId21"/>
+    <p:sldId id="274" r:id="rId22"/>
+    <p:sldId id="275" r:id="rId23"/>
+    <p:sldId id="276" r:id="rId24"/>
   </p:sldIdLst>
-  <p:sldSz cy="5143500" cx="9144000"/>
+  <p:sldSz cx="9144000" cy="5143500"/>
   <p:notesSz cx="6858000" cy="9144000"/>
   <p:defaultTextStyle>
-    <a:defPPr lvl="0" marR="0" rtl="0" algn="l">
+    <a:defPPr marR="0" lvl="0" algn="l" rtl="0">
       <a:lnSpc>
         <a:spcPct val="100000"/>
       </a:lnSpc>
@@ -44,7 +44,7 @@
         <a:spcPts val="0"/>
       </a:spcAft>
     </a:defPPr>
-    <a:lvl1pPr lvl="0" marR="0" rtl="0" algn="l">
+    <a:lvl1pPr marR="0" lvl="0" algn="l" rtl="0">
       <a:lnSpc>
         <a:spcPct val="100000"/>
       </a:lnSpc>
@@ -57,18 +57,18 @@
       <a:buClr>
         <a:srgbClr val="000000"/>
       </a:buClr>
-      <a:buFont typeface="Arial"/>
-      <a:defRPr b="0" i="0" sz="1400" u="none" cap="none" strike="noStrike">
+      <a:buFont typeface="Arial" panose="020B0604020202020204"/>
+      <a:defRPr sz="1400" b="0" i="0" u="none" strike="noStrike" cap="none">
         <a:solidFill>
           <a:srgbClr val="000000"/>
         </a:solidFill>
-        <a:latin typeface="Arial"/>
-        <a:ea typeface="Arial"/>
-        <a:cs typeface="Arial"/>
-        <a:sym typeface="Arial"/>
+        <a:latin typeface="Arial" panose="020B0604020202020204"/>
+        <a:ea typeface="Arial" panose="020B0604020202020204"/>
+        <a:cs typeface="Arial" panose="020B0604020202020204"/>
+        <a:sym typeface="Arial" panose="020B0604020202020204"/>
       </a:defRPr>
     </a:lvl1pPr>
-    <a:lvl2pPr lvl="1" marR="0" rtl="0" algn="l">
+    <a:lvl2pPr marR="0" lvl="1" algn="l" rtl="0">
       <a:lnSpc>
         <a:spcPct val="100000"/>
       </a:lnSpc>
@@ -81,18 +81,18 @@
       <a:buClr>
         <a:srgbClr val="000000"/>
       </a:buClr>
-      <a:buFont typeface="Arial"/>
-      <a:defRPr b="0" i="0" sz="1400" u="none" cap="none" strike="noStrike">
+      <a:buFont typeface="Arial" panose="020B0604020202020204"/>
+      <a:defRPr sz="1400" b="0" i="0" u="none" strike="noStrike" cap="none">
         <a:solidFill>
           <a:srgbClr val="000000"/>
         </a:solidFill>
-        <a:latin typeface="Arial"/>
-        <a:ea typeface="Arial"/>
-        <a:cs typeface="Arial"/>
-        <a:sym typeface="Arial"/>
+        <a:latin typeface="Arial" panose="020B0604020202020204"/>
+        <a:ea typeface="Arial" panose="020B0604020202020204"/>
+        <a:cs typeface="Arial" panose="020B0604020202020204"/>
+        <a:sym typeface="Arial" panose="020B0604020202020204"/>
       </a:defRPr>
     </a:lvl2pPr>
-    <a:lvl3pPr lvl="2" marR="0" rtl="0" algn="l">
+    <a:lvl3pPr marR="0" lvl="2" algn="l" rtl="0">
       <a:lnSpc>
         <a:spcPct val="100000"/>
       </a:lnSpc>
@@ -105,18 +105,18 @@
       <a:buClr>
         <a:srgbClr val="000000"/>
       </a:buClr>
-      <a:buFont typeface="Arial"/>
-      <a:defRPr b="0" i="0" sz="1400" u="none" cap="none" strike="noStrike">
+      <a:buFont typeface="Arial" panose="020B0604020202020204"/>
+      <a:defRPr sz="1400" b="0" i="0" u="none" strike="noStrike" cap="none">
         <a:solidFill>
           <a:srgbClr val="000000"/>
         </a:solidFill>
-        <a:latin typeface="Arial"/>
-        <a:ea typeface="Arial"/>
-        <a:cs typeface="Arial"/>
-        <a:sym typeface="Arial"/>
+        <a:latin typeface="Arial" panose="020B0604020202020204"/>
+        <a:ea typeface="Arial" panose="020B0604020202020204"/>
+        <a:cs typeface="Arial" panose="020B0604020202020204"/>
+        <a:sym typeface="Arial" panose="020B0604020202020204"/>
       </a:defRPr>
     </a:lvl3pPr>
-    <a:lvl4pPr lvl="3" marR="0" rtl="0" algn="l">
+    <a:lvl4pPr marR="0" lvl="3" algn="l" rtl="0">
       <a:lnSpc>
         <a:spcPct val="100000"/>
       </a:lnSpc>
@@ -129,18 +129,18 @@
       <a:buClr>
         <a:srgbClr val="000000"/>
       </a:buClr>
-      <a:buFont typeface="Arial"/>
-      <a:defRPr b="0" i="0" sz="1400" u="none" cap="none" strike="noStrike">
+      <a:buFont typeface="Arial" panose="020B0604020202020204"/>
+      <a:defRPr sz="1400" b="0" i="0" u="none" strike="noStrike" cap="none">
         <a:solidFill>
           <a:srgbClr val="000000"/>
         </a:solidFill>
-        <a:latin typeface="Arial"/>
-        <a:ea typeface="Arial"/>
-        <a:cs typeface="Arial"/>
-        <a:sym typeface="Arial"/>
+        <a:latin typeface="Arial" panose="020B0604020202020204"/>
+        <a:ea typeface="Arial" panose="020B0604020202020204"/>
+        <a:cs typeface="Arial" panose="020B0604020202020204"/>
+        <a:sym typeface="Arial" panose="020B0604020202020204"/>
       </a:defRPr>
     </a:lvl4pPr>
-    <a:lvl5pPr lvl="4" marR="0" rtl="0" algn="l">
+    <a:lvl5pPr marR="0" lvl="4" algn="l" rtl="0">
       <a:lnSpc>
         <a:spcPct val="100000"/>
       </a:lnSpc>
@@ -153,18 +153,18 @@
       <a:buClr>
         <a:srgbClr val="000000"/>
       </a:buClr>
-      <a:buFont typeface="Arial"/>
-      <a:defRPr b="0" i="0" sz="1400" u="none" cap="none" strike="noStrike">
+      <a:buFont typeface="Arial" panose="020B0604020202020204"/>
+      <a:defRPr sz="1400" b="0" i="0" u="none" strike="noStrike" cap="none">
         <a:solidFill>
           <a:srgbClr val="000000"/>
         </a:solidFill>
-        <a:latin typeface="Arial"/>
-        <a:ea typeface="Arial"/>
-        <a:cs typeface="Arial"/>
-        <a:sym typeface="Arial"/>
+        <a:latin typeface="Arial" panose="020B0604020202020204"/>
+        <a:ea typeface="Arial" panose="020B0604020202020204"/>
+        <a:cs typeface="Arial" panose="020B0604020202020204"/>
+        <a:sym typeface="Arial" panose="020B0604020202020204"/>
       </a:defRPr>
     </a:lvl5pPr>
-    <a:lvl6pPr lvl="5" marR="0" rtl="0" algn="l">
+    <a:lvl6pPr marR="0" lvl="5" algn="l" rtl="0">
       <a:lnSpc>
         <a:spcPct val="100000"/>
       </a:lnSpc>
@@ -177,18 +177,18 @@
       <a:buClr>
         <a:srgbClr val="000000"/>
       </a:buClr>
-      <a:buFont typeface="Arial"/>
-      <a:defRPr b="0" i="0" sz="1400" u="none" cap="none" strike="noStrike">
+      <a:buFont typeface="Arial" panose="020B0604020202020204"/>
+      <a:defRPr sz="1400" b="0" i="0" u="none" strike="noStrike" cap="none">
         <a:solidFill>
           <a:srgbClr val="000000"/>
         </a:solidFill>
-        <a:latin typeface="Arial"/>
-        <a:ea typeface="Arial"/>
-        <a:cs typeface="Arial"/>
-        <a:sym typeface="Arial"/>
+        <a:latin typeface="Arial" panose="020B0604020202020204"/>
+        <a:ea typeface="Arial" panose="020B0604020202020204"/>
+        <a:cs typeface="Arial" panose="020B0604020202020204"/>
+        <a:sym typeface="Arial" panose="020B0604020202020204"/>
       </a:defRPr>
     </a:lvl6pPr>
-    <a:lvl7pPr lvl="6" marR="0" rtl="0" algn="l">
+    <a:lvl7pPr marR="0" lvl="6" algn="l" rtl="0">
       <a:lnSpc>
         <a:spcPct val="100000"/>
       </a:lnSpc>
@@ -201,18 +201,18 @@
       <a:buClr>
         <a:srgbClr val="000000"/>
       </a:buClr>
-      <a:buFont typeface="Arial"/>
-      <a:defRPr b="0" i="0" sz="1400" u="none" cap="none" strike="noStrike">
+      <a:buFont typeface="Arial" panose="020B0604020202020204"/>
+      <a:defRPr sz="1400" b="0" i="0" u="none" strike="noStrike" cap="none">
         <a:solidFill>
           <a:srgbClr val="000000"/>
         </a:solidFill>
-        <a:latin typeface="Arial"/>
-        <a:ea typeface="Arial"/>
-        <a:cs typeface="Arial"/>
-        <a:sym typeface="Arial"/>
+        <a:latin typeface="Arial" panose="020B0604020202020204"/>
+        <a:ea typeface="Arial" panose="020B0604020202020204"/>
+        <a:cs typeface="Arial" panose="020B0604020202020204"/>
+        <a:sym typeface="Arial" panose="020B0604020202020204"/>
       </a:defRPr>
     </a:lvl7pPr>
-    <a:lvl8pPr lvl="7" marR="0" rtl="0" algn="l">
+    <a:lvl8pPr marR="0" lvl="7" algn="l" rtl="0">
       <a:lnSpc>
         <a:spcPct val="100000"/>
       </a:lnSpc>
@@ -225,18 +225,18 @@
       <a:buClr>
         <a:srgbClr val="000000"/>
       </a:buClr>
-      <a:buFont typeface="Arial"/>
-      <a:defRPr b="0" i="0" sz="1400" u="none" cap="none" strike="noStrike">
+      <a:buFont typeface="Arial" panose="020B0604020202020204"/>
+      <a:defRPr sz="1400" b="0" i="0" u="none" strike="noStrike" cap="none">
         <a:solidFill>
           <a:srgbClr val="000000"/>
         </a:solidFill>
-        <a:latin typeface="Arial"/>
-        <a:ea typeface="Arial"/>
-        <a:cs typeface="Arial"/>
-        <a:sym typeface="Arial"/>
+        <a:latin typeface="Arial" panose="020B0604020202020204"/>
+        <a:ea typeface="Arial" panose="020B0604020202020204"/>
+        <a:cs typeface="Arial" panose="020B0604020202020204"/>
+        <a:sym typeface="Arial" panose="020B0604020202020204"/>
       </a:defRPr>
     </a:lvl8pPr>
-    <a:lvl9pPr lvl="8" marR="0" rtl="0" algn="l">
+    <a:lvl9pPr marR="0" lvl="8" algn="l" rtl="0">
       <a:lnSpc>
         <a:spcPct val="100000"/>
       </a:lnSpc>
@@ -249,27 +249,27 @@
       <a:buClr>
         <a:srgbClr val="000000"/>
       </a:buClr>
-      <a:buFont typeface="Arial"/>
-      <a:defRPr b="0" i="0" sz="1400" u="none" cap="none" strike="noStrike">
+      <a:buFont typeface="Arial" panose="020B0604020202020204"/>
+      <a:defRPr sz="1400" b="0" i="0" u="none" strike="noStrike" cap="none">
         <a:solidFill>
           <a:srgbClr val="000000"/>
         </a:solidFill>
-        <a:latin typeface="Arial"/>
-        <a:ea typeface="Arial"/>
-        <a:cs typeface="Arial"/>
-        <a:sym typeface="Arial"/>
+        <a:latin typeface="Arial" panose="020B0604020202020204"/>
+        <a:ea typeface="Arial" panose="020B0604020202020204"/>
+        <a:cs typeface="Arial" panose="020B0604020202020204"/>
+        <a:sym typeface="Arial" panose="020B0604020202020204"/>
       </a:defRPr>
     </a:lvl9pPr>
   </p:defaultTextStyle>
   <p:extLst>
     <p:ext uri="{EFAFB233-063F-42B5-8137-9DF3F51BA10A}">
-      <p15:sldGuideLst>
-        <p15:guide id="1" orient="horz" pos="1620">
+      <p15:sldGuideLst xmlns:p15="http://schemas.microsoft.com/office/powerpoint/2012/main">
+        <p15:guide id="1" orient="horz" pos="1620" userDrawn="1">
           <p15:clr>
             <a:srgbClr val="747775"/>
           </p15:clr>
         </p15:guide>
-        <p15:guide id="2" pos="2880">
+        <p15:guide id="2" pos="2880" userDrawn="1">
           <p15:clr>
             <a:srgbClr val="747775"/>
           </p15:clr>
@@ -281,8 +281,13 @@
 </file>
 
 <file path=ppt/notesMasters/notesMaster1.xml><?xml version="1.0" encoding="utf-8"?>
-<p:notesMaster xmlns:a="http://schemas.openxmlformats.org/drawingml/2006/main" xmlns:r="http://schemas.openxmlformats.org/officeDocument/2006/relationships" xmlns:mc="http://schemas.openxmlformats.org/markup-compatibility/2006" xmlns:mv="urn:schemas-microsoft-com:mac:vml" xmlns:p="http://schemas.openxmlformats.org/presentationml/2006/main" xmlns:c="http://schemas.openxmlformats.org/drawingml/2006/chart" xmlns:dgm="http://schemas.openxmlformats.org/drawingml/2006/diagram" xmlns:o="urn:schemas-microsoft-com:office:office" xmlns:v="urn:schemas-microsoft-com:vml" xmlns:pvml="urn:schemas-microsoft-com:office:powerpoint" xmlns:com="http://schemas.openxmlformats.org/drawingml/2006/compatibility" xmlns:p14="http://schemas.microsoft.com/office/powerpoint/2010/main" xmlns:p15="http://schemas.microsoft.com/office/powerpoint/2012/main" xmlns:ahyp="http://schemas.microsoft.com/office/drawing/2018/hyperlinkcolor">
+<p:notesMaster xmlns:a="http://schemas.openxmlformats.org/drawingml/2006/main" xmlns:r="http://schemas.openxmlformats.org/officeDocument/2006/relationships" xmlns:p="http://schemas.openxmlformats.org/presentationml/2006/main">
   <p:cSld>
+    <p:bg>
+      <p:bgRef idx="1001">
+        <a:schemeClr val="bg1"/>
+      </p:bgRef>
+    </p:bg>
     <p:spTree>
       <p:nvGrpSpPr>
         <p:cNvPr id="2" name="Shape 2"/>
@@ -302,7 +307,7 @@
           <p:cNvPr id="3" name="Google Shape;3;n"/>
           <p:cNvSpPr/>
           <p:nvPr>
-            <p:ph idx="2" type="sldImg"/>
+            <p:ph type="sldImg" idx="2"/>
           </p:nvPr>
         </p:nvSpPr>
         <p:spPr>
@@ -311,9 +316,13 @@
             <a:ext cx="6096075" cy="3429000"/>
           </a:xfrm>
           <a:custGeom>
-            <a:rect b="b" l="l" r="r" t="t"/>
+            <a:avLst/>
+            <a:gdLst/>
+            <a:ahLst/>
+            <a:cxnLst/>
+            <a:rect l="l" t="t" r="r" b="b"/>
             <a:pathLst>
-              <a:path extrusionOk="0" h="120000" w="120000">
+              <a:path w="120000" h="120000" extrusionOk="0">
                 <a:moveTo>
                   <a:pt x="0" y="0"/>
                 </a:moveTo>
@@ -331,14 +340,14 @@
             </a:pathLst>
           </a:custGeom>
           <a:noFill/>
-          <a:ln cap="flat" cmpd="sng" w="9525">
+          <a:ln w="9525" cap="flat" cmpd="sng">
             <a:solidFill>
               <a:srgbClr val="000000"/>
             </a:solidFill>
             <a:prstDash val="solid"/>
             <a:round/>
-            <a:headEnd len="sm" w="sm" type="none"/>
-            <a:tailEnd len="sm" w="sm" type="none"/>
+            <a:headEnd type="none" w="sm" len="sm"/>
+            <a:tailEnd type="none" w="sm" len="sm"/>
           </a:ln>
         </p:spPr>
       </p:sp>
@@ -347,7 +356,7 @@
           <p:cNvPr id="4" name="Google Shape;4;n"/>
           <p:cNvSpPr txBox="1"/>
           <p:nvPr>
-            <p:ph idx="1" type="body"/>
+            <p:ph type="body" idx="1"/>
           </p:nvPr>
         </p:nvSpPr>
         <p:spPr>
@@ -364,11 +373,11 @@
           </a:ln>
         </p:spPr>
         <p:txBody>
-          <a:bodyPr anchorCtr="0" anchor="t" bIns="91425" lIns="91425" spcFirstLastPara="1" rIns="91425" wrap="square" tIns="91425">
+          <a:bodyPr spcFirstLastPara="1" wrap="square" lIns="91425" tIns="91425" rIns="91425" bIns="91425" anchor="t" anchorCtr="0">
             <a:noAutofit/>
           </a:bodyPr>
           <a:lstStyle>
-            <a:lvl1pPr indent="-298450" lvl="0" marL="457200">
+            <a:lvl1pPr marL="457200" lvl="0" indent="-298450">
               <a:spcBef>
                 <a:spcPts val="0"/>
               </a:spcBef>
@@ -379,7 +388,7 @@
               <a:buChar char="●"/>
               <a:defRPr sz="1100"/>
             </a:lvl1pPr>
-            <a:lvl2pPr indent="-298450" lvl="1" marL="914400">
+            <a:lvl2pPr marL="914400" lvl="1" indent="-298450">
               <a:spcBef>
                 <a:spcPts val="0"/>
               </a:spcBef>
@@ -390,7 +399,7 @@
               <a:buChar char="○"/>
               <a:defRPr sz="1100"/>
             </a:lvl2pPr>
-            <a:lvl3pPr indent="-298450" lvl="2" marL="1371600">
+            <a:lvl3pPr marL="1371600" lvl="2" indent="-298450">
               <a:spcBef>
                 <a:spcPts val="0"/>
               </a:spcBef>
@@ -401,7 +410,7 @@
               <a:buChar char="■"/>
               <a:defRPr sz="1100"/>
             </a:lvl3pPr>
-            <a:lvl4pPr indent="-298450" lvl="3" marL="1828800">
+            <a:lvl4pPr marL="1828800" lvl="3" indent="-298450">
               <a:spcBef>
                 <a:spcPts val="0"/>
               </a:spcBef>
@@ -412,7 +421,7 @@
               <a:buChar char="●"/>
               <a:defRPr sz="1100"/>
             </a:lvl4pPr>
-            <a:lvl5pPr indent="-298450" lvl="4" marL="2286000">
+            <a:lvl5pPr marL="2286000" lvl="4" indent="-298450">
               <a:spcBef>
                 <a:spcPts val="0"/>
               </a:spcBef>
@@ -423,7 +432,7 @@
               <a:buChar char="○"/>
               <a:defRPr sz="1100"/>
             </a:lvl5pPr>
-            <a:lvl6pPr indent="-298450" lvl="5" marL="2743200">
+            <a:lvl6pPr marL="2743200" lvl="5" indent="-298450">
               <a:spcBef>
                 <a:spcPts val="0"/>
               </a:spcBef>
@@ -434,7 +443,7 @@
               <a:buChar char="■"/>
               <a:defRPr sz="1100"/>
             </a:lvl6pPr>
-            <a:lvl7pPr indent="-298450" lvl="6" marL="3200400">
+            <a:lvl7pPr marL="3200400" lvl="6" indent="-298450">
               <a:spcBef>
                 <a:spcPts val="0"/>
               </a:spcBef>
@@ -445,7 +454,7 @@
               <a:buChar char="●"/>
               <a:defRPr sz="1100"/>
             </a:lvl7pPr>
-            <a:lvl8pPr indent="-298450" lvl="7" marL="3657600">
+            <a:lvl8pPr marL="3657600" lvl="7" indent="-298450">
               <a:spcBef>
                 <a:spcPts val="0"/>
               </a:spcBef>
@@ -456,7 +465,7 @@
               <a:buChar char="○"/>
               <a:defRPr sz="1100"/>
             </a:lvl8pPr>
-            <a:lvl9pPr indent="-298450" lvl="8" marL="4114800">
+            <a:lvl9pPr marL="4114800" lvl="8" indent="-298450">
               <a:spcBef>
                 <a:spcPts val="0"/>
               </a:spcBef>
@@ -473,9 +482,9 @@
       </p:sp>
     </p:spTree>
   </p:cSld>
-  <p:clrMap accent1="accent1" accent2="accent2" accent3="accent3" accent4="accent4" accent5="accent5" accent6="accent6" bg1="lt1" bg2="dk2" tx1="dk1" tx2="lt2" folHlink="folHlink" hlink="hlink"/>
+  <p:clrMap bg1="lt1" tx1="dk1" bg2="dk2" tx2="lt2" accent1="accent1" accent2="accent2" accent3="accent3" accent4="accent4" accent5="accent5" accent6="accent6" hlink="hlink" folHlink="folHlink"/>
   <p:notesStyle>
-    <a:defPPr lvl="0" marR="0" rtl="0" algn="l">
+    <a:defPPr marR="0" lvl="0" algn="l" rtl="0">
       <a:lnSpc>
         <a:spcPct val="100000"/>
       </a:lnSpc>
@@ -486,7 +495,7 @@
         <a:spcPts val="0"/>
       </a:spcAft>
     </a:defPPr>
-    <a:lvl1pPr lvl="0" marR="0" rtl="0" algn="l">
+    <a:lvl1pPr marR="0" lvl="0" algn="l" rtl="0">
       <a:lnSpc>
         <a:spcPct val="100000"/>
       </a:lnSpc>
@@ -499,18 +508,18 @@
       <a:buClr>
         <a:srgbClr val="000000"/>
       </a:buClr>
-      <a:buFont typeface="Arial"/>
-      <a:defRPr b="0" i="0" sz="1400" u="none" cap="none" strike="noStrike">
+      <a:buFont typeface="Arial" panose="020B0604020202020204"/>
+      <a:defRPr sz="1400" b="0" i="0" u="none" strike="noStrike" cap="none">
         <a:solidFill>
           <a:srgbClr val="000000"/>
         </a:solidFill>
-        <a:latin typeface="Arial"/>
-        <a:ea typeface="Arial"/>
-        <a:cs typeface="Arial"/>
-        <a:sym typeface="Arial"/>
+        <a:latin typeface="Arial" panose="020B0604020202020204"/>
+        <a:ea typeface="Arial" panose="020B0604020202020204"/>
+        <a:cs typeface="Arial" panose="020B0604020202020204"/>
+        <a:sym typeface="Arial" panose="020B0604020202020204"/>
       </a:defRPr>
     </a:lvl1pPr>
-    <a:lvl2pPr lvl="1" marR="0" rtl="0" algn="l">
+    <a:lvl2pPr marR="0" lvl="1" algn="l" rtl="0">
       <a:lnSpc>
         <a:spcPct val="100000"/>
       </a:lnSpc>
@@ -523,18 +532,18 @@
       <a:buClr>
         <a:srgbClr val="000000"/>
       </a:buClr>
-      <a:buFont typeface="Arial"/>
-      <a:defRPr b="0" i="0" sz="1400" u="none" cap="none" strike="noStrike">
+      <a:buFont typeface="Arial" panose="020B0604020202020204"/>
+      <a:defRPr sz="1400" b="0" i="0" u="none" strike="noStrike" cap="none">
         <a:solidFill>
           <a:srgbClr val="000000"/>
         </a:solidFill>
-        <a:latin typeface="Arial"/>
-        <a:ea typeface="Arial"/>
-        <a:cs typeface="Arial"/>
-        <a:sym typeface="Arial"/>
+        <a:latin typeface="Arial" panose="020B0604020202020204"/>
+        <a:ea typeface="Arial" panose="020B0604020202020204"/>
+        <a:cs typeface="Arial" panose="020B0604020202020204"/>
+        <a:sym typeface="Arial" panose="020B0604020202020204"/>
       </a:defRPr>
     </a:lvl2pPr>
-    <a:lvl3pPr lvl="2" marR="0" rtl="0" algn="l">
+    <a:lvl3pPr marR="0" lvl="2" algn="l" rtl="0">
       <a:lnSpc>
         <a:spcPct val="100000"/>
       </a:lnSpc>
@@ -547,18 +556,18 @@
       <a:buClr>
         <a:srgbClr val="000000"/>
       </a:buClr>
-      <a:buFont typeface="Arial"/>
-      <a:defRPr b="0" i="0" sz="1400" u="none" cap="none" strike="noStrike">
+      <a:buFont typeface="Arial" panose="020B0604020202020204"/>
+      <a:defRPr sz="1400" b="0" i="0" u="none" strike="noStrike" cap="none">
         <a:solidFill>
           <a:srgbClr val="000000"/>
         </a:solidFill>
-        <a:latin typeface="Arial"/>
-        <a:ea typeface="Arial"/>
-        <a:cs typeface="Arial"/>
-        <a:sym typeface="Arial"/>
+        <a:latin typeface="Arial" panose="020B0604020202020204"/>
+        <a:ea typeface="Arial" panose="020B0604020202020204"/>
+        <a:cs typeface="Arial" panose="020B0604020202020204"/>
+        <a:sym typeface="Arial" panose="020B0604020202020204"/>
       </a:defRPr>
     </a:lvl3pPr>
-    <a:lvl4pPr lvl="3" marR="0" rtl="0" algn="l">
+    <a:lvl4pPr marR="0" lvl="3" algn="l" rtl="0">
       <a:lnSpc>
         <a:spcPct val="100000"/>
       </a:lnSpc>
@@ -571,18 +580,18 @@
       <a:buClr>
         <a:srgbClr val="000000"/>
       </a:buClr>
-      <a:buFont typeface="Arial"/>
-      <a:defRPr b="0" i="0" sz="1400" u="none" cap="none" strike="noStrike">
+      <a:buFont typeface="Arial" panose="020B0604020202020204"/>
+      <a:defRPr sz="1400" b="0" i="0" u="none" strike="noStrike" cap="none">
         <a:solidFill>
           <a:srgbClr val="000000"/>
         </a:solidFill>
-        <a:latin typeface="Arial"/>
-        <a:ea typeface="Arial"/>
-        <a:cs typeface="Arial"/>
-        <a:sym typeface="Arial"/>
+        <a:latin typeface="Arial" panose="020B0604020202020204"/>
+        <a:ea typeface="Arial" panose="020B0604020202020204"/>
+        <a:cs typeface="Arial" panose="020B0604020202020204"/>
+        <a:sym typeface="Arial" panose="020B0604020202020204"/>
       </a:defRPr>
     </a:lvl4pPr>
-    <a:lvl5pPr lvl="4" marR="0" rtl="0" algn="l">
+    <a:lvl5pPr marR="0" lvl="4" algn="l" rtl="0">
       <a:lnSpc>
         <a:spcPct val="100000"/>
       </a:lnSpc>
@@ -595,18 +604,18 @@
       <a:buClr>
         <a:srgbClr val="000000"/>
       </a:buClr>
-      <a:buFont typeface="Arial"/>
-      <a:defRPr b="0" i="0" sz="1400" u="none" cap="none" strike="noStrike">
+      <a:buFont typeface="Arial" panose="020B0604020202020204"/>
+      <a:defRPr sz="1400" b="0" i="0" u="none" strike="noStrike" cap="none">
         <a:solidFill>
           <a:srgbClr val="000000"/>
         </a:solidFill>
-        <a:latin typeface="Arial"/>
-        <a:ea typeface="Arial"/>
-        <a:cs typeface="Arial"/>
-        <a:sym typeface="Arial"/>
+        <a:latin typeface="Arial" panose="020B0604020202020204"/>
+        <a:ea typeface="Arial" panose="020B0604020202020204"/>
+        <a:cs typeface="Arial" panose="020B0604020202020204"/>
+        <a:sym typeface="Arial" panose="020B0604020202020204"/>
       </a:defRPr>
     </a:lvl5pPr>
-    <a:lvl6pPr lvl="5" marR="0" rtl="0" algn="l">
+    <a:lvl6pPr marR="0" lvl="5" algn="l" rtl="0">
       <a:lnSpc>
         <a:spcPct val="100000"/>
       </a:lnSpc>
@@ -619,18 +628,18 @@
       <a:buClr>
         <a:srgbClr val="000000"/>
       </a:buClr>
-      <a:buFont typeface="Arial"/>
-      <a:defRPr b="0" i="0" sz="1400" u="none" cap="none" strike="noStrike">
+      <a:buFont typeface="Arial" panose="020B0604020202020204"/>
+      <a:defRPr sz="1400" b="0" i="0" u="none" strike="noStrike" cap="none">
         <a:solidFill>
           <a:srgbClr val="000000"/>
         </a:solidFill>
-        <a:latin typeface="Arial"/>
-        <a:ea typeface="Arial"/>
-        <a:cs typeface="Arial"/>
-        <a:sym typeface="Arial"/>
+        <a:latin typeface="Arial" panose="020B0604020202020204"/>
+        <a:ea typeface="Arial" panose="020B0604020202020204"/>
+        <a:cs typeface="Arial" panose="020B0604020202020204"/>
+        <a:sym typeface="Arial" panose="020B0604020202020204"/>
       </a:defRPr>
     </a:lvl6pPr>
-    <a:lvl7pPr lvl="6" marR="0" rtl="0" algn="l">
+    <a:lvl7pPr marR="0" lvl="6" algn="l" rtl="0">
       <a:lnSpc>
         <a:spcPct val="100000"/>
       </a:lnSpc>
@@ -643,18 +652,18 @@
       <a:buClr>
         <a:srgbClr val="000000"/>
       </a:buClr>
-      <a:buFont typeface="Arial"/>
-      <a:defRPr b="0" i="0" sz="1400" u="none" cap="none" strike="noStrike">
+      <a:buFont typeface="Arial" panose="020B0604020202020204"/>
+      <a:defRPr sz="1400" b="0" i="0" u="none" strike="noStrike" cap="none">
         <a:solidFill>
           <a:srgbClr val="000000"/>
         </a:solidFill>
-        <a:latin typeface="Arial"/>
-        <a:ea typeface="Arial"/>
-        <a:cs typeface="Arial"/>
-        <a:sym typeface="Arial"/>
+        <a:latin typeface="Arial" panose="020B0604020202020204"/>
+        <a:ea typeface="Arial" panose="020B0604020202020204"/>
+        <a:cs typeface="Arial" panose="020B0604020202020204"/>
+        <a:sym typeface="Arial" panose="020B0604020202020204"/>
       </a:defRPr>
     </a:lvl7pPr>
-    <a:lvl8pPr lvl="7" marR="0" rtl="0" algn="l">
+    <a:lvl8pPr marR="0" lvl="7" algn="l" rtl="0">
       <a:lnSpc>
         <a:spcPct val="100000"/>
       </a:lnSpc>
@@ -667,18 +676,18 @@
       <a:buClr>
         <a:srgbClr val="000000"/>
       </a:buClr>
-      <a:buFont typeface="Arial"/>
-      <a:defRPr b="0" i="0" sz="1400" u="none" cap="none" strike="noStrike">
+      <a:buFont typeface="Arial" panose="020B0604020202020204"/>
+      <a:defRPr sz="1400" b="0" i="0" u="none" strike="noStrike" cap="none">
         <a:solidFill>
           <a:srgbClr val="000000"/>
         </a:solidFill>
-        <a:latin typeface="Arial"/>
-        <a:ea typeface="Arial"/>
-        <a:cs typeface="Arial"/>
-        <a:sym typeface="Arial"/>
+        <a:latin typeface="Arial" panose="020B0604020202020204"/>
+        <a:ea typeface="Arial" panose="020B0604020202020204"/>
+        <a:cs typeface="Arial" panose="020B0604020202020204"/>
+        <a:sym typeface="Arial" panose="020B0604020202020204"/>
       </a:defRPr>
     </a:lvl8pPr>
-    <a:lvl9pPr lvl="8" marR="0" rtl="0" algn="l">
+    <a:lvl9pPr marR="0" lvl="8" algn="l" rtl="0">
       <a:lnSpc>
         <a:spcPct val="100000"/>
       </a:lnSpc>
@@ -691,15 +700,15 @@
       <a:buClr>
         <a:srgbClr val="000000"/>
       </a:buClr>
-      <a:buFont typeface="Arial"/>
-      <a:defRPr b="0" i="0" sz="1400" u="none" cap="none" strike="noStrike">
+      <a:buFont typeface="Arial" panose="020B0604020202020204"/>
+      <a:defRPr sz="1400" b="0" i="0" u="none" strike="noStrike" cap="none">
         <a:solidFill>
           <a:srgbClr val="000000"/>
         </a:solidFill>
-        <a:latin typeface="Arial"/>
-        <a:ea typeface="Arial"/>
-        <a:cs typeface="Arial"/>
-        <a:sym typeface="Arial"/>
+        <a:latin typeface="Arial" panose="020B0604020202020204"/>
+        <a:ea typeface="Arial" panose="020B0604020202020204"/>
+        <a:cs typeface="Arial" panose="020B0604020202020204"/>
+        <a:sym typeface="Arial" panose="020B0604020202020204"/>
       </a:defRPr>
     </a:lvl9pPr>
   </p:notesStyle>
@@ -707,7 +716,7 @@
 </file>
 
 <file path=ppt/notesSlides/notesSlide1.xml><?xml version="1.0" encoding="utf-8"?>
-<p:notes xmlns:a="http://schemas.openxmlformats.org/drawingml/2006/main" xmlns:r="http://schemas.openxmlformats.org/officeDocument/2006/relationships" xmlns:mc="http://schemas.openxmlformats.org/markup-compatibility/2006" xmlns:mv="urn:schemas-microsoft-com:mac:vml" xmlns:p="http://schemas.openxmlformats.org/presentationml/2006/main" xmlns:c="http://schemas.openxmlformats.org/drawingml/2006/chart" xmlns:dgm="http://schemas.openxmlformats.org/drawingml/2006/diagram" xmlns:o="urn:schemas-microsoft-com:office:office" xmlns:v="urn:schemas-microsoft-com:vml" xmlns:pvml="urn:schemas-microsoft-com:office:powerpoint" xmlns:com="http://schemas.openxmlformats.org/drawingml/2006/compatibility" xmlns:p14="http://schemas.microsoft.com/office/powerpoint/2010/main" xmlns:p15="http://schemas.microsoft.com/office/powerpoint/2012/main" xmlns:ahyp="http://schemas.microsoft.com/office/drawing/2018/hyperlinkcolor" showMasterPhAnim="0" showMasterSp="0">
+<p:notes xmlns:a="http://schemas.openxmlformats.org/drawingml/2006/main" xmlns:r="http://schemas.openxmlformats.org/officeDocument/2006/relationships" xmlns:p="http://schemas.openxmlformats.org/presentationml/2006/main" showMasterPhAnim="0" showMasterSp="0">
   <p:cSld>
     <p:spTree>
       <p:nvGrpSpPr>
@@ -728,7 +737,7 @@
           <p:cNvPr id="51" name="Google Shape;51;p:notes"/>
           <p:cNvSpPr/>
           <p:nvPr>
-            <p:ph idx="2" type="sldImg"/>
+            <p:ph type="sldImg" idx="2"/>
           </p:nvPr>
         </p:nvSpPr>
         <p:spPr>
@@ -737,9 +746,13 @@
             <a:ext cx="6096075" cy="3429000"/>
           </a:xfrm>
           <a:custGeom>
-            <a:rect b="b" l="l" r="r" t="t"/>
+            <a:avLst/>
+            <a:gdLst/>
+            <a:ahLst/>
+            <a:cxnLst/>
+            <a:rect l="l" t="t" r="r" b="b"/>
             <a:pathLst>
-              <a:path extrusionOk="0" h="120000" w="120000">
+              <a:path w="120000" h="120000" extrusionOk="0">
                 <a:moveTo>
                   <a:pt x="0" y="0"/>
                 </a:moveTo>
@@ -763,7 +776,7 @@
           <p:cNvPr id="52" name="Google Shape;52;p:notes"/>
           <p:cNvSpPr txBox="1"/>
           <p:nvPr>
-            <p:ph idx="1" type="body"/>
+            <p:ph type="body" idx="1"/>
           </p:nvPr>
         </p:nvSpPr>
         <p:spPr>
@@ -776,12 +789,12 @@
           </a:prstGeom>
         </p:spPr>
         <p:txBody>
-          <a:bodyPr anchorCtr="0" anchor="t" bIns="91425" lIns="91425" spcFirstLastPara="1" rIns="91425" wrap="square" tIns="91425">
+          <a:bodyPr spcFirstLastPara="1" wrap="square" lIns="91425" tIns="91425" rIns="91425" bIns="91425" anchor="t" anchorCtr="0">
             <a:noAutofit/>
           </a:bodyPr>
           <a:lstStyle/>
           <a:p>
-            <a:pPr indent="0" lvl="0" marL="0" rtl="0" algn="l">
+            <a:pPr marL="0" lvl="0" indent="0" algn="l" rtl="0">
               <a:spcBef>
                 <a:spcPts val="0"/>
               </a:spcBef>
@@ -790,10 +803,6 @@
               </a:spcAft>
               <a:buNone/>
             </a:pPr>
-            <a:r>
-              <a:t/>
-            </a:r>
-            <a:endParaRPr/>
           </a:p>
         </p:txBody>
       </p:sp>
@@ -806,7 +815,7 @@
 </file>
 
 <file path=ppt/notesSlides/notesSlide10.xml><?xml version="1.0" encoding="utf-8"?>
-<p:notes xmlns:a="http://schemas.openxmlformats.org/drawingml/2006/main" xmlns:r="http://schemas.openxmlformats.org/officeDocument/2006/relationships" xmlns:mc="http://schemas.openxmlformats.org/markup-compatibility/2006" xmlns:mv="urn:schemas-microsoft-com:mac:vml" xmlns:p="http://schemas.openxmlformats.org/presentationml/2006/main" xmlns:c="http://schemas.openxmlformats.org/drawingml/2006/chart" xmlns:dgm="http://schemas.openxmlformats.org/drawingml/2006/diagram" xmlns:o="urn:schemas-microsoft-com:office:office" xmlns:v="urn:schemas-microsoft-com:vml" xmlns:pvml="urn:schemas-microsoft-com:office:powerpoint" xmlns:com="http://schemas.openxmlformats.org/drawingml/2006/compatibility" xmlns:p14="http://schemas.microsoft.com/office/powerpoint/2010/main" xmlns:p15="http://schemas.microsoft.com/office/powerpoint/2012/main" xmlns:ahyp="http://schemas.microsoft.com/office/drawing/2018/hyperlinkcolor" showMasterPhAnim="0" showMasterSp="0">
+<p:notes xmlns:a="http://schemas.openxmlformats.org/drawingml/2006/main" xmlns:r="http://schemas.openxmlformats.org/officeDocument/2006/relationships" xmlns:p="http://schemas.openxmlformats.org/presentationml/2006/main" showMasterPhAnim="0" showMasterSp="0">
   <p:cSld>
     <p:spTree>
       <p:nvGrpSpPr>
@@ -827,7 +836,7 @@
           <p:cNvPr id="102" name="Google Shape;102;g2e21b1c91c8_0_500:notes"/>
           <p:cNvSpPr/>
           <p:nvPr>
-            <p:ph idx="2" type="sldImg"/>
+            <p:ph type="sldImg" idx="2"/>
           </p:nvPr>
         </p:nvSpPr>
         <p:spPr>
@@ -836,9 +845,13 @@
             <a:ext cx="6096000" cy="3429000"/>
           </a:xfrm>
           <a:custGeom>
-            <a:rect b="b" l="l" r="r" t="t"/>
+            <a:avLst/>
+            <a:gdLst/>
+            <a:ahLst/>
+            <a:cxnLst/>
+            <a:rect l="l" t="t" r="r" b="b"/>
             <a:pathLst>
-              <a:path extrusionOk="0" h="120000" w="120000">
+              <a:path w="120000" h="120000" extrusionOk="0">
                 <a:moveTo>
                   <a:pt x="0" y="0"/>
                 </a:moveTo>
@@ -862,7 +875,7 @@
           <p:cNvPr id="103" name="Google Shape;103;g2e21b1c91c8_0_500:notes"/>
           <p:cNvSpPr txBox="1"/>
           <p:nvPr>
-            <p:ph idx="1" type="body"/>
+            <p:ph type="body" idx="1"/>
           </p:nvPr>
         </p:nvSpPr>
         <p:spPr>
@@ -875,12 +888,12 @@
           </a:prstGeom>
         </p:spPr>
         <p:txBody>
-          <a:bodyPr anchorCtr="0" anchor="t" bIns="91425" lIns="91425" spcFirstLastPara="1" rIns="91425" wrap="square" tIns="91425">
+          <a:bodyPr spcFirstLastPara="1" wrap="square" lIns="91425" tIns="91425" rIns="91425" bIns="91425" anchor="t" anchorCtr="0">
             <a:noAutofit/>
           </a:bodyPr>
           <a:lstStyle/>
           <a:p>
-            <a:pPr indent="0" lvl="0" marL="0" rtl="0" algn="l">
+            <a:pPr marL="0" lvl="0" indent="0" algn="l" rtl="0">
               <a:spcBef>
                 <a:spcPts val="0"/>
               </a:spcBef>
@@ -889,10 +902,6 @@
               </a:spcAft>
               <a:buNone/>
             </a:pPr>
-            <a:r>
-              <a:t/>
-            </a:r>
-            <a:endParaRPr/>
           </a:p>
         </p:txBody>
       </p:sp>
@@ -905,7 +914,7 @@
 </file>
 
 <file path=ppt/notesSlides/notesSlide11.xml><?xml version="1.0" encoding="utf-8"?>
-<p:notes xmlns:a="http://schemas.openxmlformats.org/drawingml/2006/main" xmlns:r="http://schemas.openxmlformats.org/officeDocument/2006/relationships" xmlns:mc="http://schemas.openxmlformats.org/markup-compatibility/2006" xmlns:mv="urn:schemas-microsoft-com:mac:vml" xmlns:p="http://schemas.openxmlformats.org/presentationml/2006/main" xmlns:c="http://schemas.openxmlformats.org/drawingml/2006/chart" xmlns:dgm="http://schemas.openxmlformats.org/drawingml/2006/diagram" xmlns:o="urn:schemas-microsoft-com:office:office" xmlns:v="urn:schemas-microsoft-com:vml" xmlns:pvml="urn:schemas-microsoft-com:office:powerpoint" xmlns:com="http://schemas.openxmlformats.org/drawingml/2006/compatibility" xmlns:p14="http://schemas.microsoft.com/office/powerpoint/2010/main" xmlns:p15="http://schemas.microsoft.com/office/powerpoint/2012/main" xmlns:ahyp="http://schemas.microsoft.com/office/drawing/2018/hyperlinkcolor" showMasterPhAnim="0" showMasterSp="0">
+<p:notes xmlns:a="http://schemas.openxmlformats.org/drawingml/2006/main" xmlns:r="http://schemas.openxmlformats.org/officeDocument/2006/relationships" xmlns:p="http://schemas.openxmlformats.org/presentationml/2006/main" showMasterPhAnim="0" showMasterSp="0">
   <p:cSld>
     <p:spTree>
       <p:nvGrpSpPr>
@@ -926,7 +935,7 @@
           <p:cNvPr id="109" name="Google Shape;109;g2e21b1c91c8_0_525:notes"/>
           <p:cNvSpPr/>
           <p:nvPr>
-            <p:ph idx="2" type="sldImg"/>
+            <p:ph type="sldImg" idx="2"/>
           </p:nvPr>
         </p:nvSpPr>
         <p:spPr>
@@ -935,9 +944,13 @@
             <a:ext cx="6096000" cy="3429000"/>
           </a:xfrm>
           <a:custGeom>
-            <a:rect b="b" l="l" r="r" t="t"/>
+            <a:avLst/>
+            <a:gdLst/>
+            <a:ahLst/>
+            <a:cxnLst/>
+            <a:rect l="l" t="t" r="r" b="b"/>
             <a:pathLst>
-              <a:path extrusionOk="0" h="120000" w="120000">
+              <a:path w="120000" h="120000" extrusionOk="0">
                 <a:moveTo>
                   <a:pt x="0" y="0"/>
                 </a:moveTo>
@@ -961,7 +974,7 @@
           <p:cNvPr id="110" name="Google Shape;110;g2e21b1c91c8_0_525:notes"/>
           <p:cNvSpPr txBox="1"/>
           <p:nvPr>
-            <p:ph idx="1" type="body"/>
+            <p:ph type="body" idx="1"/>
           </p:nvPr>
         </p:nvSpPr>
         <p:spPr>
@@ -974,12 +987,12 @@
           </a:prstGeom>
         </p:spPr>
         <p:txBody>
-          <a:bodyPr anchorCtr="0" anchor="t" bIns="91425" lIns="91425" spcFirstLastPara="1" rIns="91425" wrap="square" tIns="91425">
+          <a:bodyPr spcFirstLastPara="1" wrap="square" lIns="91425" tIns="91425" rIns="91425" bIns="91425" anchor="t" anchorCtr="0">
             <a:noAutofit/>
           </a:bodyPr>
           <a:lstStyle/>
           <a:p>
-            <a:pPr indent="0" lvl="0" marL="0" rtl="0" algn="l">
+            <a:pPr marL="0" lvl="0" indent="0" algn="l" rtl="0">
               <a:spcBef>
                 <a:spcPts val="0"/>
               </a:spcBef>
@@ -988,10 +1001,6 @@
               </a:spcAft>
               <a:buNone/>
             </a:pPr>
-            <a:r>
-              <a:t/>
-            </a:r>
-            <a:endParaRPr/>
           </a:p>
         </p:txBody>
       </p:sp>
@@ -1004,7 +1013,7 @@
 </file>
 
 <file path=ppt/notesSlides/notesSlide12.xml><?xml version="1.0" encoding="utf-8"?>
-<p:notes xmlns:a="http://schemas.openxmlformats.org/drawingml/2006/main" xmlns:r="http://schemas.openxmlformats.org/officeDocument/2006/relationships" xmlns:mc="http://schemas.openxmlformats.org/markup-compatibility/2006" xmlns:mv="urn:schemas-microsoft-com:mac:vml" xmlns:p="http://schemas.openxmlformats.org/presentationml/2006/main" xmlns:c="http://schemas.openxmlformats.org/drawingml/2006/chart" xmlns:dgm="http://schemas.openxmlformats.org/drawingml/2006/diagram" xmlns:o="urn:schemas-microsoft-com:office:office" xmlns:v="urn:schemas-microsoft-com:vml" xmlns:pvml="urn:schemas-microsoft-com:office:powerpoint" xmlns:com="http://schemas.openxmlformats.org/drawingml/2006/compatibility" xmlns:p14="http://schemas.microsoft.com/office/powerpoint/2010/main" xmlns:p15="http://schemas.microsoft.com/office/powerpoint/2012/main" xmlns:ahyp="http://schemas.microsoft.com/office/drawing/2018/hyperlinkcolor" showMasterPhAnim="0" showMasterSp="0">
+<p:notes xmlns:a="http://schemas.openxmlformats.org/drawingml/2006/main" xmlns:r="http://schemas.openxmlformats.org/officeDocument/2006/relationships" xmlns:p="http://schemas.openxmlformats.org/presentationml/2006/main" showMasterPhAnim="0" showMasterSp="0">
   <p:cSld>
     <p:spTree>
       <p:nvGrpSpPr>
@@ -1025,7 +1034,7 @@
           <p:cNvPr id="115" name="Google Shape;115;g2e21b1c91c8_0_514:notes"/>
           <p:cNvSpPr/>
           <p:nvPr>
-            <p:ph idx="2" type="sldImg"/>
+            <p:ph type="sldImg" idx="2"/>
           </p:nvPr>
         </p:nvSpPr>
         <p:spPr>
@@ -1034,9 +1043,13 @@
             <a:ext cx="6096000" cy="3429000"/>
           </a:xfrm>
           <a:custGeom>
-            <a:rect b="b" l="l" r="r" t="t"/>
+            <a:avLst/>
+            <a:gdLst/>
+            <a:ahLst/>
+            <a:cxnLst/>
+            <a:rect l="l" t="t" r="r" b="b"/>
             <a:pathLst>
-              <a:path extrusionOk="0" h="120000" w="120000">
+              <a:path w="120000" h="120000" extrusionOk="0">
                 <a:moveTo>
                   <a:pt x="0" y="0"/>
                 </a:moveTo>
@@ -1060,7 +1073,7 @@
           <p:cNvPr id="116" name="Google Shape;116;g2e21b1c91c8_0_514:notes"/>
           <p:cNvSpPr txBox="1"/>
           <p:nvPr>
-            <p:ph idx="1" type="body"/>
+            <p:ph type="body" idx="1"/>
           </p:nvPr>
         </p:nvSpPr>
         <p:spPr>
@@ -1073,12 +1086,12 @@
           </a:prstGeom>
         </p:spPr>
         <p:txBody>
-          <a:bodyPr anchorCtr="0" anchor="t" bIns="91425" lIns="91425" spcFirstLastPara="1" rIns="91425" wrap="square" tIns="91425">
+          <a:bodyPr spcFirstLastPara="1" wrap="square" lIns="91425" tIns="91425" rIns="91425" bIns="91425" anchor="t" anchorCtr="0">
             <a:noAutofit/>
           </a:bodyPr>
           <a:lstStyle/>
           <a:p>
-            <a:pPr indent="0" lvl="0" marL="0" rtl="0" algn="l">
+            <a:pPr marL="0" lvl="0" indent="0" algn="l" rtl="0">
               <a:spcBef>
                 <a:spcPts val="0"/>
               </a:spcBef>
@@ -1087,10 +1100,6 @@
               </a:spcAft>
               <a:buNone/>
             </a:pPr>
-            <a:r>
-              <a:t/>
-            </a:r>
-            <a:endParaRPr/>
           </a:p>
         </p:txBody>
       </p:sp>
@@ -1103,7 +1112,7 @@
 </file>
 
 <file path=ppt/notesSlides/notesSlide13.xml><?xml version="1.0" encoding="utf-8"?>
-<p:notes xmlns:a="http://schemas.openxmlformats.org/drawingml/2006/main" xmlns:r="http://schemas.openxmlformats.org/officeDocument/2006/relationships" xmlns:mc="http://schemas.openxmlformats.org/markup-compatibility/2006" xmlns:mv="urn:schemas-microsoft-com:mac:vml" xmlns:p="http://schemas.openxmlformats.org/presentationml/2006/main" xmlns:c="http://schemas.openxmlformats.org/drawingml/2006/chart" xmlns:dgm="http://schemas.openxmlformats.org/drawingml/2006/diagram" xmlns:o="urn:schemas-microsoft-com:office:office" xmlns:v="urn:schemas-microsoft-com:vml" xmlns:pvml="urn:schemas-microsoft-com:office:powerpoint" xmlns:com="http://schemas.openxmlformats.org/drawingml/2006/compatibility" xmlns:p14="http://schemas.microsoft.com/office/powerpoint/2010/main" xmlns:p15="http://schemas.microsoft.com/office/powerpoint/2012/main" xmlns:ahyp="http://schemas.microsoft.com/office/drawing/2018/hyperlinkcolor" showMasterPhAnim="0" showMasterSp="0">
+<p:notes xmlns:a="http://schemas.openxmlformats.org/drawingml/2006/main" xmlns:r="http://schemas.openxmlformats.org/officeDocument/2006/relationships" xmlns:p="http://schemas.openxmlformats.org/presentationml/2006/main" showMasterPhAnim="0" showMasterSp="0">
   <p:cSld>
     <p:spTree>
       <p:nvGrpSpPr>
@@ -1124,7 +1133,7 @@
           <p:cNvPr id="120" name="Google Shape;120;g2e21b1c91c8_0_478:notes"/>
           <p:cNvSpPr/>
           <p:nvPr>
-            <p:ph idx="2" type="sldImg"/>
+            <p:ph type="sldImg" idx="2"/>
           </p:nvPr>
         </p:nvSpPr>
         <p:spPr>
@@ -1133,9 +1142,13 @@
             <a:ext cx="6096000" cy="3429000"/>
           </a:xfrm>
           <a:custGeom>
-            <a:rect b="b" l="l" r="r" t="t"/>
+            <a:avLst/>
+            <a:gdLst/>
+            <a:ahLst/>
+            <a:cxnLst/>
+            <a:rect l="l" t="t" r="r" b="b"/>
             <a:pathLst>
-              <a:path extrusionOk="0" h="120000" w="120000">
+              <a:path w="120000" h="120000" extrusionOk="0">
                 <a:moveTo>
                   <a:pt x="0" y="0"/>
                 </a:moveTo>
@@ -1159,7 +1172,7 @@
           <p:cNvPr id="121" name="Google Shape;121;g2e21b1c91c8_0_478:notes"/>
           <p:cNvSpPr txBox="1"/>
           <p:nvPr>
-            <p:ph idx="1" type="body"/>
+            <p:ph type="body" idx="1"/>
           </p:nvPr>
         </p:nvSpPr>
         <p:spPr>
@@ -1172,12 +1185,12 @@
           </a:prstGeom>
         </p:spPr>
         <p:txBody>
-          <a:bodyPr anchorCtr="0" anchor="t" bIns="91425" lIns="91425" spcFirstLastPara="1" rIns="91425" wrap="square" tIns="91425">
+          <a:bodyPr spcFirstLastPara="1" wrap="square" lIns="91425" tIns="91425" rIns="91425" bIns="91425" anchor="t" anchorCtr="0">
             <a:noAutofit/>
           </a:bodyPr>
           <a:lstStyle/>
           <a:p>
-            <a:pPr indent="0" lvl="0" marL="0" rtl="0" algn="l">
+            <a:pPr marL="0" lvl="0" indent="0" algn="l" rtl="0">
               <a:spcBef>
                 <a:spcPts val="0"/>
               </a:spcBef>
@@ -1186,10 +1199,6 @@
               </a:spcAft>
               <a:buNone/>
             </a:pPr>
-            <a:r>
-              <a:t/>
-            </a:r>
-            <a:endParaRPr/>
           </a:p>
         </p:txBody>
       </p:sp>
@@ -1202,7 +1211,7 @@
 </file>
 
 <file path=ppt/notesSlides/notesSlide14.xml><?xml version="1.0" encoding="utf-8"?>
-<p:notes xmlns:a="http://schemas.openxmlformats.org/drawingml/2006/main" xmlns:r="http://schemas.openxmlformats.org/officeDocument/2006/relationships" xmlns:mc="http://schemas.openxmlformats.org/markup-compatibility/2006" xmlns:mv="urn:schemas-microsoft-com:mac:vml" xmlns:p="http://schemas.openxmlformats.org/presentationml/2006/main" xmlns:c="http://schemas.openxmlformats.org/drawingml/2006/chart" xmlns:dgm="http://schemas.openxmlformats.org/drawingml/2006/diagram" xmlns:o="urn:schemas-microsoft-com:office:office" xmlns:v="urn:schemas-microsoft-com:vml" xmlns:pvml="urn:schemas-microsoft-com:office:powerpoint" xmlns:com="http://schemas.openxmlformats.org/drawingml/2006/compatibility" xmlns:p14="http://schemas.microsoft.com/office/powerpoint/2010/main" xmlns:p15="http://schemas.microsoft.com/office/powerpoint/2012/main" xmlns:ahyp="http://schemas.microsoft.com/office/drawing/2018/hyperlinkcolor" showMasterPhAnim="0" showMasterSp="0">
+<p:notes xmlns:a="http://schemas.openxmlformats.org/drawingml/2006/main" xmlns:r="http://schemas.openxmlformats.org/officeDocument/2006/relationships" xmlns:p="http://schemas.openxmlformats.org/presentationml/2006/main" showMasterPhAnim="0" showMasterSp="0">
   <p:cSld>
     <p:spTree>
       <p:nvGrpSpPr>
@@ -1223,7 +1232,7 @@
           <p:cNvPr id="126" name="Google Shape;126;g2e21b1c91c8_0_569:notes"/>
           <p:cNvSpPr/>
           <p:nvPr>
-            <p:ph idx="2" type="sldImg"/>
+            <p:ph type="sldImg" idx="2"/>
           </p:nvPr>
         </p:nvSpPr>
         <p:spPr>
@@ -1232,9 +1241,13 @@
             <a:ext cx="6096000" cy="3429000"/>
           </a:xfrm>
           <a:custGeom>
-            <a:rect b="b" l="l" r="r" t="t"/>
+            <a:avLst/>
+            <a:gdLst/>
+            <a:ahLst/>
+            <a:cxnLst/>
+            <a:rect l="l" t="t" r="r" b="b"/>
             <a:pathLst>
-              <a:path extrusionOk="0" h="120000" w="120000">
+              <a:path w="120000" h="120000" extrusionOk="0">
                 <a:moveTo>
                   <a:pt x="0" y="0"/>
                 </a:moveTo>
@@ -1258,7 +1271,7 @@
           <p:cNvPr id="127" name="Google Shape;127;g2e21b1c91c8_0_569:notes"/>
           <p:cNvSpPr txBox="1"/>
           <p:nvPr>
-            <p:ph idx="1" type="body"/>
+            <p:ph type="body" idx="1"/>
           </p:nvPr>
         </p:nvSpPr>
         <p:spPr>
@@ -1271,12 +1284,12 @@
           </a:prstGeom>
         </p:spPr>
         <p:txBody>
-          <a:bodyPr anchorCtr="0" anchor="t" bIns="91425" lIns="91425" spcFirstLastPara="1" rIns="91425" wrap="square" tIns="91425">
+          <a:bodyPr spcFirstLastPara="1" wrap="square" lIns="91425" tIns="91425" rIns="91425" bIns="91425" anchor="t" anchorCtr="0">
             <a:noAutofit/>
           </a:bodyPr>
           <a:lstStyle/>
           <a:p>
-            <a:pPr indent="0" lvl="0" marL="0" rtl="0" algn="l">
+            <a:pPr marL="0" lvl="0" indent="0" algn="l" rtl="0">
               <a:spcBef>
                 <a:spcPts val="0"/>
               </a:spcBef>
@@ -1285,10 +1298,6 @@
               </a:spcAft>
               <a:buNone/>
             </a:pPr>
-            <a:r>
-              <a:t/>
-            </a:r>
-            <a:endParaRPr/>
           </a:p>
         </p:txBody>
       </p:sp>
@@ -1301,7 +1310,7 @@
 </file>
 
 <file path=ppt/notesSlides/notesSlide15.xml><?xml version="1.0" encoding="utf-8"?>
-<p:notes xmlns:a="http://schemas.openxmlformats.org/drawingml/2006/main" xmlns:r="http://schemas.openxmlformats.org/officeDocument/2006/relationships" xmlns:mc="http://schemas.openxmlformats.org/markup-compatibility/2006" xmlns:mv="urn:schemas-microsoft-com:mac:vml" xmlns:p="http://schemas.openxmlformats.org/presentationml/2006/main" xmlns:c="http://schemas.openxmlformats.org/drawingml/2006/chart" xmlns:dgm="http://schemas.openxmlformats.org/drawingml/2006/diagram" xmlns:o="urn:schemas-microsoft-com:office:office" xmlns:v="urn:schemas-microsoft-com:vml" xmlns:pvml="urn:schemas-microsoft-com:office:powerpoint" xmlns:com="http://schemas.openxmlformats.org/drawingml/2006/compatibility" xmlns:p14="http://schemas.microsoft.com/office/powerpoint/2010/main" xmlns:p15="http://schemas.microsoft.com/office/powerpoint/2012/main" xmlns:ahyp="http://schemas.microsoft.com/office/drawing/2018/hyperlinkcolor" showMasterPhAnim="0" showMasterSp="0">
+<p:notes xmlns:a="http://schemas.openxmlformats.org/drawingml/2006/main" xmlns:r="http://schemas.openxmlformats.org/officeDocument/2006/relationships" xmlns:p="http://schemas.openxmlformats.org/presentationml/2006/main" showMasterPhAnim="0" showMasterSp="0">
   <p:cSld>
     <p:spTree>
       <p:nvGrpSpPr>
@@ -1322,7 +1331,7 @@
           <p:cNvPr id="132" name="Google Shape;132;g2e21b1c91c8_0_536:notes"/>
           <p:cNvSpPr/>
           <p:nvPr>
-            <p:ph idx="2" type="sldImg"/>
+            <p:ph type="sldImg" idx="2"/>
           </p:nvPr>
         </p:nvSpPr>
         <p:spPr>
@@ -1331,9 +1340,13 @@
             <a:ext cx="6096000" cy="3429000"/>
           </a:xfrm>
           <a:custGeom>
-            <a:rect b="b" l="l" r="r" t="t"/>
+            <a:avLst/>
+            <a:gdLst/>
+            <a:ahLst/>
+            <a:cxnLst/>
+            <a:rect l="l" t="t" r="r" b="b"/>
             <a:pathLst>
-              <a:path extrusionOk="0" h="120000" w="120000">
+              <a:path w="120000" h="120000" extrusionOk="0">
                 <a:moveTo>
                   <a:pt x="0" y="0"/>
                 </a:moveTo>
@@ -1357,7 +1370,7 @@
           <p:cNvPr id="133" name="Google Shape;133;g2e21b1c91c8_0_536:notes"/>
           <p:cNvSpPr txBox="1"/>
           <p:nvPr>
-            <p:ph idx="1" type="body"/>
+            <p:ph type="body" idx="1"/>
           </p:nvPr>
         </p:nvSpPr>
         <p:spPr>
@@ -1370,12 +1383,12 @@
           </a:prstGeom>
         </p:spPr>
         <p:txBody>
-          <a:bodyPr anchorCtr="0" anchor="t" bIns="91425" lIns="91425" spcFirstLastPara="1" rIns="91425" wrap="square" tIns="91425">
+          <a:bodyPr spcFirstLastPara="1" wrap="square" lIns="91425" tIns="91425" rIns="91425" bIns="91425" anchor="t" anchorCtr="0">
             <a:noAutofit/>
           </a:bodyPr>
           <a:lstStyle/>
           <a:p>
-            <a:pPr indent="0" lvl="0" marL="0" rtl="0" algn="l">
+            <a:pPr marL="0" lvl="0" indent="0" algn="l" rtl="0">
               <a:spcBef>
                 <a:spcPts val="0"/>
               </a:spcBef>
@@ -1384,10 +1397,6 @@
               </a:spcAft>
               <a:buNone/>
             </a:pPr>
-            <a:r>
-              <a:t/>
-            </a:r>
-            <a:endParaRPr/>
           </a:p>
         </p:txBody>
       </p:sp>
@@ -1400,7 +1409,7 @@
 </file>
 
 <file path=ppt/notesSlides/notesSlide16.xml><?xml version="1.0" encoding="utf-8"?>
-<p:notes xmlns:a="http://schemas.openxmlformats.org/drawingml/2006/main" xmlns:r="http://schemas.openxmlformats.org/officeDocument/2006/relationships" xmlns:mc="http://schemas.openxmlformats.org/markup-compatibility/2006" xmlns:mv="urn:schemas-microsoft-com:mac:vml" xmlns:p="http://schemas.openxmlformats.org/presentationml/2006/main" xmlns:c="http://schemas.openxmlformats.org/drawingml/2006/chart" xmlns:dgm="http://schemas.openxmlformats.org/drawingml/2006/diagram" xmlns:o="urn:schemas-microsoft-com:office:office" xmlns:v="urn:schemas-microsoft-com:vml" xmlns:pvml="urn:schemas-microsoft-com:office:powerpoint" xmlns:com="http://schemas.openxmlformats.org/drawingml/2006/compatibility" xmlns:p14="http://schemas.microsoft.com/office/powerpoint/2010/main" xmlns:p15="http://schemas.microsoft.com/office/powerpoint/2012/main" xmlns:ahyp="http://schemas.microsoft.com/office/drawing/2018/hyperlinkcolor" showMasterPhAnim="0" showMasterSp="0">
+<p:notes xmlns:a="http://schemas.openxmlformats.org/drawingml/2006/main" xmlns:r="http://schemas.openxmlformats.org/officeDocument/2006/relationships" xmlns:p="http://schemas.openxmlformats.org/presentationml/2006/main" showMasterPhAnim="0" showMasterSp="0">
   <p:cSld>
     <p:spTree>
       <p:nvGrpSpPr>
@@ -1421,7 +1430,7 @@
           <p:cNvPr id="138" name="Google Shape;138;g2e21b1c91c8_0_541:notes"/>
           <p:cNvSpPr/>
           <p:nvPr>
-            <p:ph idx="2" type="sldImg"/>
+            <p:ph type="sldImg" idx="2"/>
           </p:nvPr>
         </p:nvSpPr>
         <p:spPr>
@@ -1430,9 +1439,13 @@
             <a:ext cx="6096000" cy="3429000"/>
           </a:xfrm>
           <a:custGeom>
-            <a:rect b="b" l="l" r="r" t="t"/>
+            <a:avLst/>
+            <a:gdLst/>
+            <a:ahLst/>
+            <a:cxnLst/>
+            <a:rect l="l" t="t" r="r" b="b"/>
             <a:pathLst>
-              <a:path extrusionOk="0" h="120000" w="120000">
+              <a:path w="120000" h="120000" extrusionOk="0">
                 <a:moveTo>
                   <a:pt x="0" y="0"/>
                 </a:moveTo>
@@ -1456,7 +1469,7 @@
           <p:cNvPr id="139" name="Google Shape;139;g2e21b1c91c8_0_541:notes"/>
           <p:cNvSpPr txBox="1"/>
           <p:nvPr>
-            <p:ph idx="1" type="body"/>
+            <p:ph type="body" idx="1"/>
           </p:nvPr>
         </p:nvSpPr>
         <p:spPr>
@@ -1469,12 +1482,12 @@
           </a:prstGeom>
         </p:spPr>
         <p:txBody>
-          <a:bodyPr anchorCtr="0" anchor="t" bIns="91425" lIns="91425" spcFirstLastPara="1" rIns="91425" wrap="square" tIns="91425">
+          <a:bodyPr spcFirstLastPara="1" wrap="square" lIns="91425" tIns="91425" rIns="91425" bIns="91425" anchor="t" anchorCtr="0">
             <a:noAutofit/>
           </a:bodyPr>
           <a:lstStyle/>
           <a:p>
-            <a:pPr indent="0" lvl="0" marL="0" rtl="0" algn="l">
+            <a:pPr marL="0" lvl="0" indent="0" algn="l" rtl="0">
               <a:spcBef>
                 <a:spcPts val="0"/>
               </a:spcBef>
@@ -1483,10 +1496,6 @@
               </a:spcAft>
               <a:buNone/>
             </a:pPr>
-            <a:r>
-              <a:t/>
-            </a:r>
-            <a:endParaRPr/>
           </a:p>
         </p:txBody>
       </p:sp>
@@ -1499,7 +1508,7 @@
 </file>
 
 <file path=ppt/notesSlides/notesSlide17.xml><?xml version="1.0" encoding="utf-8"?>
-<p:notes xmlns:a="http://schemas.openxmlformats.org/drawingml/2006/main" xmlns:r="http://schemas.openxmlformats.org/officeDocument/2006/relationships" xmlns:mc="http://schemas.openxmlformats.org/markup-compatibility/2006" xmlns:mv="urn:schemas-microsoft-com:mac:vml" xmlns:p="http://schemas.openxmlformats.org/presentationml/2006/main" xmlns:c="http://schemas.openxmlformats.org/drawingml/2006/chart" xmlns:dgm="http://schemas.openxmlformats.org/drawingml/2006/diagram" xmlns:o="urn:schemas-microsoft-com:office:office" xmlns:v="urn:schemas-microsoft-com:vml" xmlns:pvml="urn:schemas-microsoft-com:office:powerpoint" xmlns:com="http://schemas.openxmlformats.org/drawingml/2006/compatibility" xmlns:p14="http://schemas.microsoft.com/office/powerpoint/2010/main" xmlns:p15="http://schemas.microsoft.com/office/powerpoint/2012/main" xmlns:ahyp="http://schemas.microsoft.com/office/drawing/2018/hyperlinkcolor" showMasterPhAnim="0" showMasterSp="0">
+<p:notes xmlns:a="http://schemas.openxmlformats.org/drawingml/2006/main" xmlns:r="http://schemas.openxmlformats.org/officeDocument/2006/relationships" xmlns:p="http://schemas.openxmlformats.org/presentationml/2006/main" showMasterPhAnim="0" showMasterSp="0">
   <p:cSld>
     <p:spTree>
       <p:nvGrpSpPr>
@@ -1520,7 +1529,7 @@
           <p:cNvPr id="144" name="Google Shape;144;g2e21b1c91c8_0_544:notes"/>
           <p:cNvSpPr/>
           <p:nvPr>
-            <p:ph idx="2" type="sldImg"/>
+            <p:ph type="sldImg" idx="2"/>
           </p:nvPr>
         </p:nvSpPr>
         <p:spPr>
@@ -1529,9 +1538,13 @@
             <a:ext cx="6096000" cy="3429000"/>
           </a:xfrm>
           <a:custGeom>
-            <a:rect b="b" l="l" r="r" t="t"/>
+            <a:avLst/>
+            <a:gdLst/>
+            <a:ahLst/>
+            <a:cxnLst/>
+            <a:rect l="l" t="t" r="r" b="b"/>
             <a:pathLst>
-              <a:path extrusionOk="0" h="120000" w="120000">
+              <a:path w="120000" h="120000" extrusionOk="0">
                 <a:moveTo>
                   <a:pt x="0" y="0"/>
                 </a:moveTo>
@@ -1555,7 +1568,7 @@
           <p:cNvPr id="145" name="Google Shape;145;g2e21b1c91c8_0_544:notes"/>
           <p:cNvSpPr txBox="1"/>
           <p:nvPr>
-            <p:ph idx="1" type="body"/>
+            <p:ph type="body" idx="1"/>
           </p:nvPr>
         </p:nvSpPr>
         <p:spPr>
@@ -1568,12 +1581,12 @@
           </a:prstGeom>
         </p:spPr>
         <p:txBody>
-          <a:bodyPr anchorCtr="0" anchor="t" bIns="91425" lIns="91425" spcFirstLastPara="1" rIns="91425" wrap="square" tIns="91425">
+          <a:bodyPr spcFirstLastPara="1" wrap="square" lIns="91425" tIns="91425" rIns="91425" bIns="91425" anchor="t" anchorCtr="0">
             <a:noAutofit/>
           </a:bodyPr>
           <a:lstStyle/>
           <a:p>
-            <a:pPr indent="0" lvl="0" marL="0" rtl="0" algn="l">
+            <a:pPr marL="0" lvl="0" indent="0" algn="l" rtl="0">
               <a:spcBef>
                 <a:spcPts val="0"/>
               </a:spcBef>
@@ -1582,10 +1595,6 @@
               </a:spcAft>
               <a:buNone/>
             </a:pPr>
-            <a:r>
-              <a:t/>
-            </a:r>
-            <a:endParaRPr/>
           </a:p>
         </p:txBody>
       </p:sp>
@@ -1598,7 +1607,7 @@
 </file>
 
 <file path=ppt/notesSlides/notesSlide18.xml><?xml version="1.0" encoding="utf-8"?>
-<p:notes xmlns:a="http://schemas.openxmlformats.org/drawingml/2006/main" xmlns:r="http://schemas.openxmlformats.org/officeDocument/2006/relationships" xmlns:mc="http://schemas.openxmlformats.org/markup-compatibility/2006" xmlns:mv="urn:schemas-microsoft-com:mac:vml" xmlns:p="http://schemas.openxmlformats.org/presentationml/2006/main" xmlns:c="http://schemas.openxmlformats.org/drawingml/2006/chart" xmlns:dgm="http://schemas.openxmlformats.org/drawingml/2006/diagram" xmlns:o="urn:schemas-microsoft-com:office:office" xmlns:v="urn:schemas-microsoft-com:vml" xmlns:pvml="urn:schemas-microsoft-com:office:powerpoint" xmlns:com="http://schemas.openxmlformats.org/drawingml/2006/compatibility" xmlns:p14="http://schemas.microsoft.com/office/powerpoint/2010/main" xmlns:p15="http://schemas.microsoft.com/office/powerpoint/2012/main" xmlns:ahyp="http://schemas.microsoft.com/office/drawing/2018/hyperlinkcolor" showMasterPhAnim="0" showMasterSp="0">
+<p:notes xmlns:a="http://schemas.openxmlformats.org/drawingml/2006/main" xmlns:r="http://schemas.openxmlformats.org/officeDocument/2006/relationships" xmlns:p="http://schemas.openxmlformats.org/presentationml/2006/main" showMasterPhAnim="0" showMasterSp="0">
   <p:cSld>
     <p:spTree>
       <p:nvGrpSpPr>
@@ -1619,7 +1628,7 @@
           <p:cNvPr id="150" name="Google Shape;150;g2e21b1c91c8_0_547:notes"/>
           <p:cNvSpPr/>
           <p:nvPr>
-            <p:ph idx="2" type="sldImg"/>
+            <p:ph type="sldImg" idx="2"/>
           </p:nvPr>
         </p:nvSpPr>
         <p:spPr>
@@ -1628,9 +1637,13 @@
             <a:ext cx="6096000" cy="3429000"/>
           </a:xfrm>
           <a:custGeom>
-            <a:rect b="b" l="l" r="r" t="t"/>
+            <a:avLst/>
+            <a:gdLst/>
+            <a:ahLst/>
+            <a:cxnLst/>
+            <a:rect l="l" t="t" r="r" b="b"/>
             <a:pathLst>
-              <a:path extrusionOk="0" h="120000" w="120000">
+              <a:path w="120000" h="120000" extrusionOk="0">
                 <a:moveTo>
                   <a:pt x="0" y="0"/>
                 </a:moveTo>
@@ -1654,7 +1667,7 @@
           <p:cNvPr id="151" name="Google Shape;151;g2e21b1c91c8_0_547:notes"/>
           <p:cNvSpPr txBox="1"/>
           <p:nvPr>
-            <p:ph idx="1" type="body"/>
+            <p:ph type="body" idx="1"/>
           </p:nvPr>
         </p:nvSpPr>
         <p:spPr>
@@ -1667,12 +1680,12 @@
           </a:prstGeom>
         </p:spPr>
         <p:txBody>
-          <a:bodyPr anchorCtr="0" anchor="t" bIns="91425" lIns="91425" spcFirstLastPara="1" rIns="91425" wrap="square" tIns="91425">
+          <a:bodyPr spcFirstLastPara="1" wrap="square" lIns="91425" tIns="91425" rIns="91425" bIns="91425" anchor="t" anchorCtr="0">
             <a:noAutofit/>
           </a:bodyPr>
           <a:lstStyle/>
           <a:p>
-            <a:pPr indent="0" lvl="0" marL="0" rtl="0" algn="l">
+            <a:pPr marL="0" lvl="0" indent="0" algn="l" rtl="0">
               <a:spcBef>
                 <a:spcPts val="0"/>
               </a:spcBef>
@@ -1681,10 +1694,6 @@
               </a:spcAft>
               <a:buNone/>
             </a:pPr>
-            <a:r>
-              <a:t/>
-            </a:r>
-            <a:endParaRPr/>
           </a:p>
         </p:txBody>
       </p:sp>
@@ -1697,7 +1706,7 @@
 </file>
 
 <file path=ppt/notesSlides/notesSlide19.xml><?xml version="1.0" encoding="utf-8"?>
-<p:notes xmlns:a="http://schemas.openxmlformats.org/drawingml/2006/main" xmlns:r="http://schemas.openxmlformats.org/officeDocument/2006/relationships" xmlns:mc="http://schemas.openxmlformats.org/markup-compatibility/2006" xmlns:mv="urn:schemas-microsoft-com:mac:vml" xmlns:p="http://schemas.openxmlformats.org/presentationml/2006/main" xmlns:c="http://schemas.openxmlformats.org/drawingml/2006/chart" xmlns:dgm="http://schemas.openxmlformats.org/drawingml/2006/diagram" xmlns:o="urn:schemas-microsoft-com:office:office" xmlns:v="urn:schemas-microsoft-com:vml" xmlns:pvml="urn:schemas-microsoft-com:office:powerpoint" xmlns:com="http://schemas.openxmlformats.org/drawingml/2006/compatibility" xmlns:p14="http://schemas.microsoft.com/office/powerpoint/2010/main" xmlns:p15="http://schemas.microsoft.com/office/powerpoint/2012/main" xmlns:ahyp="http://schemas.microsoft.com/office/drawing/2018/hyperlinkcolor" showMasterPhAnim="0" showMasterSp="0">
+<p:notes xmlns:a="http://schemas.openxmlformats.org/drawingml/2006/main" xmlns:r="http://schemas.openxmlformats.org/officeDocument/2006/relationships" xmlns:p="http://schemas.openxmlformats.org/presentationml/2006/main" showMasterPhAnim="0" showMasterSp="0">
   <p:cSld>
     <p:spTree>
       <p:nvGrpSpPr>
@@ -1718,7 +1727,7 @@
           <p:cNvPr id="156" name="Google Shape;156;g2e21b1c91c8_0_550:notes"/>
           <p:cNvSpPr/>
           <p:nvPr>
-            <p:ph idx="2" type="sldImg"/>
+            <p:ph type="sldImg" idx="2"/>
           </p:nvPr>
         </p:nvSpPr>
         <p:spPr>
@@ -1727,9 +1736,13 @@
             <a:ext cx="6096000" cy="3429000"/>
           </a:xfrm>
           <a:custGeom>
-            <a:rect b="b" l="l" r="r" t="t"/>
+            <a:avLst/>
+            <a:gdLst/>
+            <a:ahLst/>
+            <a:cxnLst/>
+            <a:rect l="l" t="t" r="r" b="b"/>
             <a:pathLst>
-              <a:path extrusionOk="0" h="120000" w="120000">
+              <a:path w="120000" h="120000" extrusionOk="0">
                 <a:moveTo>
                   <a:pt x="0" y="0"/>
                 </a:moveTo>
@@ -1753,7 +1766,7 @@
           <p:cNvPr id="157" name="Google Shape;157;g2e21b1c91c8_0_550:notes"/>
           <p:cNvSpPr txBox="1"/>
           <p:nvPr>
-            <p:ph idx="1" type="body"/>
+            <p:ph type="body" idx="1"/>
           </p:nvPr>
         </p:nvSpPr>
         <p:spPr>
@@ -1766,12 +1779,12 @@
           </a:prstGeom>
         </p:spPr>
         <p:txBody>
-          <a:bodyPr anchorCtr="0" anchor="t" bIns="91425" lIns="91425" spcFirstLastPara="1" rIns="91425" wrap="square" tIns="91425">
+          <a:bodyPr spcFirstLastPara="1" wrap="square" lIns="91425" tIns="91425" rIns="91425" bIns="91425" anchor="t" anchorCtr="0">
             <a:noAutofit/>
           </a:bodyPr>
           <a:lstStyle/>
           <a:p>
-            <a:pPr indent="0" lvl="0" marL="0" rtl="0" algn="l">
+            <a:pPr marL="0" lvl="0" indent="0" algn="l" rtl="0">
               <a:spcBef>
                 <a:spcPts val="0"/>
               </a:spcBef>
@@ -1780,10 +1793,6 @@
               </a:spcAft>
               <a:buNone/>
             </a:pPr>
-            <a:r>
-              <a:t/>
-            </a:r>
-            <a:endParaRPr/>
           </a:p>
         </p:txBody>
       </p:sp>
@@ -1796,7 +1805,7 @@
 </file>
 
 <file path=ppt/notesSlides/notesSlide2.xml><?xml version="1.0" encoding="utf-8"?>
-<p:notes xmlns:a="http://schemas.openxmlformats.org/drawingml/2006/main" xmlns:r="http://schemas.openxmlformats.org/officeDocument/2006/relationships" xmlns:mc="http://schemas.openxmlformats.org/markup-compatibility/2006" xmlns:mv="urn:schemas-microsoft-com:mac:vml" xmlns:p="http://schemas.openxmlformats.org/presentationml/2006/main" xmlns:c="http://schemas.openxmlformats.org/drawingml/2006/chart" xmlns:dgm="http://schemas.openxmlformats.org/drawingml/2006/diagram" xmlns:o="urn:schemas-microsoft-com:office:office" xmlns:v="urn:schemas-microsoft-com:vml" xmlns:pvml="urn:schemas-microsoft-com:office:powerpoint" xmlns:com="http://schemas.openxmlformats.org/drawingml/2006/compatibility" xmlns:p14="http://schemas.microsoft.com/office/powerpoint/2010/main" xmlns:p15="http://schemas.microsoft.com/office/powerpoint/2012/main" xmlns:ahyp="http://schemas.microsoft.com/office/drawing/2018/hyperlinkcolor" showMasterPhAnim="0" showMasterSp="0">
+<p:notes xmlns:a="http://schemas.openxmlformats.org/drawingml/2006/main" xmlns:r="http://schemas.openxmlformats.org/officeDocument/2006/relationships" xmlns:p="http://schemas.openxmlformats.org/presentationml/2006/main" showMasterPhAnim="0" showMasterSp="0">
   <p:cSld>
     <p:spTree>
       <p:nvGrpSpPr>
@@ -1817,7 +1826,7 @@
           <p:cNvPr id="58" name="Google Shape;58;g2e21b1c91c8_0_323:notes"/>
           <p:cNvSpPr/>
           <p:nvPr>
-            <p:ph idx="2" type="sldImg"/>
+            <p:ph type="sldImg" idx="2"/>
           </p:nvPr>
         </p:nvSpPr>
         <p:spPr>
@@ -1826,9 +1835,13 @@
             <a:ext cx="6096000" cy="3429000"/>
           </a:xfrm>
           <a:custGeom>
-            <a:rect b="b" l="l" r="r" t="t"/>
+            <a:avLst/>
+            <a:gdLst/>
+            <a:ahLst/>
+            <a:cxnLst/>
+            <a:rect l="l" t="t" r="r" b="b"/>
             <a:pathLst>
-              <a:path extrusionOk="0" h="120000" w="120000">
+              <a:path w="120000" h="120000" extrusionOk="0">
                 <a:moveTo>
                   <a:pt x="0" y="0"/>
                 </a:moveTo>
@@ -1852,7 +1865,7 @@
           <p:cNvPr id="59" name="Google Shape;59;g2e21b1c91c8_0_323:notes"/>
           <p:cNvSpPr txBox="1"/>
           <p:nvPr>
-            <p:ph idx="1" type="body"/>
+            <p:ph type="body" idx="1"/>
           </p:nvPr>
         </p:nvSpPr>
         <p:spPr>
@@ -1865,12 +1878,12 @@
           </a:prstGeom>
         </p:spPr>
         <p:txBody>
-          <a:bodyPr anchorCtr="0" anchor="t" bIns="91425" lIns="91425" spcFirstLastPara="1" rIns="91425" wrap="square" tIns="91425">
+          <a:bodyPr spcFirstLastPara="1" wrap="square" lIns="91425" tIns="91425" rIns="91425" bIns="91425" anchor="t" anchorCtr="0">
             <a:noAutofit/>
           </a:bodyPr>
           <a:lstStyle/>
           <a:p>
-            <a:pPr indent="0" lvl="0" marL="0" rtl="0" algn="l">
+            <a:pPr marL="0" lvl="0" indent="0" algn="l" rtl="0">
               <a:spcBef>
                 <a:spcPts val="0"/>
               </a:spcBef>
@@ -1879,10 +1892,6 @@
               </a:spcAft>
               <a:buNone/>
             </a:pPr>
-            <a:r>
-              <a:t/>
-            </a:r>
-            <a:endParaRPr/>
           </a:p>
         </p:txBody>
       </p:sp>
@@ -1895,7 +1904,7 @@
 </file>
 
 <file path=ppt/notesSlides/notesSlide20.xml><?xml version="1.0" encoding="utf-8"?>
-<p:notes xmlns:a="http://schemas.openxmlformats.org/drawingml/2006/main" xmlns:r="http://schemas.openxmlformats.org/officeDocument/2006/relationships" xmlns:mc="http://schemas.openxmlformats.org/markup-compatibility/2006" xmlns:mv="urn:schemas-microsoft-com:mac:vml" xmlns:p="http://schemas.openxmlformats.org/presentationml/2006/main" xmlns:c="http://schemas.openxmlformats.org/drawingml/2006/chart" xmlns:dgm="http://schemas.openxmlformats.org/drawingml/2006/diagram" xmlns:o="urn:schemas-microsoft-com:office:office" xmlns:v="urn:schemas-microsoft-com:vml" xmlns:pvml="urn:schemas-microsoft-com:office:powerpoint" xmlns:com="http://schemas.openxmlformats.org/drawingml/2006/compatibility" xmlns:p14="http://schemas.microsoft.com/office/powerpoint/2010/main" xmlns:p15="http://schemas.microsoft.com/office/powerpoint/2012/main" xmlns:ahyp="http://schemas.microsoft.com/office/drawing/2018/hyperlinkcolor" showMasterPhAnim="0" showMasterSp="0">
+<p:notes xmlns:a="http://schemas.openxmlformats.org/drawingml/2006/main" xmlns:r="http://schemas.openxmlformats.org/officeDocument/2006/relationships" xmlns:p="http://schemas.openxmlformats.org/presentationml/2006/main" showMasterPhAnim="0" showMasterSp="0">
   <p:cSld>
     <p:spTree>
       <p:nvGrpSpPr>
@@ -1916,7 +1925,7 @@
           <p:cNvPr id="162" name="Google Shape;162;g2e21b1c91c8_0_553:notes"/>
           <p:cNvSpPr/>
           <p:nvPr>
-            <p:ph idx="2" type="sldImg"/>
+            <p:ph type="sldImg" idx="2"/>
           </p:nvPr>
         </p:nvSpPr>
         <p:spPr>
@@ -1925,9 +1934,13 @@
             <a:ext cx="6096000" cy="3429000"/>
           </a:xfrm>
           <a:custGeom>
-            <a:rect b="b" l="l" r="r" t="t"/>
+            <a:avLst/>
+            <a:gdLst/>
+            <a:ahLst/>
+            <a:cxnLst/>
+            <a:rect l="l" t="t" r="r" b="b"/>
             <a:pathLst>
-              <a:path extrusionOk="0" h="120000" w="120000">
+              <a:path w="120000" h="120000" extrusionOk="0">
                 <a:moveTo>
                   <a:pt x="0" y="0"/>
                 </a:moveTo>
@@ -1951,7 +1964,7 @@
           <p:cNvPr id="163" name="Google Shape;163;g2e21b1c91c8_0_553:notes"/>
           <p:cNvSpPr txBox="1"/>
           <p:nvPr>
-            <p:ph idx="1" type="body"/>
+            <p:ph type="body" idx="1"/>
           </p:nvPr>
         </p:nvSpPr>
         <p:spPr>
@@ -1964,12 +1977,12 @@
           </a:prstGeom>
         </p:spPr>
         <p:txBody>
-          <a:bodyPr anchorCtr="0" anchor="t" bIns="91425" lIns="91425" spcFirstLastPara="1" rIns="91425" wrap="square" tIns="91425">
+          <a:bodyPr spcFirstLastPara="1" wrap="square" lIns="91425" tIns="91425" rIns="91425" bIns="91425" anchor="t" anchorCtr="0">
             <a:noAutofit/>
           </a:bodyPr>
           <a:lstStyle/>
           <a:p>
-            <a:pPr indent="0" lvl="0" marL="0" rtl="0" algn="l">
+            <a:pPr marL="0" lvl="0" indent="0" algn="l" rtl="0">
               <a:spcBef>
                 <a:spcPts val="0"/>
               </a:spcBef>
@@ -1978,10 +1991,6 @@
               </a:spcAft>
               <a:buNone/>
             </a:pPr>
-            <a:r>
-              <a:t/>
-            </a:r>
-            <a:endParaRPr/>
           </a:p>
         </p:txBody>
       </p:sp>
@@ -1994,7 +2003,7 @@
 </file>
 
 <file path=ppt/notesSlides/notesSlide21.xml><?xml version="1.0" encoding="utf-8"?>
-<p:notes xmlns:a="http://schemas.openxmlformats.org/drawingml/2006/main" xmlns:r="http://schemas.openxmlformats.org/officeDocument/2006/relationships" xmlns:mc="http://schemas.openxmlformats.org/markup-compatibility/2006" xmlns:mv="urn:schemas-microsoft-com:mac:vml" xmlns:p="http://schemas.openxmlformats.org/presentationml/2006/main" xmlns:c="http://schemas.openxmlformats.org/drawingml/2006/chart" xmlns:dgm="http://schemas.openxmlformats.org/drawingml/2006/diagram" xmlns:o="urn:schemas-microsoft-com:office:office" xmlns:v="urn:schemas-microsoft-com:vml" xmlns:pvml="urn:schemas-microsoft-com:office:powerpoint" xmlns:com="http://schemas.openxmlformats.org/drawingml/2006/compatibility" xmlns:p14="http://schemas.microsoft.com/office/powerpoint/2010/main" xmlns:p15="http://schemas.microsoft.com/office/powerpoint/2012/main" xmlns:ahyp="http://schemas.microsoft.com/office/drawing/2018/hyperlinkcolor" showMasterPhAnim="0" showMasterSp="0">
+<p:notes xmlns:a="http://schemas.openxmlformats.org/drawingml/2006/main" xmlns:r="http://schemas.openxmlformats.org/officeDocument/2006/relationships" xmlns:p="http://schemas.openxmlformats.org/presentationml/2006/main" showMasterPhAnim="0" showMasterSp="0">
   <p:cSld>
     <p:spTree>
       <p:nvGrpSpPr>
@@ -2015,7 +2024,7 @@
           <p:cNvPr id="168" name="Google Shape;168;g2e21b1c91c8_0_578:notes"/>
           <p:cNvSpPr/>
           <p:nvPr>
-            <p:ph idx="2" type="sldImg"/>
+            <p:ph type="sldImg" idx="2"/>
           </p:nvPr>
         </p:nvSpPr>
         <p:spPr>
@@ -2024,9 +2033,13 @@
             <a:ext cx="6096000" cy="3429000"/>
           </a:xfrm>
           <a:custGeom>
-            <a:rect b="b" l="l" r="r" t="t"/>
+            <a:avLst/>
+            <a:gdLst/>
+            <a:ahLst/>
+            <a:cxnLst/>
+            <a:rect l="l" t="t" r="r" b="b"/>
             <a:pathLst>
-              <a:path extrusionOk="0" h="120000" w="120000">
+              <a:path w="120000" h="120000" extrusionOk="0">
                 <a:moveTo>
                   <a:pt x="0" y="0"/>
                 </a:moveTo>
@@ -2050,7 +2063,7 @@
           <p:cNvPr id="169" name="Google Shape;169;g2e21b1c91c8_0_578:notes"/>
           <p:cNvSpPr txBox="1"/>
           <p:nvPr>
-            <p:ph idx="1" type="body"/>
+            <p:ph type="body" idx="1"/>
           </p:nvPr>
         </p:nvSpPr>
         <p:spPr>
@@ -2063,12 +2076,12 @@
           </a:prstGeom>
         </p:spPr>
         <p:txBody>
-          <a:bodyPr anchorCtr="0" anchor="t" bIns="91425" lIns="91425" spcFirstLastPara="1" rIns="91425" wrap="square" tIns="91425">
+          <a:bodyPr spcFirstLastPara="1" wrap="square" lIns="91425" tIns="91425" rIns="91425" bIns="91425" anchor="t" anchorCtr="0">
             <a:noAutofit/>
           </a:bodyPr>
           <a:lstStyle/>
           <a:p>
-            <a:pPr indent="0" lvl="0" marL="0" rtl="0" algn="l">
+            <a:pPr marL="0" lvl="0" indent="0" algn="l" rtl="0">
               <a:spcBef>
                 <a:spcPts val="0"/>
               </a:spcBef>
@@ -2077,10 +2090,6 @@
               </a:spcAft>
               <a:buNone/>
             </a:pPr>
-            <a:r>
-              <a:t/>
-            </a:r>
-            <a:endParaRPr/>
           </a:p>
         </p:txBody>
       </p:sp>
@@ -2093,7 +2102,7 @@
 </file>
 
 <file path=ppt/notesSlides/notesSlide3.xml><?xml version="1.0" encoding="utf-8"?>
-<p:notes xmlns:a="http://schemas.openxmlformats.org/drawingml/2006/main" xmlns:r="http://schemas.openxmlformats.org/officeDocument/2006/relationships" xmlns:mc="http://schemas.openxmlformats.org/markup-compatibility/2006" xmlns:mv="urn:schemas-microsoft-com:mac:vml" xmlns:p="http://schemas.openxmlformats.org/presentationml/2006/main" xmlns:c="http://schemas.openxmlformats.org/drawingml/2006/chart" xmlns:dgm="http://schemas.openxmlformats.org/drawingml/2006/diagram" xmlns:o="urn:schemas-microsoft-com:office:office" xmlns:v="urn:schemas-microsoft-com:vml" xmlns:pvml="urn:schemas-microsoft-com:office:powerpoint" xmlns:com="http://schemas.openxmlformats.org/drawingml/2006/compatibility" xmlns:p14="http://schemas.microsoft.com/office/powerpoint/2010/main" xmlns:p15="http://schemas.microsoft.com/office/powerpoint/2012/main" xmlns:ahyp="http://schemas.microsoft.com/office/drawing/2018/hyperlinkcolor" showMasterPhAnim="0" showMasterSp="0">
+<p:notes xmlns:a="http://schemas.openxmlformats.org/drawingml/2006/main" xmlns:r="http://schemas.openxmlformats.org/officeDocument/2006/relationships" xmlns:p="http://schemas.openxmlformats.org/presentationml/2006/main" showMasterPhAnim="0" showMasterSp="0">
   <p:cSld>
     <p:spTree>
       <p:nvGrpSpPr>
@@ -2114,7 +2123,7 @@
           <p:cNvPr id="64" name="Google Shape;64;g2e21b1c91c8_0_432:notes"/>
           <p:cNvSpPr/>
           <p:nvPr>
-            <p:ph idx="2" type="sldImg"/>
+            <p:ph type="sldImg" idx="2"/>
           </p:nvPr>
         </p:nvSpPr>
         <p:spPr>
@@ -2123,9 +2132,13 @@
             <a:ext cx="6096000" cy="3429000"/>
           </a:xfrm>
           <a:custGeom>
-            <a:rect b="b" l="l" r="r" t="t"/>
+            <a:avLst/>
+            <a:gdLst/>
+            <a:ahLst/>
+            <a:cxnLst/>
+            <a:rect l="l" t="t" r="r" b="b"/>
             <a:pathLst>
-              <a:path extrusionOk="0" h="120000" w="120000">
+              <a:path w="120000" h="120000" extrusionOk="0">
                 <a:moveTo>
                   <a:pt x="0" y="0"/>
                 </a:moveTo>
@@ -2149,7 +2162,7 @@
           <p:cNvPr id="65" name="Google Shape;65;g2e21b1c91c8_0_432:notes"/>
           <p:cNvSpPr txBox="1"/>
           <p:nvPr>
-            <p:ph idx="1" type="body"/>
+            <p:ph type="body" idx="1"/>
           </p:nvPr>
         </p:nvSpPr>
         <p:spPr>
@@ -2162,12 +2175,12 @@
           </a:prstGeom>
         </p:spPr>
         <p:txBody>
-          <a:bodyPr anchorCtr="0" anchor="t" bIns="91425" lIns="91425" spcFirstLastPara="1" rIns="91425" wrap="square" tIns="91425">
+          <a:bodyPr spcFirstLastPara="1" wrap="square" lIns="91425" tIns="91425" rIns="91425" bIns="91425" anchor="t" anchorCtr="0">
             <a:noAutofit/>
           </a:bodyPr>
           <a:lstStyle/>
           <a:p>
-            <a:pPr indent="0" lvl="0" marL="0" rtl="0" algn="l">
+            <a:pPr marL="0" lvl="0" indent="0" algn="l" rtl="0">
               <a:spcBef>
                 <a:spcPts val="0"/>
               </a:spcBef>
@@ -2176,10 +2189,6 @@
               </a:spcAft>
               <a:buNone/>
             </a:pPr>
-            <a:r>
-              <a:t/>
-            </a:r>
-            <a:endParaRPr/>
           </a:p>
         </p:txBody>
       </p:sp>
@@ -2192,7 +2201,7 @@
 </file>
 
 <file path=ppt/notesSlides/notesSlide4.xml><?xml version="1.0" encoding="utf-8"?>
-<p:notes xmlns:a="http://schemas.openxmlformats.org/drawingml/2006/main" xmlns:r="http://schemas.openxmlformats.org/officeDocument/2006/relationships" xmlns:mc="http://schemas.openxmlformats.org/markup-compatibility/2006" xmlns:mv="urn:schemas-microsoft-com:mac:vml" xmlns:p="http://schemas.openxmlformats.org/presentationml/2006/main" xmlns:c="http://schemas.openxmlformats.org/drawingml/2006/chart" xmlns:dgm="http://schemas.openxmlformats.org/drawingml/2006/diagram" xmlns:o="urn:schemas-microsoft-com:office:office" xmlns:v="urn:schemas-microsoft-com:vml" xmlns:pvml="urn:schemas-microsoft-com:office:powerpoint" xmlns:com="http://schemas.openxmlformats.org/drawingml/2006/compatibility" xmlns:p14="http://schemas.microsoft.com/office/powerpoint/2010/main" xmlns:p15="http://schemas.microsoft.com/office/powerpoint/2012/main" xmlns:ahyp="http://schemas.microsoft.com/office/drawing/2018/hyperlinkcolor" showMasterPhAnim="0" showMasterSp="0">
+<p:notes xmlns:a="http://schemas.openxmlformats.org/drawingml/2006/main" xmlns:r="http://schemas.openxmlformats.org/officeDocument/2006/relationships" xmlns:p="http://schemas.openxmlformats.org/presentationml/2006/main" showMasterPhAnim="0" showMasterSp="0">
   <p:cSld>
     <p:spTree>
       <p:nvGrpSpPr>
@@ -2213,7 +2222,7 @@
           <p:cNvPr id="70" name="Google Shape;70;g2e21b1c91c8_0_446:notes"/>
           <p:cNvSpPr/>
           <p:nvPr>
-            <p:ph idx="2" type="sldImg"/>
+            <p:ph type="sldImg" idx="2"/>
           </p:nvPr>
         </p:nvSpPr>
         <p:spPr>
@@ -2222,9 +2231,13 @@
             <a:ext cx="6096000" cy="3429000"/>
           </a:xfrm>
           <a:custGeom>
-            <a:rect b="b" l="l" r="r" t="t"/>
+            <a:avLst/>
+            <a:gdLst/>
+            <a:ahLst/>
+            <a:cxnLst/>
+            <a:rect l="l" t="t" r="r" b="b"/>
             <a:pathLst>
-              <a:path extrusionOk="0" h="120000" w="120000">
+              <a:path w="120000" h="120000" extrusionOk="0">
                 <a:moveTo>
                   <a:pt x="0" y="0"/>
                 </a:moveTo>
@@ -2248,7 +2261,7 @@
           <p:cNvPr id="71" name="Google Shape;71;g2e21b1c91c8_0_446:notes"/>
           <p:cNvSpPr txBox="1"/>
           <p:nvPr>
-            <p:ph idx="1" type="body"/>
+            <p:ph type="body" idx="1"/>
           </p:nvPr>
         </p:nvSpPr>
         <p:spPr>
@@ -2261,12 +2274,12 @@
           </a:prstGeom>
         </p:spPr>
         <p:txBody>
-          <a:bodyPr anchorCtr="0" anchor="t" bIns="91425" lIns="91425" spcFirstLastPara="1" rIns="91425" wrap="square" tIns="91425">
+          <a:bodyPr spcFirstLastPara="1" wrap="square" lIns="91425" tIns="91425" rIns="91425" bIns="91425" anchor="t" anchorCtr="0">
             <a:noAutofit/>
           </a:bodyPr>
           <a:lstStyle/>
           <a:p>
-            <a:pPr indent="0" lvl="0" marL="0" rtl="0" algn="l">
+            <a:pPr marL="0" lvl="0" indent="0" algn="l" rtl="0">
               <a:spcBef>
                 <a:spcPts val="0"/>
               </a:spcBef>
@@ -2275,10 +2288,6 @@
               </a:spcAft>
               <a:buNone/>
             </a:pPr>
-            <a:r>
-              <a:t/>
-            </a:r>
-            <a:endParaRPr/>
           </a:p>
         </p:txBody>
       </p:sp>
@@ -2291,7 +2300,7 @@
 </file>
 
 <file path=ppt/notesSlides/notesSlide5.xml><?xml version="1.0" encoding="utf-8"?>
-<p:notes xmlns:a="http://schemas.openxmlformats.org/drawingml/2006/main" xmlns:r="http://schemas.openxmlformats.org/officeDocument/2006/relationships" xmlns:mc="http://schemas.openxmlformats.org/markup-compatibility/2006" xmlns:mv="urn:schemas-microsoft-com:mac:vml" xmlns:p="http://schemas.openxmlformats.org/presentationml/2006/main" xmlns:c="http://schemas.openxmlformats.org/drawingml/2006/chart" xmlns:dgm="http://schemas.openxmlformats.org/drawingml/2006/diagram" xmlns:o="urn:schemas-microsoft-com:office:office" xmlns:v="urn:schemas-microsoft-com:vml" xmlns:pvml="urn:schemas-microsoft-com:office:powerpoint" xmlns:com="http://schemas.openxmlformats.org/drawingml/2006/compatibility" xmlns:p14="http://schemas.microsoft.com/office/powerpoint/2010/main" xmlns:p15="http://schemas.microsoft.com/office/powerpoint/2012/main" xmlns:ahyp="http://schemas.microsoft.com/office/drawing/2018/hyperlinkcolor" showMasterPhAnim="0" showMasterSp="0">
+<p:notes xmlns:a="http://schemas.openxmlformats.org/drawingml/2006/main" xmlns:r="http://schemas.openxmlformats.org/officeDocument/2006/relationships" xmlns:p="http://schemas.openxmlformats.org/presentationml/2006/main" showMasterPhAnim="0" showMasterSp="0">
   <p:cSld>
     <p:spTree>
       <p:nvGrpSpPr>
@@ -2312,7 +2321,7 @@
           <p:cNvPr id="75" name="Google Shape;75;g2e21b1c91c8_0_451:notes"/>
           <p:cNvSpPr/>
           <p:nvPr>
-            <p:ph idx="2" type="sldImg"/>
+            <p:ph type="sldImg" idx="2"/>
           </p:nvPr>
         </p:nvSpPr>
         <p:spPr>
@@ -2321,9 +2330,13 @@
             <a:ext cx="6096000" cy="3429000"/>
           </a:xfrm>
           <a:custGeom>
-            <a:rect b="b" l="l" r="r" t="t"/>
+            <a:avLst/>
+            <a:gdLst/>
+            <a:ahLst/>
+            <a:cxnLst/>
+            <a:rect l="l" t="t" r="r" b="b"/>
             <a:pathLst>
-              <a:path extrusionOk="0" h="120000" w="120000">
+              <a:path w="120000" h="120000" extrusionOk="0">
                 <a:moveTo>
                   <a:pt x="0" y="0"/>
                 </a:moveTo>
@@ -2347,7 +2360,7 @@
           <p:cNvPr id="76" name="Google Shape;76;g2e21b1c91c8_0_451:notes"/>
           <p:cNvSpPr txBox="1"/>
           <p:nvPr>
-            <p:ph idx="1" type="body"/>
+            <p:ph type="body" idx="1"/>
           </p:nvPr>
         </p:nvSpPr>
         <p:spPr>
@@ -2360,12 +2373,12 @@
           </a:prstGeom>
         </p:spPr>
         <p:txBody>
-          <a:bodyPr anchorCtr="0" anchor="t" bIns="91425" lIns="91425" spcFirstLastPara="1" rIns="91425" wrap="square" tIns="91425">
+          <a:bodyPr spcFirstLastPara="1" wrap="square" lIns="91425" tIns="91425" rIns="91425" bIns="91425" anchor="t" anchorCtr="0">
             <a:noAutofit/>
           </a:bodyPr>
           <a:lstStyle/>
           <a:p>
-            <a:pPr indent="0" lvl="0" marL="0" rtl="0" algn="l">
+            <a:pPr marL="0" lvl="0" indent="0" algn="l" rtl="0">
               <a:spcBef>
                 <a:spcPts val="0"/>
               </a:spcBef>
@@ -2374,10 +2387,6 @@
               </a:spcAft>
               <a:buNone/>
             </a:pPr>
-            <a:r>
-              <a:t/>
-            </a:r>
-            <a:endParaRPr/>
           </a:p>
         </p:txBody>
       </p:sp>
@@ -2390,7 +2399,7 @@
 </file>
 
 <file path=ppt/notesSlides/notesSlide6.xml><?xml version="1.0" encoding="utf-8"?>
-<p:notes xmlns:a="http://schemas.openxmlformats.org/drawingml/2006/main" xmlns:r="http://schemas.openxmlformats.org/officeDocument/2006/relationships" xmlns:mc="http://schemas.openxmlformats.org/markup-compatibility/2006" xmlns:mv="urn:schemas-microsoft-com:mac:vml" xmlns:p="http://schemas.openxmlformats.org/presentationml/2006/main" xmlns:c="http://schemas.openxmlformats.org/drawingml/2006/chart" xmlns:dgm="http://schemas.openxmlformats.org/drawingml/2006/diagram" xmlns:o="urn:schemas-microsoft-com:office:office" xmlns:v="urn:schemas-microsoft-com:vml" xmlns:pvml="urn:schemas-microsoft-com:office:powerpoint" xmlns:com="http://schemas.openxmlformats.org/drawingml/2006/compatibility" xmlns:p14="http://schemas.microsoft.com/office/powerpoint/2010/main" xmlns:p15="http://schemas.microsoft.com/office/powerpoint/2012/main" xmlns:ahyp="http://schemas.microsoft.com/office/drawing/2018/hyperlinkcolor" showMasterPhAnim="0" showMasterSp="0">
+<p:notes xmlns:a="http://schemas.openxmlformats.org/drawingml/2006/main" xmlns:r="http://schemas.openxmlformats.org/officeDocument/2006/relationships" xmlns:p="http://schemas.openxmlformats.org/presentationml/2006/main" showMasterPhAnim="0" showMasterSp="0">
   <p:cSld>
     <p:spTree>
       <p:nvGrpSpPr>
@@ -2411,7 +2420,7 @@
           <p:cNvPr id="80" name="Google Shape;80;g2e21b1c91c8_0_465:notes"/>
           <p:cNvSpPr/>
           <p:nvPr>
-            <p:ph idx="2" type="sldImg"/>
+            <p:ph type="sldImg" idx="2"/>
           </p:nvPr>
         </p:nvSpPr>
         <p:spPr>
@@ -2420,9 +2429,13 @@
             <a:ext cx="6096000" cy="3429000"/>
           </a:xfrm>
           <a:custGeom>
-            <a:rect b="b" l="l" r="r" t="t"/>
+            <a:avLst/>
+            <a:gdLst/>
+            <a:ahLst/>
+            <a:cxnLst/>
+            <a:rect l="l" t="t" r="r" b="b"/>
             <a:pathLst>
-              <a:path extrusionOk="0" h="120000" w="120000">
+              <a:path w="120000" h="120000" extrusionOk="0">
                 <a:moveTo>
                   <a:pt x="0" y="0"/>
                 </a:moveTo>
@@ -2446,7 +2459,7 @@
           <p:cNvPr id="81" name="Google Shape;81;g2e21b1c91c8_0_465:notes"/>
           <p:cNvSpPr txBox="1"/>
           <p:nvPr>
-            <p:ph idx="1" type="body"/>
+            <p:ph type="body" idx="1"/>
           </p:nvPr>
         </p:nvSpPr>
         <p:spPr>
@@ -2459,12 +2472,12 @@
           </a:prstGeom>
         </p:spPr>
         <p:txBody>
-          <a:bodyPr anchorCtr="0" anchor="t" bIns="91425" lIns="91425" spcFirstLastPara="1" rIns="91425" wrap="square" tIns="91425">
+          <a:bodyPr spcFirstLastPara="1" wrap="square" lIns="91425" tIns="91425" rIns="91425" bIns="91425" anchor="t" anchorCtr="0">
             <a:noAutofit/>
           </a:bodyPr>
           <a:lstStyle/>
           <a:p>
-            <a:pPr indent="0" lvl="0" marL="0" rtl="0" algn="l">
+            <a:pPr marL="0" lvl="0" indent="0" algn="l" rtl="0">
               <a:spcBef>
                 <a:spcPts val="0"/>
               </a:spcBef>
@@ -2473,10 +2486,6 @@
               </a:spcAft>
               <a:buNone/>
             </a:pPr>
-            <a:r>
-              <a:t/>
-            </a:r>
-            <a:endParaRPr/>
           </a:p>
         </p:txBody>
       </p:sp>
@@ -2489,7 +2498,7 @@
 </file>
 
 <file path=ppt/notesSlides/notesSlide7.xml><?xml version="1.0" encoding="utf-8"?>
-<p:notes xmlns:a="http://schemas.openxmlformats.org/drawingml/2006/main" xmlns:r="http://schemas.openxmlformats.org/officeDocument/2006/relationships" xmlns:mc="http://schemas.openxmlformats.org/markup-compatibility/2006" xmlns:mv="urn:schemas-microsoft-com:mac:vml" xmlns:p="http://schemas.openxmlformats.org/presentationml/2006/main" xmlns:c="http://schemas.openxmlformats.org/drawingml/2006/chart" xmlns:dgm="http://schemas.openxmlformats.org/drawingml/2006/diagram" xmlns:o="urn:schemas-microsoft-com:office:office" xmlns:v="urn:schemas-microsoft-com:vml" xmlns:pvml="urn:schemas-microsoft-com:office:powerpoint" xmlns:com="http://schemas.openxmlformats.org/drawingml/2006/compatibility" xmlns:p14="http://schemas.microsoft.com/office/powerpoint/2010/main" xmlns:p15="http://schemas.microsoft.com/office/powerpoint/2012/main" xmlns:ahyp="http://schemas.microsoft.com/office/drawing/2018/hyperlinkcolor" showMasterPhAnim="0" showMasterSp="0">
+<p:notes xmlns:a="http://schemas.openxmlformats.org/drawingml/2006/main" xmlns:r="http://schemas.openxmlformats.org/officeDocument/2006/relationships" xmlns:p="http://schemas.openxmlformats.org/presentationml/2006/main" showMasterPhAnim="0" showMasterSp="0">
   <p:cSld>
     <p:spTree>
       <p:nvGrpSpPr>
@@ -2510,7 +2519,7 @@
           <p:cNvPr id="85" name="Google Shape;85;g2e21b1c91c8_0_470:notes"/>
           <p:cNvSpPr/>
           <p:nvPr>
-            <p:ph idx="2" type="sldImg"/>
+            <p:ph type="sldImg" idx="2"/>
           </p:nvPr>
         </p:nvSpPr>
         <p:spPr>
@@ -2519,9 +2528,13 @@
             <a:ext cx="6096000" cy="3429000"/>
           </a:xfrm>
           <a:custGeom>
-            <a:rect b="b" l="l" r="r" t="t"/>
+            <a:avLst/>
+            <a:gdLst/>
+            <a:ahLst/>
+            <a:cxnLst/>
+            <a:rect l="l" t="t" r="r" b="b"/>
             <a:pathLst>
-              <a:path extrusionOk="0" h="120000" w="120000">
+              <a:path w="120000" h="120000" extrusionOk="0">
                 <a:moveTo>
                   <a:pt x="0" y="0"/>
                 </a:moveTo>
@@ -2545,7 +2558,7 @@
           <p:cNvPr id="86" name="Google Shape;86;g2e21b1c91c8_0_470:notes"/>
           <p:cNvSpPr txBox="1"/>
           <p:nvPr>
-            <p:ph idx="1" type="body"/>
+            <p:ph type="body" idx="1"/>
           </p:nvPr>
         </p:nvSpPr>
         <p:spPr>
@@ -2558,12 +2571,12 @@
           </a:prstGeom>
         </p:spPr>
         <p:txBody>
-          <a:bodyPr anchorCtr="0" anchor="t" bIns="91425" lIns="91425" spcFirstLastPara="1" rIns="91425" wrap="square" tIns="91425">
+          <a:bodyPr spcFirstLastPara="1" wrap="square" lIns="91425" tIns="91425" rIns="91425" bIns="91425" anchor="t" anchorCtr="0">
             <a:noAutofit/>
           </a:bodyPr>
           <a:lstStyle/>
           <a:p>
-            <a:pPr indent="0" lvl="0" marL="0" rtl="0" algn="l">
+            <a:pPr marL="0" lvl="0" indent="0" algn="l" rtl="0">
               <a:spcBef>
                 <a:spcPts val="0"/>
               </a:spcBef>
@@ -2572,10 +2585,6 @@
               </a:spcAft>
               <a:buNone/>
             </a:pPr>
-            <a:r>
-              <a:t/>
-            </a:r>
-            <a:endParaRPr/>
           </a:p>
         </p:txBody>
       </p:sp>
@@ -2588,7 +2597,7 @@
 </file>
 
 <file path=ppt/notesSlides/notesSlide8.xml><?xml version="1.0" encoding="utf-8"?>
-<p:notes xmlns:a="http://schemas.openxmlformats.org/drawingml/2006/main" xmlns:r="http://schemas.openxmlformats.org/officeDocument/2006/relationships" xmlns:mc="http://schemas.openxmlformats.org/markup-compatibility/2006" xmlns:mv="urn:schemas-microsoft-com:mac:vml" xmlns:p="http://schemas.openxmlformats.org/presentationml/2006/main" xmlns:c="http://schemas.openxmlformats.org/drawingml/2006/chart" xmlns:dgm="http://schemas.openxmlformats.org/drawingml/2006/diagram" xmlns:o="urn:schemas-microsoft-com:office:office" xmlns:v="urn:schemas-microsoft-com:vml" xmlns:pvml="urn:schemas-microsoft-com:office:powerpoint" xmlns:com="http://schemas.openxmlformats.org/drawingml/2006/compatibility" xmlns:p14="http://schemas.microsoft.com/office/powerpoint/2010/main" xmlns:p15="http://schemas.microsoft.com/office/powerpoint/2012/main" xmlns:ahyp="http://schemas.microsoft.com/office/drawing/2018/hyperlinkcolor" showMasterPhAnim="0" showMasterSp="0">
+<p:notes xmlns:a="http://schemas.openxmlformats.org/drawingml/2006/main" xmlns:r="http://schemas.openxmlformats.org/officeDocument/2006/relationships" xmlns:p="http://schemas.openxmlformats.org/presentationml/2006/main" showMasterPhAnim="0" showMasterSp="0">
   <p:cSld>
     <p:spTree>
       <p:nvGrpSpPr>
@@ -2609,7 +2618,7 @@
           <p:cNvPr id="90" name="Google Shape;90;g2e21b1c91c8_0_483:notes"/>
           <p:cNvSpPr/>
           <p:nvPr>
-            <p:ph idx="2" type="sldImg"/>
+            <p:ph type="sldImg" idx="2"/>
           </p:nvPr>
         </p:nvSpPr>
         <p:spPr>
@@ -2618,9 +2627,13 @@
             <a:ext cx="6096000" cy="3429000"/>
           </a:xfrm>
           <a:custGeom>
-            <a:rect b="b" l="l" r="r" t="t"/>
+            <a:avLst/>
+            <a:gdLst/>
+            <a:ahLst/>
+            <a:cxnLst/>
+            <a:rect l="l" t="t" r="r" b="b"/>
             <a:pathLst>
-              <a:path extrusionOk="0" h="120000" w="120000">
+              <a:path w="120000" h="120000" extrusionOk="0">
                 <a:moveTo>
                   <a:pt x="0" y="0"/>
                 </a:moveTo>
@@ -2644,7 +2657,7 @@
           <p:cNvPr id="91" name="Google Shape;91;g2e21b1c91c8_0_483:notes"/>
           <p:cNvSpPr txBox="1"/>
           <p:nvPr>
-            <p:ph idx="1" type="body"/>
+            <p:ph type="body" idx="1"/>
           </p:nvPr>
         </p:nvSpPr>
         <p:spPr>
@@ -2657,12 +2670,12 @@
           </a:prstGeom>
         </p:spPr>
         <p:txBody>
-          <a:bodyPr anchorCtr="0" anchor="t" bIns="91425" lIns="91425" spcFirstLastPara="1" rIns="91425" wrap="square" tIns="91425">
+          <a:bodyPr spcFirstLastPara="1" wrap="square" lIns="91425" tIns="91425" rIns="91425" bIns="91425" anchor="t" anchorCtr="0">
             <a:noAutofit/>
           </a:bodyPr>
           <a:lstStyle/>
           <a:p>
-            <a:pPr indent="0" lvl="0" marL="0" rtl="0" algn="l">
+            <a:pPr marL="0" lvl="0" indent="0" algn="l" rtl="0">
               <a:spcBef>
                 <a:spcPts val="0"/>
               </a:spcBef>
@@ -2671,10 +2684,6 @@
               </a:spcAft>
               <a:buNone/>
             </a:pPr>
-            <a:r>
-              <a:t/>
-            </a:r>
-            <a:endParaRPr/>
           </a:p>
         </p:txBody>
       </p:sp>
@@ -2687,7 +2696,7 @@
 </file>
 
 <file path=ppt/notesSlides/notesSlide9.xml><?xml version="1.0" encoding="utf-8"?>
-<p:notes xmlns:a="http://schemas.openxmlformats.org/drawingml/2006/main" xmlns:r="http://schemas.openxmlformats.org/officeDocument/2006/relationships" xmlns:mc="http://schemas.openxmlformats.org/markup-compatibility/2006" xmlns:mv="urn:schemas-microsoft-com:mac:vml" xmlns:p="http://schemas.openxmlformats.org/presentationml/2006/main" xmlns:c="http://schemas.openxmlformats.org/drawingml/2006/chart" xmlns:dgm="http://schemas.openxmlformats.org/drawingml/2006/diagram" xmlns:o="urn:schemas-microsoft-com:office:office" xmlns:v="urn:schemas-microsoft-com:vml" xmlns:pvml="urn:schemas-microsoft-com:office:powerpoint" xmlns:com="http://schemas.openxmlformats.org/drawingml/2006/compatibility" xmlns:p14="http://schemas.microsoft.com/office/powerpoint/2010/main" xmlns:p15="http://schemas.microsoft.com/office/powerpoint/2012/main" xmlns:ahyp="http://schemas.microsoft.com/office/drawing/2018/hyperlinkcolor" showMasterPhAnim="0" showMasterSp="0">
+<p:notes xmlns:a="http://schemas.openxmlformats.org/drawingml/2006/main" xmlns:r="http://schemas.openxmlformats.org/officeDocument/2006/relationships" xmlns:p="http://schemas.openxmlformats.org/presentationml/2006/main" showMasterPhAnim="0" showMasterSp="0">
   <p:cSld>
     <p:spTree>
       <p:nvGrpSpPr>
@@ -2708,7 +2717,7 @@
           <p:cNvPr id="96" name="Google Shape;96;g2e21b1c91c8_0_495:notes"/>
           <p:cNvSpPr/>
           <p:nvPr>
-            <p:ph idx="2" type="sldImg"/>
+            <p:ph type="sldImg" idx="2"/>
           </p:nvPr>
         </p:nvSpPr>
         <p:spPr>
@@ -2717,9 +2726,13 @@
             <a:ext cx="6096000" cy="3429000"/>
           </a:xfrm>
           <a:custGeom>
-            <a:rect b="b" l="l" r="r" t="t"/>
+            <a:avLst/>
+            <a:gdLst/>
+            <a:ahLst/>
+            <a:cxnLst/>
+            <a:rect l="l" t="t" r="r" b="b"/>
             <a:pathLst>
-              <a:path extrusionOk="0" h="120000" w="120000">
+              <a:path w="120000" h="120000" extrusionOk="0">
                 <a:moveTo>
                   <a:pt x="0" y="0"/>
                 </a:moveTo>
@@ -2743,7 +2756,7 @@
           <p:cNvPr id="97" name="Google Shape;97;g2e21b1c91c8_0_495:notes"/>
           <p:cNvSpPr txBox="1"/>
           <p:nvPr>
-            <p:ph idx="1" type="body"/>
+            <p:ph type="body" idx="1"/>
           </p:nvPr>
         </p:nvSpPr>
         <p:spPr>
@@ -2756,12 +2769,12 @@
           </a:prstGeom>
         </p:spPr>
         <p:txBody>
-          <a:bodyPr anchorCtr="0" anchor="t" bIns="91425" lIns="91425" spcFirstLastPara="1" rIns="91425" wrap="square" tIns="91425">
+          <a:bodyPr spcFirstLastPara="1" wrap="square" lIns="91425" tIns="91425" rIns="91425" bIns="91425" anchor="t" anchorCtr="0">
             <a:noAutofit/>
           </a:bodyPr>
           <a:lstStyle/>
           <a:p>
-            <a:pPr indent="0" lvl="0" marL="0" rtl="0" algn="l">
+            <a:pPr marL="0" lvl="0" indent="0" algn="l" rtl="0">
               <a:spcBef>
                 <a:spcPts val="0"/>
               </a:spcBef>
@@ -2770,10 +2783,6 @@
               </a:spcAft>
               <a:buNone/>
             </a:pPr>
-            <a:r>
-              <a:t/>
-            </a:r>
-            <a:endParaRPr/>
           </a:p>
         </p:txBody>
       </p:sp>
@@ -2786,7 +2795,7 @@
 </file>
 
 <file path=ppt/slideLayouts/slideLayout1.xml><?xml version="1.0" encoding="utf-8"?>
-<p:sldLayout xmlns:a="http://schemas.openxmlformats.org/drawingml/2006/main" xmlns:r="http://schemas.openxmlformats.org/officeDocument/2006/relationships" xmlns:mc="http://schemas.openxmlformats.org/markup-compatibility/2006" xmlns:mv="urn:schemas-microsoft-com:mac:vml" xmlns:p="http://schemas.openxmlformats.org/presentationml/2006/main" xmlns:c="http://schemas.openxmlformats.org/drawingml/2006/chart" xmlns:dgm="http://schemas.openxmlformats.org/drawingml/2006/diagram" xmlns:o="urn:schemas-microsoft-com:office:office" xmlns:v="urn:schemas-microsoft-com:vml" xmlns:pvml="urn:schemas-microsoft-com:office:powerpoint" xmlns:com="http://schemas.openxmlformats.org/drawingml/2006/compatibility" xmlns:p14="http://schemas.microsoft.com/office/powerpoint/2010/main" xmlns:p15="http://schemas.microsoft.com/office/powerpoint/2012/main" xmlns:ahyp="http://schemas.microsoft.com/office/drawing/2018/hyperlinkcolor" matchingName="Title slide" type="title">
+<p:sldLayout xmlns:a="http://schemas.openxmlformats.org/drawingml/2006/main" xmlns:r="http://schemas.openxmlformats.org/officeDocument/2006/relationships" xmlns:p="http://schemas.openxmlformats.org/presentationml/2006/main" type="title" matchingName="Title slide">
   <p:cSld name="TITLE">
     <p:spTree>
       <p:nvGrpSpPr>
@@ -2820,7 +2829,7 @@
           </a:prstGeom>
         </p:spPr>
         <p:txBody>
-          <a:bodyPr anchorCtr="0" anchor="b" bIns="91425" lIns="91425" spcFirstLastPara="1" rIns="91425" wrap="square" tIns="91425">
+          <a:bodyPr spcFirstLastPara="1" wrap="square" lIns="91425" tIns="91425" rIns="91425" bIns="91425" anchor="b" anchorCtr="0">
             <a:normAutofit/>
           </a:bodyPr>
           <a:lstStyle>
@@ -2932,7 +2941,7 @@
           <p:cNvPr id="11" name="Google Shape;11;p2"/>
           <p:cNvSpPr txBox="1"/>
           <p:nvPr>
-            <p:ph idx="1" type="subTitle"/>
+            <p:ph type="subTitle" idx="1"/>
           </p:nvPr>
         </p:nvSpPr>
         <p:spPr>
@@ -2945,7 +2954,7 @@
           </a:prstGeom>
         </p:spPr>
         <p:txBody>
-          <a:bodyPr anchorCtr="0" anchor="t" bIns="91425" lIns="91425" spcFirstLastPara="1" rIns="91425" wrap="square" tIns="91425">
+          <a:bodyPr spcFirstLastPara="1" wrap="square" lIns="91425" tIns="91425" rIns="91425" bIns="91425" anchor="t" anchorCtr="0">
             <a:normAutofit/>
           </a:bodyPr>
           <a:lstStyle>
@@ -3084,7 +3093,7 @@
           <p:cNvPr id="12" name="Google Shape;12;p2"/>
           <p:cNvSpPr txBox="1"/>
           <p:nvPr>
-            <p:ph idx="12" type="sldNum"/>
+            <p:ph type="sldNum" idx="12"/>
           </p:nvPr>
         </p:nvSpPr>
         <p:spPr>
@@ -3097,7 +3106,7 @@
           </a:prstGeom>
         </p:spPr>
         <p:txBody>
-          <a:bodyPr anchorCtr="0" anchor="ctr" bIns="91425" lIns="91425" spcFirstLastPara="1" rIns="91425" wrap="square" tIns="91425">
+          <a:bodyPr spcFirstLastPara="1" wrap="square" lIns="91425" tIns="91425" rIns="91425" bIns="91425" anchor="ctr" anchorCtr="0">
             <a:normAutofit/>
           </a:bodyPr>
           <a:lstStyle>
@@ -3139,7 +3148,7 @@
             </a:lvl9pPr>
           </a:lstStyle>
           <a:p>
-            <a:pPr indent="0" lvl="0" marL="0" rtl="0" algn="r">
+            <a:pPr marL="0" lvl="0" indent="0" algn="r" rtl="0">
               <a:spcBef>
                 <a:spcPts val="0"/>
               </a:spcBef>
@@ -3150,9 +3159,8 @@
             </a:pPr>
             <a:fld id="{00000000-1234-1234-1234-123412341234}" type="slidenum">
               <a:rPr lang="en-GB"/>
-              <a:t>‹#›</a:t>
             </a:fld>
-            <a:endParaRPr/>
+            <a:endParaRPr lang="en-GB"/>
           </a:p>
         </p:txBody>
       </p:sp>
@@ -3161,11 +3169,23 @@
   <p:clrMapOvr>
     <a:masterClrMapping/>
   </p:clrMapOvr>
+  <mc:AlternateContent xmlns:mc="http://schemas.openxmlformats.org/markup-compatibility/2006">
+    <mc:Choice xmlns:p14="http://schemas.microsoft.com/office/powerpoint/2010/main" Requires="p14">
+      <p:transition spd="slow" p14:dur="1100">
+        <p14:gallery dir="l"/>
+      </p:transition>
+    </mc:Choice>
+    <mc:Fallback>
+      <p:transition spd="slow">
+        <p:fade/>
+      </p:transition>
+    </mc:Fallback>
+  </mc:AlternateContent>
 </p:sldLayout>
 </file>
 
 <file path=ppt/slideLayouts/slideLayout10.xml><?xml version="1.0" encoding="utf-8"?>
-<p:sldLayout xmlns:a="http://schemas.openxmlformats.org/drawingml/2006/main" xmlns:r="http://schemas.openxmlformats.org/officeDocument/2006/relationships" xmlns:mc="http://schemas.openxmlformats.org/markup-compatibility/2006" xmlns:mv="urn:schemas-microsoft-com:mac:vml" xmlns:p="http://schemas.openxmlformats.org/presentationml/2006/main" xmlns:c="http://schemas.openxmlformats.org/drawingml/2006/chart" xmlns:dgm="http://schemas.openxmlformats.org/drawingml/2006/diagram" xmlns:o="urn:schemas-microsoft-com:office:office" xmlns:v="urn:schemas-microsoft-com:vml" xmlns:pvml="urn:schemas-microsoft-com:office:powerpoint" xmlns:com="http://schemas.openxmlformats.org/drawingml/2006/compatibility" xmlns:p14="http://schemas.microsoft.com/office/powerpoint/2010/main" xmlns:p15="http://schemas.microsoft.com/office/powerpoint/2012/main" xmlns:ahyp="http://schemas.microsoft.com/office/drawing/2018/hyperlinkcolor" matchingName="Big number">
+<p:sldLayout xmlns:a="http://schemas.openxmlformats.org/drawingml/2006/main" xmlns:r="http://schemas.openxmlformats.org/officeDocument/2006/relationships" xmlns:p="http://schemas.openxmlformats.org/presentationml/2006/main" matchingName="Big number">
   <p:cSld name="BIG_NUMBER">
     <p:spTree>
       <p:nvGrpSpPr>
@@ -3186,7 +3206,7 @@
           <p:cNvPr id="45" name="Google Shape;45;p11"/>
           <p:cNvSpPr txBox="1"/>
           <p:nvPr>
-            <p:ph hasCustomPrompt="1" type="title"/>
+            <p:ph type="title" hasCustomPrompt="1"/>
           </p:nvPr>
         </p:nvSpPr>
         <p:spPr>
@@ -3199,7 +3219,7 @@
           </a:prstGeom>
         </p:spPr>
         <p:txBody>
-          <a:bodyPr anchorCtr="0" anchor="b" bIns="91425" lIns="91425" spcFirstLastPara="1" rIns="91425" wrap="square" tIns="91425">
+          <a:bodyPr spcFirstLastPara="1" wrap="square" lIns="91425" tIns="91425" rIns="91425" bIns="91425" anchor="b" anchorCtr="0">
             <a:normAutofit/>
           </a:bodyPr>
           <a:lstStyle>
@@ -3315,7 +3335,7 @@
           <p:cNvPr id="46" name="Google Shape;46;p11"/>
           <p:cNvSpPr txBox="1"/>
           <p:nvPr>
-            <p:ph idx="1" type="body"/>
+            <p:ph type="body" idx="1"/>
           </p:nvPr>
         </p:nvSpPr>
         <p:spPr>
@@ -3328,11 +3348,11 @@
           </a:prstGeom>
         </p:spPr>
         <p:txBody>
-          <a:bodyPr anchorCtr="0" anchor="t" bIns="91425" lIns="91425" spcFirstLastPara="1" rIns="91425" wrap="square" tIns="91425">
+          <a:bodyPr spcFirstLastPara="1" wrap="square" lIns="91425" tIns="91425" rIns="91425" bIns="91425" anchor="t" anchorCtr="0">
             <a:normAutofit/>
           </a:bodyPr>
           <a:lstStyle>
-            <a:lvl1pPr indent="-342900" lvl="0" marL="457200" algn="ctr">
+            <a:lvl1pPr marL="457200" lvl="0" indent="-342900" algn="ctr">
               <a:spcBef>
                 <a:spcPts val="0"/>
               </a:spcBef>
@@ -3343,7 +3363,7 @@
               <a:buChar char="●"/>
               <a:defRPr/>
             </a:lvl1pPr>
-            <a:lvl2pPr indent="-317500" lvl="1" marL="914400" algn="ctr">
+            <a:lvl2pPr marL="914400" lvl="1" indent="-317500" algn="ctr">
               <a:spcBef>
                 <a:spcPts val="0"/>
               </a:spcBef>
@@ -3354,7 +3374,7 @@
               <a:buChar char="○"/>
               <a:defRPr/>
             </a:lvl2pPr>
-            <a:lvl3pPr indent="-317500" lvl="2" marL="1371600" algn="ctr">
+            <a:lvl3pPr marL="1371600" lvl="2" indent="-317500" algn="ctr">
               <a:spcBef>
                 <a:spcPts val="0"/>
               </a:spcBef>
@@ -3365,7 +3385,7 @@
               <a:buChar char="■"/>
               <a:defRPr/>
             </a:lvl3pPr>
-            <a:lvl4pPr indent="-317500" lvl="3" marL="1828800" algn="ctr">
+            <a:lvl4pPr marL="1828800" lvl="3" indent="-317500" algn="ctr">
               <a:spcBef>
                 <a:spcPts val="0"/>
               </a:spcBef>
@@ -3376,7 +3396,7 @@
               <a:buChar char="●"/>
               <a:defRPr/>
             </a:lvl4pPr>
-            <a:lvl5pPr indent="-317500" lvl="4" marL="2286000" algn="ctr">
+            <a:lvl5pPr marL="2286000" lvl="4" indent="-317500" algn="ctr">
               <a:spcBef>
                 <a:spcPts val="0"/>
               </a:spcBef>
@@ -3387,7 +3407,7 @@
               <a:buChar char="○"/>
               <a:defRPr/>
             </a:lvl5pPr>
-            <a:lvl6pPr indent="-317500" lvl="5" marL="2743200" algn="ctr">
+            <a:lvl6pPr marL="2743200" lvl="5" indent="-317500" algn="ctr">
               <a:spcBef>
                 <a:spcPts val="0"/>
               </a:spcBef>
@@ -3398,7 +3418,7 @@
               <a:buChar char="■"/>
               <a:defRPr/>
             </a:lvl6pPr>
-            <a:lvl7pPr indent="-317500" lvl="6" marL="3200400" algn="ctr">
+            <a:lvl7pPr marL="3200400" lvl="6" indent="-317500" algn="ctr">
               <a:spcBef>
                 <a:spcPts val="0"/>
               </a:spcBef>
@@ -3409,7 +3429,7 @@
               <a:buChar char="●"/>
               <a:defRPr/>
             </a:lvl7pPr>
-            <a:lvl8pPr indent="-317500" lvl="7" marL="3657600" algn="ctr">
+            <a:lvl8pPr marL="3657600" lvl="7" indent="-317500" algn="ctr">
               <a:spcBef>
                 <a:spcPts val="0"/>
               </a:spcBef>
@@ -3420,7 +3440,7 @@
               <a:buChar char="○"/>
               <a:defRPr/>
             </a:lvl8pPr>
-            <a:lvl9pPr indent="-317500" lvl="8" marL="4114800" algn="ctr">
+            <a:lvl9pPr marL="4114800" lvl="8" indent="-317500" algn="ctr">
               <a:spcBef>
                 <a:spcPts val="0"/>
               </a:spcBef>
@@ -3440,7 +3460,7 @@
           <p:cNvPr id="47" name="Google Shape;47;p11"/>
           <p:cNvSpPr txBox="1"/>
           <p:nvPr>
-            <p:ph idx="12" type="sldNum"/>
+            <p:ph type="sldNum" idx="12"/>
           </p:nvPr>
         </p:nvSpPr>
         <p:spPr>
@@ -3453,7 +3473,7 @@
           </a:prstGeom>
         </p:spPr>
         <p:txBody>
-          <a:bodyPr anchorCtr="0" anchor="ctr" bIns="91425" lIns="91425" spcFirstLastPara="1" rIns="91425" wrap="square" tIns="91425">
+          <a:bodyPr spcFirstLastPara="1" wrap="square" lIns="91425" tIns="91425" rIns="91425" bIns="91425" anchor="ctr" anchorCtr="0">
             <a:normAutofit/>
           </a:bodyPr>
           <a:lstStyle>
@@ -3495,7 +3515,7 @@
             </a:lvl9pPr>
           </a:lstStyle>
           <a:p>
-            <a:pPr indent="0" lvl="0" marL="0" rtl="0" algn="r">
+            <a:pPr marL="0" lvl="0" indent="0" algn="r" rtl="0">
               <a:spcBef>
                 <a:spcPts val="0"/>
               </a:spcBef>
@@ -3506,9 +3526,8 @@
             </a:pPr>
             <a:fld id="{00000000-1234-1234-1234-123412341234}" type="slidenum">
               <a:rPr lang="en-GB"/>
-              <a:t>‹#›</a:t>
             </a:fld>
-            <a:endParaRPr/>
+            <a:endParaRPr lang="en-GB"/>
           </a:p>
         </p:txBody>
       </p:sp>
@@ -3517,11 +3536,23 @@
   <p:clrMapOvr>
     <a:masterClrMapping/>
   </p:clrMapOvr>
+  <mc:AlternateContent xmlns:mc="http://schemas.openxmlformats.org/markup-compatibility/2006">
+    <mc:Choice xmlns:p14="http://schemas.microsoft.com/office/powerpoint/2010/main" Requires="p14">
+      <p:transition spd="slow" p14:dur="1100">
+        <p14:gallery dir="l"/>
+      </p:transition>
+    </mc:Choice>
+    <mc:Fallback>
+      <p:transition spd="slow">
+        <p:fade/>
+      </p:transition>
+    </mc:Fallback>
+  </mc:AlternateContent>
 </p:sldLayout>
 </file>
 
 <file path=ppt/slideLayouts/slideLayout11.xml><?xml version="1.0" encoding="utf-8"?>
-<p:sldLayout xmlns:a="http://schemas.openxmlformats.org/drawingml/2006/main" xmlns:r="http://schemas.openxmlformats.org/officeDocument/2006/relationships" xmlns:mc="http://schemas.openxmlformats.org/markup-compatibility/2006" xmlns:mv="urn:schemas-microsoft-com:mac:vml" xmlns:p="http://schemas.openxmlformats.org/presentationml/2006/main" xmlns:c="http://schemas.openxmlformats.org/drawingml/2006/chart" xmlns:dgm="http://schemas.openxmlformats.org/drawingml/2006/diagram" xmlns:o="urn:schemas-microsoft-com:office:office" xmlns:v="urn:schemas-microsoft-com:vml" xmlns:pvml="urn:schemas-microsoft-com:office:powerpoint" xmlns:com="http://schemas.openxmlformats.org/drawingml/2006/compatibility" xmlns:p14="http://schemas.microsoft.com/office/powerpoint/2010/main" xmlns:p15="http://schemas.microsoft.com/office/powerpoint/2012/main" xmlns:ahyp="http://schemas.microsoft.com/office/drawing/2018/hyperlinkcolor" matchingName="Blank" type="blank">
+<p:sldLayout xmlns:a="http://schemas.openxmlformats.org/drawingml/2006/main" xmlns:r="http://schemas.openxmlformats.org/officeDocument/2006/relationships" xmlns:p="http://schemas.openxmlformats.org/presentationml/2006/main" type="blank" matchingName="Blank">
   <p:cSld name="BLANK">
     <p:spTree>
       <p:nvGrpSpPr>
@@ -3542,7 +3573,7 @@
           <p:cNvPr id="49" name="Google Shape;49;p12"/>
           <p:cNvSpPr txBox="1"/>
           <p:nvPr>
-            <p:ph idx="12" type="sldNum"/>
+            <p:ph type="sldNum" idx="12"/>
           </p:nvPr>
         </p:nvSpPr>
         <p:spPr>
@@ -3555,7 +3586,7 @@
           </a:prstGeom>
         </p:spPr>
         <p:txBody>
-          <a:bodyPr anchorCtr="0" anchor="ctr" bIns="91425" lIns="91425" spcFirstLastPara="1" rIns="91425" wrap="square" tIns="91425">
+          <a:bodyPr spcFirstLastPara="1" wrap="square" lIns="91425" tIns="91425" rIns="91425" bIns="91425" anchor="ctr" anchorCtr="0">
             <a:normAutofit/>
           </a:bodyPr>
           <a:lstStyle>
@@ -3597,7 +3628,7 @@
             </a:lvl9pPr>
           </a:lstStyle>
           <a:p>
-            <a:pPr indent="0" lvl="0" marL="0" rtl="0" algn="r">
+            <a:pPr marL="0" lvl="0" indent="0" algn="r" rtl="0">
               <a:spcBef>
                 <a:spcPts val="0"/>
               </a:spcBef>
@@ -3608,9 +3639,8 @@
             </a:pPr>
             <a:fld id="{00000000-1234-1234-1234-123412341234}" type="slidenum">
               <a:rPr lang="en-GB"/>
-              <a:t>‹#›</a:t>
             </a:fld>
-            <a:endParaRPr/>
+            <a:endParaRPr lang="en-GB"/>
           </a:p>
         </p:txBody>
       </p:sp>
@@ -3619,11 +3649,23 @@
   <p:clrMapOvr>
     <a:masterClrMapping/>
   </p:clrMapOvr>
+  <mc:AlternateContent xmlns:mc="http://schemas.openxmlformats.org/markup-compatibility/2006">
+    <mc:Choice xmlns:p14="http://schemas.microsoft.com/office/powerpoint/2010/main" Requires="p14">
+      <p:transition spd="slow" p14:dur="1100">
+        <p14:gallery dir="l"/>
+      </p:transition>
+    </mc:Choice>
+    <mc:Fallback>
+      <p:transition spd="slow">
+        <p:fade/>
+      </p:transition>
+    </mc:Fallback>
+  </mc:AlternateContent>
 </p:sldLayout>
 </file>
 
 <file path=ppt/slideLayouts/slideLayout2.xml><?xml version="1.0" encoding="utf-8"?>
-<p:sldLayout xmlns:a="http://schemas.openxmlformats.org/drawingml/2006/main" xmlns:r="http://schemas.openxmlformats.org/officeDocument/2006/relationships" xmlns:mc="http://schemas.openxmlformats.org/markup-compatibility/2006" xmlns:mv="urn:schemas-microsoft-com:mac:vml" xmlns:p="http://schemas.openxmlformats.org/presentationml/2006/main" xmlns:c="http://schemas.openxmlformats.org/drawingml/2006/chart" xmlns:dgm="http://schemas.openxmlformats.org/drawingml/2006/diagram" xmlns:o="urn:schemas-microsoft-com:office:office" xmlns:v="urn:schemas-microsoft-com:vml" xmlns:pvml="urn:schemas-microsoft-com:office:powerpoint" xmlns:com="http://schemas.openxmlformats.org/drawingml/2006/compatibility" xmlns:p14="http://schemas.microsoft.com/office/powerpoint/2010/main" xmlns:p15="http://schemas.microsoft.com/office/powerpoint/2012/main" xmlns:ahyp="http://schemas.microsoft.com/office/drawing/2018/hyperlinkcolor" matchingName="Section header" type="secHead">
+<p:sldLayout xmlns:a="http://schemas.openxmlformats.org/drawingml/2006/main" xmlns:r="http://schemas.openxmlformats.org/officeDocument/2006/relationships" xmlns:p="http://schemas.openxmlformats.org/presentationml/2006/main" type="secHead" matchingName="Section header">
   <p:cSld name="SECTION_HEADER">
     <p:spTree>
       <p:nvGrpSpPr>
@@ -3657,7 +3699,7 @@
           </a:prstGeom>
         </p:spPr>
         <p:txBody>
-          <a:bodyPr anchorCtr="0" anchor="ctr" bIns="91425" lIns="91425" spcFirstLastPara="1" rIns="91425" wrap="square" tIns="91425">
+          <a:bodyPr spcFirstLastPara="1" wrap="square" lIns="91425" tIns="91425" rIns="91425" bIns="91425" anchor="ctr" anchorCtr="0">
             <a:normAutofit/>
           </a:bodyPr>
           <a:lstStyle>
@@ -3769,7 +3811,7 @@
           <p:cNvPr id="15" name="Google Shape;15;p3"/>
           <p:cNvSpPr txBox="1"/>
           <p:nvPr>
-            <p:ph idx="12" type="sldNum"/>
+            <p:ph type="sldNum" idx="12"/>
           </p:nvPr>
         </p:nvSpPr>
         <p:spPr>
@@ -3782,7 +3824,7 @@
           </a:prstGeom>
         </p:spPr>
         <p:txBody>
-          <a:bodyPr anchorCtr="0" anchor="ctr" bIns="91425" lIns="91425" spcFirstLastPara="1" rIns="91425" wrap="square" tIns="91425">
+          <a:bodyPr spcFirstLastPara="1" wrap="square" lIns="91425" tIns="91425" rIns="91425" bIns="91425" anchor="ctr" anchorCtr="0">
             <a:normAutofit/>
           </a:bodyPr>
           <a:lstStyle>
@@ -3824,7 +3866,7 @@
             </a:lvl9pPr>
           </a:lstStyle>
           <a:p>
-            <a:pPr indent="0" lvl="0" marL="0" rtl="0" algn="r">
+            <a:pPr marL="0" lvl="0" indent="0" algn="r" rtl="0">
               <a:spcBef>
                 <a:spcPts val="0"/>
               </a:spcBef>
@@ -3835,9 +3877,8 @@
             </a:pPr>
             <a:fld id="{00000000-1234-1234-1234-123412341234}" type="slidenum">
               <a:rPr lang="en-GB"/>
-              <a:t>‹#›</a:t>
             </a:fld>
-            <a:endParaRPr/>
+            <a:endParaRPr lang="en-GB"/>
           </a:p>
         </p:txBody>
       </p:sp>
@@ -3846,11 +3887,23 @@
   <p:clrMapOvr>
     <a:masterClrMapping/>
   </p:clrMapOvr>
+  <mc:AlternateContent xmlns:mc="http://schemas.openxmlformats.org/markup-compatibility/2006">
+    <mc:Choice xmlns:p14="http://schemas.microsoft.com/office/powerpoint/2010/main" Requires="p14">
+      <p:transition spd="slow" p14:dur="1100">
+        <p14:gallery dir="l"/>
+      </p:transition>
+    </mc:Choice>
+    <mc:Fallback>
+      <p:transition spd="slow">
+        <p:fade/>
+      </p:transition>
+    </mc:Fallback>
+  </mc:AlternateContent>
 </p:sldLayout>
 </file>
 
 <file path=ppt/slideLayouts/slideLayout3.xml><?xml version="1.0" encoding="utf-8"?>
-<p:sldLayout xmlns:a="http://schemas.openxmlformats.org/drawingml/2006/main" xmlns:r="http://schemas.openxmlformats.org/officeDocument/2006/relationships" xmlns:mc="http://schemas.openxmlformats.org/markup-compatibility/2006" xmlns:mv="urn:schemas-microsoft-com:mac:vml" xmlns:p="http://schemas.openxmlformats.org/presentationml/2006/main" xmlns:c="http://schemas.openxmlformats.org/drawingml/2006/chart" xmlns:dgm="http://schemas.openxmlformats.org/drawingml/2006/diagram" xmlns:o="urn:schemas-microsoft-com:office:office" xmlns:v="urn:schemas-microsoft-com:vml" xmlns:pvml="urn:schemas-microsoft-com:office:powerpoint" xmlns:com="http://schemas.openxmlformats.org/drawingml/2006/compatibility" xmlns:p14="http://schemas.microsoft.com/office/powerpoint/2010/main" xmlns:p15="http://schemas.microsoft.com/office/powerpoint/2012/main" xmlns:ahyp="http://schemas.microsoft.com/office/drawing/2018/hyperlinkcolor" matchingName="Title and body" type="tx">
+<p:sldLayout xmlns:a="http://schemas.openxmlformats.org/drawingml/2006/main" xmlns:r="http://schemas.openxmlformats.org/officeDocument/2006/relationships" xmlns:p="http://schemas.openxmlformats.org/presentationml/2006/main" type="tx" matchingName="Title and body">
   <p:cSld name="TITLE_AND_BODY">
     <p:spTree>
       <p:nvGrpSpPr>
@@ -3884,7 +3937,7 @@
           </a:prstGeom>
         </p:spPr>
         <p:txBody>
-          <a:bodyPr anchorCtr="0" anchor="t" bIns="91425" lIns="91425" spcFirstLastPara="1" rIns="91425" wrap="square" tIns="91425">
+          <a:bodyPr spcFirstLastPara="1" wrap="square" lIns="91425" tIns="91425" rIns="91425" bIns="91425" anchor="t" anchorCtr="0">
             <a:normAutofit/>
           </a:bodyPr>
           <a:lstStyle>
@@ -3996,7 +4049,7 @@
           <p:cNvPr id="18" name="Google Shape;18;p4"/>
           <p:cNvSpPr txBox="1"/>
           <p:nvPr>
-            <p:ph idx="1" type="body"/>
+            <p:ph type="body" idx="1"/>
           </p:nvPr>
         </p:nvSpPr>
         <p:spPr>
@@ -4009,11 +4062,11 @@
           </a:prstGeom>
         </p:spPr>
         <p:txBody>
-          <a:bodyPr anchorCtr="0" anchor="t" bIns="91425" lIns="91425" spcFirstLastPara="1" rIns="91425" wrap="square" tIns="91425">
+          <a:bodyPr spcFirstLastPara="1" wrap="square" lIns="91425" tIns="91425" rIns="91425" bIns="91425" anchor="t" anchorCtr="0">
             <a:normAutofit/>
           </a:bodyPr>
           <a:lstStyle>
-            <a:lvl1pPr indent="-342900" lvl="0" marL="457200">
+            <a:lvl1pPr marL="457200" lvl="0" indent="-342900">
               <a:spcBef>
                 <a:spcPts val="0"/>
               </a:spcBef>
@@ -4024,7 +4077,7 @@
               <a:buChar char="●"/>
               <a:defRPr/>
             </a:lvl1pPr>
-            <a:lvl2pPr indent="-317500" lvl="1" marL="914400">
+            <a:lvl2pPr marL="914400" lvl="1" indent="-317500">
               <a:spcBef>
                 <a:spcPts val="0"/>
               </a:spcBef>
@@ -4035,7 +4088,7 @@
               <a:buChar char="○"/>
               <a:defRPr/>
             </a:lvl2pPr>
-            <a:lvl3pPr indent="-317500" lvl="2" marL="1371600">
+            <a:lvl3pPr marL="1371600" lvl="2" indent="-317500">
               <a:spcBef>
                 <a:spcPts val="0"/>
               </a:spcBef>
@@ -4046,7 +4099,7 @@
               <a:buChar char="■"/>
               <a:defRPr/>
             </a:lvl3pPr>
-            <a:lvl4pPr indent="-317500" lvl="3" marL="1828800">
+            <a:lvl4pPr marL="1828800" lvl="3" indent="-317500">
               <a:spcBef>
                 <a:spcPts val="0"/>
               </a:spcBef>
@@ -4057,7 +4110,7 @@
               <a:buChar char="●"/>
               <a:defRPr/>
             </a:lvl4pPr>
-            <a:lvl5pPr indent="-317500" lvl="4" marL="2286000">
+            <a:lvl5pPr marL="2286000" lvl="4" indent="-317500">
               <a:spcBef>
                 <a:spcPts val="0"/>
               </a:spcBef>
@@ -4068,7 +4121,7 @@
               <a:buChar char="○"/>
               <a:defRPr/>
             </a:lvl5pPr>
-            <a:lvl6pPr indent="-317500" lvl="5" marL="2743200">
+            <a:lvl6pPr marL="2743200" lvl="5" indent="-317500">
               <a:spcBef>
                 <a:spcPts val="0"/>
               </a:spcBef>
@@ -4079,7 +4132,7 @@
               <a:buChar char="■"/>
               <a:defRPr/>
             </a:lvl6pPr>
-            <a:lvl7pPr indent="-317500" lvl="6" marL="3200400">
+            <a:lvl7pPr marL="3200400" lvl="6" indent="-317500">
               <a:spcBef>
                 <a:spcPts val="0"/>
               </a:spcBef>
@@ -4090,7 +4143,7 @@
               <a:buChar char="●"/>
               <a:defRPr/>
             </a:lvl7pPr>
-            <a:lvl8pPr indent="-317500" lvl="7" marL="3657600">
+            <a:lvl8pPr marL="3657600" lvl="7" indent="-317500">
               <a:spcBef>
                 <a:spcPts val="0"/>
               </a:spcBef>
@@ -4101,7 +4154,7 @@
               <a:buChar char="○"/>
               <a:defRPr/>
             </a:lvl8pPr>
-            <a:lvl9pPr indent="-317500" lvl="8" marL="4114800">
+            <a:lvl9pPr marL="4114800" lvl="8" indent="-317500">
               <a:spcBef>
                 <a:spcPts val="0"/>
               </a:spcBef>
@@ -4121,7 +4174,7 @@
           <p:cNvPr id="19" name="Google Shape;19;p4"/>
           <p:cNvSpPr txBox="1"/>
           <p:nvPr>
-            <p:ph idx="12" type="sldNum"/>
+            <p:ph type="sldNum" idx="12"/>
           </p:nvPr>
         </p:nvSpPr>
         <p:spPr>
@@ -4134,7 +4187,7 @@
           </a:prstGeom>
         </p:spPr>
         <p:txBody>
-          <a:bodyPr anchorCtr="0" anchor="ctr" bIns="91425" lIns="91425" spcFirstLastPara="1" rIns="91425" wrap="square" tIns="91425">
+          <a:bodyPr spcFirstLastPara="1" wrap="square" lIns="91425" tIns="91425" rIns="91425" bIns="91425" anchor="ctr" anchorCtr="0">
             <a:normAutofit/>
           </a:bodyPr>
           <a:lstStyle>
@@ -4176,7 +4229,7 @@
             </a:lvl9pPr>
           </a:lstStyle>
           <a:p>
-            <a:pPr indent="0" lvl="0" marL="0" rtl="0" algn="r">
+            <a:pPr marL="0" lvl="0" indent="0" algn="r" rtl="0">
               <a:spcBef>
                 <a:spcPts val="0"/>
               </a:spcBef>
@@ -4187,9 +4240,8 @@
             </a:pPr>
             <a:fld id="{00000000-1234-1234-1234-123412341234}" type="slidenum">
               <a:rPr lang="en-GB"/>
-              <a:t>‹#›</a:t>
             </a:fld>
-            <a:endParaRPr/>
+            <a:endParaRPr lang="en-GB"/>
           </a:p>
         </p:txBody>
       </p:sp>
@@ -4198,11 +4250,23 @@
   <p:clrMapOvr>
     <a:masterClrMapping/>
   </p:clrMapOvr>
+  <mc:AlternateContent xmlns:mc="http://schemas.openxmlformats.org/markup-compatibility/2006">
+    <mc:Choice xmlns:p14="http://schemas.microsoft.com/office/powerpoint/2010/main" Requires="p14">
+      <p:transition spd="slow" p14:dur="1100">
+        <p14:gallery dir="l"/>
+      </p:transition>
+    </mc:Choice>
+    <mc:Fallback>
+      <p:transition spd="slow">
+        <p:fade/>
+      </p:transition>
+    </mc:Fallback>
+  </mc:AlternateContent>
 </p:sldLayout>
 </file>
 
 <file path=ppt/slideLayouts/slideLayout4.xml><?xml version="1.0" encoding="utf-8"?>
-<p:sldLayout xmlns:a="http://schemas.openxmlformats.org/drawingml/2006/main" xmlns:r="http://schemas.openxmlformats.org/officeDocument/2006/relationships" xmlns:mc="http://schemas.openxmlformats.org/markup-compatibility/2006" xmlns:mv="urn:schemas-microsoft-com:mac:vml" xmlns:p="http://schemas.openxmlformats.org/presentationml/2006/main" xmlns:c="http://schemas.openxmlformats.org/drawingml/2006/chart" xmlns:dgm="http://schemas.openxmlformats.org/drawingml/2006/diagram" xmlns:o="urn:schemas-microsoft-com:office:office" xmlns:v="urn:schemas-microsoft-com:vml" xmlns:pvml="urn:schemas-microsoft-com:office:powerpoint" xmlns:com="http://schemas.openxmlformats.org/drawingml/2006/compatibility" xmlns:p14="http://schemas.microsoft.com/office/powerpoint/2010/main" xmlns:p15="http://schemas.microsoft.com/office/powerpoint/2012/main" xmlns:ahyp="http://schemas.microsoft.com/office/drawing/2018/hyperlinkcolor" matchingName="Title and two columns" type="twoColTx">
+<p:sldLayout xmlns:a="http://schemas.openxmlformats.org/drawingml/2006/main" xmlns:r="http://schemas.openxmlformats.org/officeDocument/2006/relationships" xmlns:p="http://schemas.openxmlformats.org/presentationml/2006/main" type="twoColTx" matchingName="Title and two columns">
   <p:cSld name="TITLE_AND_TWO_COLUMNS">
     <p:spTree>
       <p:nvGrpSpPr>
@@ -4236,7 +4300,7 @@
           </a:prstGeom>
         </p:spPr>
         <p:txBody>
-          <a:bodyPr anchorCtr="0" anchor="t" bIns="91425" lIns="91425" spcFirstLastPara="1" rIns="91425" wrap="square" tIns="91425">
+          <a:bodyPr spcFirstLastPara="1" wrap="square" lIns="91425" tIns="91425" rIns="91425" bIns="91425" anchor="t" anchorCtr="0">
             <a:normAutofit/>
           </a:bodyPr>
           <a:lstStyle>
@@ -4348,7 +4412,7 @@
           <p:cNvPr id="22" name="Google Shape;22;p5"/>
           <p:cNvSpPr txBox="1"/>
           <p:nvPr>
-            <p:ph idx="1" type="body"/>
+            <p:ph type="body" idx="1"/>
           </p:nvPr>
         </p:nvSpPr>
         <p:spPr>
@@ -4361,11 +4425,11 @@
           </a:prstGeom>
         </p:spPr>
         <p:txBody>
-          <a:bodyPr anchorCtr="0" anchor="t" bIns="91425" lIns="91425" spcFirstLastPara="1" rIns="91425" wrap="square" tIns="91425">
+          <a:bodyPr spcFirstLastPara="1" wrap="square" lIns="91425" tIns="91425" rIns="91425" bIns="91425" anchor="t" anchorCtr="0">
             <a:normAutofit/>
           </a:bodyPr>
           <a:lstStyle>
-            <a:lvl1pPr indent="-317500" lvl="0" marL="457200">
+            <a:lvl1pPr marL="457200" lvl="0" indent="-317500">
               <a:spcBef>
                 <a:spcPts val="0"/>
               </a:spcBef>
@@ -4376,7 +4440,7 @@
               <a:buChar char="●"/>
               <a:defRPr sz="1400"/>
             </a:lvl1pPr>
-            <a:lvl2pPr indent="-304800" lvl="1" marL="914400">
+            <a:lvl2pPr marL="914400" lvl="1" indent="-304800">
               <a:spcBef>
                 <a:spcPts val="0"/>
               </a:spcBef>
@@ -4387,7 +4451,7 @@
               <a:buChar char="○"/>
               <a:defRPr sz="1200"/>
             </a:lvl2pPr>
-            <a:lvl3pPr indent="-304800" lvl="2" marL="1371600">
+            <a:lvl3pPr marL="1371600" lvl="2" indent="-304800">
               <a:spcBef>
                 <a:spcPts val="0"/>
               </a:spcBef>
@@ -4398,7 +4462,7 @@
               <a:buChar char="■"/>
               <a:defRPr sz="1200"/>
             </a:lvl3pPr>
-            <a:lvl4pPr indent="-304800" lvl="3" marL="1828800">
+            <a:lvl4pPr marL="1828800" lvl="3" indent="-304800">
               <a:spcBef>
                 <a:spcPts val="0"/>
               </a:spcBef>
@@ -4409,7 +4473,7 @@
               <a:buChar char="●"/>
               <a:defRPr sz="1200"/>
             </a:lvl4pPr>
-            <a:lvl5pPr indent="-304800" lvl="4" marL="2286000">
+            <a:lvl5pPr marL="2286000" lvl="4" indent="-304800">
               <a:spcBef>
                 <a:spcPts val="0"/>
               </a:spcBef>
@@ -4420,7 +4484,7 @@
               <a:buChar char="○"/>
               <a:defRPr sz="1200"/>
             </a:lvl5pPr>
-            <a:lvl6pPr indent="-304800" lvl="5" marL="2743200">
+            <a:lvl6pPr marL="2743200" lvl="5" indent="-304800">
               <a:spcBef>
                 <a:spcPts val="0"/>
               </a:spcBef>
@@ -4431,7 +4495,7 @@
               <a:buChar char="■"/>
               <a:defRPr sz="1200"/>
             </a:lvl6pPr>
-            <a:lvl7pPr indent="-304800" lvl="6" marL="3200400">
+            <a:lvl7pPr marL="3200400" lvl="6" indent="-304800">
               <a:spcBef>
                 <a:spcPts val="0"/>
               </a:spcBef>
@@ -4442,7 +4506,7 @@
               <a:buChar char="●"/>
               <a:defRPr sz="1200"/>
             </a:lvl7pPr>
-            <a:lvl8pPr indent="-304800" lvl="7" marL="3657600">
+            <a:lvl8pPr marL="3657600" lvl="7" indent="-304800">
               <a:spcBef>
                 <a:spcPts val="0"/>
               </a:spcBef>
@@ -4453,7 +4517,7 @@
               <a:buChar char="○"/>
               <a:defRPr sz="1200"/>
             </a:lvl8pPr>
-            <a:lvl9pPr indent="-304800" lvl="8" marL="4114800">
+            <a:lvl9pPr marL="4114800" lvl="8" indent="-304800">
               <a:spcBef>
                 <a:spcPts val="0"/>
               </a:spcBef>
@@ -4473,7 +4537,7 @@
           <p:cNvPr id="23" name="Google Shape;23;p5"/>
           <p:cNvSpPr txBox="1"/>
           <p:nvPr>
-            <p:ph idx="2" type="body"/>
+            <p:ph type="body" idx="2"/>
           </p:nvPr>
         </p:nvSpPr>
         <p:spPr>
@@ -4486,11 +4550,11 @@
           </a:prstGeom>
         </p:spPr>
         <p:txBody>
-          <a:bodyPr anchorCtr="0" anchor="t" bIns="91425" lIns="91425" spcFirstLastPara="1" rIns="91425" wrap="square" tIns="91425">
+          <a:bodyPr spcFirstLastPara="1" wrap="square" lIns="91425" tIns="91425" rIns="91425" bIns="91425" anchor="t" anchorCtr="0">
             <a:normAutofit/>
           </a:bodyPr>
           <a:lstStyle>
-            <a:lvl1pPr indent="-317500" lvl="0" marL="457200">
+            <a:lvl1pPr marL="457200" lvl="0" indent="-317500">
               <a:spcBef>
                 <a:spcPts val="0"/>
               </a:spcBef>
@@ -4501,7 +4565,7 @@
               <a:buChar char="●"/>
               <a:defRPr sz="1400"/>
             </a:lvl1pPr>
-            <a:lvl2pPr indent="-304800" lvl="1" marL="914400">
+            <a:lvl2pPr marL="914400" lvl="1" indent="-304800">
               <a:spcBef>
                 <a:spcPts val="0"/>
               </a:spcBef>
@@ -4512,7 +4576,7 @@
               <a:buChar char="○"/>
               <a:defRPr sz="1200"/>
             </a:lvl2pPr>
-            <a:lvl3pPr indent="-304800" lvl="2" marL="1371600">
+            <a:lvl3pPr marL="1371600" lvl="2" indent="-304800">
               <a:spcBef>
                 <a:spcPts val="0"/>
               </a:spcBef>
@@ -4523,7 +4587,7 @@
               <a:buChar char="■"/>
               <a:defRPr sz="1200"/>
             </a:lvl3pPr>
-            <a:lvl4pPr indent="-304800" lvl="3" marL="1828800">
+            <a:lvl4pPr marL="1828800" lvl="3" indent="-304800">
               <a:spcBef>
                 <a:spcPts val="0"/>
               </a:spcBef>
@@ -4534,7 +4598,7 @@
               <a:buChar char="●"/>
               <a:defRPr sz="1200"/>
             </a:lvl4pPr>
-            <a:lvl5pPr indent="-304800" lvl="4" marL="2286000">
+            <a:lvl5pPr marL="2286000" lvl="4" indent="-304800">
               <a:spcBef>
                 <a:spcPts val="0"/>
               </a:spcBef>
@@ -4545,7 +4609,7 @@
               <a:buChar char="○"/>
               <a:defRPr sz="1200"/>
             </a:lvl5pPr>
-            <a:lvl6pPr indent="-304800" lvl="5" marL="2743200">
+            <a:lvl6pPr marL="2743200" lvl="5" indent="-304800">
               <a:spcBef>
                 <a:spcPts val="0"/>
               </a:spcBef>
@@ -4556,7 +4620,7 @@
               <a:buChar char="■"/>
               <a:defRPr sz="1200"/>
             </a:lvl6pPr>
-            <a:lvl7pPr indent="-304800" lvl="6" marL="3200400">
+            <a:lvl7pPr marL="3200400" lvl="6" indent="-304800">
               <a:spcBef>
                 <a:spcPts val="0"/>
               </a:spcBef>
@@ -4567,7 +4631,7 @@
               <a:buChar char="●"/>
               <a:defRPr sz="1200"/>
             </a:lvl7pPr>
-            <a:lvl8pPr indent="-304800" lvl="7" marL="3657600">
+            <a:lvl8pPr marL="3657600" lvl="7" indent="-304800">
               <a:spcBef>
                 <a:spcPts val="0"/>
               </a:spcBef>
@@ -4578,7 +4642,7 @@
               <a:buChar char="○"/>
               <a:defRPr sz="1200"/>
             </a:lvl8pPr>
-            <a:lvl9pPr indent="-304800" lvl="8" marL="4114800">
+            <a:lvl9pPr marL="4114800" lvl="8" indent="-304800">
               <a:spcBef>
                 <a:spcPts val="0"/>
               </a:spcBef>
@@ -4598,7 +4662,7 @@
           <p:cNvPr id="24" name="Google Shape;24;p5"/>
           <p:cNvSpPr txBox="1"/>
           <p:nvPr>
-            <p:ph idx="12" type="sldNum"/>
+            <p:ph type="sldNum" idx="12"/>
           </p:nvPr>
         </p:nvSpPr>
         <p:spPr>
@@ -4611,7 +4675,7 @@
           </a:prstGeom>
         </p:spPr>
         <p:txBody>
-          <a:bodyPr anchorCtr="0" anchor="ctr" bIns="91425" lIns="91425" spcFirstLastPara="1" rIns="91425" wrap="square" tIns="91425">
+          <a:bodyPr spcFirstLastPara="1" wrap="square" lIns="91425" tIns="91425" rIns="91425" bIns="91425" anchor="ctr" anchorCtr="0">
             <a:normAutofit/>
           </a:bodyPr>
           <a:lstStyle>
@@ -4653,7 +4717,7 @@
             </a:lvl9pPr>
           </a:lstStyle>
           <a:p>
-            <a:pPr indent="0" lvl="0" marL="0" rtl="0" algn="r">
+            <a:pPr marL="0" lvl="0" indent="0" algn="r" rtl="0">
               <a:spcBef>
                 <a:spcPts val="0"/>
               </a:spcBef>
@@ -4664,9 +4728,8 @@
             </a:pPr>
             <a:fld id="{00000000-1234-1234-1234-123412341234}" type="slidenum">
               <a:rPr lang="en-GB"/>
-              <a:t>‹#›</a:t>
             </a:fld>
-            <a:endParaRPr/>
+            <a:endParaRPr lang="en-GB"/>
           </a:p>
         </p:txBody>
       </p:sp>
@@ -4675,11 +4738,23 @@
   <p:clrMapOvr>
     <a:masterClrMapping/>
   </p:clrMapOvr>
+  <mc:AlternateContent xmlns:mc="http://schemas.openxmlformats.org/markup-compatibility/2006">
+    <mc:Choice xmlns:p14="http://schemas.microsoft.com/office/powerpoint/2010/main" Requires="p14">
+      <p:transition spd="slow" p14:dur="1100">
+        <p14:gallery dir="l"/>
+      </p:transition>
+    </mc:Choice>
+    <mc:Fallback>
+      <p:transition spd="slow">
+        <p:fade/>
+      </p:transition>
+    </mc:Fallback>
+  </mc:AlternateContent>
 </p:sldLayout>
 </file>
 
 <file path=ppt/slideLayouts/slideLayout5.xml><?xml version="1.0" encoding="utf-8"?>
-<p:sldLayout xmlns:a="http://schemas.openxmlformats.org/drawingml/2006/main" xmlns:r="http://schemas.openxmlformats.org/officeDocument/2006/relationships" xmlns:mc="http://schemas.openxmlformats.org/markup-compatibility/2006" xmlns:mv="urn:schemas-microsoft-com:mac:vml" xmlns:p="http://schemas.openxmlformats.org/presentationml/2006/main" xmlns:c="http://schemas.openxmlformats.org/drawingml/2006/chart" xmlns:dgm="http://schemas.openxmlformats.org/drawingml/2006/diagram" xmlns:o="urn:schemas-microsoft-com:office:office" xmlns:v="urn:schemas-microsoft-com:vml" xmlns:pvml="urn:schemas-microsoft-com:office:powerpoint" xmlns:com="http://schemas.openxmlformats.org/drawingml/2006/compatibility" xmlns:p14="http://schemas.microsoft.com/office/powerpoint/2010/main" xmlns:p15="http://schemas.microsoft.com/office/powerpoint/2012/main" xmlns:ahyp="http://schemas.microsoft.com/office/drawing/2018/hyperlinkcolor" matchingName="Title only" type="titleOnly">
+<p:sldLayout xmlns:a="http://schemas.openxmlformats.org/drawingml/2006/main" xmlns:r="http://schemas.openxmlformats.org/officeDocument/2006/relationships" xmlns:p="http://schemas.openxmlformats.org/presentationml/2006/main" type="titleOnly" matchingName="Title only">
   <p:cSld name="TITLE_ONLY">
     <p:spTree>
       <p:nvGrpSpPr>
@@ -4713,7 +4788,7 @@
           </a:prstGeom>
         </p:spPr>
         <p:txBody>
-          <a:bodyPr anchorCtr="0" anchor="t" bIns="91425" lIns="91425" spcFirstLastPara="1" rIns="91425" wrap="square" tIns="91425">
+          <a:bodyPr spcFirstLastPara="1" wrap="square" lIns="91425" tIns="91425" rIns="91425" bIns="91425" anchor="t" anchorCtr="0">
             <a:normAutofit/>
           </a:bodyPr>
           <a:lstStyle>
@@ -4825,7 +4900,7 @@
           <p:cNvPr id="27" name="Google Shape;27;p6"/>
           <p:cNvSpPr txBox="1"/>
           <p:nvPr>
-            <p:ph idx="12" type="sldNum"/>
+            <p:ph type="sldNum" idx="12"/>
           </p:nvPr>
         </p:nvSpPr>
         <p:spPr>
@@ -4838,7 +4913,7 @@
           </a:prstGeom>
         </p:spPr>
         <p:txBody>
-          <a:bodyPr anchorCtr="0" anchor="ctr" bIns="91425" lIns="91425" spcFirstLastPara="1" rIns="91425" wrap="square" tIns="91425">
+          <a:bodyPr spcFirstLastPara="1" wrap="square" lIns="91425" tIns="91425" rIns="91425" bIns="91425" anchor="ctr" anchorCtr="0">
             <a:normAutofit/>
           </a:bodyPr>
           <a:lstStyle>
@@ -4880,7 +4955,7 @@
             </a:lvl9pPr>
           </a:lstStyle>
           <a:p>
-            <a:pPr indent="0" lvl="0" marL="0" rtl="0" algn="r">
+            <a:pPr marL="0" lvl="0" indent="0" algn="r" rtl="0">
               <a:spcBef>
                 <a:spcPts val="0"/>
               </a:spcBef>
@@ -4891,9 +4966,8 @@
             </a:pPr>
             <a:fld id="{00000000-1234-1234-1234-123412341234}" type="slidenum">
               <a:rPr lang="en-GB"/>
-              <a:t>‹#›</a:t>
             </a:fld>
-            <a:endParaRPr/>
+            <a:endParaRPr lang="en-GB"/>
           </a:p>
         </p:txBody>
       </p:sp>
@@ -4902,11 +4976,23 @@
   <p:clrMapOvr>
     <a:masterClrMapping/>
   </p:clrMapOvr>
+  <mc:AlternateContent xmlns:mc="http://schemas.openxmlformats.org/markup-compatibility/2006">
+    <mc:Choice xmlns:p14="http://schemas.microsoft.com/office/powerpoint/2010/main" Requires="p14">
+      <p:transition spd="slow" p14:dur="1100">
+        <p14:gallery dir="l"/>
+      </p:transition>
+    </mc:Choice>
+    <mc:Fallback>
+      <p:transition spd="slow">
+        <p:fade/>
+      </p:transition>
+    </mc:Fallback>
+  </mc:AlternateContent>
 </p:sldLayout>
 </file>
 
 <file path=ppt/slideLayouts/slideLayout6.xml><?xml version="1.0" encoding="utf-8"?>
-<p:sldLayout xmlns:a="http://schemas.openxmlformats.org/drawingml/2006/main" xmlns:r="http://schemas.openxmlformats.org/officeDocument/2006/relationships" xmlns:mc="http://schemas.openxmlformats.org/markup-compatibility/2006" xmlns:mv="urn:schemas-microsoft-com:mac:vml" xmlns:p="http://schemas.openxmlformats.org/presentationml/2006/main" xmlns:c="http://schemas.openxmlformats.org/drawingml/2006/chart" xmlns:dgm="http://schemas.openxmlformats.org/drawingml/2006/diagram" xmlns:o="urn:schemas-microsoft-com:office:office" xmlns:v="urn:schemas-microsoft-com:vml" xmlns:pvml="urn:schemas-microsoft-com:office:powerpoint" xmlns:com="http://schemas.openxmlformats.org/drawingml/2006/compatibility" xmlns:p14="http://schemas.microsoft.com/office/powerpoint/2010/main" xmlns:p15="http://schemas.microsoft.com/office/powerpoint/2012/main" xmlns:ahyp="http://schemas.microsoft.com/office/drawing/2018/hyperlinkcolor" matchingName="One column text">
+<p:sldLayout xmlns:a="http://schemas.openxmlformats.org/drawingml/2006/main" xmlns:r="http://schemas.openxmlformats.org/officeDocument/2006/relationships" xmlns:p="http://schemas.openxmlformats.org/presentationml/2006/main" matchingName="One column text">
   <p:cSld name="ONE_COLUMN_TEXT">
     <p:spTree>
       <p:nvGrpSpPr>
@@ -4940,7 +5026,7 @@
           </a:prstGeom>
         </p:spPr>
         <p:txBody>
-          <a:bodyPr anchorCtr="0" anchor="b" bIns="91425" lIns="91425" spcFirstLastPara="1" rIns="91425" wrap="square" tIns="91425">
+          <a:bodyPr spcFirstLastPara="1" wrap="square" lIns="91425" tIns="91425" rIns="91425" bIns="91425" anchor="b" anchorCtr="0">
             <a:normAutofit/>
           </a:bodyPr>
           <a:lstStyle>
@@ -5052,7 +5138,7 @@
           <p:cNvPr id="30" name="Google Shape;30;p7"/>
           <p:cNvSpPr txBox="1"/>
           <p:nvPr>
-            <p:ph idx="1" type="body"/>
+            <p:ph type="body" idx="1"/>
           </p:nvPr>
         </p:nvSpPr>
         <p:spPr>
@@ -5065,11 +5151,11 @@
           </a:prstGeom>
         </p:spPr>
         <p:txBody>
-          <a:bodyPr anchorCtr="0" anchor="t" bIns="91425" lIns="91425" spcFirstLastPara="1" rIns="91425" wrap="square" tIns="91425">
+          <a:bodyPr spcFirstLastPara="1" wrap="square" lIns="91425" tIns="91425" rIns="91425" bIns="91425" anchor="t" anchorCtr="0">
             <a:normAutofit/>
           </a:bodyPr>
           <a:lstStyle>
-            <a:lvl1pPr indent="-304800" lvl="0" marL="457200">
+            <a:lvl1pPr marL="457200" lvl="0" indent="-304800">
               <a:spcBef>
                 <a:spcPts val="0"/>
               </a:spcBef>
@@ -5080,7 +5166,7 @@
               <a:buChar char="●"/>
               <a:defRPr sz="1200"/>
             </a:lvl1pPr>
-            <a:lvl2pPr indent="-304800" lvl="1" marL="914400">
+            <a:lvl2pPr marL="914400" lvl="1" indent="-304800">
               <a:spcBef>
                 <a:spcPts val="0"/>
               </a:spcBef>
@@ -5091,7 +5177,7 @@
               <a:buChar char="○"/>
               <a:defRPr sz="1200"/>
             </a:lvl2pPr>
-            <a:lvl3pPr indent="-304800" lvl="2" marL="1371600">
+            <a:lvl3pPr marL="1371600" lvl="2" indent="-304800">
               <a:spcBef>
                 <a:spcPts val="0"/>
               </a:spcBef>
@@ -5102,7 +5188,7 @@
               <a:buChar char="■"/>
               <a:defRPr sz="1200"/>
             </a:lvl3pPr>
-            <a:lvl4pPr indent="-304800" lvl="3" marL="1828800">
+            <a:lvl4pPr marL="1828800" lvl="3" indent="-304800">
               <a:spcBef>
                 <a:spcPts val="0"/>
               </a:spcBef>
@@ -5113,7 +5199,7 @@
               <a:buChar char="●"/>
               <a:defRPr sz="1200"/>
             </a:lvl4pPr>
-            <a:lvl5pPr indent="-304800" lvl="4" marL="2286000">
+            <a:lvl5pPr marL="2286000" lvl="4" indent="-304800">
               <a:spcBef>
                 <a:spcPts val="0"/>
               </a:spcBef>
@@ -5124,7 +5210,7 @@
               <a:buChar char="○"/>
               <a:defRPr sz="1200"/>
             </a:lvl5pPr>
-            <a:lvl6pPr indent="-304800" lvl="5" marL="2743200">
+            <a:lvl6pPr marL="2743200" lvl="5" indent="-304800">
               <a:spcBef>
                 <a:spcPts val="0"/>
               </a:spcBef>
@@ -5135,7 +5221,7 @@
               <a:buChar char="■"/>
               <a:defRPr sz="1200"/>
             </a:lvl6pPr>
-            <a:lvl7pPr indent="-304800" lvl="6" marL="3200400">
+            <a:lvl7pPr marL="3200400" lvl="6" indent="-304800">
               <a:spcBef>
                 <a:spcPts val="0"/>
               </a:spcBef>
@@ -5146,7 +5232,7 @@
               <a:buChar char="●"/>
               <a:defRPr sz="1200"/>
             </a:lvl7pPr>
-            <a:lvl8pPr indent="-304800" lvl="7" marL="3657600">
+            <a:lvl8pPr marL="3657600" lvl="7" indent="-304800">
               <a:spcBef>
                 <a:spcPts val="0"/>
               </a:spcBef>
@@ -5157,7 +5243,7 @@
               <a:buChar char="○"/>
               <a:defRPr sz="1200"/>
             </a:lvl8pPr>
-            <a:lvl9pPr indent="-304800" lvl="8" marL="4114800">
+            <a:lvl9pPr marL="4114800" lvl="8" indent="-304800">
               <a:spcBef>
                 <a:spcPts val="0"/>
               </a:spcBef>
@@ -5177,7 +5263,7 @@
           <p:cNvPr id="31" name="Google Shape;31;p7"/>
           <p:cNvSpPr txBox="1"/>
           <p:nvPr>
-            <p:ph idx="12" type="sldNum"/>
+            <p:ph type="sldNum" idx="12"/>
           </p:nvPr>
         </p:nvSpPr>
         <p:spPr>
@@ -5190,7 +5276,7 @@
           </a:prstGeom>
         </p:spPr>
         <p:txBody>
-          <a:bodyPr anchorCtr="0" anchor="ctr" bIns="91425" lIns="91425" spcFirstLastPara="1" rIns="91425" wrap="square" tIns="91425">
+          <a:bodyPr spcFirstLastPara="1" wrap="square" lIns="91425" tIns="91425" rIns="91425" bIns="91425" anchor="ctr" anchorCtr="0">
             <a:normAutofit/>
           </a:bodyPr>
           <a:lstStyle>
@@ -5232,7 +5318,7 @@
             </a:lvl9pPr>
           </a:lstStyle>
           <a:p>
-            <a:pPr indent="0" lvl="0" marL="0" rtl="0" algn="r">
+            <a:pPr marL="0" lvl="0" indent="0" algn="r" rtl="0">
               <a:spcBef>
                 <a:spcPts val="0"/>
               </a:spcBef>
@@ -5243,9 +5329,8 @@
             </a:pPr>
             <a:fld id="{00000000-1234-1234-1234-123412341234}" type="slidenum">
               <a:rPr lang="en-GB"/>
-              <a:t>‹#›</a:t>
             </a:fld>
-            <a:endParaRPr/>
+            <a:endParaRPr lang="en-GB"/>
           </a:p>
         </p:txBody>
       </p:sp>
@@ -5254,11 +5339,23 @@
   <p:clrMapOvr>
     <a:masterClrMapping/>
   </p:clrMapOvr>
+  <mc:AlternateContent xmlns:mc="http://schemas.openxmlformats.org/markup-compatibility/2006">
+    <mc:Choice xmlns:p14="http://schemas.microsoft.com/office/powerpoint/2010/main" Requires="p14">
+      <p:transition spd="slow" p14:dur="1100">
+        <p14:gallery dir="l"/>
+      </p:transition>
+    </mc:Choice>
+    <mc:Fallback>
+      <p:transition spd="slow">
+        <p:fade/>
+      </p:transition>
+    </mc:Fallback>
+  </mc:AlternateContent>
 </p:sldLayout>
 </file>
 
 <file path=ppt/slideLayouts/slideLayout7.xml><?xml version="1.0" encoding="utf-8"?>
-<p:sldLayout xmlns:a="http://schemas.openxmlformats.org/drawingml/2006/main" xmlns:r="http://schemas.openxmlformats.org/officeDocument/2006/relationships" xmlns:mc="http://schemas.openxmlformats.org/markup-compatibility/2006" xmlns:mv="urn:schemas-microsoft-com:mac:vml" xmlns:p="http://schemas.openxmlformats.org/presentationml/2006/main" xmlns:c="http://schemas.openxmlformats.org/drawingml/2006/chart" xmlns:dgm="http://schemas.openxmlformats.org/drawingml/2006/diagram" xmlns:o="urn:schemas-microsoft-com:office:office" xmlns:v="urn:schemas-microsoft-com:vml" xmlns:pvml="urn:schemas-microsoft-com:office:powerpoint" xmlns:com="http://schemas.openxmlformats.org/drawingml/2006/compatibility" xmlns:p14="http://schemas.microsoft.com/office/powerpoint/2010/main" xmlns:p15="http://schemas.microsoft.com/office/powerpoint/2012/main" xmlns:ahyp="http://schemas.microsoft.com/office/drawing/2018/hyperlinkcolor" matchingName="Main point">
+<p:sldLayout xmlns:a="http://schemas.openxmlformats.org/drawingml/2006/main" xmlns:r="http://schemas.openxmlformats.org/officeDocument/2006/relationships" xmlns:p="http://schemas.openxmlformats.org/presentationml/2006/main" matchingName="Main point">
   <p:cSld name="MAIN_POINT">
     <p:spTree>
       <p:nvGrpSpPr>
@@ -5292,7 +5389,7 @@
           </a:prstGeom>
         </p:spPr>
         <p:txBody>
-          <a:bodyPr anchorCtr="0" anchor="ctr" bIns="91425" lIns="91425" spcFirstLastPara="1" rIns="91425" wrap="square" tIns="91425">
+          <a:bodyPr spcFirstLastPara="1" wrap="square" lIns="91425" tIns="91425" rIns="91425" bIns="91425" anchor="ctr" anchorCtr="0">
             <a:normAutofit/>
           </a:bodyPr>
           <a:lstStyle>
@@ -5404,7 +5501,7 @@
           <p:cNvPr id="34" name="Google Shape;34;p8"/>
           <p:cNvSpPr txBox="1"/>
           <p:nvPr>
-            <p:ph idx="12" type="sldNum"/>
+            <p:ph type="sldNum" idx="12"/>
           </p:nvPr>
         </p:nvSpPr>
         <p:spPr>
@@ -5417,7 +5514,7 @@
           </a:prstGeom>
         </p:spPr>
         <p:txBody>
-          <a:bodyPr anchorCtr="0" anchor="ctr" bIns="91425" lIns="91425" spcFirstLastPara="1" rIns="91425" wrap="square" tIns="91425">
+          <a:bodyPr spcFirstLastPara="1" wrap="square" lIns="91425" tIns="91425" rIns="91425" bIns="91425" anchor="ctr" anchorCtr="0">
             <a:normAutofit/>
           </a:bodyPr>
           <a:lstStyle>
@@ -5459,7 +5556,7 @@
             </a:lvl9pPr>
           </a:lstStyle>
           <a:p>
-            <a:pPr indent="0" lvl="0" marL="0" rtl="0" algn="r">
+            <a:pPr marL="0" lvl="0" indent="0" algn="r" rtl="0">
               <a:spcBef>
                 <a:spcPts val="0"/>
               </a:spcBef>
@@ -5470,9 +5567,8 @@
             </a:pPr>
             <a:fld id="{00000000-1234-1234-1234-123412341234}" type="slidenum">
               <a:rPr lang="en-GB"/>
-              <a:t>‹#›</a:t>
             </a:fld>
-            <a:endParaRPr/>
+            <a:endParaRPr lang="en-GB"/>
           </a:p>
         </p:txBody>
       </p:sp>
@@ -5481,11 +5577,23 @@
   <p:clrMapOvr>
     <a:masterClrMapping/>
   </p:clrMapOvr>
+  <mc:AlternateContent xmlns:mc="http://schemas.openxmlformats.org/markup-compatibility/2006">
+    <mc:Choice xmlns:p14="http://schemas.microsoft.com/office/powerpoint/2010/main" Requires="p14">
+      <p:transition spd="slow" p14:dur="1100">
+        <p14:gallery dir="l"/>
+      </p:transition>
+    </mc:Choice>
+    <mc:Fallback>
+      <p:transition spd="slow">
+        <p:fade/>
+      </p:transition>
+    </mc:Fallback>
+  </mc:AlternateContent>
 </p:sldLayout>
 </file>
 
 <file path=ppt/slideLayouts/slideLayout8.xml><?xml version="1.0" encoding="utf-8"?>
-<p:sldLayout xmlns:a="http://schemas.openxmlformats.org/drawingml/2006/main" xmlns:r="http://schemas.openxmlformats.org/officeDocument/2006/relationships" xmlns:mc="http://schemas.openxmlformats.org/markup-compatibility/2006" xmlns:mv="urn:schemas-microsoft-com:mac:vml" xmlns:p="http://schemas.openxmlformats.org/presentationml/2006/main" xmlns:c="http://schemas.openxmlformats.org/drawingml/2006/chart" xmlns:dgm="http://schemas.openxmlformats.org/drawingml/2006/diagram" xmlns:o="urn:schemas-microsoft-com:office:office" xmlns:v="urn:schemas-microsoft-com:vml" xmlns:pvml="urn:schemas-microsoft-com:office:powerpoint" xmlns:com="http://schemas.openxmlformats.org/drawingml/2006/compatibility" xmlns:p14="http://schemas.microsoft.com/office/powerpoint/2010/main" xmlns:p15="http://schemas.microsoft.com/office/powerpoint/2012/main" xmlns:ahyp="http://schemas.microsoft.com/office/drawing/2018/hyperlinkcolor" matchingName="Section title and description">
+<p:sldLayout xmlns:a="http://schemas.openxmlformats.org/drawingml/2006/main" xmlns:r="http://schemas.openxmlformats.org/officeDocument/2006/relationships" xmlns:p="http://schemas.openxmlformats.org/presentationml/2006/main" matchingName="Section title and description">
   <p:cSld name="SECTION_TITLE_AND_DESCRIPTION">
     <p:spTree>
       <p:nvGrpSpPr>
@@ -5523,12 +5631,12 @@
           </a:ln>
         </p:spPr>
         <p:txBody>
-          <a:bodyPr anchorCtr="0" anchor="ctr" bIns="91425" lIns="91425" spcFirstLastPara="1" rIns="91425" wrap="square" tIns="91425">
+          <a:bodyPr spcFirstLastPara="1" wrap="square" lIns="91425" tIns="91425" rIns="91425" bIns="91425" anchor="ctr" anchorCtr="0">
             <a:noAutofit/>
           </a:bodyPr>
           <a:lstStyle/>
           <a:p>
-            <a:pPr indent="0" lvl="0" marL="0" rtl="0" algn="l">
+            <a:pPr marL="0" lvl="0" indent="0" algn="l" rtl="0">
               <a:spcBef>
                 <a:spcPts val="0"/>
               </a:spcBef>
@@ -5537,10 +5645,6 @@
               </a:spcAft>
               <a:buNone/>
             </a:pPr>
-            <a:r>
-              <a:t/>
-            </a:r>
-            <a:endParaRPr/>
           </a:p>
         </p:txBody>
       </p:sp>
@@ -5562,7 +5666,7 @@
           </a:prstGeom>
         </p:spPr>
         <p:txBody>
-          <a:bodyPr anchorCtr="0" anchor="b" bIns="91425" lIns="91425" spcFirstLastPara="1" rIns="91425" wrap="square" tIns="91425">
+          <a:bodyPr spcFirstLastPara="1" wrap="square" lIns="91425" tIns="91425" rIns="91425" bIns="91425" anchor="b" anchorCtr="0">
             <a:normAutofit/>
           </a:bodyPr>
           <a:lstStyle>
@@ -5674,7 +5778,7 @@
           <p:cNvPr id="38" name="Google Shape;38;p9"/>
           <p:cNvSpPr txBox="1"/>
           <p:nvPr>
-            <p:ph idx="1" type="subTitle"/>
+            <p:ph type="subTitle" idx="1"/>
           </p:nvPr>
         </p:nvSpPr>
         <p:spPr>
@@ -5687,7 +5791,7 @@
           </a:prstGeom>
         </p:spPr>
         <p:txBody>
-          <a:bodyPr anchorCtr="0" anchor="t" bIns="91425" lIns="91425" spcFirstLastPara="1" rIns="91425" wrap="square" tIns="91425">
+          <a:bodyPr spcFirstLastPara="1" wrap="square" lIns="91425" tIns="91425" rIns="91425" bIns="91425" anchor="t" anchorCtr="0">
             <a:normAutofit/>
           </a:bodyPr>
           <a:lstStyle>
@@ -5826,7 +5930,7 @@
           <p:cNvPr id="39" name="Google Shape;39;p9"/>
           <p:cNvSpPr txBox="1"/>
           <p:nvPr>
-            <p:ph idx="2" type="body"/>
+            <p:ph type="body" idx="2"/>
           </p:nvPr>
         </p:nvSpPr>
         <p:spPr>
@@ -5839,11 +5943,11 @@
           </a:prstGeom>
         </p:spPr>
         <p:txBody>
-          <a:bodyPr anchorCtr="0" anchor="ctr" bIns="91425" lIns="91425" spcFirstLastPara="1" rIns="91425" wrap="square" tIns="91425">
+          <a:bodyPr spcFirstLastPara="1" wrap="square" lIns="91425" tIns="91425" rIns="91425" bIns="91425" anchor="ctr" anchorCtr="0">
             <a:normAutofit/>
           </a:bodyPr>
           <a:lstStyle>
-            <a:lvl1pPr indent="-342900" lvl="0" marL="457200">
+            <a:lvl1pPr marL="457200" lvl="0" indent="-342900">
               <a:spcBef>
                 <a:spcPts val="0"/>
               </a:spcBef>
@@ -5861,7 +5965,7 @@
                 </a:solidFill>
               </a:defRPr>
             </a:lvl1pPr>
-            <a:lvl2pPr indent="-317500" lvl="1" marL="914400">
+            <a:lvl2pPr marL="914400" lvl="1" indent="-317500">
               <a:spcBef>
                 <a:spcPts val="0"/>
               </a:spcBef>
@@ -5879,7 +5983,7 @@
                 </a:solidFill>
               </a:defRPr>
             </a:lvl2pPr>
-            <a:lvl3pPr indent="-317500" lvl="2" marL="1371600">
+            <a:lvl3pPr marL="1371600" lvl="2" indent="-317500">
               <a:spcBef>
                 <a:spcPts val="0"/>
               </a:spcBef>
@@ -5897,7 +6001,7 @@
                 </a:solidFill>
               </a:defRPr>
             </a:lvl3pPr>
-            <a:lvl4pPr indent="-317500" lvl="3" marL="1828800">
+            <a:lvl4pPr marL="1828800" lvl="3" indent="-317500">
               <a:spcBef>
                 <a:spcPts val="0"/>
               </a:spcBef>
@@ -5915,7 +6019,7 @@
                 </a:solidFill>
               </a:defRPr>
             </a:lvl4pPr>
-            <a:lvl5pPr indent="-317500" lvl="4" marL="2286000">
+            <a:lvl5pPr marL="2286000" lvl="4" indent="-317500">
               <a:spcBef>
                 <a:spcPts val="0"/>
               </a:spcBef>
@@ -5933,7 +6037,7 @@
                 </a:solidFill>
               </a:defRPr>
             </a:lvl5pPr>
-            <a:lvl6pPr indent="-317500" lvl="5" marL="2743200">
+            <a:lvl6pPr marL="2743200" lvl="5" indent="-317500">
               <a:spcBef>
                 <a:spcPts val="0"/>
               </a:spcBef>
@@ -5951,7 +6055,7 @@
                 </a:solidFill>
               </a:defRPr>
             </a:lvl6pPr>
-            <a:lvl7pPr indent="-317500" lvl="6" marL="3200400">
+            <a:lvl7pPr marL="3200400" lvl="6" indent="-317500">
               <a:spcBef>
                 <a:spcPts val="0"/>
               </a:spcBef>
@@ -5969,7 +6073,7 @@
                 </a:solidFill>
               </a:defRPr>
             </a:lvl7pPr>
-            <a:lvl8pPr indent="-317500" lvl="7" marL="3657600">
+            <a:lvl8pPr marL="3657600" lvl="7" indent="-317500">
               <a:spcBef>
                 <a:spcPts val="0"/>
               </a:spcBef>
@@ -5987,7 +6091,7 @@
                 </a:solidFill>
               </a:defRPr>
             </a:lvl8pPr>
-            <a:lvl9pPr indent="-317500" lvl="8" marL="4114800">
+            <a:lvl9pPr marL="4114800" lvl="8" indent="-317500">
               <a:spcBef>
                 <a:spcPts val="0"/>
               </a:spcBef>
@@ -6014,7 +6118,7 @@
           <p:cNvPr id="40" name="Google Shape;40;p9"/>
           <p:cNvSpPr txBox="1"/>
           <p:nvPr>
-            <p:ph idx="12" type="sldNum"/>
+            <p:ph type="sldNum" idx="12"/>
           </p:nvPr>
         </p:nvSpPr>
         <p:spPr>
@@ -6027,7 +6131,7 @@
           </a:prstGeom>
         </p:spPr>
         <p:txBody>
-          <a:bodyPr anchorCtr="0" anchor="ctr" bIns="91425" lIns="91425" spcFirstLastPara="1" rIns="91425" wrap="square" tIns="91425">
+          <a:bodyPr spcFirstLastPara="1" wrap="square" lIns="91425" tIns="91425" rIns="91425" bIns="91425" anchor="ctr" anchorCtr="0">
             <a:normAutofit/>
           </a:bodyPr>
           <a:lstStyle>
@@ -6069,7 +6173,7 @@
             </a:lvl9pPr>
           </a:lstStyle>
           <a:p>
-            <a:pPr indent="0" lvl="0" marL="0" rtl="0" algn="r">
+            <a:pPr marL="0" lvl="0" indent="0" algn="r" rtl="0">
               <a:spcBef>
                 <a:spcPts val="0"/>
               </a:spcBef>
@@ -6080,9 +6184,8 @@
             </a:pPr>
             <a:fld id="{00000000-1234-1234-1234-123412341234}" type="slidenum">
               <a:rPr lang="en-GB"/>
-              <a:t>‹#›</a:t>
             </a:fld>
-            <a:endParaRPr/>
+            <a:endParaRPr lang="en-GB"/>
           </a:p>
         </p:txBody>
       </p:sp>
@@ -6091,11 +6194,23 @@
   <p:clrMapOvr>
     <a:masterClrMapping/>
   </p:clrMapOvr>
+  <mc:AlternateContent xmlns:mc="http://schemas.openxmlformats.org/markup-compatibility/2006">
+    <mc:Choice xmlns:p14="http://schemas.microsoft.com/office/powerpoint/2010/main" Requires="p14">
+      <p:transition spd="slow" p14:dur="1100">
+        <p14:gallery dir="l"/>
+      </p:transition>
+    </mc:Choice>
+    <mc:Fallback>
+      <p:transition spd="slow">
+        <p:fade/>
+      </p:transition>
+    </mc:Fallback>
+  </mc:AlternateContent>
 </p:sldLayout>
 </file>
 
 <file path=ppt/slideLayouts/slideLayout9.xml><?xml version="1.0" encoding="utf-8"?>
-<p:sldLayout xmlns:a="http://schemas.openxmlformats.org/drawingml/2006/main" xmlns:r="http://schemas.openxmlformats.org/officeDocument/2006/relationships" xmlns:mc="http://schemas.openxmlformats.org/markup-compatibility/2006" xmlns:mv="urn:schemas-microsoft-com:mac:vml" xmlns:p="http://schemas.openxmlformats.org/presentationml/2006/main" xmlns:c="http://schemas.openxmlformats.org/drawingml/2006/chart" xmlns:dgm="http://schemas.openxmlformats.org/drawingml/2006/diagram" xmlns:o="urn:schemas-microsoft-com:office:office" xmlns:v="urn:schemas-microsoft-com:vml" xmlns:pvml="urn:schemas-microsoft-com:office:powerpoint" xmlns:com="http://schemas.openxmlformats.org/drawingml/2006/compatibility" xmlns:p14="http://schemas.microsoft.com/office/powerpoint/2010/main" xmlns:p15="http://schemas.microsoft.com/office/powerpoint/2012/main" xmlns:ahyp="http://schemas.microsoft.com/office/drawing/2018/hyperlinkcolor" matchingName="Caption">
+<p:sldLayout xmlns:a="http://schemas.openxmlformats.org/drawingml/2006/main" xmlns:r="http://schemas.openxmlformats.org/officeDocument/2006/relationships" xmlns:p="http://schemas.openxmlformats.org/presentationml/2006/main" matchingName="Caption">
   <p:cSld name="CAPTION_ONLY">
     <p:spTree>
       <p:nvGrpSpPr>
@@ -6116,7 +6231,7 @@
           <p:cNvPr id="42" name="Google Shape;42;p10"/>
           <p:cNvSpPr txBox="1"/>
           <p:nvPr>
-            <p:ph idx="1" type="body"/>
+            <p:ph type="body" idx="1"/>
           </p:nvPr>
         </p:nvSpPr>
         <p:spPr>
@@ -6129,11 +6244,11 @@
           </a:prstGeom>
         </p:spPr>
         <p:txBody>
-          <a:bodyPr anchorCtr="0" anchor="ctr" bIns="91425" lIns="91425" spcFirstLastPara="1" rIns="91425" wrap="square" tIns="91425">
+          <a:bodyPr spcFirstLastPara="1" wrap="square" lIns="91425" tIns="91425" rIns="91425" bIns="91425" anchor="ctr" anchorCtr="0">
             <a:normAutofit/>
           </a:bodyPr>
           <a:lstStyle>
-            <a:lvl1pPr indent="-228600" lvl="0" marL="457200">
+            <a:lvl1pPr marL="457200" lvl="0" indent="-228600">
               <a:lnSpc>
                 <a:spcPct val="100000"/>
               </a:lnSpc>
@@ -6156,7 +6271,7 @@
           <p:cNvPr id="43" name="Google Shape;43;p10"/>
           <p:cNvSpPr txBox="1"/>
           <p:nvPr>
-            <p:ph idx="12" type="sldNum"/>
+            <p:ph type="sldNum" idx="12"/>
           </p:nvPr>
         </p:nvSpPr>
         <p:spPr>
@@ -6169,7 +6284,7 @@
           </a:prstGeom>
         </p:spPr>
         <p:txBody>
-          <a:bodyPr anchorCtr="0" anchor="ctr" bIns="91425" lIns="91425" spcFirstLastPara="1" rIns="91425" wrap="square" tIns="91425">
+          <a:bodyPr spcFirstLastPara="1" wrap="square" lIns="91425" tIns="91425" rIns="91425" bIns="91425" anchor="ctr" anchorCtr="0">
             <a:normAutofit/>
           </a:bodyPr>
           <a:lstStyle>
@@ -6211,7 +6326,7 @@
             </a:lvl9pPr>
           </a:lstStyle>
           <a:p>
-            <a:pPr indent="0" lvl="0" marL="0" rtl="0" algn="r">
+            <a:pPr marL="0" lvl="0" indent="0" algn="r" rtl="0">
               <a:spcBef>
                 <a:spcPts val="0"/>
               </a:spcBef>
@@ -6222,9 +6337,8 @@
             </a:pPr>
             <a:fld id="{00000000-1234-1234-1234-123412341234}" type="slidenum">
               <a:rPr lang="en-GB"/>
-              <a:t>‹#›</a:t>
             </a:fld>
-            <a:endParaRPr/>
+            <a:endParaRPr lang="en-GB"/>
           </a:p>
         </p:txBody>
       </p:sp>
@@ -6233,17 +6347,30 @@
   <p:clrMapOvr>
     <a:masterClrMapping/>
   </p:clrMapOvr>
+  <mc:AlternateContent xmlns:mc="http://schemas.openxmlformats.org/markup-compatibility/2006">
+    <mc:Choice xmlns:p14="http://schemas.microsoft.com/office/powerpoint/2010/main" Requires="p14">
+      <p:transition spd="slow" p14:dur="1100">
+        <p14:gallery dir="l"/>
+      </p:transition>
+    </mc:Choice>
+    <mc:Fallback>
+      <p:transition spd="slow">
+        <p:fade/>
+      </p:transition>
+    </mc:Fallback>
+  </mc:AlternateContent>
 </p:sldLayout>
 </file>
 
 <file path=ppt/slideMasters/slideMaster1.xml><?xml version="1.0" encoding="utf-8"?>
-<p:sldMaster xmlns:a="http://schemas.openxmlformats.org/drawingml/2006/main" xmlns:r="http://schemas.openxmlformats.org/officeDocument/2006/relationships" xmlns:mc="http://schemas.openxmlformats.org/markup-compatibility/2006" xmlns:mv="urn:schemas-microsoft-com:mac:vml" xmlns:p="http://schemas.openxmlformats.org/presentationml/2006/main" xmlns:c="http://schemas.openxmlformats.org/drawingml/2006/chart" xmlns:dgm="http://schemas.openxmlformats.org/drawingml/2006/diagram" xmlns:o="urn:schemas-microsoft-com:office:office" xmlns:v="urn:schemas-microsoft-com:vml" xmlns:pvml="urn:schemas-microsoft-com:office:powerpoint" xmlns:com="http://schemas.openxmlformats.org/drawingml/2006/compatibility" xmlns:p14="http://schemas.microsoft.com/office/powerpoint/2010/main" xmlns:p15="http://schemas.microsoft.com/office/powerpoint/2012/main" xmlns:ahyp="http://schemas.microsoft.com/office/drawing/2018/hyperlinkcolor">
-  <p:cSld name="simple-dark-2">
+<p:sldMaster xmlns:a="http://schemas.openxmlformats.org/drawingml/2006/main" xmlns:r="http://schemas.openxmlformats.org/officeDocument/2006/relationships" xmlns:p="http://schemas.openxmlformats.org/presentationml/2006/main">
+  <p:cSld>
     <p:bg>
       <p:bgPr>
         <a:solidFill>
           <a:srgbClr val="000000"/>
         </a:solidFill>
+        <a:effectLst/>
       </p:bgPr>
     </p:bg>
     <p:spTree>
@@ -6282,7 +6409,7 @@
           </a:ln>
         </p:spPr>
         <p:txBody>
-          <a:bodyPr anchorCtr="0" anchor="t" bIns="91425" lIns="91425" spcFirstLastPara="1" rIns="91425" wrap="square" tIns="91425">
+          <a:bodyPr spcFirstLastPara="1" wrap="square" lIns="91425" tIns="91425" rIns="91425" bIns="91425" anchor="t" anchorCtr="0">
             <a:normAutofit/>
           </a:bodyPr>
           <a:lstStyle>
@@ -6457,7 +6584,7 @@
           <p:cNvPr id="7" name="Google Shape;7;p1"/>
           <p:cNvSpPr txBox="1"/>
           <p:nvPr>
-            <p:ph idx="1" type="body"/>
+            <p:ph type="body" idx="1"/>
           </p:nvPr>
         </p:nvSpPr>
         <p:spPr>
@@ -6474,11 +6601,11 @@
           </a:ln>
         </p:spPr>
         <p:txBody>
-          <a:bodyPr anchorCtr="0" anchor="t" bIns="91425" lIns="91425" spcFirstLastPara="1" rIns="91425" wrap="square" tIns="91425">
+          <a:bodyPr spcFirstLastPara="1" wrap="square" lIns="91425" tIns="91425" rIns="91425" bIns="91425" anchor="t" anchorCtr="0">
             <a:normAutofit/>
           </a:bodyPr>
           <a:lstStyle>
-            <a:lvl1pPr indent="-342900" lvl="0" marL="457200">
+            <a:lvl1pPr marL="457200" lvl="0" indent="-342900">
               <a:lnSpc>
                 <a:spcPct val="115000"/>
               </a:lnSpc>
@@ -6499,7 +6626,7 @@
                 </a:solidFill>
               </a:defRPr>
             </a:lvl1pPr>
-            <a:lvl2pPr indent="-317500" lvl="1" marL="914400">
+            <a:lvl2pPr marL="914400" lvl="1" indent="-317500">
               <a:lnSpc>
                 <a:spcPct val="115000"/>
               </a:lnSpc>
@@ -6520,7 +6647,7 @@
                 </a:solidFill>
               </a:defRPr>
             </a:lvl2pPr>
-            <a:lvl3pPr indent="-317500" lvl="2" marL="1371600">
+            <a:lvl3pPr marL="1371600" lvl="2" indent="-317500">
               <a:lnSpc>
                 <a:spcPct val="115000"/>
               </a:lnSpc>
@@ -6541,7 +6668,7 @@
                 </a:solidFill>
               </a:defRPr>
             </a:lvl3pPr>
-            <a:lvl4pPr indent="-317500" lvl="3" marL="1828800">
+            <a:lvl4pPr marL="1828800" lvl="3" indent="-317500">
               <a:lnSpc>
                 <a:spcPct val="115000"/>
               </a:lnSpc>
@@ -6562,7 +6689,7 @@
                 </a:solidFill>
               </a:defRPr>
             </a:lvl4pPr>
-            <a:lvl5pPr indent="-317500" lvl="4" marL="2286000">
+            <a:lvl5pPr marL="2286000" lvl="4" indent="-317500">
               <a:lnSpc>
                 <a:spcPct val="115000"/>
               </a:lnSpc>
@@ -6583,7 +6710,7 @@
                 </a:solidFill>
               </a:defRPr>
             </a:lvl5pPr>
-            <a:lvl6pPr indent="-317500" lvl="5" marL="2743200">
+            <a:lvl6pPr marL="2743200" lvl="5" indent="-317500">
               <a:lnSpc>
                 <a:spcPct val="115000"/>
               </a:lnSpc>
@@ -6604,7 +6731,7 @@
                 </a:solidFill>
               </a:defRPr>
             </a:lvl6pPr>
-            <a:lvl7pPr indent="-317500" lvl="6" marL="3200400">
+            <a:lvl7pPr marL="3200400" lvl="6" indent="-317500">
               <a:lnSpc>
                 <a:spcPct val="115000"/>
               </a:lnSpc>
@@ -6625,7 +6752,7 @@
                 </a:solidFill>
               </a:defRPr>
             </a:lvl7pPr>
-            <a:lvl8pPr indent="-317500" lvl="7" marL="3657600">
+            <a:lvl8pPr marL="3657600" lvl="7" indent="-317500">
               <a:lnSpc>
                 <a:spcPct val="115000"/>
               </a:lnSpc>
@@ -6646,7 +6773,7 @@
                 </a:solidFill>
               </a:defRPr>
             </a:lvl8pPr>
-            <a:lvl9pPr indent="-317500" lvl="8" marL="4114800">
+            <a:lvl9pPr marL="4114800" lvl="8" indent="-317500">
               <a:lnSpc>
                 <a:spcPct val="115000"/>
               </a:lnSpc>
@@ -6676,7 +6803,7 @@
           <p:cNvPr id="8" name="Google Shape;8;p1"/>
           <p:cNvSpPr txBox="1"/>
           <p:nvPr>
-            <p:ph idx="12" type="sldNum"/>
+            <p:ph type="sldNum" idx="12"/>
           </p:nvPr>
         </p:nvSpPr>
         <p:spPr>
@@ -6693,7 +6820,7 @@
           </a:ln>
         </p:spPr>
         <p:txBody>
-          <a:bodyPr anchorCtr="0" anchor="ctr" bIns="91425" lIns="91425" spcFirstLastPara="1" rIns="91425" wrap="square" tIns="91425">
+          <a:bodyPr spcFirstLastPara="1" wrap="square" lIns="91425" tIns="91425" rIns="91425" bIns="91425" anchor="ctr" anchorCtr="0">
             <a:normAutofit/>
           </a:bodyPr>
           <a:lstStyle>
@@ -6771,7 +6898,7 @@
             </a:lvl9pPr>
           </a:lstStyle>
           <a:p>
-            <a:pPr indent="0" lvl="0" marL="0" rtl="0" algn="r">
+            <a:pPr marL="0" lvl="0" indent="0" algn="r" rtl="0">
               <a:spcBef>
                 <a:spcPts val="0"/>
               </a:spcBef>
@@ -6782,30 +6909,29 @@
             </a:pPr>
             <a:fld id="{00000000-1234-1234-1234-123412341234}" type="slidenum">
               <a:rPr lang="en-GB"/>
-              <a:t>‹#›</a:t>
             </a:fld>
-            <a:endParaRPr/>
+            <a:endParaRPr lang="en-GB"/>
           </a:p>
         </p:txBody>
       </p:sp>
     </p:spTree>
   </p:cSld>
-  <p:clrMap accent1="accent1" accent2="accent2" accent3="accent3" accent4="accent4" accent5="accent5" accent6="accent6" bg1="lt1" bg2="dk2" tx1="dk1" tx2="lt2" folHlink="folHlink" hlink="hlink"/>
+  <p:clrMap bg1="lt1" tx1="dk1" bg2="dk2" tx2="lt2" accent1="accent1" accent2="accent2" accent3="accent3" accent4="accent4" accent5="accent5" accent6="accent6" hlink="hlink" folHlink="folHlink"/>
   <p:sldLayoutIdLst>
-    <p:sldLayoutId id="2147483648" r:id="rId1"/>
-    <p:sldLayoutId id="2147483649" r:id="rId2"/>
-    <p:sldLayoutId id="2147483650" r:id="rId3"/>
-    <p:sldLayoutId id="2147483651" r:id="rId4"/>
-    <p:sldLayoutId id="2147483652" r:id="rId5"/>
-    <p:sldLayoutId id="2147483653" r:id="rId6"/>
-    <p:sldLayoutId id="2147483654" r:id="rId7"/>
-    <p:sldLayoutId id="2147483655" r:id="rId8"/>
-    <p:sldLayoutId id="2147483656" r:id="rId9"/>
-    <p:sldLayoutId id="2147483657" r:id="rId10"/>
-    <p:sldLayoutId id="2147483658" r:id="rId11"/>
+    <p:sldLayoutId id="2147483649" r:id="rId1"/>
+    <p:sldLayoutId id="2147483650" r:id="rId2"/>
+    <p:sldLayoutId id="2147483651" r:id="rId3"/>
+    <p:sldLayoutId id="2147483652" r:id="rId4"/>
+    <p:sldLayoutId id="2147483653" r:id="rId5"/>
+    <p:sldLayoutId id="2147483654" r:id="rId6"/>
+    <p:sldLayoutId id="2147483655" r:id="rId7"/>
+    <p:sldLayoutId id="2147483656" r:id="rId8"/>
+    <p:sldLayoutId id="2147483657" r:id="rId9"/>
+    <p:sldLayoutId id="2147483658" r:id="rId10"/>
+    <p:sldLayoutId id="2147483659" r:id="rId11"/>
   </p:sldLayoutIdLst>
-  <mc:AlternateContent>
-    <mc:Choice Requires="p14">
+  <mc:AlternateContent xmlns:mc="http://schemas.openxmlformats.org/markup-compatibility/2006">
+    <mc:Choice xmlns:p14="http://schemas.microsoft.com/office/powerpoint/2010/main" Requires="p14">
       <p:transition spd="slow" p14:dur="1100">
         <p14:gallery dir="l"/>
       </p:transition>
@@ -6816,10 +6942,10 @@
       </p:transition>
     </mc:Fallback>
   </mc:AlternateContent>
-  <p:hf dt="0" ftr="0" hdr="0" sldNum="0"/>
+  <p:hf sldNum="0" hdr="0" ftr="0" dt="0"/>
   <p:txStyles>
     <p:titleStyle>
-      <a:defPPr lvl="0" marR="0" rtl="0" algn="l">
+      <a:defPPr marR="0" lvl="0" algn="l" rtl="0">
         <a:lnSpc>
           <a:spcPct val="100000"/>
         </a:lnSpc>
@@ -6830,7 +6956,7 @@
           <a:spcPts val="0"/>
         </a:spcAft>
       </a:defPPr>
-      <a:lvl1pPr lvl="0" marR="0" rtl="0" algn="l">
+      <a:lvl1pPr marR="0" lvl="0" algn="l" rtl="0">
         <a:lnSpc>
           <a:spcPct val="100000"/>
         </a:lnSpc>
@@ -6843,18 +6969,18 @@
         <a:buClr>
           <a:srgbClr val="000000"/>
         </a:buClr>
-        <a:buFont typeface="Arial"/>
-        <a:defRPr b="0" i="0" sz="1400" u="none" cap="none" strike="noStrike">
+        <a:buFont typeface="Arial" panose="020B0604020202020204"/>
+        <a:defRPr sz="1400" b="0" i="0" u="none" strike="noStrike" cap="none">
           <a:solidFill>
             <a:srgbClr val="000000"/>
           </a:solidFill>
-          <a:latin typeface="Arial"/>
-          <a:ea typeface="Arial"/>
-          <a:cs typeface="Arial"/>
-          <a:sym typeface="Arial"/>
+          <a:latin typeface="Arial" panose="020B0604020202020204"/>
+          <a:ea typeface="Arial" panose="020B0604020202020204"/>
+          <a:cs typeface="Arial" panose="020B0604020202020204"/>
+          <a:sym typeface="Arial" panose="020B0604020202020204"/>
         </a:defRPr>
       </a:lvl1pPr>
-      <a:lvl2pPr lvl="1" marR="0" rtl="0" algn="l">
+      <a:lvl2pPr marR="0" lvl="1" algn="l" rtl="0">
         <a:lnSpc>
           <a:spcPct val="100000"/>
         </a:lnSpc>
@@ -6867,18 +6993,18 @@
         <a:buClr>
           <a:srgbClr val="000000"/>
         </a:buClr>
-        <a:buFont typeface="Arial"/>
-        <a:defRPr b="0" i="0" sz="1400" u="none" cap="none" strike="noStrike">
+        <a:buFont typeface="Arial" panose="020B0604020202020204"/>
+        <a:defRPr sz="1400" b="0" i="0" u="none" strike="noStrike" cap="none">
           <a:solidFill>
             <a:srgbClr val="000000"/>
           </a:solidFill>
-          <a:latin typeface="Arial"/>
-          <a:ea typeface="Arial"/>
-          <a:cs typeface="Arial"/>
-          <a:sym typeface="Arial"/>
+          <a:latin typeface="Arial" panose="020B0604020202020204"/>
+          <a:ea typeface="Arial" panose="020B0604020202020204"/>
+          <a:cs typeface="Arial" panose="020B0604020202020204"/>
+          <a:sym typeface="Arial" panose="020B0604020202020204"/>
         </a:defRPr>
       </a:lvl2pPr>
-      <a:lvl3pPr lvl="2" marR="0" rtl="0" algn="l">
+      <a:lvl3pPr marR="0" lvl="2" algn="l" rtl="0">
         <a:lnSpc>
           <a:spcPct val="100000"/>
         </a:lnSpc>
@@ -6891,18 +7017,18 @@
         <a:buClr>
           <a:srgbClr val="000000"/>
         </a:buClr>
-        <a:buFont typeface="Arial"/>
-        <a:defRPr b="0" i="0" sz="1400" u="none" cap="none" strike="noStrike">
+        <a:buFont typeface="Arial" panose="020B0604020202020204"/>
+        <a:defRPr sz="1400" b="0" i="0" u="none" strike="noStrike" cap="none">
           <a:solidFill>
             <a:srgbClr val="000000"/>
           </a:solidFill>
-          <a:latin typeface="Arial"/>
-          <a:ea typeface="Arial"/>
-          <a:cs typeface="Arial"/>
-          <a:sym typeface="Arial"/>
+          <a:latin typeface="Arial" panose="020B0604020202020204"/>
+          <a:ea typeface="Arial" panose="020B0604020202020204"/>
+          <a:cs typeface="Arial" panose="020B0604020202020204"/>
+          <a:sym typeface="Arial" panose="020B0604020202020204"/>
         </a:defRPr>
       </a:lvl3pPr>
-      <a:lvl4pPr lvl="3" marR="0" rtl="0" algn="l">
+      <a:lvl4pPr marR="0" lvl="3" algn="l" rtl="0">
         <a:lnSpc>
           <a:spcPct val="100000"/>
         </a:lnSpc>
@@ -6915,18 +7041,18 @@
         <a:buClr>
           <a:srgbClr val="000000"/>
         </a:buClr>
-        <a:buFont typeface="Arial"/>
-        <a:defRPr b="0" i="0" sz="1400" u="none" cap="none" strike="noStrike">
+        <a:buFont typeface="Arial" panose="020B0604020202020204"/>
+        <a:defRPr sz="1400" b="0" i="0" u="none" strike="noStrike" cap="none">
           <a:solidFill>
             <a:srgbClr val="000000"/>
           </a:solidFill>
-          <a:latin typeface="Arial"/>
-          <a:ea typeface="Arial"/>
-          <a:cs typeface="Arial"/>
-          <a:sym typeface="Arial"/>
+          <a:latin typeface="Arial" panose="020B0604020202020204"/>
+          <a:ea typeface="Arial" panose="020B0604020202020204"/>
+          <a:cs typeface="Arial" panose="020B0604020202020204"/>
+          <a:sym typeface="Arial" panose="020B0604020202020204"/>
         </a:defRPr>
       </a:lvl4pPr>
-      <a:lvl5pPr lvl="4" marR="0" rtl="0" algn="l">
+      <a:lvl5pPr marR="0" lvl="4" algn="l" rtl="0">
         <a:lnSpc>
           <a:spcPct val="100000"/>
         </a:lnSpc>
@@ -6939,18 +7065,18 @@
         <a:buClr>
           <a:srgbClr val="000000"/>
         </a:buClr>
-        <a:buFont typeface="Arial"/>
-        <a:defRPr b="0" i="0" sz="1400" u="none" cap="none" strike="noStrike">
+        <a:buFont typeface="Arial" panose="020B0604020202020204"/>
+        <a:defRPr sz="1400" b="0" i="0" u="none" strike="noStrike" cap="none">
           <a:solidFill>
             <a:srgbClr val="000000"/>
           </a:solidFill>
-          <a:latin typeface="Arial"/>
-          <a:ea typeface="Arial"/>
-          <a:cs typeface="Arial"/>
-          <a:sym typeface="Arial"/>
+          <a:latin typeface="Arial" panose="020B0604020202020204"/>
+          <a:ea typeface="Arial" panose="020B0604020202020204"/>
+          <a:cs typeface="Arial" panose="020B0604020202020204"/>
+          <a:sym typeface="Arial" panose="020B0604020202020204"/>
         </a:defRPr>
       </a:lvl5pPr>
-      <a:lvl6pPr lvl="5" marR="0" rtl="0" algn="l">
+      <a:lvl6pPr marR="0" lvl="5" algn="l" rtl="0">
         <a:lnSpc>
           <a:spcPct val="100000"/>
         </a:lnSpc>
@@ -6963,18 +7089,18 @@
         <a:buClr>
           <a:srgbClr val="000000"/>
         </a:buClr>
-        <a:buFont typeface="Arial"/>
-        <a:defRPr b="0" i="0" sz="1400" u="none" cap="none" strike="noStrike">
+        <a:buFont typeface="Arial" panose="020B0604020202020204"/>
+        <a:defRPr sz="1400" b="0" i="0" u="none" strike="noStrike" cap="none">
           <a:solidFill>
             <a:srgbClr val="000000"/>
           </a:solidFill>
-          <a:latin typeface="Arial"/>
-          <a:ea typeface="Arial"/>
-          <a:cs typeface="Arial"/>
-          <a:sym typeface="Arial"/>
+          <a:latin typeface="Arial" panose="020B0604020202020204"/>
+          <a:ea typeface="Arial" panose="020B0604020202020204"/>
+          <a:cs typeface="Arial" panose="020B0604020202020204"/>
+          <a:sym typeface="Arial" panose="020B0604020202020204"/>
         </a:defRPr>
       </a:lvl6pPr>
-      <a:lvl7pPr lvl="6" marR="0" rtl="0" algn="l">
+      <a:lvl7pPr marR="0" lvl="6" algn="l" rtl="0">
         <a:lnSpc>
           <a:spcPct val="100000"/>
         </a:lnSpc>
@@ -6987,18 +7113,18 @@
         <a:buClr>
           <a:srgbClr val="000000"/>
         </a:buClr>
-        <a:buFont typeface="Arial"/>
-        <a:defRPr b="0" i="0" sz="1400" u="none" cap="none" strike="noStrike">
+        <a:buFont typeface="Arial" panose="020B0604020202020204"/>
+        <a:defRPr sz="1400" b="0" i="0" u="none" strike="noStrike" cap="none">
           <a:solidFill>
             <a:srgbClr val="000000"/>
           </a:solidFill>
-          <a:latin typeface="Arial"/>
-          <a:ea typeface="Arial"/>
-          <a:cs typeface="Arial"/>
-          <a:sym typeface="Arial"/>
+          <a:latin typeface="Arial" panose="020B0604020202020204"/>
+          <a:ea typeface="Arial" panose="020B0604020202020204"/>
+          <a:cs typeface="Arial" panose="020B0604020202020204"/>
+          <a:sym typeface="Arial" panose="020B0604020202020204"/>
         </a:defRPr>
       </a:lvl7pPr>
-      <a:lvl8pPr lvl="7" marR="0" rtl="0" algn="l">
+      <a:lvl8pPr marR="0" lvl="7" algn="l" rtl="0">
         <a:lnSpc>
           <a:spcPct val="100000"/>
         </a:lnSpc>
@@ -7011,18 +7137,18 @@
         <a:buClr>
           <a:srgbClr val="000000"/>
         </a:buClr>
-        <a:buFont typeface="Arial"/>
-        <a:defRPr b="0" i="0" sz="1400" u="none" cap="none" strike="noStrike">
+        <a:buFont typeface="Arial" panose="020B0604020202020204"/>
+        <a:defRPr sz="1400" b="0" i="0" u="none" strike="noStrike" cap="none">
           <a:solidFill>
             <a:srgbClr val="000000"/>
           </a:solidFill>
-          <a:latin typeface="Arial"/>
-          <a:ea typeface="Arial"/>
-          <a:cs typeface="Arial"/>
-          <a:sym typeface="Arial"/>
+          <a:latin typeface="Arial" panose="020B0604020202020204"/>
+          <a:ea typeface="Arial" panose="020B0604020202020204"/>
+          <a:cs typeface="Arial" panose="020B0604020202020204"/>
+          <a:sym typeface="Arial" panose="020B0604020202020204"/>
         </a:defRPr>
       </a:lvl8pPr>
-      <a:lvl9pPr lvl="8" marR="0" rtl="0" algn="l">
+      <a:lvl9pPr marR="0" lvl="8" algn="l" rtl="0">
         <a:lnSpc>
           <a:spcPct val="100000"/>
         </a:lnSpc>
@@ -7035,20 +7161,20 @@
         <a:buClr>
           <a:srgbClr val="000000"/>
         </a:buClr>
-        <a:buFont typeface="Arial"/>
-        <a:defRPr b="0" i="0" sz="1400" u="none" cap="none" strike="noStrike">
+        <a:buFont typeface="Arial" panose="020B0604020202020204"/>
+        <a:defRPr sz="1400" b="0" i="0" u="none" strike="noStrike" cap="none">
           <a:solidFill>
             <a:srgbClr val="000000"/>
           </a:solidFill>
-          <a:latin typeface="Arial"/>
-          <a:ea typeface="Arial"/>
-          <a:cs typeface="Arial"/>
-          <a:sym typeface="Arial"/>
+          <a:latin typeface="Arial" panose="020B0604020202020204"/>
+          <a:ea typeface="Arial" panose="020B0604020202020204"/>
+          <a:cs typeface="Arial" panose="020B0604020202020204"/>
+          <a:sym typeface="Arial" panose="020B0604020202020204"/>
         </a:defRPr>
       </a:lvl9pPr>
     </p:titleStyle>
     <p:bodyStyle>
-      <a:defPPr lvl="0" marR="0" rtl="0" algn="l">
+      <a:defPPr marR="0" lvl="0" algn="l" rtl="0">
         <a:lnSpc>
           <a:spcPct val="100000"/>
         </a:lnSpc>
@@ -7059,7 +7185,7 @@
           <a:spcPts val="0"/>
         </a:spcAft>
       </a:defPPr>
-      <a:lvl1pPr lvl="0" marR="0" rtl="0" algn="l">
+      <a:lvl1pPr marR="0" lvl="0" algn="l" rtl="0">
         <a:lnSpc>
           <a:spcPct val="100000"/>
         </a:lnSpc>
@@ -7072,18 +7198,18 @@
         <a:buClr>
           <a:srgbClr val="000000"/>
         </a:buClr>
-        <a:buFont typeface="Arial"/>
-        <a:defRPr b="0" i="0" sz="1400" u="none" cap="none" strike="noStrike">
+        <a:buFont typeface="Arial" panose="020B0604020202020204"/>
+        <a:defRPr sz="1400" b="0" i="0" u="none" strike="noStrike" cap="none">
           <a:solidFill>
             <a:srgbClr val="000000"/>
           </a:solidFill>
-          <a:latin typeface="Arial"/>
-          <a:ea typeface="Arial"/>
-          <a:cs typeface="Arial"/>
-          <a:sym typeface="Arial"/>
+          <a:latin typeface="Arial" panose="020B0604020202020204"/>
+          <a:ea typeface="Arial" panose="020B0604020202020204"/>
+          <a:cs typeface="Arial" panose="020B0604020202020204"/>
+          <a:sym typeface="Arial" panose="020B0604020202020204"/>
         </a:defRPr>
       </a:lvl1pPr>
-      <a:lvl2pPr lvl="1" marR="0" rtl="0" algn="l">
+      <a:lvl2pPr marR="0" lvl="1" algn="l" rtl="0">
         <a:lnSpc>
           <a:spcPct val="100000"/>
         </a:lnSpc>
@@ -7096,18 +7222,18 @@
         <a:buClr>
           <a:srgbClr val="000000"/>
         </a:buClr>
-        <a:buFont typeface="Arial"/>
-        <a:defRPr b="0" i="0" sz="1400" u="none" cap="none" strike="noStrike">
+        <a:buFont typeface="Arial" panose="020B0604020202020204"/>
+        <a:defRPr sz="1400" b="0" i="0" u="none" strike="noStrike" cap="none">
           <a:solidFill>
             <a:srgbClr val="000000"/>
           </a:solidFill>
-          <a:latin typeface="Arial"/>
-          <a:ea typeface="Arial"/>
-          <a:cs typeface="Arial"/>
-          <a:sym typeface="Arial"/>
+          <a:latin typeface="Arial" panose="020B0604020202020204"/>
+          <a:ea typeface="Arial" panose="020B0604020202020204"/>
+          <a:cs typeface="Arial" panose="020B0604020202020204"/>
+          <a:sym typeface="Arial" panose="020B0604020202020204"/>
         </a:defRPr>
       </a:lvl2pPr>
-      <a:lvl3pPr lvl="2" marR="0" rtl="0" algn="l">
+      <a:lvl3pPr marR="0" lvl="2" algn="l" rtl="0">
         <a:lnSpc>
           <a:spcPct val="100000"/>
         </a:lnSpc>
@@ -7120,18 +7246,18 @@
         <a:buClr>
           <a:srgbClr val="000000"/>
         </a:buClr>
-        <a:buFont typeface="Arial"/>
-        <a:defRPr b="0" i="0" sz="1400" u="none" cap="none" strike="noStrike">
+        <a:buFont typeface="Arial" panose="020B0604020202020204"/>
+        <a:defRPr sz="1400" b="0" i="0" u="none" strike="noStrike" cap="none">
           <a:solidFill>
             <a:srgbClr val="000000"/>
           </a:solidFill>
-          <a:latin typeface="Arial"/>
-          <a:ea typeface="Arial"/>
-          <a:cs typeface="Arial"/>
-          <a:sym typeface="Arial"/>
+          <a:latin typeface="Arial" panose="020B0604020202020204"/>
+          <a:ea typeface="Arial" panose="020B0604020202020204"/>
+          <a:cs typeface="Arial" panose="020B0604020202020204"/>
+          <a:sym typeface="Arial" panose="020B0604020202020204"/>
         </a:defRPr>
       </a:lvl3pPr>
-      <a:lvl4pPr lvl="3" marR="0" rtl="0" algn="l">
+      <a:lvl4pPr marR="0" lvl="3" algn="l" rtl="0">
         <a:lnSpc>
           <a:spcPct val="100000"/>
         </a:lnSpc>
@@ -7144,18 +7270,18 @@
         <a:buClr>
           <a:srgbClr val="000000"/>
         </a:buClr>
-        <a:buFont typeface="Arial"/>
-        <a:defRPr b="0" i="0" sz="1400" u="none" cap="none" strike="noStrike">
+        <a:buFont typeface="Arial" panose="020B0604020202020204"/>
+        <a:defRPr sz="1400" b="0" i="0" u="none" strike="noStrike" cap="none">
           <a:solidFill>
             <a:srgbClr val="000000"/>
           </a:solidFill>
-          <a:latin typeface="Arial"/>
-          <a:ea typeface="Arial"/>
-          <a:cs typeface="Arial"/>
-          <a:sym typeface="Arial"/>
+          <a:latin typeface="Arial" panose="020B0604020202020204"/>
+          <a:ea typeface="Arial" panose="020B0604020202020204"/>
+          <a:cs typeface="Arial" panose="020B0604020202020204"/>
+          <a:sym typeface="Arial" panose="020B0604020202020204"/>
         </a:defRPr>
       </a:lvl4pPr>
-      <a:lvl5pPr lvl="4" marR="0" rtl="0" algn="l">
+      <a:lvl5pPr marR="0" lvl="4" algn="l" rtl="0">
         <a:lnSpc>
           <a:spcPct val="100000"/>
         </a:lnSpc>
@@ -7168,18 +7294,18 @@
         <a:buClr>
           <a:srgbClr val="000000"/>
         </a:buClr>
-        <a:buFont typeface="Arial"/>
-        <a:defRPr b="0" i="0" sz="1400" u="none" cap="none" strike="noStrike">
+        <a:buFont typeface="Arial" panose="020B0604020202020204"/>
+        <a:defRPr sz="1400" b="0" i="0" u="none" strike="noStrike" cap="none">
           <a:solidFill>
             <a:srgbClr val="000000"/>
           </a:solidFill>
-          <a:latin typeface="Arial"/>
-          <a:ea typeface="Arial"/>
-          <a:cs typeface="Arial"/>
-          <a:sym typeface="Arial"/>
+          <a:latin typeface="Arial" panose="020B0604020202020204"/>
+          <a:ea typeface="Arial" panose="020B0604020202020204"/>
+          <a:cs typeface="Arial" panose="020B0604020202020204"/>
+          <a:sym typeface="Arial" panose="020B0604020202020204"/>
         </a:defRPr>
       </a:lvl5pPr>
-      <a:lvl6pPr lvl="5" marR="0" rtl="0" algn="l">
+      <a:lvl6pPr marR="0" lvl="5" algn="l" rtl="0">
         <a:lnSpc>
           <a:spcPct val="100000"/>
         </a:lnSpc>
@@ -7192,18 +7318,18 @@
         <a:buClr>
           <a:srgbClr val="000000"/>
         </a:buClr>
-        <a:buFont typeface="Arial"/>
-        <a:defRPr b="0" i="0" sz="1400" u="none" cap="none" strike="noStrike">
+        <a:buFont typeface="Arial" panose="020B0604020202020204"/>
+        <a:defRPr sz="1400" b="0" i="0" u="none" strike="noStrike" cap="none">
           <a:solidFill>
             <a:srgbClr val="000000"/>
           </a:solidFill>
-          <a:latin typeface="Arial"/>
-          <a:ea typeface="Arial"/>
-          <a:cs typeface="Arial"/>
-          <a:sym typeface="Arial"/>
+          <a:latin typeface="Arial" panose="020B0604020202020204"/>
+          <a:ea typeface="Arial" panose="020B0604020202020204"/>
+          <a:cs typeface="Arial" panose="020B0604020202020204"/>
+          <a:sym typeface="Arial" panose="020B0604020202020204"/>
         </a:defRPr>
       </a:lvl6pPr>
-      <a:lvl7pPr lvl="6" marR="0" rtl="0" algn="l">
+      <a:lvl7pPr marR="0" lvl="6" algn="l" rtl="0">
         <a:lnSpc>
           <a:spcPct val="100000"/>
         </a:lnSpc>
@@ -7216,18 +7342,18 @@
         <a:buClr>
           <a:srgbClr val="000000"/>
         </a:buClr>
-        <a:buFont typeface="Arial"/>
-        <a:defRPr b="0" i="0" sz="1400" u="none" cap="none" strike="noStrike">
+        <a:buFont typeface="Arial" panose="020B0604020202020204"/>
+        <a:defRPr sz="1400" b="0" i="0" u="none" strike="noStrike" cap="none">
           <a:solidFill>
             <a:srgbClr val="000000"/>
           </a:solidFill>
-          <a:latin typeface="Arial"/>
-          <a:ea typeface="Arial"/>
-          <a:cs typeface="Arial"/>
-          <a:sym typeface="Arial"/>
+          <a:latin typeface="Arial" panose="020B0604020202020204"/>
+          <a:ea typeface="Arial" panose="020B0604020202020204"/>
+          <a:cs typeface="Arial" panose="020B0604020202020204"/>
+          <a:sym typeface="Arial" panose="020B0604020202020204"/>
         </a:defRPr>
       </a:lvl7pPr>
-      <a:lvl8pPr lvl="7" marR="0" rtl="0" algn="l">
+      <a:lvl8pPr marR="0" lvl="7" algn="l" rtl="0">
         <a:lnSpc>
           <a:spcPct val="100000"/>
         </a:lnSpc>
@@ -7240,18 +7366,18 @@
         <a:buClr>
           <a:srgbClr val="000000"/>
         </a:buClr>
-        <a:buFont typeface="Arial"/>
-        <a:defRPr b="0" i="0" sz="1400" u="none" cap="none" strike="noStrike">
+        <a:buFont typeface="Arial" panose="020B0604020202020204"/>
+        <a:defRPr sz="1400" b="0" i="0" u="none" strike="noStrike" cap="none">
           <a:solidFill>
             <a:srgbClr val="000000"/>
           </a:solidFill>
-          <a:latin typeface="Arial"/>
-          <a:ea typeface="Arial"/>
-          <a:cs typeface="Arial"/>
-          <a:sym typeface="Arial"/>
+          <a:latin typeface="Arial" panose="020B0604020202020204"/>
+          <a:ea typeface="Arial" panose="020B0604020202020204"/>
+          <a:cs typeface="Arial" panose="020B0604020202020204"/>
+          <a:sym typeface="Arial" panose="020B0604020202020204"/>
         </a:defRPr>
       </a:lvl8pPr>
-      <a:lvl9pPr lvl="8" marR="0" rtl="0" algn="l">
+      <a:lvl9pPr marR="0" lvl="8" algn="l" rtl="0">
         <a:lnSpc>
           <a:spcPct val="100000"/>
         </a:lnSpc>
@@ -7264,20 +7390,20 @@
         <a:buClr>
           <a:srgbClr val="000000"/>
         </a:buClr>
-        <a:buFont typeface="Arial"/>
-        <a:defRPr b="0" i="0" sz="1400" u="none" cap="none" strike="noStrike">
+        <a:buFont typeface="Arial" panose="020B0604020202020204"/>
+        <a:defRPr sz="1400" b="0" i="0" u="none" strike="noStrike" cap="none">
           <a:solidFill>
             <a:srgbClr val="000000"/>
           </a:solidFill>
-          <a:latin typeface="Arial"/>
-          <a:ea typeface="Arial"/>
-          <a:cs typeface="Arial"/>
-          <a:sym typeface="Arial"/>
+          <a:latin typeface="Arial" panose="020B0604020202020204"/>
+          <a:ea typeface="Arial" panose="020B0604020202020204"/>
+          <a:cs typeface="Arial" panose="020B0604020202020204"/>
+          <a:sym typeface="Arial" panose="020B0604020202020204"/>
         </a:defRPr>
       </a:lvl9pPr>
     </p:bodyStyle>
     <p:otherStyle>
-      <a:defPPr lvl="0" marR="0" rtl="0" algn="l">
+      <a:defPPr marR="0" lvl="0" algn="l" rtl="0">
         <a:lnSpc>
           <a:spcPct val="100000"/>
         </a:lnSpc>
@@ -7288,7 +7414,7 @@
           <a:spcPts val="0"/>
         </a:spcAft>
       </a:defPPr>
-      <a:lvl1pPr lvl="0" marR="0" rtl="0" algn="l">
+      <a:lvl1pPr marR="0" lvl="0" algn="l" rtl="0">
         <a:lnSpc>
           <a:spcPct val="100000"/>
         </a:lnSpc>
@@ -7301,18 +7427,18 @@
         <a:buClr>
           <a:srgbClr val="000000"/>
         </a:buClr>
-        <a:buFont typeface="Arial"/>
-        <a:defRPr b="0" i="0" sz="1400" u="none" cap="none" strike="noStrike">
+        <a:buFont typeface="Arial" panose="020B0604020202020204"/>
+        <a:defRPr sz="1400" b="0" i="0" u="none" strike="noStrike" cap="none">
           <a:solidFill>
             <a:srgbClr val="000000"/>
           </a:solidFill>
-          <a:latin typeface="Arial"/>
-          <a:ea typeface="Arial"/>
-          <a:cs typeface="Arial"/>
-          <a:sym typeface="Arial"/>
+          <a:latin typeface="Arial" panose="020B0604020202020204"/>
+          <a:ea typeface="Arial" panose="020B0604020202020204"/>
+          <a:cs typeface="Arial" panose="020B0604020202020204"/>
+          <a:sym typeface="Arial" panose="020B0604020202020204"/>
         </a:defRPr>
       </a:lvl1pPr>
-      <a:lvl2pPr lvl="1" marR="0" rtl="0" algn="l">
+      <a:lvl2pPr marR="0" lvl="1" algn="l" rtl="0">
         <a:lnSpc>
           <a:spcPct val="100000"/>
         </a:lnSpc>
@@ -7325,18 +7451,18 @@
         <a:buClr>
           <a:srgbClr val="000000"/>
         </a:buClr>
-        <a:buFont typeface="Arial"/>
-        <a:defRPr b="0" i="0" sz="1400" u="none" cap="none" strike="noStrike">
+        <a:buFont typeface="Arial" panose="020B0604020202020204"/>
+        <a:defRPr sz="1400" b="0" i="0" u="none" strike="noStrike" cap="none">
           <a:solidFill>
             <a:srgbClr val="000000"/>
           </a:solidFill>
-          <a:latin typeface="Arial"/>
-          <a:ea typeface="Arial"/>
-          <a:cs typeface="Arial"/>
-          <a:sym typeface="Arial"/>
+          <a:latin typeface="Arial" panose="020B0604020202020204"/>
+          <a:ea typeface="Arial" panose="020B0604020202020204"/>
+          <a:cs typeface="Arial" panose="020B0604020202020204"/>
+          <a:sym typeface="Arial" panose="020B0604020202020204"/>
         </a:defRPr>
       </a:lvl2pPr>
-      <a:lvl3pPr lvl="2" marR="0" rtl="0" algn="l">
+      <a:lvl3pPr marR="0" lvl="2" algn="l" rtl="0">
         <a:lnSpc>
           <a:spcPct val="100000"/>
         </a:lnSpc>
@@ -7349,18 +7475,18 @@
         <a:buClr>
           <a:srgbClr val="000000"/>
         </a:buClr>
-        <a:buFont typeface="Arial"/>
-        <a:defRPr b="0" i="0" sz="1400" u="none" cap="none" strike="noStrike">
+        <a:buFont typeface="Arial" panose="020B0604020202020204"/>
+        <a:defRPr sz="1400" b="0" i="0" u="none" strike="noStrike" cap="none">
           <a:solidFill>
             <a:srgbClr val="000000"/>
           </a:solidFill>
-          <a:latin typeface="Arial"/>
-          <a:ea typeface="Arial"/>
-          <a:cs typeface="Arial"/>
-          <a:sym typeface="Arial"/>
+          <a:latin typeface="Arial" panose="020B0604020202020204"/>
+          <a:ea typeface="Arial" panose="020B0604020202020204"/>
+          <a:cs typeface="Arial" panose="020B0604020202020204"/>
+          <a:sym typeface="Arial" panose="020B0604020202020204"/>
         </a:defRPr>
       </a:lvl3pPr>
-      <a:lvl4pPr lvl="3" marR="0" rtl="0" algn="l">
+      <a:lvl4pPr marR="0" lvl="3" algn="l" rtl="0">
         <a:lnSpc>
           <a:spcPct val="100000"/>
         </a:lnSpc>
@@ -7373,18 +7499,18 @@
         <a:buClr>
           <a:srgbClr val="000000"/>
         </a:buClr>
-        <a:buFont typeface="Arial"/>
-        <a:defRPr b="0" i="0" sz="1400" u="none" cap="none" strike="noStrike">
+        <a:buFont typeface="Arial" panose="020B0604020202020204"/>
+        <a:defRPr sz="1400" b="0" i="0" u="none" strike="noStrike" cap="none">
           <a:solidFill>
             <a:srgbClr val="000000"/>
           </a:solidFill>
-          <a:latin typeface="Arial"/>
-          <a:ea typeface="Arial"/>
-          <a:cs typeface="Arial"/>
-          <a:sym typeface="Arial"/>
+          <a:latin typeface="Arial" panose="020B0604020202020204"/>
+          <a:ea typeface="Arial" panose="020B0604020202020204"/>
+          <a:cs typeface="Arial" panose="020B0604020202020204"/>
+          <a:sym typeface="Arial" panose="020B0604020202020204"/>
         </a:defRPr>
       </a:lvl4pPr>
-      <a:lvl5pPr lvl="4" marR="0" rtl="0" algn="l">
+      <a:lvl5pPr marR="0" lvl="4" algn="l" rtl="0">
         <a:lnSpc>
           <a:spcPct val="100000"/>
         </a:lnSpc>
@@ -7397,18 +7523,18 @@
         <a:buClr>
           <a:srgbClr val="000000"/>
         </a:buClr>
-        <a:buFont typeface="Arial"/>
-        <a:defRPr b="0" i="0" sz="1400" u="none" cap="none" strike="noStrike">
+        <a:buFont typeface="Arial" panose="020B0604020202020204"/>
+        <a:defRPr sz="1400" b="0" i="0" u="none" strike="noStrike" cap="none">
           <a:solidFill>
             <a:srgbClr val="000000"/>
           </a:solidFill>
-          <a:latin typeface="Arial"/>
-          <a:ea typeface="Arial"/>
-          <a:cs typeface="Arial"/>
-          <a:sym typeface="Arial"/>
+          <a:latin typeface="Arial" panose="020B0604020202020204"/>
+          <a:ea typeface="Arial" panose="020B0604020202020204"/>
+          <a:cs typeface="Arial" panose="020B0604020202020204"/>
+          <a:sym typeface="Arial" panose="020B0604020202020204"/>
         </a:defRPr>
       </a:lvl5pPr>
-      <a:lvl6pPr lvl="5" marR="0" rtl="0" algn="l">
+      <a:lvl6pPr marR="0" lvl="5" algn="l" rtl="0">
         <a:lnSpc>
           <a:spcPct val="100000"/>
         </a:lnSpc>
@@ -7421,18 +7547,18 @@
         <a:buClr>
           <a:srgbClr val="000000"/>
         </a:buClr>
-        <a:buFont typeface="Arial"/>
-        <a:defRPr b="0" i="0" sz="1400" u="none" cap="none" strike="noStrike">
+        <a:buFont typeface="Arial" panose="020B0604020202020204"/>
+        <a:defRPr sz="1400" b="0" i="0" u="none" strike="noStrike" cap="none">
           <a:solidFill>
             <a:srgbClr val="000000"/>
           </a:solidFill>
-          <a:latin typeface="Arial"/>
-          <a:ea typeface="Arial"/>
-          <a:cs typeface="Arial"/>
-          <a:sym typeface="Arial"/>
+          <a:latin typeface="Arial" panose="020B0604020202020204"/>
+          <a:ea typeface="Arial" panose="020B0604020202020204"/>
+          <a:cs typeface="Arial" panose="020B0604020202020204"/>
+          <a:sym typeface="Arial" panose="020B0604020202020204"/>
         </a:defRPr>
       </a:lvl6pPr>
-      <a:lvl7pPr lvl="6" marR="0" rtl="0" algn="l">
+      <a:lvl7pPr marR="0" lvl="6" algn="l" rtl="0">
         <a:lnSpc>
           <a:spcPct val="100000"/>
         </a:lnSpc>
@@ -7445,18 +7571,18 @@
         <a:buClr>
           <a:srgbClr val="000000"/>
         </a:buClr>
-        <a:buFont typeface="Arial"/>
-        <a:defRPr b="0" i="0" sz="1400" u="none" cap="none" strike="noStrike">
+        <a:buFont typeface="Arial" panose="020B0604020202020204"/>
+        <a:defRPr sz="1400" b="0" i="0" u="none" strike="noStrike" cap="none">
           <a:solidFill>
             <a:srgbClr val="000000"/>
           </a:solidFill>
-          <a:latin typeface="Arial"/>
-          <a:ea typeface="Arial"/>
-          <a:cs typeface="Arial"/>
-          <a:sym typeface="Arial"/>
+          <a:latin typeface="Arial" panose="020B0604020202020204"/>
+          <a:ea typeface="Arial" panose="020B0604020202020204"/>
+          <a:cs typeface="Arial" panose="020B0604020202020204"/>
+          <a:sym typeface="Arial" panose="020B0604020202020204"/>
         </a:defRPr>
       </a:lvl7pPr>
-      <a:lvl8pPr lvl="7" marR="0" rtl="0" algn="l">
+      <a:lvl8pPr marR="0" lvl="7" algn="l" rtl="0">
         <a:lnSpc>
           <a:spcPct val="100000"/>
         </a:lnSpc>
@@ -7469,18 +7595,18 @@
         <a:buClr>
           <a:srgbClr val="000000"/>
         </a:buClr>
-        <a:buFont typeface="Arial"/>
-        <a:defRPr b="0" i="0" sz="1400" u="none" cap="none" strike="noStrike">
+        <a:buFont typeface="Arial" panose="020B0604020202020204"/>
+        <a:defRPr sz="1400" b="0" i="0" u="none" strike="noStrike" cap="none">
           <a:solidFill>
             <a:srgbClr val="000000"/>
           </a:solidFill>
-          <a:latin typeface="Arial"/>
-          <a:ea typeface="Arial"/>
-          <a:cs typeface="Arial"/>
-          <a:sym typeface="Arial"/>
+          <a:latin typeface="Arial" panose="020B0604020202020204"/>
+          <a:ea typeface="Arial" panose="020B0604020202020204"/>
+          <a:cs typeface="Arial" panose="020B0604020202020204"/>
+          <a:sym typeface="Arial" panose="020B0604020202020204"/>
         </a:defRPr>
       </a:lvl8pPr>
-      <a:lvl9pPr lvl="8" marR="0" rtl="0" algn="l">
+      <a:lvl9pPr marR="0" lvl="8" algn="l" rtl="0">
         <a:lnSpc>
           <a:spcPct val="100000"/>
         </a:lnSpc>
@@ -7493,15 +7619,15 @@
         <a:buClr>
           <a:srgbClr val="000000"/>
         </a:buClr>
-        <a:buFont typeface="Arial"/>
-        <a:defRPr b="0" i="0" sz="1400" u="none" cap="none" strike="noStrike">
+        <a:buFont typeface="Arial" panose="020B0604020202020204"/>
+        <a:defRPr sz="1400" b="0" i="0" u="none" strike="noStrike" cap="none">
           <a:solidFill>
             <a:srgbClr val="000000"/>
           </a:solidFill>
-          <a:latin typeface="Arial"/>
-          <a:ea typeface="Arial"/>
-          <a:cs typeface="Arial"/>
-          <a:sym typeface="Arial"/>
+          <a:latin typeface="Arial" panose="020B0604020202020204"/>
+          <a:ea typeface="Arial" panose="020B0604020202020204"/>
+          <a:cs typeface="Arial" panose="020B0604020202020204"/>
+          <a:sym typeface="Arial" panose="020B0604020202020204"/>
         </a:defRPr>
       </a:lvl9pPr>
     </p:otherStyle>
@@ -7510,7 +7636,7 @@
 </file>
 
 <file path=ppt/slides/slide1.xml><?xml version="1.0" encoding="utf-8"?>
-<p:sld xmlns:a="http://schemas.openxmlformats.org/drawingml/2006/main" xmlns:r="http://schemas.openxmlformats.org/officeDocument/2006/relationships" xmlns:mc="http://schemas.openxmlformats.org/markup-compatibility/2006" xmlns:mv="urn:schemas-microsoft-com:mac:vml" xmlns:p="http://schemas.openxmlformats.org/presentationml/2006/main" xmlns:c="http://schemas.openxmlformats.org/drawingml/2006/chart" xmlns:dgm="http://schemas.openxmlformats.org/drawingml/2006/diagram" xmlns:o="urn:schemas-microsoft-com:office:office" xmlns:v="urn:schemas-microsoft-com:vml" xmlns:pvml="urn:schemas-microsoft-com:office:powerpoint" xmlns:com="http://schemas.openxmlformats.org/drawingml/2006/compatibility" xmlns:p14="http://schemas.microsoft.com/office/powerpoint/2010/main" xmlns:p15="http://schemas.microsoft.com/office/powerpoint/2012/main" xmlns:ahyp="http://schemas.microsoft.com/office/drawing/2018/hyperlinkcolor">
+<p:sld xmlns:a="http://schemas.openxmlformats.org/drawingml/2006/main" xmlns:r="http://schemas.openxmlformats.org/officeDocument/2006/relationships" xmlns:p="http://schemas.openxmlformats.org/presentationml/2006/main">
   <p:cSld>
     <p:spTree>
       <p:nvGrpSpPr>
@@ -7544,12 +7670,12 @@
           </a:prstGeom>
         </p:spPr>
         <p:txBody>
-          <a:bodyPr anchorCtr="0" anchor="b" bIns="91425" lIns="91425" spcFirstLastPara="1" rIns="91425" wrap="square" tIns="91425">
+          <a:bodyPr spcFirstLastPara="1" wrap="square" lIns="91425" tIns="91425" rIns="91425" bIns="91425" anchor="b" anchorCtr="0">
             <a:normAutofit/>
           </a:bodyPr>
           <a:lstStyle/>
           <a:p>
-            <a:pPr indent="0" lvl="0" marL="0" rtl="0" algn="ctr">
+            <a:pPr marL="0" lvl="0" indent="0" algn="ctr" rtl="0">
               <a:spcBef>
                 <a:spcPts val="0"/>
               </a:spcBef>
@@ -7560,18 +7686,18 @@
             </a:pPr>
             <a:r>
               <a:rPr lang="en-GB">
-                <a:latin typeface="Times New Roman"/>
-                <a:ea typeface="Times New Roman"/>
-                <a:cs typeface="Times New Roman"/>
-                <a:sym typeface="Times New Roman"/>
+                <a:latin typeface="Times New Roman" panose="02020603050405020304"/>
+                <a:ea typeface="Times New Roman" panose="02020603050405020304"/>
+                <a:cs typeface="Times New Roman" panose="02020603050405020304"/>
+                <a:sym typeface="Times New Roman" panose="02020603050405020304"/>
               </a:rPr>
               <a:t>Reimbursement Portal</a:t>
             </a:r>
             <a:endParaRPr>
-              <a:latin typeface="Times New Roman"/>
-              <a:ea typeface="Times New Roman"/>
-              <a:cs typeface="Times New Roman"/>
-              <a:sym typeface="Times New Roman"/>
+              <a:latin typeface="Times New Roman" panose="02020603050405020304"/>
+              <a:ea typeface="Times New Roman" panose="02020603050405020304"/>
+              <a:cs typeface="Times New Roman" panose="02020603050405020304"/>
+              <a:sym typeface="Times New Roman" panose="02020603050405020304"/>
             </a:endParaRPr>
           </a:p>
         </p:txBody>
@@ -7581,7 +7707,7 @@
           <p:cNvPr id="55" name="Google Shape;55;p13"/>
           <p:cNvSpPr txBox="1"/>
           <p:nvPr>
-            <p:ph idx="1" type="subTitle"/>
+            <p:ph type="subTitle" idx="1"/>
           </p:nvPr>
         </p:nvSpPr>
         <p:spPr>
@@ -7594,12 +7720,12 @@
           </a:prstGeom>
         </p:spPr>
         <p:txBody>
-          <a:bodyPr anchorCtr="0" anchor="t" bIns="91425" lIns="91425" spcFirstLastPara="1" rIns="91425" wrap="square" tIns="91425">
+          <a:bodyPr spcFirstLastPara="1" wrap="square" lIns="91425" tIns="91425" rIns="91425" bIns="91425" anchor="t" anchorCtr="0">
             <a:normAutofit/>
           </a:bodyPr>
           <a:lstStyle/>
           <a:p>
-            <a:pPr indent="0" lvl="0" marL="0" rtl="0" algn="ctr">
+            <a:pPr marL="0" lvl="0" indent="0" algn="ctr" rtl="0">
               <a:spcBef>
                 <a:spcPts val="0"/>
               </a:spcBef>
@@ -7616,10 +7742,10 @@
                 <a:highlight>
                   <a:srgbClr val="000000"/>
                 </a:highlight>
-                <a:latin typeface="Times New Roman"/>
-                <a:ea typeface="Times New Roman"/>
-                <a:cs typeface="Times New Roman"/>
-                <a:sym typeface="Times New Roman"/>
+                <a:latin typeface="Times New Roman" panose="02020603050405020304"/>
+                <a:ea typeface="Times New Roman" panose="02020603050405020304"/>
+                <a:cs typeface="Times New Roman" panose="02020603050405020304"/>
+                <a:sym typeface="Times New Roman" panose="02020603050405020304"/>
               </a:rPr>
               <a:t>By </a:t>
             </a:r>
@@ -7631,10 +7757,10 @@
                 <a:highlight>
                   <a:srgbClr val="000000"/>
                 </a:highlight>
-                <a:latin typeface="Times New Roman"/>
-                <a:ea typeface="Times New Roman"/>
-                <a:cs typeface="Times New Roman"/>
-                <a:sym typeface="Times New Roman"/>
+                <a:latin typeface="Times New Roman" panose="02020603050405020304"/>
+                <a:ea typeface="Times New Roman" panose="02020603050405020304"/>
+                <a:cs typeface="Times New Roman" panose="02020603050405020304"/>
+                <a:sym typeface="Times New Roman" panose="02020603050405020304"/>
               </a:rPr>
               <a:t>Gaurav Shrivastava</a:t>
             </a:r>
@@ -7645,10 +7771,10 @@
               <a:highlight>
                 <a:srgbClr val="000000"/>
               </a:highlight>
-              <a:latin typeface="Times New Roman"/>
-              <a:ea typeface="Times New Roman"/>
-              <a:cs typeface="Times New Roman"/>
-              <a:sym typeface="Times New Roman"/>
+              <a:latin typeface="Times New Roman" panose="02020603050405020304"/>
+              <a:ea typeface="Times New Roman" panose="02020603050405020304"/>
+              <a:cs typeface="Times New Roman" panose="02020603050405020304"/>
+              <a:sym typeface="Times New Roman" panose="02020603050405020304"/>
             </a:endParaRPr>
           </a:p>
         </p:txBody>
@@ -7660,11 +7786,11 @@
           <p:nvPr/>
         </p:nvPicPr>
         <p:blipFill rotWithShape="1">
-          <a:blip r:embed="rId3">
-            <a:alphaModFix/>
-          </a:blip>
-          <a:srcRect b="0" l="0" r="0" t="0"/>
-          <a:stretch/>
+          <a:blip r:embed="rId1"/>
+          <a:srcRect/>
+          <a:stretch>
+            <a:fillRect/>
+          </a:stretch>
         </p:blipFill>
         <p:spPr>
           <a:xfrm>
@@ -7685,11 +7811,23 @@
   <p:clrMapOvr>
     <a:masterClrMapping/>
   </p:clrMapOvr>
+  <mc:AlternateContent xmlns:mc="http://schemas.openxmlformats.org/markup-compatibility/2006">
+    <mc:Choice xmlns:p14="http://schemas.microsoft.com/office/powerpoint/2010/main" Requires="p14">
+      <p:transition spd="slow" p14:dur="1100">
+        <p14:gallery dir="l"/>
+      </p:transition>
+    </mc:Choice>
+    <mc:Fallback>
+      <p:transition spd="slow">
+        <p:fade/>
+      </p:transition>
+    </mc:Fallback>
+  </mc:AlternateContent>
 </p:sld>
 </file>
 
 <file path=ppt/slides/slide10.xml><?xml version="1.0" encoding="utf-8"?>
-<p:sld xmlns:a="http://schemas.openxmlformats.org/drawingml/2006/main" xmlns:r="http://schemas.openxmlformats.org/officeDocument/2006/relationships" xmlns:mc="http://schemas.openxmlformats.org/markup-compatibility/2006" xmlns:mv="urn:schemas-microsoft-com:mac:vml" xmlns:p="http://schemas.openxmlformats.org/presentationml/2006/main" xmlns:c="http://schemas.openxmlformats.org/drawingml/2006/chart" xmlns:dgm="http://schemas.openxmlformats.org/drawingml/2006/diagram" xmlns:o="urn:schemas-microsoft-com:office:office" xmlns:v="urn:schemas-microsoft-com:vml" xmlns:pvml="urn:schemas-microsoft-com:office:powerpoint" xmlns:com="http://schemas.openxmlformats.org/drawingml/2006/compatibility" xmlns:p14="http://schemas.microsoft.com/office/powerpoint/2010/main" xmlns:p15="http://schemas.microsoft.com/office/powerpoint/2012/main" xmlns:ahyp="http://schemas.microsoft.com/office/drawing/2018/hyperlinkcolor">
+<p:sld xmlns:a="http://schemas.openxmlformats.org/drawingml/2006/main" xmlns:r="http://schemas.openxmlformats.org/officeDocument/2006/relationships" xmlns:p="http://schemas.openxmlformats.org/presentationml/2006/main">
   <p:cSld>
     <p:spTree>
       <p:nvGrpSpPr>
@@ -7725,12 +7863,12 @@
           </a:ln>
         </p:spPr>
         <p:txBody>
-          <a:bodyPr anchorCtr="0" anchor="t" bIns="91425" lIns="91425" spcFirstLastPara="1" rIns="91425" wrap="square" tIns="91425">
+          <a:bodyPr spcFirstLastPara="1" wrap="square" lIns="91425" tIns="91425" rIns="91425" bIns="91425" anchor="t" anchorCtr="0">
             <a:noAutofit/>
           </a:bodyPr>
           <a:lstStyle/>
           <a:p>
-            <a:pPr indent="0" lvl="0" marL="0" rtl="0" algn="l">
+            <a:pPr marL="0" lvl="0" indent="0" algn="l" rtl="0">
               <a:spcBef>
                 <a:spcPts val="0"/>
               </a:spcBef>
@@ -7744,10 +7882,10 @@
                 <a:solidFill>
                   <a:schemeClr val="dk1"/>
                 </a:solidFill>
-                <a:latin typeface="Times New Roman"/>
-                <a:ea typeface="Times New Roman"/>
-                <a:cs typeface="Times New Roman"/>
-                <a:sym typeface="Times New Roman"/>
+                <a:latin typeface="Times New Roman" panose="02020603050405020304"/>
+                <a:ea typeface="Times New Roman" panose="02020603050405020304"/>
+                <a:cs typeface="Times New Roman" panose="02020603050405020304"/>
+                <a:sym typeface="Times New Roman" panose="02020603050405020304"/>
               </a:rPr>
               <a:t>Department</a:t>
             </a:r>
@@ -7756,10 +7894,10 @@
                 <a:solidFill>
                   <a:schemeClr val="dk1"/>
                 </a:solidFill>
-                <a:latin typeface="Times New Roman"/>
-                <a:ea typeface="Times New Roman"/>
-                <a:cs typeface="Times New Roman"/>
-                <a:sym typeface="Times New Roman"/>
+                <a:latin typeface="Times New Roman" panose="02020603050405020304"/>
+                <a:ea typeface="Times New Roman" panose="02020603050405020304"/>
+                <a:cs typeface="Times New Roman" panose="02020603050405020304"/>
+                <a:sym typeface="Times New Roman" panose="02020603050405020304"/>
               </a:rPr>
               <a:t> Model</a:t>
             </a:r>
@@ -7767,10 +7905,10 @@
               <a:solidFill>
                 <a:schemeClr val="dk1"/>
               </a:solidFill>
-              <a:latin typeface="Times New Roman"/>
-              <a:ea typeface="Times New Roman"/>
-              <a:cs typeface="Times New Roman"/>
-              <a:sym typeface="Times New Roman"/>
+              <a:latin typeface="Times New Roman" panose="02020603050405020304"/>
+              <a:ea typeface="Times New Roman" panose="02020603050405020304"/>
+              <a:cs typeface="Times New Roman" panose="02020603050405020304"/>
+              <a:sym typeface="Times New Roman" panose="02020603050405020304"/>
             </a:endParaRPr>
           </a:p>
         </p:txBody>
@@ -7782,9 +7920,7 @@
           <p:nvPr/>
         </p:nvPicPr>
         <p:blipFill>
-          <a:blip r:embed="rId3">
-            <a:alphaModFix/>
-          </a:blip>
+          <a:blip r:embed="rId1"/>
           <a:stretch>
             <a:fillRect/>
           </a:stretch>
@@ -7823,12 +7959,12 @@
           </a:ln>
         </p:spPr>
         <p:txBody>
-          <a:bodyPr anchorCtr="0" anchor="t" bIns="91425" lIns="91425" spcFirstLastPara="1" rIns="91425" wrap="square" tIns="91425">
+          <a:bodyPr spcFirstLastPara="1" wrap="square" lIns="91425" tIns="91425" rIns="91425" bIns="91425" anchor="t" anchorCtr="0">
             <a:noAutofit/>
           </a:bodyPr>
           <a:lstStyle/>
           <a:p>
-            <a:pPr indent="0" lvl="0" marL="0" rtl="0" algn="l">
+            <a:pPr marL="0" lvl="0" indent="0" algn="l" rtl="0">
               <a:spcBef>
                 <a:spcPts val="0"/>
               </a:spcBef>
@@ -7837,9 +7973,6 @@
               </a:spcAft>
               <a:buNone/>
             </a:pPr>
-            <a:r>
-              <a:t/>
-            </a:r>
             <a:endParaRPr sz="1800">
               <a:solidFill>
                 <a:schemeClr val="lt2"/>
@@ -7853,11 +7986,23 @@
   <p:clrMapOvr>
     <a:masterClrMapping/>
   </p:clrMapOvr>
+  <mc:AlternateContent xmlns:mc="http://schemas.openxmlformats.org/markup-compatibility/2006">
+    <mc:Choice xmlns:p14="http://schemas.microsoft.com/office/powerpoint/2010/main" Requires="p14">
+      <p:transition spd="slow" p14:dur="1100">
+        <p14:gallery dir="l"/>
+      </p:transition>
+    </mc:Choice>
+    <mc:Fallback>
+      <p:transition spd="slow">
+        <p:fade/>
+      </p:transition>
+    </mc:Fallback>
+  </mc:AlternateContent>
 </p:sld>
 </file>
 
 <file path=ppt/slides/slide11.xml><?xml version="1.0" encoding="utf-8"?>
-<p:sld xmlns:a="http://schemas.openxmlformats.org/drawingml/2006/main" xmlns:r="http://schemas.openxmlformats.org/officeDocument/2006/relationships" xmlns:mc="http://schemas.openxmlformats.org/markup-compatibility/2006" xmlns:mv="urn:schemas-microsoft-com:mac:vml" xmlns:p="http://schemas.openxmlformats.org/presentationml/2006/main" xmlns:c="http://schemas.openxmlformats.org/drawingml/2006/chart" xmlns:dgm="http://schemas.openxmlformats.org/drawingml/2006/diagram" xmlns:o="urn:schemas-microsoft-com:office:office" xmlns:v="urn:schemas-microsoft-com:vml" xmlns:pvml="urn:schemas-microsoft-com:office:powerpoint" xmlns:com="http://schemas.openxmlformats.org/drawingml/2006/compatibility" xmlns:p14="http://schemas.microsoft.com/office/powerpoint/2010/main" xmlns:p15="http://schemas.microsoft.com/office/powerpoint/2012/main" xmlns:ahyp="http://schemas.microsoft.com/office/drawing/2018/hyperlinkcolor">
+<p:sld xmlns:a="http://schemas.openxmlformats.org/drawingml/2006/main" xmlns:r="http://schemas.openxmlformats.org/officeDocument/2006/relationships" xmlns:p="http://schemas.openxmlformats.org/presentationml/2006/main">
   <p:cSld>
     <p:spTree>
       <p:nvGrpSpPr>
@@ -7893,12 +8038,12 @@
           </a:ln>
         </p:spPr>
         <p:txBody>
-          <a:bodyPr anchorCtr="0" anchor="t" bIns="91425" lIns="91425" spcFirstLastPara="1" rIns="91425" wrap="square" tIns="91425">
+          <a:bodyPr spcFirstLastPara="1" wrap="square" lIns="91425" tIns="91425" rIns="91425" bIns="91425" anchor="t" anchorCtr="0">
             <a:noAutofit/>
           </a:bodyPr>
           <a:lstStyle/>
           <a:p>
-            <a:pPr indent="0" lvl="0" marL="0" rtl="0" algn="l">
+            <a:pPr marL="0" lvl="0" indent="0" algn="l" rtl="0">
               <a:spcBef>
                 <a:spcPts val="0"/>
               </a:spcBef>
@@ -7912,10 +8057,10 @@
                 <a:solidFill>
                   <a:schemeClr val="dk1"/>
                 </a:solidFill>
-                <a:latin typeface="Times New Roman"/>
-                <a:ea typeface="Times New Roman"/>
-                <a:cs typeface="Times New Roman"/>
-                <a:sym typeface="Times New Roman"/>
+                <a:latin typeface="Times New Roman" panose="02020603050405020304"/>
+                <a:ea typeface="Times New Roman" panose="02020603050405020304"/>
+                <a:cs typeface="Times New Roman" panose="02020603050405020304"/>
+                <a:sym typeface="Times New Roman" panose="02020603050405020304"/>
               </a:rPr>
               <a:t>Relationships</a:t>
             </a:r>
@@ -7923,10 +8068,10 @@
               <a:solidFill>
                 <a:schemeClr val="dk1"/>
               </a:solidFill>
-              <a:latin typeface="Times New Roman"/>
-              <a:ea typeface="Times New Roman"/>
-              <a:cs typeface="Times New Roman"/>
-              <a:sym typeface="Times New Roman"/>
+              <a:latin typeface="Times New Roman" panose="02020603050405020304"/>
+              <a:ea typeface="Times New Roman" panose="02020603050405020304"/>
+              <a:cs typeface="Times New Roman" panose="02020603050405020304"/>
+              <a:sym typeface="Times New Roman" panose="02020603050405020304"/>
             </a:endParaRPr>
           </a:p>
         </p:txBody>
@@ -7951,12 +8096,12 @@
           </a:ln>
         </p:spPr>
         <p:txBody>
-          <a:bodyPr anchorCtr="0" anchor="t" bIns="91425" lIns="91425" spcFirstLastPara="1" rIns="91425" wrap="square" tIns="91425">
+          <a:bodyPr spcFirstLastPara="1" wrap="square" lIns="91425" tIns="91425" rIns="91425" bIns="91425" anchor="t" anchorCtr="0">
             <a:noAutofit/>
           </a:bodyPr>
           <a:lstStyle/>
           <a:p>
-            <a:pPr indent="-342900" lvl="0" marL="457200" rtl="0" algn="l">
+            <a:pPr marL="457200" lvl="0" indent="-342900" algn="l" rtl="0">
               <a:lnSpc>
                 <a:spcPct val="150000"/>
               </a:lnSpc>
@@ -7973,14 +8118,14 @@
               <a:buChar char="●"/>
             </a:pPr>
             <a:r>
-              <a:rPr b="1" lang="en-GB" sz="1800">
+              <a:rPr lang="en-GB" sz="1800" b="1">
                 <a:solidFill>
                   <a:schemeClr val="dk1"/>
                 </a:solidFill>
-                <a:latin typeface="Times New Roman"/>
-                <a:ea typeface="Times New Roman"/>
-                <a:cs typeface="Times New Roman"/>
-                <a:sym typeface="Times New Roman"/>
+                <a:latin typeface="Times New Roman" panose="02020603050405020304"/>
+                <a:ea typeface="Times New Roman" panose="02020603050405020304"/>
+                <a:cs typeface="Times New Roman" panose="02020603050405020304"/>
+                <a:sym typeface="Times New Roman" panose="02020603050405020304"/>
               </a:rPr>
               <a:t>User to Department</a:t>
             </a:r>
@@ -7989,10 +8134,10 @@
                 <a:solidFill>
                   <a:schemeClr val="dk1"/>
                 </a:solidFill>
-                <a:latin typeface="Times New Roman"/>
-                <a:ea typeface="Times New Roman"/>
-                <a:cs typeface="Times New Roman"/>
-                <a:sym typeface="Times New Roman"/>
+                <a:latin typeface="Times New Roman" panose="02020603050405020304"/>
+                <a:ea typeface="Times New Roman" panose="02020603050405020304"/>
+                <a:cs typeface="Times New Roman" panose="02020603050405020304"/>
+                <a:sym typeface="Times New Roman" panose="02020603050405020304"/>
               </a:rPr>
               <a:t>: One-to-Many</a:t>
             </a:r>
@@ -8000,14 +8145,14 @@
               <a:solidFill>
                 <a:schemeClr val="dk1"/>
               </a:solidFill>
-              <a:latin typeface="Times New Roman"/>
-              <a:ea typeface="Times New Roman"/>
-              <a:cs typeface="Times New Roman"/>
-              <a:sym typeface="Times New Roman"/>
+              <a:latin typeface="Times New Roman" panose="02020603050405020304"/>
+              <a:ea typeface="Times New Roman" panose="02020603050405020304"/>
+              <a:cs typeface="Times New Roman" panose="02020603050405020304"/>
+              <a:sym typeface="Times New Roman" panose="02020603050405020304"/>
             </a:endParaRPr>
           </a:p>
           <a:p>
-            <a:pPr indent="-342900" lvl="1" marL="914400" rtl="0" algn="l">
+            <a:pPr marL="914400" lvl="1" indent="-342900" algn="l" rtl="0">
               <a:lnSpc>
                 <a:spcPct val="150000"/>
               </a:lnSpc>
@@ -8021,7 +8166,7 @@
                 <a:schemeClr val="dk1"/>
               </a:buClr>
               <a:buSzPts val="1800"/>
-              <a:buFont typeface="Times New Roman"/>
+              <a:buFont typeface="Times New Roman" panose="02020603050405020304"/>
               <a:buChar char="○"/>
             </a:pPr>
             <a:r>
@@ -8029,10 +8174,10 @@
                 <a:solidFill>
                   <a:schemeClr val="dk1"/>
                 </a:solidFill>
-                <a:latin typeface="Times New Roman"/>
-                <a:ea typeface="Times New Roman"/>
-                <a:cs typeface="Times New Roman"/>
-                <a:sym typeface="Times New Roman"/>
+                <a:latin typeface="Times New Roman" panose="02020603050405020304"/>
+                <a:ea typeface="Times New Roman" panose="02020603050405020304"/>
+                <a:cs typeface="Times New Roman" panose="02020603050405020304"/>
+                <a:sym typeface="Times New Roman" panose="02020603050405020304"/>
               </a:rPr>
               <a:t>A department can have many users, but a user belongs to only one department.</a:t>
             </a:r>
@@ -8040,14 +8185,14 @@
               <a:solidFill>
                 <a:schemeClr val="dk1"/>
               </a:solidFill>
-              <a:latin typeface="Times New Roman"/>
-              <a:ea typeface="Times New Roman"/>
-              <a:cs typeface="Times New Roman"/>
-              <a:sym typeface="Times New Roman"/>
+              <a:latin typeface="Times New Roman" panose="02020603050405020304"/>
+              <a:ea typeface="Times New Roman" panose="02020603050405020304"/>
+              <a:cs typeface="Times New Roman" panose="02020603050405020304"/>
+              <a:sym typeface="Times New Roman" panose="02020603050405020304"/>
             </a:endParaRPr>
           </a:p>
           <a:p>
-            <a:pPr indent="-342900" lvl="0" marL="457200" rtl="0" algn="l">
+            <a:pPr marL="457200" lvl="0" indent="-342900" algn="l" rtl="0">
               <a:lnSpc>
                 <a:spcPct val="150000"/>
               </a:lnSpc>
@@ -8064,14 +8209,14 @@
               <a:buChar char="●"/>
             </a:pPr>
             <a:r>
-              <a:rPr b="1" lang="en-GB" sz="1800">
+              <a:rPr lang="en-GB" sz="1800" b="1">
                 <a:solidFill>
                   <a:schemeClr val="dk1"/>
                 </a:solidFill>
-                <a:latin typeface="Times New Roman"/>
-                <a:ea typeface="Times New Roman"/>
-                <a:cs typeface="Times New Roman"/>
-                <a:sym typeface="Times New Roman"/>
+                <a:latin typeface="Times New Roman" panose="02020603050405020304"/>
+                <a:ea typeface="Times New Roman" panose="02020603050405020304"/>
+                <a:cs typeface="Times New Roman" panose="02020603050405020304"/>
+                <a:sym typeface="Times New Roman" panose="02020603050405020304"/>
               </a:rPr>
               <a:t>User to User (Manager)</a:t>
             </a:r>
@@ -8080,10 +8225,10 @@
                 <a:solidFill>
                   <a:schemeClr val="dk1"/>
                 </a:solidFill>
-                <a:latin typeface="Times New Roman"/>
-                <a:ea typeface="Times New Roman"/>
-                <a:cs typeface="Times New Roman"/>
-                <a:sym typeface="Times New Roman"/>
+                <a:latin typeface="Times New Roman" panose="02020603050405020304"/>
+                <a:ea typeface="Times New Roman" panose="02020603050405020304"/>
+                <a:cs typeface="Times New Roman" panose="02020603050405020304"/>
+                <a:sym typeface="Times New Roman" panose="02020603050405020304"/>
               </a:rPr>
               <a:t>: One-to-Many (Self-referential)</a:t>
             </a:r>
@@ -8091,14 +8236,14 @@
               <a:solidFill>
                 <a:schemeClr val="dk1"/>
               </a:solidFill>
-              <a:latin typeface="Times New Roman"/>
-              <a:ea typeface="Times New Roman"/>
-              <a:cs typeface="Times New Roman"/>
-              <a:sym typeface="Times New Roman"/>
+              <a:latin typeface="Times New Roman" panose="02020603050405020304"/>
+              <a:ea typeface="Times New Roman" panose="02020603050405020304"/>
+              <a:cs typeface="Times New Roman" panose="02020603050405020304"/>
+              <a:sym typeface="Times New Roman" panose="02020603050405020304"/>
             </a:endParaRPr>
           </a:p>
           <a:p>
-            <a:pPr indent="-342900" lvl="1" marL="914400" rtl="0" algn="l">
+            <a:pPr marL="914400" lvl="1" indent="-342900" algn="l" rtl="0">
               <a:lnSpc>
                 <a:spcPct val="150000"/>
               </a:lnSpc>
@@ -8112,7 +8257,7 @@
                 <a:schemeClr val="dk1"/>
               </a:buClr>
               <a:buSzPts val="1800"/>
-              <a:buFont typeface="Times New Roman"/>
+              <a:buFont typeface="Times New Roman" panose="02020603050405020304"/>
               <a:buChar char="○"/>
             </a:pPr>
             <a:r>
@@ -8120,10 +8265,10 @@
                 <a:solidFill>
                   <a:schemeClr val="dk1"/>
                 </a:solidFill>
-                <a:latin typeface="Times New Roman"/>
-                <a:ea typeface="Times New Roman"/>
-                <a:cs typeface="Times New Roman"/>
-                <a:sym typeface="Times New Roman"/>
+                <a:latin typeface="Times New Roman" panose="02020603050405020304"/>
+                <a:ea typeface="Times New Roman" panose="02020603050405020304"/>
+                <a:cs typeface="Times New Roman" panose="02020603050405020304"/>
+                <a:sym typeface="Times New Roman" panose="02020603050405020304"/>
               </a:rPr>
               <a:t>A user (Manager) can manage many users (Employees), but an employee has only one manager.</a:t>
             </a:r>
@@ -8131,14 +8276,14 @@
               <a:solidFill>
                 <a:schemeClr val="dk1"/>
               </a:solidFill>
-              <a:latin typeface="Times New Roman"/>
-              <a:ea typeface="Times New Roman"/>
-              <a:cs typeface="Times New Roman"/>
-              <a:sym typeface="Times New Roman"/>
+              <a:latin typeface="Times New Roman" panose="02020603050405020304"/>
+              <a:ea typeface="Times New Roman" panose="02020603050405020304"/>
+              <a:cs typeface="Times New Roman" panose="02020603050405020304"/>
+              <a:sym typeface="Times New Roman" panose="02020603050405020304"/>
             </a:endParaRPr>
           </a:p>
           <a:p>
-            <a:pPr indent="-342900" lvl="0" marL="457200" rtl="0" algn="l">
+            <a:pPr marL="457200" lvl="0" indent="-342900" algn="l" rtl="0">
               <a:lnSpc>
                 <a:spcPct val="150000"/>
               </a:lnSpc>
@@ -8155,14 +8300,14 @@
               <a:buChar char="●"/>
             </a:pPr>
             <a:r>
-              <a:rPr b="1" lang="en-GB" sz="1800">
+              <a:rPr lang="en-GB" sz="1800" b="1">
                 <a:solidFill>
                   <a:schemeClr val="dk1"/>
                 </a:solidFill>
-                <a:latin typeface="Times New Roman"/>
-                <a:ea typeface="Times New Roman"/>
-                <a:cs typeface="Times New Roman"/>
-                <a:sym typeface="Times New Roman"/>
+                <a:latin typeface="Times New Roman" panose="02020603050405020304"/>
+                <a:ea typeface="Times New Roman" panose="02020603050405020304"/>
+                <a:cs typeface="Times New Roman" panose="02020603050405020304"/>
+                <a:sym typeface="Times New Roman" panose="02020603050405020304"/>
               </a:rPr>
               <a:t>User to ReimbursementRequest</a:t>
             </a:r>
@@ -8171,10 +8316,10 @@
                 <a:solidFill>
                   <a:schemeClr val="dk1"/>
                 </a:solidFill>
-                <a:latin typeface="Times New Roman"/>
-                <a:ea typeface="Times New Roman"/>
-                <a:cs typeface="Times New Roman"/>
-                <a:sym typeface="Times New Roman"/>
+                <a:latin typeface="Times New Roman" panose="02020603050405020304"/>
+                <a:ea typeface="Times New Roman" panose="02020603050405020304"/>
+                <a:cs typeface="Times New Roman" panose="02020603050405020304"/>
+                <a:sym typeface="Times New Roman" panose="02020603050405020304"/>
               </a:rPr>
               <a:t>: One-to-Many</a:t>
             </a:r>
@@ -8182,14 +8327,14 @@
               <a:solidFill>
                 <a:schemeClr val="dk1"/>
               </a:solidFill>
-              <a:latin typeface="Times New Roman"/>
-              <a:ea typeface="Times New Roman"/>
-              <a:cs typeface="Times New Roman"/>
-              <a:sym typeface="Times New Roman"/>
+              <a:latin typeface="Times New Roman" panose="02020603050405020304"/>
+              <a:ea typeface="Times New Roman" panose="02020603050405020304"/>
+              <a:cs typeface="Times New Roman" panose="02020603050405020304"/>
+              <a:sym typeface="Times New Roman" panose="02020603050405020304"/>
             </a:endParaRPr>
           </a:p>
           <a:p>
-            <a:pPr indent="-342900" lvl="1" marL="914400" rtl="0" algn="l">
+            <a:pPr marL="914400" lvl="1" indent="-342900" algn="l" rtl="0">
               <a:lnSpc>
                 <a:spcPct val="150000"/>
               </a:lnSpc>
@@ -8203,7 +8348,7 @@
                 <a:schemeClr val="dk1"/>
               </a:buClr>
               <a:buSzPts val="1800"/>
-              <a:buFont typeface="Times New Roman"/>
+              <a:buFont typeface="Times New Roman" panose="02020603050405020304"/>
               <a:buChar char="○"/>
             </a:pPr>
             <a:r>
@@ -8211,10 +8356,10 @@
                 <a:solidFill>
                   <a:schemeClr val="dk1"/>
                 </a:solidFill>
-                <a:latin typeface="Times New Roman"/>
-                <a:ea typeface="Times New Roman"/>
-                <a:cs typeface="Times New Roman"/>
-                <a:sym typeface="Times New Roman"/>
+                <a:latin typeface="Times New Roman" panose="02020603050405020304"/>
+                <a:ea typeface="Times New Roman" panose="02020603050405020304"/>
+                <a:cs typeface="Times New Roman" panose="02020603050405020304"/>
+                <a:sym typeface="Times New Roman" panose="02020603050405020304"/>
               </a:rPr>
               <a:t>A user (Employee) can have many reimbursement requests, but a reimbursement request is linked to only one user.</a:t>
             </a:r>
@@ -8222,14 +8367,14 @@
               <a:solidFill>
                 <a:schemeClr val="dk1"/>
               </a:solidFill>
-              <a:latin typeface="Times New Roman"/>
-              <a:ea typeface="Times New Roman"/>
-              <a:cs typeface="Times New Roman"/>
-              <a:sym typeface="Times New Roman"/>
+              <a:latin typeface="Times New Roman" panose="02020603050405020304"/>
+              <a:ea typeface="Times New Roman" panose="02020603050405020304"/>
+              <a:cs typeface="Times New Roman" panose="02020603050405020304"/>
+              <a:sym typeface="Times New Roman" panose="02020603050405020304"/>
             </a:endParaRPr>
           </a:p>
           <a:p>
-            <a:pPr indent="0" lvl="0" marL="0" rtl="0" algn="l">
+            <a:pPr marL="0" lvl="0" indent="0" algn="l" rtl="0">
               <a:spcBef>
                 <a:spcPts val="1400"/>
               </a:spcBef>
@@ -8238,9 +8383,6 @@
               </a:spcAft>
               <a:buNone/>
             </a:pPr>
-            <a:r>
-              <a:t/>
-            </a:r>
             <a:endParaRPr sz="1800">
               <a:solidFill>
                 <a:schemeClr val="lt2"/>
@@ -8254,11 +8396,23 @@
   <p:clrMapOvr>
     <a:masterClrMapping/>
   </p:clrMapOvr>
+  <mc:AlternateContent xmlns:mc="http://schemas.openxmlformats.org/markup-compatibility/2006">
+    <mc:Choice xmlns:p14="http://schemas.microsoft.com/office/powerpoint/2010/main" Requires="p14">
+      <p:transition spd="slow" p14:dur="1100">
+        <p14:gallery dir="l"/>
+      </p:transition>
+    </mc:Choice>
+    <mc:Fallback>
+      <p:transition spd="slow">
+        <p:fade/>
+      </p:transition>
+    </mc:Fallback>
+  </mc:AlternateContent>
 </p:sld>
 </file>
 
 <file path=ppt/slides/slide12.xml><?xml version="1.0" encoding="utf-8"?>
-<p:sld xmlns:a="http://schemas.openxmlformats.org/drawingml/2006/main" xmlns:r="http://schemas.openxmlformats.org/officeDocument/2006/relationships" xmlns:mc="http://schemas.openxmlformats.org/markup-compatibility/2006" xmlns:mv="urn:schemas-microsoft-com:mac:vml" xmlns:p="http://schemas.openxmlformats.org/presentationml/2006/main" xmlns:c="http://schemas.openxmlformats.org/drawingml/2006/chart" xmlns:dgm="http://schemas.openxmlformats.org/drawingml/2006/diagram" xmlns:o="urn:schemas-microsoft-com:office:office" xmlns:v="urn:schemas-microsoft-com:vml" xmlns:pvml="urn:schemas-microsoft-com:office:powerpoint" xmlns:com="http://schemas.openxmlformats.org/drawingml/2006/compatibility" xmlns:p14="http://schemas.microsoft.com/office/powerpoint/2010/main" xmlns:p15="http://schemas.microsoft.com/office/powerpoint/2012/main" xmlns:ahyp="http://schemas.microsoft.com/office/drawing/2018/hyperlinkcolor">
+<p:sld xmlns:a="http://schemas.openxmlformats.org/drawingml/2006/main" xmlns:r="http://schemas.openxmlformats.org/officeDocument/2006/relationships" xmlns:p="http://schemas.openxmlformats.org/presentationml/2006/main">
   <p:cSld>
     <p:spTree>
       <p:nvGrpSpPr>
@@ -8281,9 +8435,7 @@
           <p:nvPr/>
         </p:nvPicPr>
         <p:blipFill>
-          <a:blip r:embed="rId3">
-            <a:alphaModFix/>
-          </a:blip>
+          <a:blip r:embed="rId1"/>
           <a:stretch>
             <a:fillRect/>
           </a:stretch>
@@ -8307,11 +8459,23 @@
   <p:clrMapOvr>
     <a:masterClrMapping/>
   </p:clrMapOvr>
+  <mc:AlternateContent xmlns:mc="http://schemas.openxmlformats.org/markup-compatibility/2006">
+    <mc:Choice xmlns:p14="http://schemas.microsoft.com/office/powerpoint/2010/main" Requires="p14">
+      <p:transition spd="slow" p14:dur="1100">
+        <p14:gallery dir="l"/>
+      </p:transition>
+    </mc:Choice>
+    <mc:Fallback>
+      <p:transition spd="slow">
+        <p:fade/>
+      </p:transition>
+    </mc:Fallback>
+  </mc:AlternateContent>
 </p:sld>
 </file>
 
 <file path=ppt/slides/slide13.xml><?xml version="1.0" encoding="utf-8"?>
-<p:sld xmlns:a="http://schemas.openxmlformats.org/drawingml/2006/main" xmlns:r="http://schemas.openxmlformats.org/officeDocument/2006/relationships" xmlns:mc="http://schemas.openxmlformats.org/markup-compatibility/2006" xmlns:mv="urn:schemas-microsoft-com:mac:vml" xmlns:p="http://schemas.openxmlformats.org/presentationml/2006/main" xmlns:c="http://schemas.openxmlformats.org/drawingml/2006/chart" xmlns:dgm="http://schemas.openxmlformats.org/drawingml/2006/diagram" xmlns:o="urn:schemas-microsoft-com:office:office" xmlns:v="urn:schemas-microsoft-com:vml" xmlns:pvml="urn:schemas-microsoft-com:office:powerpoint" xmlns:com="http://schemas.openxmlformats.org/drawingml/2006/compatibility" xmlns:p14="http://schemas.microsoft.com/office/powerpoint/2010/main" xmlns:p15="http://schemas.microsoft.com/office/powerpoint/2012/main" xmlns:ahyp="http://schemas.microsoft.com/office/drawing/2018/hyperlinkcolor">
+<p:sld xmlns:a="http://schemas.openxmlformats.org/drawingml/2006/main" xmlns:r="http://schemas.openxmlformats.org/officeDocument/2006/relationships" xmlns:p="http://schemas.openxmlformats.org/presentationml/2006/main">
   <p:cSld>
     <p:spTree>
       <p:nvGrpSpPr>
@@ -8347,12 +8511,12 @@
           </a:ln>
         </p:spPr>
         <p:txBody>
-          <a:bodyPr anchorCtr="0" anchor="t" bIns="91425" lIns="91425" spcFirstLastPara="1" rIns="91425" wrap="square" tIns="91425">
+          <a:bodyPr spcFirstLastPara="1" wrap="square" lIns="91425" tIns="91425" rIns="91425" bIns="91425" anchor="t" anchorCtr="0">
             <a:noAutofit/>
           </a:bodyPr>
           <a:lstStyle/>
           <a:p>
-            <a:pPr indent="0" lvl="0" marL="0" rtl="0" algn="l">
+            <a:pPr marL="0" lvl="0" indent="0" algn="l" rtl="0">
               <a:spcBef>
                 <a:spcPts val="0"/>
               </a:spcBef>
@@ -8366,10 +8530,10 @@
                 <a:solidFill>
                   <a:schemeClr val="dk1"/>
                 </a:solidFill>
-                <a:latin typeface="Times New Roman"/>
-                <a:ea typeface="Times New Roman"/>
-                <a:cs typeface="Times New Roman"/>
-                <a:sym typeface="Times New Roman"/>
+                <a:latin typeface="Times New Roman" panose="02020603050405020304"/>
+                <a:ea typeface="Times New Roman" panose="02020603050405020304"/>
+                <a:cs typeface="Times New Roman" panose="02020603050405020304"/>
+                <a:sym typeface="Times New Roman" panose="02020603050405020304"/>
               </a:rPr>
               <a:t>Technical Specification</a:t>
             </a:r>
@@ -8377,10 +8541,10 @@
               <a:solidFill>
                 <a:schemeClr val="dk1"/>
               </a:solidFill>
-              <a:latin typeface="Times New Roman"/>
-              <a:ea typeface="Times New Roman"/>
-              <a:cs typeface="Times New Roman"/>
-              <a:sym typeface="Times New Roman"/>
+              <a:latin typeface="Times New Roman" panose="02020603050405020304"/>
+              <a:ea typeface="Times New Roman" panose="02020603050405020304"/>
+              <a:cs typeface="Times New Roman" panose="02020603050405020304"/>
+              <a:sym typeface="Times New Roman" panose="02020603050405020304"/>
             </a:endParaRPr>
           </a:p>
         </p:txBody>
@@ -8405,12 +8569,12 @@
           </a:ln>
         </p:spPr>
         <p:txBody>
-          <a:bodyPr anchorCtr="0" anchor="t" bIns="91425" lIns="91425" spcFirstLastPara="1" rIns="91425" wrap="square" tIns="91425">
+          <a:bodyPr spcFirstLastPara="1" wrap="square" lIns="91425" tIns="91425" rIns="91425" bIns="91425" anchor="t" anchorCtr="0">
             <a:noAutofit/>
           </a:bodyPr>
           <a:lstStyle/>
           <a:p>
-            <a:pPr indent="0" lvl="0" marL="0" rtl="0" algn="l">
+            <a:pPr marL="0" lvl="0" indent="0" algn="l" rtl="0">
               <a:lnSpc>
                 <a:spcPct val="150000"/>
               </a:lnSpc>
@@ -8435,10 +8599,10 @@
                 <a:solidFill>
                   <a:schemeClr val="dk1"/>
                 </a:solidFill>
-                <a:latin typeface="Times New Roman"/>
-                <a:ea typeface="Times New Roman"/>
-                <a:cs typeface="Times New Roman"/>
-                <a:sym typeface="Times New Roman"/>
+                <a:latin typeface="Times New Roman" panose="02020603050405020304"/>
+                <a:ea typeface="Times New Roman" panose="02020603050405020304"/>
+                <a:cs typeface="Times New Roman" panose="02020603050405020304"/>
+                <a:sym typeface="Times New Roman" panose="02020603050405020304"/>
               </a:rPr>
               <a:t>Technologies Used:</a:t>
             </a:r>
@@ -8446,14 +8610,14 @@
               <a:solidFill>
                 <a:schemeClr val="dk1"/>
               </a:solidFill>
-              <a:latin typeface="Times New Roman"/>
-              <a:ea typeface="Times New Roman"/>
-              <a:cs typeface="Times New Roman"/>
-              <a:sym typeface="Times New Roman"/>
+              <a:latin typeface="Times New Roman" panose="02020603050405020304"/>
+              <a:ea typeface="Times New Roman" panose="02020603050405020304"/>
+              <a:cs typeface="Times New Roman" panose="02020603050405020304"/>
+              <a:sym typeface="Times New Roman" panose="02020603050405020304"/>
             </a:endParaRPr>
           </a:p>
           <a:p>
-            <a:pPr indent="-342900" lvl="0" marL="457200" rtl="0" algn="l">
+            <a:pPr marL="457200" lvl="0" indent="-342900" algn="l" rtl="0">
               <a:lnSpc>
                 <a:spcPct val="150000"/>
               </a:lnSpc>
@@ -8467,7 +8631,7 @@
                 <a:schemeClr val="dk1"/>
               </a:buClr>
               <a:buSzPts val="1800"/>
-              <a:buFont typeface="Times New Roman"/>
+              <a:buFont typeface="Times New Roman" panose="02020603050405020304"/>
               <a:buChar char="●"/>
             </a:pPr>
             <a:r>
@@ -8475,10 +8639,10 @@
                 <a:solidFill>
                   <a:schemeClr val="dk1"/>
                 </a:solidFill>
-                <a:latin typeface="Times New Roman"/>
-                <a:ea typeface="Times New Roman"/>
-                <a:cs typeface="Times New Roman"/>
-                <a:sym typeface="Times New Roman"/>
+                <a:latin typeface="Times New Roman" panose="02020603050405020304"/>
+                <a:ea typeface="Times New Roman" panose="02020603050405020304"/>
+                <a:cs typeface="Times New Roman" panose="02020603050405020304"/>
+                <a:sym typeface="Times New Roman" panose="02020603050405020304"/>
               </a:rPr>
               <a:t>    </a:t>
             </a:r>
@@ -8487,10 +8651,10 @@
                 <a:solidFill>
                   <a:schemeClr val="dk1"/>
                 </a:solidFill>
-                <a:latin typeface="Times New Roman"/>
-                <a:ea typeface="Times New Roman"/>
-                <a:cs typeface="Times New Roman"/>
-                <a:sym typeface="Times New Roman"/>
+                <a:latin typeface="Times New Roman" panose="02020603050405020304"/>
+                <a:ea typeface="Times New Roman" panose="02020603050405020304"/>
+                <a:cs typeface="Times New Roman" panose="02020603050405020304"/>
+                <a:sym typeface="Times New Roman" panose="02020603050405020304"/>
               </a:rPr>
               <a:t>	Backend: Flask, SQLAlchemy, MySQL</a:t>
             </a:r>
@@ -8498,14 +8662,14 @@
               <a:solidFill>
                 <a:schemeClr val="dk1"/>
               </a:solidFill>
-              <a:latin typeface="Times New Roman"/>
-              <a:ea typeface="Times New Roman"/>
-              <a:cs typeface="Times New Roman"/>
-              <a:sym typeface="Times New Roman"/>
+              <a:latin typeface="Times New Roman" panose="02020603050405020304"/>
+              <a:ea typeface="Times New Roman" panose="02020603050405020304"/>
+              <a:cs typeface="Times New Roman" panose="02020603050405020304"/>
+              <a:sym typeface="Times New Roman" panose="02020603050405020304"/>
             </a:endParaRPr>
           </a:p>
           <a:p>
-            <a:pPr indent="-342900" lvl="0" marL="457200" rtl="0" algn="l">
+            <a:pPr marL="457200" lvl="0" indent="-342900" algn="l" rtl="0">
               <a:lnSpc>
                 <a:spcPct val="150000"/>
               </a:lnSpc>
@@ -8519,7 +8683,7 @@
                 <a:schemeClr val="dk1"/>
               </a:buClr>
               <a:buSzPts val="1800"/>
-              <a:buFont typeface="Times New Roman"/>
+              <a:buFont typeface="Times New Roman" panose="02020603050405020304"/>
               <a:buChar char="●"/>
             </a:pPr>
             <a:r>
@@ -8527,10 +8691,10 @@
                 <a:solidFill>
                   <a:schemeClr val="dk1"/>
                 </a:solidFill>
-                <a:latin typeface="Times New Roman"/>
-                <a:ea typeface="Times New Roman"/>
-                <a:cs typeface="Times New Roman"/>
-                <a:sym typeface="Times New Roman"/>
+                <a:latin typeface="Times New Roman" panose="02020603050405020304"/>
+                <a:ea typeface="Times New Roman" panose="02020603050405020304"/>
+                <a:cs typeface="Times New Roman" panose="02020603050405020304"/>
+                <a:sym typeface="Times New Roman" panose="02020603050405020304"/>
               </a:rPr>
               <a:t>    	Frontend: HTML, CSS, JavaScript</a:t>
             </a:r>
@@ -8538,14 +8702,14 @@
               <a:solidFill>
                 <a:schemeClr val="dk1"/>
               </a:solidFill>
-              <a:latin typeface="Times New Roman"/>
-              <a:ea typeface="Times New Roman"/>
-              <a:cs typeface="Times New Roman"/>
-              <a:sym typeface="Times New Roman"/>
+              <a:latin typeface="Times New Roman" panose="02020603050405020304"/>
+              <a:ea typeface="Times New Roman" panose="02020603050405020304"/>
+              <a:cs typeface="Times New Roman" panose="02020603050405020304"/>
+              <a:sym typeface="Times New Roman" panose="02020603050405020304"/>
             </a:endParaRPr>
           </a:p>
           <a:p>
-            <a:pPr indent="-342900" lvl="0" marL="457200" rtl="0" algn="l">
+            <a:pPr marL="457200" lvl="0" indent="-342900" algn="l" rtl="0">
               <a:lnSpc>
                 <a:spcPct val="150000"/>
               </a:lnSpc>
@@ -8559,7 +8723,7 @@
                 <a:schemeClr val="dk1"/>
               </a:buClr>
               <a:buSzPts val="1800"/>
-              <a:buFont typeface="Times New Roman"/>
+              <a:buFont typeface="Times New Roman" panose="02020603050405020304"/>
               <a:buChar char="●"/>
             </a:pPr>
             <a:r>
@@ -8567,10 +8731,10 @@
                 <a:solidFill>
                   <a:schemeClr val="dk1"/>
                 </a:solidFill>
-                <a:latin typeface="Times New Roman"/>
-                <a:ea typeface="Times New Roman"/>
-                <a:cs typeface="Times New Roman"/>
-                <a:sym typeface="Times New Roman"/>
+                <a:latin typeface="Times New Roman" panose="02020603050405020304"/>
+                <a:ea typeface="Times New Roman" panose="02020603050405020304"/>
+                <a:cs typeface="Times New Roman" panose="02020603050405020304"/>
+                <a:sym typeface="Times New Roman" panose="02020603050405020304"/>
               </a:rPr>
               <a:t>    	Tools: VSCode, UnitTest for testing</a:t>
             </a:r>
@@ -8578,14 +8742,14 @@
               <a:solidFill>
                 <a:schemeClr val="dk1"/>
               </a:solidFill>
-              <a:latin typeface="Times New Roman"/>
-              <a:ea typeface="Times New Roman"/>
-              <a:cs typeface="Times New Roman"/>
-              <a:sym typeface="Times New Roman"/>
+              <a:latin typeface="Times New Roman" panose="02020603050405020304"/>
+              <a:ea typeface="Times New Roman" panose="02020603050405020304"/>
+              <a:cs typeface="Times New Roman" panose="02020603050405020304"/>
+              <a:sym typeface="Times New Roman" panose="02020603050405020304"/>
             </a:endParaRPr>
           </a:p>
           <a:p>
-            <a:pPr indent="-342900" lvl="0" marL="457200" rtl="0" algn="l">
+            <a:pPr marL="457200" lvl="0" indent="-342900" algn="l" rtl="0">
               <a:lnSpc>
                 <a:spcPct val="150000"/>
               </a:lnSpc>
@@ -8599,7 +8763,7 @@
                 <a:schemeClr val="dk1"/>
               </a:buClr>
               <a:buSzPts val="1800"/>
-              <a:buFont typeface="Times New Roman"/>
+              <a:buFont typeface="Times New Roman" panose="02020603050405020304"/>
               <a:buChar char="●"/>
             </a:pPr>
             <a:r>
@@ -8607,10 +8771,10 @@
                 <a:solidFill>
                   <a:schemeClr val="dk1"/>
                 </a:solidFill>
-                <a:latin typeface="Times New Roman"/>
-                <a:ea typeface="Times New Roman"/>
-                <a:cs typeface="Times New Roman"/>
-                <a:sym typeface="Times New Roman"/>
+                <a:latin typeface="Times New Roman" panose="02020603050405020304"/>
+                <a:ea typeface="Times New Roman" panose="02020603050405020304"/>
+                <a:cs typeface="Times New Roman" panose="02020603050405020304"/>
+                <a:sym typeface="Times New Roman" panose="02020603050405020304"/>
               </a:rPr>
               <a:t>	Logging module for generating application logs</a:t>
             </a:r>
@@ -8618,14 +8782,14 @@
               <a:solidFill>
                 <a:schemeClr val="dk1"/>
               </a:solidFill>
-              <a:latin typeface="Times New Roman"/>
-              <a:ea typeface="Times New Roman"/>
-              <a:cs typeface="Times New Roman"/>
-              <a:sym typeface="Times New Roman"/>
+              <a:latin typeface="Times New Roman" panose="02020603050405020304"/>
+              <a:ea typeface="Times New Roman" panose="02020603050405020304"/>
+              <a:cs typeface="Times New Roman" panose="02020603050405020304"/>
+              <a:sym typeface="Times New Roman" panose="02020603050405020304"/>
             </a:endParaRPr>
           </a:p>
           <a:p>
-            <a:pPr indent="-342900" lvl="0" marL="457200" rtl="0" algn="l">
+            <a:pPr marL="457200" lvl="0" indent="-342900" algn="l" rtl="0">
               <a:lnSpc>
                 <a:spcPct val="150000"/>
               </a:lnSpc>
@@ -8639,7 +8803,7 @@
                 <a:schemeClr val="dk1"/>
               </a:buClr>
               <a:buSzPts val="1800"/>
-              <a:buFont typeface="Times New Roman"/>
+              <a:buFont typeface="Times New Roman" panose="02020603050405020304"/>
               <a:buChar char="●"/>
             </a:pPr>
             <a:r>
@@ -8647,10 +8811,10 @@
                 <a:solidFill>
                   <a:schemeClr val="dk1"/>
                 </a:solidFill>
-                <a:latin typeface="Times New Roman"/>
-                <a:ea typeface="Times New Roman"/>
-                <a:cs typeface="Times New Roman"/>
-                <a:sym typeface="Times New Roman"/>
+                <a:latin typeface="Times New Roman" panose="02020603050405020304"/>
+                <a:ea typeface="Times New Roman" panose="02020603050405020304"/>
+                <a:cs typeface="Times New Roman" panose="02020603050405020304"/>
+                <a:sym typeface="Times New Roman" panose="02020603050405020304"/>
               </a:rPr>
               <a:t>        UnitTest framework for testing.</a:t>
             </a:r>
@@ -8658,14 +8822,14 @@
               <a:solidFill>
                 <a:schemeClr val="dk1"/>
               </a:solidFill>
-              <a:latin typeface="Times New Roman"/>
-              <a:ea typeface="Times New Roman"/>
-              <a:cs typeface="Times New Roman"/>
-              <a:sym typeface="Times New Roman"/>
+              <a:latin typeface="Times New Roman" panose="02020603050405020304"/>
+              <a:ea typeface="Times New Roman" panose="02020603050405020304"/>
+              <a:cs typeface="Times New Roman" panose="02020603050405020304"/>
+              <a:sym typeface="Times New Roman" panose="02020603050405020304"/>
             </a:endParaRPr>
           </a:p>
           <a:p>
-            <a:pPr indent="0" lvl="0" marL="0" rtl="0" algn="l">
+            <a:pPr marL="0" lvl="0" indent="0" algn="l" rtl="0">
               <a:lnSpc>
                 <a:spcPct val="150000"/>
               </a:lnSpc>
@@ -8682,10 +8846,10 @@
                 <a:solidFill>
                   <a:schemeClr val="dk1"/>
                 </a:solidFill>
-                <a:latin typeface="Times New Roman"/>
-                <a:ea typeface="Times New Roman"/>
-                <a:cs typeface="Times New Roman"/>
-                <a:sym typeface="Times New Roman"/>
+                <a:latin typeface="Times New Roman" panose="02020603050405020304"/>
+                <a:ea typeface="Times New Roman" panose="02020603050405020304"/>
+                <a:cs typeface="Times New Roman" panose="02020603050405020304"/>
+                <a:sym typeface="Times New Roman" panose="02020603050405020304"/>
               </a:rPr>
               <a:t>	Architecture:</a:t>
             </a:r>
@@ -8693,14 +8857,14 @@
               <a:solidFill>
                 <a:schemeClr val="dk1"/>
               </a:solidFill>
-              <a:latin typeface="Times New Roman"/>
-              <a:ea typeface="Times New Roman"/>
-              <a:cs typeface="Times New Roman"/>
-              <a:sym typeface="Times New Roman"/>
+              <a:latin typeface="Times New Roman" panose="02020603050405020304"/>
+              <a:ea typeface="Times New Roman" panose="02020603050405020304"/>
+              <a:cs typeface="Times New Roman" panose="02020603050405020304"/>
+              <a:sym typeface="Times New Roman" panose="02020603050405020304"/>
             </a:endParaRPr>
           </a:p>
           <a:p>
-            <a:pPr indent="-342900" lvl="0" marL="457200" rtl="0" algn="l">
+            <a:pPr marL="457200" lvl="0" indent="-342900" algn="l" rtl="0">
               <a:lnSpc>
                 <a:spcPct val="150000"/>
               </a:lnSpc>
@@ -8714,7 +8878,7 @@
                 <a:schemeClr val="dk1"/>
               </a:buClr>
               <a:buSzPts val="1800"/>
-              <a:buFont typeface="Times New Roman"/>
+              <a:buFont typeface="Times New Roman" panose="02020603050405020304"/>
               <a:buChar char="●"/>
             </a:pPr>
             <a:r>
@@ -8722,10 +8886,10 @@
                 <a:solidFill>
                   <a:schemeClr val="dk1"/>
                 </a:solidFill>
-                <a:latin typeface="Times New Roman"/>
-                <a:ea typeface="Times New Roman"/>
-                <a:cs typeface="Times New Roman"/>
-                <a:sym typeface="Times New Roman"/>
+                <a:latin typeface="Times New Roman" panose="02020603050405020304"/>
+                <a:ea typeface="Times New Roman" panose="02020603050405020304"/>
+                <a:cs typeface="Times New Roman" panose="02020603050405020304"/>
+                <a:sym typeface="Times New Roman" panose="02020603050405020304"/>
               </a:rPr>
               <a:t>    	REST API developed in Python</a:t>
             </a:r>
@@ -8733,14 +8897,14 @@
               <a:solidFill>
                 <a:schemeClr val="dk1"/>
               </a:solidFill>
-              <a:latin typeface="Times New Roman"/>
-              <a:ea typeface="Times New Roman"/>
-              <a:cs typeface="Times New Roman"/>
-              <a:sym typeface="Times New Roman"/>
+              <a:latin typeface="Times New Roman" panose="02020603050405020304"/>
+              <a:ea typeface="Times New Roman" panose="02020603050405020304"/>
+              <a:cs typeface="Times New Roman" panose="02020603050405020304"/>
+              <a:sym typeface="Times New Roman" panose="02020603050405020304"/>
             </a:endParaRPr>
           </a:p>
           <a:p>
-            <a:pPr indent="-342900" lvl="0" marL="457200" rtl="0" algn="l">
+            <a:pPr marL="457200" lvl="0" indent="-342900" algn="l" rtl="0">
               <a:lnSpc>
                 <a:spcPct val="150000"/>
               </a:lnSpc>
@@ -8754,7 +8918,7 @@
                 <a:schemeClr val="dk1"/>
               </a:buClr>
               <a:buSzPts val="1800"/>
-              <a:buFont typeface="Times New Roman"/>
+              <a:buFont typeface="Times New Roman" panose="02020603050405020304"/>
               <a:buChar char="●"/>
             </a:pPr>
             <a:r>
@@ -8762,10 +8926,10 @@
                 <a:solidFill>
                   <a:schemeClr val="dk1"/>
                 </a:solidFill>
-                <a:latin typeface="Times New Roman"/>
-                <a:ea typeface="Times New Roman"/>
-                <a:cs typeface="Times New Roman"/>
-                <a:sym typeface="Times New Roman"/>
+                <a:latin typeface="Times New Roman" panose="02020603050405020304"/>
+                <a:ea typeface="Times New Roman" panose="02020603050405020304"/>
+                <a:cs typeface="Times New Roman" panose="02020603050405020304"/>
+                <a:sym typeface="Times New Roman" panose="02020603050405020304"/>
               </a:rPr>
               <a:t>    	Database: MySQL    </a:t>
             </a:r>
@@ -8773,10 +8937,10 @@
               <a:solidFill>
                 <a:schemeClr val="dk1"/>
               </a:solidFill>
-              <a:latin typeface="Times New Roman"/>
-              <a:ea typeface="Times New Roman"/>
-              <a:cs typeface="Times New Roman"/>
-              <a:sym typeface="Times New Roman"/>
+              <a:latin typeface="Times New Roman" panose="02020603050405020304"/>
+              <a:ea typeface="Times New Roman" panose="02020603050405020304"/>
+              <a:cs typeface="Times New Roman" panose="02020603050405020304"/>
+              <a:sym typeface="Times New Roman" panose="02020603050405020304"/>
             </a:endParaRPr>
           </a:p>
         </p:txBody>
@@ -8786,11 +8950,23 @@
   <p:clrMapOvr>
     <a:masterClrMapping/>
   </p:clrMapOvr>
+  <mc:AlternateContent xmlns:mc="http://schemas.openxmlformats.org/markup-compatibility/2006">
+    <mc:Choice xmlns:p14="http://schemas.microsoft.com/office/powerpoint/2010/main" Requires="p14">
+      <p:transition spd="slow" p14:dur="1100">
+        <p14:gallery dir="l"/>
+      </p:transition>
+    </mc:Choice>
+    <mc:Fallback>
+      <p:transition spd="slow">
+        <p:fade/>
+      </p:transition>
+    </mc:Fallback>
+  </mc:AlternateContent>
 </p:sld>
 </file>
 
 <file path=ppt/slides/slide14.xml><?xml version="1.0" encoding="utf-8"?>
-<p:sld xmlns:a="http://schemas.openxmlformats.org/drawingml/2006/main" xmlns:r="http://schemas.openxmlformats.org/officeDocument/2006/relationships" xmlns:mc="http://schemas.openxmlformats.org/markup-compatibility/2006" xmlns:mv="urn:schemas-microsoft-com:mac:vml" xmlns:p="http://schemas.openxmlformats.org/presentationml/2006/main" xmlns:c="http://schemas.openxmlformats.org/drawingml/2006/chart" xmlns:dgm="http://schemas.openxmlformats.org/drawingml/2006/diagram" xmlns:o="urn:schemas-microsoft-com:office:office" xmlns:v="urn:schemas-microsoft-com:vml" xmlns:pvml="urn:schemas-microsoft-com:office:powerpoint" xmlns:com="http://schemas.openxmlformats.org/drawingml/2006/compatibility" xmlns:p14="http://schemas.microsoft.com/office/powerpoint/2010/main" xmlns:p15="http://schemas.microsoft.com/office/powerpoint/2012/main" xmlns:ahyp="http://schemas.microsoft.com/office/drawing/2018/hyperlinkcolor">
+<p:sld xmlns:a="http://schemas.openxmlformats.org/drawingml/2006/main" xmlns:r="http://schemas.openxmlformats.org/officeDocument/2006/relationships" xmlns:p="http://schemas.openxmlformats.org/presentationml/2006/main">
   <p:cSld>
     <p:spTree>
       <p:nvGrpSpPr>
@@ -8826,12 +9002,12 @@
           </a:ln>
         </p:spPr>
         <p:txBody>
-          <a:bodyPr anchorCtr="0" anchor="t" bIns="91425" lIns="91425" spcFirstLastPara="1" rIns="91425" wrap="square" tIns="91425">
+          <a:bodyPr spcFirstLastPara="1" wrap="square" lIns="91425" tIns="91425" rIns="91425" bIns="91425" anchor="t" anchorCtr="0">
             <a:noAutofit/>
           </a:bodyPr>
           <a:lstStyle/>
           <a:p>
-            <a:pPr indent="0" lvl="0" marL="0" rtl="0" algn="l">
+            <a:pPr marL="0" lvl="0" indent="0" algn="l" rtl="0">
               <a:spcBef>
                 <a:spcPts val="0"/>
               </a:spcBef>
@@ -8845,10 +9021,10 @@
                 <a:solidFill>
                   <a:schemeClr val="dk1"/>
                 </a:solidFill>
-                <a:latin typeface="Times New Roman"/>
-                <a:ea typeface="Times New Roman"/>
-                <a:cs typeface="Times New Roman"/>
-                <a:sym typeface="Times New Roman"/>
+                <a:latin typeface="Times New Roman" panose="02020603050405020304"/>
+                <a:ea typeface="Times New Roman" panose="02020603050405020304"/>
+                <a:cs typeface="Times New Roman" panose="02020603050405020304"/>
+                <a:sym typeface="Times New Roman" panose="02020603050405020304"/>
               </a:rPr>
               <a:t>Future Enhancements</a:t>
             </a:r>
@@ -8856,10 +9032,10 @@
               <a:solidFill>
                 <a:schemeClr val="dk1"/>
               </a:solidFill>
-              <a:latin typeface="Times New Roman"/>
-              <a:ea typeface="Times New Roman"/>
-              <a:cs typeface="Times New Roman"/>
-              <a:sym typeface="Times New Roman"/>
+              <a:latin typeface="Times New Roman" panose="02020603050405020304"/>
+              <a:ea typeface="Times New Roman" panose="02020603050405020304"/>
+              <a:cs typeface="Times New Roman" panose="02020603050405020304"/>
+              <a:sym typeface="Times New Roman" panose="02020603050405020304"/>
             </a:endParaRPr>
           </a:p>
         </p:txBody>
@@ -8872,8 +9048,8 @@
         </p:nvSpPr>
         <p:spPr>
           <a:xfrm>
-            <a:off x="787200" y="1343025"/>
-            <a:ext cx="7334400" cy="1514400"/>
+            <a:off x="787400" y="1343025"/>
+            <a:ext cx="7334250" cy="1891030"/>
           </a:xfrm>
           <a:prstGeom prst="rect">
             <a:avLst/>
@@ -8884,12 +9060,12 @@
           </a:ln>
         </p:spPr>
         <p:txBody>
-          <a:bodyPr anchorCtr="0" anchor="t" bIns="91425" lIns="91425" spcFirstLastPara="1" rIns="91425" wrap="square" tIns="91425">
+          <a:bodyPr spcFirstLastPara="1" wrap="square" lIns="91425" tIns="91425" rIns="91425" bIns="91425" anchor="t" anchorCtr="0">
             <a:noAutofit/>
           </a:bodyPr>
           <a:lstStyle/>
           <a:p>
-            <a:pPr indent="-298450" lvl="0" marL="457200" rtl="0" algn="l">
+            <a:pPr marL="457200" lvl="0" indent="-298450" algn="l" rtl="0">
               <a:lnSpc>
                 <a:spcPct val="150000"/>
               </a:lnSpc>
@@ -8903,7 +9079,7 @@
                 <a:schemeClr val="dk1"/>
               </a:buClr>
               <a:buSzPts val="1100"/>
-              <a:buFont typeface="Times New Roman"/>
+              <a:buFont typeface="Times New Roman" panose="02020603050405020304"/>
               <a:buChar char="●"/>
             </a:pPr>
             <a:r>
@@ -8911,10 +9087,10 @@
                 <a:solidFill>
                   <a:schemeClr val="dk1"/>
                 </a:solidFill>
-                <a:latin typeface="Times New Roman"/>
-                <a:ea typeface="Times New Roman"/>
-                <a:cs typeface="Times New Roman"/>
-                <a:sym typeface="Times New Roman"/>
+                <a:latin typeface="Times New Roman" panose="02020603050405020304"/>
+                <a:ea typeface="Times New Roman" panose="02020603050405020304"/>
+                <a:cs typeface="Times New Roman" panose="02020603050405020304"/>
+                <a:sym typeface="Times New Roman" panose="02020603050405020304"/>
               </a:rPr>
               <a:t>Store images in the cloud instead of the local file system.</a:t>
             </a:r>
@@ -8922,14 +9098,14 @@
               <a:solidFill>
                 <a:schemeClr val="dk1"/>
               </a:solidFill>
-              <a:latin typeface="Times New Roman"/>
-              <a:ea typeface="Times New Roman"/>
-              <a:cs typeface="Times New Roman"/>
-              <a:sym typeface="Times New Roman"/>
+              <a:latin typeface="Times New Roman" panose="02020603050405020304"/>
+              <a:ea typeface="Times New Roman" panose="02020603050405020304"/>
+              <a:cs typeface="Times New Roman" panose="02020603050405020304"/>
+              <a:sym typeface="Times New Roman" panose="02020603050405020304"/>
             </a:endParaRPr>
           </a:p>
           <a:p>
-            <a:pPr indent="-298450" lvl="0" marL="457200" rtl="0" algn="l">
+            <a:pPr marL="457200" lvl="0" indent="-298450" algn="l" rtl="0">
               <a:lnSpc>
                 <a:spcPct val="150000"/>
               </a:lnSpc>
@@ -8943,7 +9119,7 @@
                 <a:schemeClr val="dk1"/>
               </a:buClr>
               <a:buSzPts val="1100"/>
-              <a:buFont typeface="Times New Roman"/>
+              <a:buFont typeface="Times New Roman" panose="02020603050405020304"/>
               <a:buChar char="●"/>
             </a:pPr>
             <a:r>
@@ -8951,10 +9127,10 @@
                 <a:solidFill>
                   <a:schemeClr val="dk1"/>
                 </a:solidFill>
-                <a:latin typeface="Times New Roman"/>
-                <a:ea typeface="Times New Roman"/>
-                <a:cs typeface="Times New Roman"/>
-                <a:sym typeface="Times New Roman"/>
+                <a:latin typeface="Times New Roman" panose="02020603050405020304"/>
+                <a:ea typeface="Times New Roman" panose="02020603050405020304"/>
+                <a:cs typeface="Times New Roman" panose="02020603050405020304"/>
+                <a:sym typeface="Times New Roman" panose="02020603050405020304"/>
               </a:rPr>
               <a:t>Deployment of the project.</a:t>
             </a:r>
@@ -8962,14 +9138,14 @@
               <a:solidFill>
                 <a:schemeClr val="dk1"/>
               </a:solidFill>
-              <a:latin typeface="Times New Roman"/>
-              <a:ea typeface="Times New Roman"/>
-              <a:cs typeface="Times New Roman"/>
-              <a:sym typeface="Times New Roman"/>
+              <a:latin typeface="Times New Roman" panose="02020603050405020304"/>
+              <a:ea typeface="Times New Roman" panose="02020603050405020304"/>
+              <a:cs typeface="Times New Roman" panose="02020603050405020304"/>
+              <a:sym typeface="Times New Roman" panose="02020603050405020304"/>
             </a:endParaRPr>
           </a:p>
           <a:p>
-            <a:pPr indent="-298450" lvl="0" marL="457200" rtl="0" algn="l">
+            <a:pPr marL="457200" lvl="0" indent="-298450" algn="l" rtl="0">
               <a:lnSpc>
                 <a:spcPct val="150000"/>
               </a:lnSpc>
@@ -8983,7 +9159,7 @@
                 <a:schemeClr val="dk1"/>
               </a:buClr>
               <a:buSzPts val="1100"/>
-              <a:buFont typeface="Times New Roman"/>
+              <a:buFont typeface="Times New Roman" panose="02020603050405020304"/>
               <a:buChar char="●"/>
             </a:pPr>
             <a:r>
@@ -8991,25 +9167,65 @@
                 <a:solidFill>
                   <a:schemeClr val="dk1"/>
                 </a:solidFill>
-                <a:latin typeface="Times New Roman"/>
-                <a:ea typeface="Times New Roman"/>
-                <a:cs typeface="Times New Roman"/>
-                <a:sym typeface="Times New Roman"/>
+                <a:latin typeface="Times New Roman" panose="02020603050405020304"/>
+                <a:ea typeface="Times New Roman" panose="02020603050405020304"/>
+                <a:cs typeface="Times New Roman" panose="02020603050405020304"/>
+                <a:sym typeface="Times New Roman" panose="02020603050405020304"/>
               </a:rPr>
               <a:t>Make UI more attractive.</a:t>
+            </a:r>
+            <a:endParaRPr lang="en-GB" sz="1800">
+              <a:solidFill>
+                <a:schemeClr val="dk1"/>
+              </a:solidFill>
+              <a:latin typeface="Times New Roman" panose="02020603050405020304"/>
+              <a:ea typeface="Times New Roman" panose="02020603050405020304"/>
+              <a:cs typeface="Times New Roman" panose="02020603050405020304"/>
+              <a:sym typeface="Times New Roman" panose="02020603050405020304"/>
+            </a:endParaRPr>
+          </a:p>
+          <a:p>
+            <a:pPr marL="457200" lvl="0" indent="-298450" algn="l" rtl="0">
+              <a:lnSpc>
+                <a:spcPct val="150000"/>
+              </a:lnSpc>
+              <a:spcBef>
+                <a:spcPts val="0"/>
+              </a:spcBef>
+              <a:spcAft>
+                <a:spcPts val="0"/>
+              </a:spcAft>
+              <a:buClr>
+                <a:schemeClr val="dk1"/>
+              </a:buClr>
+              <a:buSzPts val="1100"/>
+              <a:buFont typeface="Times New Roman" panose="02020603050405020304"/>
+              <a:buChar char="●"/>
+            </a:pPr>
+            <a:r>
+              <a:rPr lang="en-US" altLang="en-GB" sz="1800">
+                <a:solidFill>
+                  <a:schemeClr val="dk1"/>
+                </a:solidFill>
+                <a:latin typeface="Times New Roman" panose="02020603050405020304"/>
+                <a:ea typeface="Times New Roman" panose="02020603050405020304"/>
+                <a:cs typeface="Times New Roman" panose="02020603050405020304"/>
+                <a:sym typeface="Times New Roman" panose="02020603050405020304"/>
+              </a:rPr>
+              <a:t>Updation of user details in UI.</a:t>
             </a:r>
             <a:endParaRPr sz="1800">
               <a:solidFill>
                 <a:schemeClr val="dk1"/>
               </a:solidFill>
-              <a:latin typeface="Times New Roman"/>
-              <a:ea typeface="Times New Roman"/>
-              <a:cs typeface="Times New Roman"/>
-              <a:sym typeface="Times New Roman"/>
+              <a:latin typeface="Times New Roman" panose="02020603050405020304"/>
+              <a:ea typeface="Times New Roman" panose="02020603050405020304"/>
+              <a:cs typeface="Times New Roman" panose="02020603050405020304"/>
+              <a:sym typeface="Times New Roman" panose="02020603050405020304"/>
             </a:endParaRPr>
           </a:p>
           <a:p>
-            <a:pPr indent="0" lvl="0" marL="0" rtl="0" algn="l">
+            <a:pPr marL="0" lvl="0" indent="0" algn="l" rtl="0">
               <a:spcBef>
                 <a:spcPts val="1400"/>
               </a:spcBef>
@@ -9018,9 +9234,6 @@
               </a:spcAft>
               <a:buNone/>
             </a:pPr>
-            <a:r>
-              <a:t/>
-            </a:r>
             <a:endParaRPr sz="1800">
               <a:solidFill>
                 <a:schemeClr val="lt2"/>
@@ -9034,11 +9247,23 @@
   <p:clrMapOvr>
     <a:masterClrMapping/>
   </p:clrMapOvr>
+  <mc:AlternateContent xmlns:mc="http://schemas.openxmlformats.org/markup-compatibility/2006">
+    <mc:Choice xmlns:p14="http://schemas.microsoft.com/office/powerpoint/2010/main" Requires="p14">
+      <p:transition spd="slow" p14:dur="1100">
+        <p14:gallery dir="l"/>
+      </p:transition>
+    </mc:Choice>
+    <mc:Fallback>
+      <p:transition spd="slow">
+        <p:fade/>
+      </p:transition>
+    </mc:Fallback>
+  </mc:AlternateContent>
 </p:sld>
 </file>
 
 <file path=ppt/slides/slide15.xml><?xml version="1.0" encoding="utf-8"?>
-<p:sld xmlns:a="http://schemas.openxmlformats.org/drawingml/2006/main" xmlns:r="http://schemas.openxmlformats.org/officeDocument/2006/relationships" xmlns:mc="http://schemas.openxmlformats.org/markup-compatibility/2006" xmlns:mv="urn:schemas-microsoft-com:mac:vml" xmlns:p="http://schemas.openxmlformats.org/presentationml/2006/main" xmlns:c="http://schemas.openxmlformats.org/drawingml/2006/chart" xmlns:dgm="http://schemas.openxmlformats.org/drawingml/2006/diagram" xmlns:o="urn:schemas-microsoft-com:office:office" xmlns:v="urn:schemas-microsoft-com:vml" xmlns:pvml="urn:schemas-microsoft-com:office:powerpoint" xmlns:com="http://schemas.openxmlformats.org/drawingml/2006/compatibility" xmlns:p14="http://schemas.microsoft.com/office/powerpoint/2010/main" xmlns:p15="http://schemas.microsoft.com/office/powerpoint/2012/main" xmlns:ahyp="http://schemas.microsoft.com/office/drawing/2018/hyperlinkcolor">
+<p:sld xmlns:a="http://schemas.openxmlformats.org/drawingml/2006/main" xmlns:r="http://schemas.openxmlformats.org/officeDocument/2006/relationships" xmlns:p="http://schemas.openxmlformats.org/presentationml/2006/main">
   <p:cSld>
     <p:spTree>
       <p:nvGrpSpPr>
@@ -9074,12 +9299,12 @@
           </a:ln>
         </p:spPr>
         <p:txBody>
-          <a:bodyPr anchorCtr="0" anchor="t" bIns="91425" lIns="91425" spcFirstLastPara="1" rIns="91425" wrap="square" tIns="91425">
+          <a:bodyPr spcFirstLastPara="1" wrap="square" lIns="91425" tIns="91425" rIns="91425" bIns="91425" anchor="t" anchorCtr="0">
             <a:noAutofit/>
           </a:bodyPr>
           <a:lstStyle/>
           <a:p>
-            <a:pPr indent="0" lvl="0" marL="0" rtl="0" algn="l">
+            <a:pPr marL="0" lvl="0" indent="0" algn="l" rtl="0">
               <a:spcBef>
                 <a:spcPts val="0"/>
               </a:spcBef>
@@ -9093,10 +9318,10 @@
                 <a:solidFill>
                   <a:schemeClr val="dk1"/>
                 </a:solidFill>
-                <a:latin typeface="Times New Roman"/>
-                <a:ea typeface="Times New Roman"/>
-                <a:cs typeface="Times New Roman"/>
-                <a:sym typeface="Times New Roman"/>
+                <a:latin typeface="Times New Roman" panose="02020603050405020304"/>
+                <a:ea typeface="Times New Roman" panose="02020603050405020304"/>
+                <a:cs typeface="Times New Roman" panose="02020603050405020304"/>
+                <a:sym typeface="Times New Roman" panose="02020603050405020304"/>
               </a:rPr>
               <a:t>Snapshot of Home Page</a:t>
             </a:r>
@@ -9104,10 +9329,10 @@
               <a:solidFill>
                 <a:schemeClr val="dk1"/>
               </a:solidFill>
-              <a:latin typeface="Times New Roman"/>
-              <a:ea typeface="Times New Roman"/>
-              <a:cs typeface="Times New Roman"/>
-              <a:sym typeface="Times New Roman"/>
+              <a:latin typeface="Times New Roman" panose="02020603050405020304"/>
+              <a:ea typeface="Times New Roman" panose="02020603050405020304"/>
+              <a:cs typeface="Times New Roman" panose="02020603050405020304"/>
+              <a:sym typeface="Times New Roman" panose="02020603050405020304"/>
             </a:endParaRPr>
           </a:p>
         </p:txBody>
@@ -9119,9 +9344,7 @@
           <p:nvPr/>
         </p:nvPicPr>
         <p:blipFill>
-          <a:blip r:embed="rId3">
-            <a:alphaModFix/>
-          </a:blip>
+          <a:blip r:embed="rId1"/>
           <a:stretch>
             <a:fillRect/>
           </a:stretch>
@@ -9145,11 +9368,23 @@
   <p:clrMapOvr>
     <a:masterClrMapping/>
   </p:clrMapOvr>
+  <mc:AlternateContent xmlns:mc="http://schemas.openxmlformats.org/markup-compatibility/2006">
+    <mc:Choice xmlns:p14="http://schemas.microsoft.com/office/powerpoint/2010/main" Requires="p14">
+      <p:transition spd="slow" p14:dur="1100">
+        <p14:gallery dir="l"/>
+      </p:transition>
+    </mc:Choice>
+    <mc:Fallback>
+      <p:transition spd="slow">
+        <p:fade/>
+      </p:transition>
+    </mc:Fallback>
+  </mc:AlternateContent>
 </p:sld>
 </file>
 
 <file path=ppt/slides/slide16.xml><?xml version="1.0" encoding="utf-8"?>
-<p:sld xmlns:a="http://schemas.openxmlformats.org/drawingml/2006/main" xmlns:r="http://schemas.openxmlformats.org/officeDocument/2006/relationships" xmlns:mc="http://schemas.openxmlformats.org/markup-compatibility/2006" xmlns:mv="urn:schemas-microsoft-com:mac:vml" xmlns:p="http://schemas.openxmlformats.org/presentationml/2006/main" xmlns:c="http://schemas.openxmlformats.org/drawingml/2006/chart" xmlns:dgm="http://schemas.openxmlformats.org/drawingml/2006/diagram" xmlns:o="urn:schemas-microsoft-com:office:office" xmlns:v="urn:schemas-microsoft-com:vml" xmlns:pvml="urn:schemas-microsoft-com:office:powerpoint" xmlns:com="http://schemas.openxmlformats.org/drawingml/2006/compatibility" xmlns:p14="http://schemas.microsoft.com/office/powerpoint/2010/main" xmlns:p15="http://schemas.microsoft.com/office/powerpoint/2012/main" xmlns:ahyp="http://schemas.microsoft.com/office/drawing/2018/hyperlinkcolor">
+<p:sld xmlns:a="http://schemas.openxmlformats.org/drawingml/2006/main" xmlns:r="http://schemas.openxmlformats.org/officeDocument/2006/relationships" xmlns:p="http://schemas.openxmlformats.org/presentationml/2006/main">
   <p:cSld>
     <p:spTree>
       <p:nvGrpSpPr>
@@ -9185,12 +9420,12 @@
           </a:ln>
         </p:spPr>
         <p:txBody>
-          <a:bodyPr anchorCtr="0" anchor="t" bIns="91425" lIns="91425" spcFirstLastPara="1" rIns="91425" wrap="square" tIns="91425">
+          <a:bodyPr spcFirstLastPara="1" wrap="square" lIns="91425" tIns="91425" rIns="91425" bIns="91425" anchor="t" anchorCtr="0">
             <a:noAutofit/>
           </a:bodyPr>
           <a:lstStyle/>
           <a:p>
-            <a:pPr indent="0" lvl="0" marL="0" rtl="0" algn="l">
+            <a:pPr marL="0" lvl="0" indent="0" algn="l" rtl="0">
               <a:spcBef>
                 <a:spcPts val="0"/>
               </a:spcBef>
@@ -9204,10 +9439,10 @@
                 <a:solidFill>
                   <a:schemeClr val="dk1"/>
                 </a:solidFill>
-                <a:latin typeface="Times New Roman"/>
-                <a:ea typeface="Times New Roman"/>
-                <a:cs typeface="Times New Roman"/>
-                <a:sym typeface="Times New Roman"/>
+                <a:latin typeface="Times New Roman" panose="02020603050405020304"/>
+                <a:ea typeface="Times New Roman" panose="02020603050405020304"/>
+                <a:cs typeface="Times New Roman" panose="02020603050405020304"/>
+                <a:sym typeface="Times New Roman" panose="02020603050405020304"/>
               </a:rPr>
               <a:t>Snapshot of Registration Page</a:t>
             </a:r>
@@ -9215,10 +9450,10 @@
               <a:solidFill>
                 <a:schemeClr val="dk1"/>
               </a:solidFill>
-              <a:latin typeface="Times New Roman"/>
-              <a:ea typeface="Times New Roman"/>
-              <a:cs typeface="Times New Roman"/>
-              <a:sym typeface="Times New Roman"/>
+              <a:latin typeface="Times New Roman" panose="02020603050405020304"/>
+              <a:ea typeface="Times New Roman" panose="02020603050405020304"/>
+              <a:cs typeface="Times New Roman" panose="02020603050405020304"/>
+              <a:sym typeface="Times New Roman" panose="02020603050405020304"/>
             </a:endParaRPr>
           </a:p>
         </p:txBody>
@@ -9230,9 +9465,7 @@
           <p:nvPr/>
         </p:nvPicPr>
         <p:blipFill>
-          <a:blip r:embed="rId3">
-            <a:alphaModFix/>
-          </a:blip>
+          <a:blip r:embed="rId1"/>
           <a:stretch>
             <a:fillRect/>
           </a:stretch>
@@ -9256,11 +9489,23 @@
   <p:clrMapOvr>
     <a:masterClrMapping/>
   </p:clrMapOvr>
+  <mc:AlternateContent xmlns:mc="http://schemas.openxmlformats.org/markup-compatibility/2006">
+    <mc:Choice xmlns:p14="http://schemas.microsoft.com/office/powerpoint/2010/main" Requires="p14">
+      <p:transition spd="slow" p14:dur="1100">
+        <p14:gallery dir="l"/>
+      </p:transition>
+    </mc:Choice>
+    <mc:Fallback>
+      <p:transition spd="slow">
+        <p:fade/>
+      </p:transition>
+    </mc:Fallback>
+  </mc:AlternateContent>
 </p:sld>
 </file>
 
 <file path=ppt/slides/slide17.xml><?xml version="1.0" encoding="utf-8"?>
-<p:sld xmlns:a="http://schemas.openxmlformats.org/drawingml/2006/main" xmlns:r="http://schemas.openxmlformats.org/officeDocument/2006/relationships" xmlns:mc="http://schemas.openxmlformats.org/markup-compatibility/2006" xmlns:mv="urn:schemas-microsoft-com:mac:vml" xmlns:p="http://schemas.openxmlformats.org/presentationml/2006/main" xmlns:c="http://schemas.openxmlformats.org/drawingml/2006/chart" xmlns:dgm="http://schemas.openxmlformats.org/drawingml/2006/diagram" xmlns:o="urn:schemas-microsoft-com:office:office" xmlns:v="urn:schemas-microsoft-com:vml" xmlns:pvml="urn:schemas-microsoft-com:office:powerpoint" xmlns:com="http://schemas.openxmlformats.org/drawingml/2006/compatibility" xmlns:p14="http://schemas.microsoft.com/office/powerpoint/2010/main" xmlns:p15="http://schemas.microsoft.com/office/powerpoint/2012/main" xmlns:ahyp="http://schemas.microsoft.com/office/drawing/2018/hyperlinkcolor">
+<p:sld xmlns:a="http://schemas.openxmlformats.org/drawingml/2006/main" xmlns:r="http://schemas.openxmlformats.org/officeDocument/2006/relationships" xmlns:p="http://schemas.openxmlformats.org/presentationml/2006/main">
   <p:cSld>
     <p:spTree>
       <p:nvGrpSpPr>
@@ -9296,12 +9541,12 @@
           </a:ln>
         </p:spPr>
         <p:txBody>
-          <a:bodyPr anchorCtr="0" anchor="t" bIns="91425" lIns="91425" spcFirstLastPara="1" rIns="91425" wrap="square" tIns="91425">
+          <a:bodyPr spcFirstLastPara="1" wrap="square" lIns="91425" tIns="91425" rIns="91425" bIns="91425" anchor="t" anchorCtr="0">
             <a:noAutofit/>
           </a:bodyPr>
           <a:lstStyle/>
           <a:p>
-            <a:pPr indent="0" lvl="0" marL="0" rtl="0" algn="l">
+            <a:pPr marL="0" lvl="0" indent="0" algn="l" rtl="0">
               <a:spcBef>
                 <a:spcPts val="0"/>
               </a:spcBef>
@@ -9315,10 +9560,10 @@
                 <a:solidFill>
                   <a:schemeClr val="dk1"/>
                 </a:solidFill>
-                <a:latin typeface="Times New Roman"/>
-                <a:ea typeface="Times New Roman"/>
-                <a:cs typeface="Times New Roman"/>
-                <a:sym typeface="Times New Roman"/>
+                <a:latin typeface="Times New Roman" panose="02020603050405020304"/>
+                <a:ea typeface="Times New Roman" panose="02020603050405020304"/>
+                <a:cs typeface="Times New Roman" panose="02020603050405020304"/>
+                <a:sym typeface="Times New Roman" panose="02020603050405020304"/>
               </a:rPr>
               <a:t>Snapshot of Login Page</a:t>
             </a:r>
@@ -9326,10 +9571,10 @@
               <a:solidFill>
                 <a:schemeClr val="dk1"/>
               </a:solidFill>
-              <a:latin typeface="Times New Roman"/>
-              <a:ea typeface="Times New Roman"/>
-              <a:cs typeface="Times New Roman"/>
-              <a:sym typeface="Times New Roman"/>
+              <a:latin typeface="Times New Roman" panose="02020603050405020304"/>
+              <a:ea typeface="Times New Roman" panose="02020603050405020304"/>
+              <a:cs typeface="Times New Roman" panose="02020603050405020304"/>
+              <a:sym typeface="Times New Roman" panose="02020603050405020304"/>
             </a:endParaRPr>
           </a:p>
         </p:txBody>
@@ -9341,9 +9586,7 @@
           <p:nvPr/>
         </p:nvPicPr>
         <p:blipFill>
-          <a:blip r:embed="rId3">
-            <a:alphaModFix/>
-          </a:blip>
+          <a:blip r:embed="rId1"/>
           <a:stretch>
             <a:fillRect/>
           </a:stretch>
@@ -9367,11 +9610,23 @@
   <p:clrMapOvr>
     <a:masterClrMapping/>
   </p:clrMapOvr>
+  <mc:AlternateContent xmlns:mc="http://schemas.openxmlformats.org/markup-compatibility/2006">
+    <mc:Choice xmlns:p14="http://schemas.microsoft.com/office/powerpoint/2010/main" Requires="p14">
+      <p:transition spd="slow" p14:dur="1100">
+        <p14:gallery dir="l"/>
+      </p:transition>
+    </mc:Choice>
+    <mc:Fallback>
+      <p:transition spd="slow">
+        <p:fade/>
+      </p:transition>
+    </mc:Fallback>
+  </mc:AlternateContent>
 </p:sld>
 </file>
 
 <file path=ppt/slides/slide18.xml><?xml version="1.0" encoding="utf-8"?>
-<p:sld xmlns:a="http://schemas.openxmlformats.org/drawingml/2006/main" xmlns:r="http://schemas.openxmlformats.org/officeDocument/2006/relationships" xmlns:mc="http://schemas.openxmlformats.org/markup-compatibility/2006" xmlns:mv="urn:schemas-microsoft-com:mac:vml" xmlns:p="http://schemas.openxmlformats.org/presentationml/2006/main" xmlns:c="http://schemas.openxmlformats.org/drawingml/2006/chart" xmlns:dgm="http://schemas.openxmlformats.org/drawingml/2006/diagram" xmlns:o="urn:schemas-microsoft-com:office:office" xmlns:v="urn:schemas-microsoft-com:vml" xmlns:pvml="urn:schemas-microsoft-com:office:powerpoint" xmlns:com="http://schemas.openxmlformats.org/drawingml/2006/compatibility" xmlns:p14="http://schemas.microsoft.com/office/powerpoint/2010/main" xmlns:p15="http://schemas.microsoft.com/office/powerpoint/2012/main" xmlns:ahyp="http://schemas.microsoft.com/office/drawing/2018/hyperlinkcolor">
+<p:sld xmlns:a="http://schemas.openxmlformats.org/drawingml/2006/main" xmlns:r="http://schemas.openxmlformats.org/officeDocument/2006/relationships" xmlns:p="http://schemas.openxmlformats.org/presentationml/2006/main">
   <p:cSld>
     <p:spTree>
       <p:nvGrpSpPr>
@@ -9407,12 +9662,12 @@
           </a:ln>
         </p:spPr>
         <p:txBody>
-          <a:bodyPr anchorCtr="0" anchor="t" bIns="91425" lIns="91425" spcFirstLastPara="1" rIns="91425" wrap="square" tIns="91425">
+          <a:bodyPr spcFirstLastPara="1" wrap="square" lIns="91425" tIns="91425" rIns="91425" bIns="91425" anchor="t" anchorCtr="0">
             <a:noAutofit/>
           </a:bodyPr>
           <a:lstStyle/>
           <a:p>
-            <a:pPr indent="0" lvl="0" marL="0" rtl="0" algn="l">
+            <a:pPr marL="0" lvl="0" indent="0" algn="l" rtl="0">
               <a:spcBef>
                 <a:spcPts val="0"/>
               </a:spcBef>
@@ -9426,10 +9681,10 @@
                 <a:solidFill>
                   <a:schemeClr val="dk1"/>
                 </a:solidFill>
-                <a:latin typeface="Times New Roman"/>
-                <a:ea typeface="Times New Roman"/>
-                <a:cs typeface="Times New Roman"/>
-                <a:sym typeface="Times New Roman"/>
+                <a:latin typeface="Times New Roman" panose="02020603050405020304"/>
+                <a:ea typeface="Times New Roman" panose="02020603050405020304"/>
+                <a:cs typeface="Times New Roman" panose="02020603050405020304"/>
+                <a:sym typeface="Times New Roman" panose="02020603050405020304"/>
               </a:rPr>
               <a:t>Snapshot of Employee Dashboard</a:t>
             </a:r>
@@ -9437,10 +9692,10 @@
               <a:solidFill>
                 <a:schemeClr val="dk1"/>
               </a:solidFill>
-              <a:latin typeface="Times New Roman"/>
-              <a:ea typeface="Times New Roman"/>
-              <a:cs typeface="Times New Roman"/>
-              <a:sym typeface="Times New Roman"/>
+              <a:latin typeface="Times New Roman" panose="02020603050405020304"/>
+              <a:ea typeface="Times New Roman" panose="02020603050405020304"/>
+              <a:cs typeface="Times New Roman" panose="02020603050405020304"/>
+              <a:sym typeface="Times New Roman" panose="02020603050405020304"/>
             </a:endParaRPr>
           </a:p>
         </p:txBody>
@@ -9452,9 +9707,7 @@
           <p:nvPr/>
         </p:nvPicPr>
         <p:blipFill>
-          <a:blip r:embed="rId3">
-            <a:alphaModFix/>
-          </a:blip>
+          <a:blip r:embed="rId1"/>
           <a:stretch>
             <a:fillRect/>
           </a:stretch>
@@ -9478,11 +9731,23 @@
   <p:clrMapOvr>
     <a:masterClrMapping/>
   </p:clrMapOvr>
+  <mc:AlternateContent xmlns:mc="http://schemas.openxmlformats.org/markup-compatibility/2006">
+    <mc:Choice xmlns:p14="http://schemas.microsoft.com/office/powerpoint/2010/main" Requires="p14">
+      <p:transition spd="slow" p14:dur="1100">
+        <p14:gallery dir="l"/>
+      </p:transition>
+    </mc:Choice>
+    <mc:Fallback>
+      <p:transition spd="slow">
+        <p:fade/>
+      </p:transition>
+    </mc:Fallback>
+  </mc:AlternateContent>
 </p:sld>
 </file>
 
 <file path=ppt/slides/slide19.xml><?xml version="1.0" encoding="utf-8"?>
-<p:sld xmlns:a="http://schemas.openxmlformats.org/drawingml/2006/main" xmlns:r="http://schemas.openxmlformats.org/officeDocument/2006/relationships" xmlns:mc="http://schemas.openxmlformats.org/markup-compatibility/2006" xmlns:mv="urn:schemas-microsoft-com:mac:vml" xmlns:p="http://schemas.openxmlformats.org/presentationml/2006/main" xmlns:c="http://schemas.openxmlformats.org/drawingml/2006/chart" xmlns:dgm="http://schemas.openxmlformats.org/drawingml/2006/diagram" xmlns:o="urn:schemas-microsoft-com:office:office" xmlns:v="urn:schemas-microsoft-com:vml" xmlns:pvml="urn:schemas-microsoft-com:office:powerpoint" xmlns:com="http://schemas.openxmlformats.org/drawingml/2006/compatibility" xmlns:p14="http://schemas.microsoft.com/office/powerpoint/2010/main" xmlns:p15="http://schemas.microsoft.com/office/powerpoint/2012/main" xmlns:ahyp="http://schemas.microsoft.com/office/drawing/2018/hyperlinkcolor">
+<p:sld xmlns:a="http://schemas.openxmlformats.org/drawingml/2006/main" xmlns:r="http://schemas.openxmlformats.org/officeDocument/2006/relationships" xmlns:p="http://schemas.openxmlformats.org/presentationml/2006/main">
   <p:cSld>
     <p:spTree>
       <p:nvGrpSpPr>
@@ -9518,12 +9783,12 @@
           </a:ln>
         </p:spPr>
         <p:txBody>
-          <a:bodyPr anchorCtr="0" anchor="t" bIns="91425" lIns="91425" spcFirstLastPara="1" rIns="91425" wrap="square" tIns="91425">
+          <a:bodyPr spcFirstLastPara="1" wrap="square" lIns="91425" tIns="91425" rIns="91425" bIns="91425" anchor="t" anchorCtr="0">
             <a:noAutofit/>
           </a:bodyPr>
           <a:lstStyle/>
           <a:p>
-            <a:pPr indent="0" lvl="0" marL="0" rtl="0" algn="l">
+            <a:pPr marL="0" lvl="0" indent="0" algn="l" rtl="0">
               <a:spcBef>
                 <a:spcPts val="0"/>
               </a:spcBef>
@@ -9537,10 +9802,10 @@
                 <a:solidFill>
                   <a:schemeClr val="dk1"/>
                 </a:solidFill>
-                <a:latin typeface="Times New Roman"/>
-                <a:ea typeface="Times New Roman"/>
-                <a:cs typeface="Times New Roman"/>
-                <a:sym typeface="Times New Roman"/>
+                <a:latin typeface="Times New Roman" panose="02020603050405020304"/>
+                <a:ea typeface="Times New Roman" panose="02020603050405020304"/>
+                <a:cs typeface="Times New Roman" panose="02020603050405020304"/>
+                <a:sym typeface="Times New Roman" panose="02020603050405020304"/>
               </a:rPr>
               <a:t>Snapshot of Manager Dashboard</a:t>
             </a:r>
@@ -9548,10 +9813,10 @@
               <a:solidFill>
                 <a:schemeClr val="dk1"/>
               </a:solidFill>
-              <a:latin typeface="Times New Roman"/>
-              <a:ea typeface="Times New Roman"/>
-              <a:cs typeface="Times New Roman"/>
-              <a:sym typeface="Times New Roman"/>
+              <a:latin typeface="Times New Roman" panose="02020603050405020304"/>
+              <a:ea typeface="Times New Roman" panose="02020603050405020304"/>
+              <a:cs typeface="Times New Roman" panose="02020603050405020304"/>
+              <a:sym typeface="Times New Roman" panose="02020603050405020304"/>
             </a:endParaRPr>
           </a:p>
         </p:txBody>
@@ -9563,9 +9828,7 @@
           <p:nvPr/>
         </p:nvPicPr>
         <p:blipFill>
-          <a:blip r:embed="rId3">
-            <a:alphaModFix/>
-          </a:blip>
+          <a:blip r:embed="rId1"/>
           <a:stretch>
             <a:fillRect/>
           </a:stretch>
@@ -9589,11 +9852,23 @@
   <p:clrMapOvr>
     <a:masterClrMapping/>
   </p:clrMapOvr>
+  <mc:AlternateContent xmlns:mc="http://schemas.openxmlformats.org/markup-compatibility/2006">
+    <mc:Choice xmlns:p14="http://schemas.microsoft.com/office/powerpoint/2010/main" Requires="p14">
+      <p:transition spd="slow" p14:dur="1100">
+        <p14:gallery dir="l"/>
+      </p:transition>
+    </mc:Choice>
+    <mc:Fallback>
+      <p:transition spd="slow">
+        <p:fade/>
+      </p:transition>
+    </mc:Fallback>
+  </mc:AlternateContent>
 </p:sld>
 </file>
 
 <file path=ppt/slides/slide2.xml><?xml version="1.0" encoding="utf-8"?>
-<p:sld xmlns:a="http://schemas.openxmlformats.org/drawingml/2006/main" xmlns:r="http://schemas.openxmlformats.org/officeDocument/2006/relationships" xmlns:mc="http://schemas.openxmlformats.org/markup-compatibility/2006" xmlns:mv="urn:schemas-microsoft-com:mac:vml" xmlns:p="http://schemas.openxmlformats.org/presentationml/2006/main" xmlns:c="http://schemas.openxmlformats.org/drawingml/2006/chart" xmlns:dgm="http://schemas.openxmlformats.org/drawingml/2006/diagram" xmlns:o="urn:schemas-microsoft-com:office:office" xmlns:v="urn:schemas-microsoft-com:vml" xmlns:pvml="urn:schemas-microsoft-com:office:powerpoint" xmlns:com="http://schemas.openxmlformats.org/drawingml/2006/compatibility" xmlns:p14="http://schemas.microsoft.com/office/powerpoint/2010/main" xmlns:p15="http://schemas.microsoft.com/office/powerpoint/2012/main" xmlns:ahyp="http://schemas.microsoft.com/office/drawing/2018/hyperlinkcolor">
+<p:sld xmlns:a="http://schemas.openxmlformats.org/drawingml/2006/main" xmlns:r="http://schemas.openxmlformats.org/officeDocument/2006/relationships" xmlns:p="http://schemas.openxmlformats.org/presentationml/2006/main">
   <p:cSld>
     <p:spTree>
       <p:nvGrpSpPr>
@@ -9629,12 +9904,12 @@
           </a:ln>
         </p:spPr>
         <p:txBody>
-          <a:bodyPr anchorCtr="0" anchor="ctr" bIns="91425" lIns="91425" spcFirstLastPara="1" rIns="91425" wrap="square" tIns="91425">
+          <a:bodyPr spcFirstLastPara="1" wrap="square" lIns="91425" tIns="91425" rIns="91425" bIns="91425" anchor="ctr" anchorCtr="0">
             <a:noAutofit/>
           </a:bodyPr>
           <a:lstStyle/>
           <a:p>
-            <a:pPr indent="0" lvl="0" marL="0" rtl="0" algn="ctr">
+            <a:pPr marL="0" lvl="0" indent="0" algn="ctr" rtl="0">
               <a:spcBef>
                 <a:spcPts val="0"/>
               </a:spcBef>
@@ -9648,10 +9923,10 @@
                 <a:solidFill>
                   <a:schemeClr val="dk1"/>
                 </a:solidFill>
-                <a:latin typeface="Times New Roman"/>
-                <a:ea typeface="Times New Roman"/>
-                <a:cs typeface="Times New Roman"/>
-                <a:sym typeface="Times New Roman"/>
+                <a:latin typeface="Times New Roman" panose="02020603050405020304"/>
+                <a:ea typeface="Times New Roman" panose="02020603050405020304"/>
+                <a:cs typeface="Times New Roman" panose="02020603050405020304"/>
+                <a:sym typeface="Times New Roman" panose="02020603050405020304"/>
               </a:rPr>
               <a:t>Introduction</a:t>
             </a:r>
@@ -9659,10 +9934,10 @@
               <a:solidFill>
                 <a:schemeClr val="dk1"/>
               </a:solidFill>
-              <a:latin typeface="Times New Roman"/>
-              <a:ea typeface="Times New Roman"/>
-              <a:cs typeface="Times New Roman"/>
-              <a:sym typeface="Times New Roman"/>
+              <a:latin typeface="Times New Roman" panose="02020603050405020304"/>
+              <a:ea typeface="Times New Roman" panose="02020603050405020304"/>
+              <a:cs typeface="Times New Roman" panose="02020603050405020304"/>
+              <a:sym typeface="Times New Roman" panose="02020603050405020304"/>
             </a:endParaRPr>
           </a:p>
         </p:txBody>
@@ -9687,17 +9962,17 @@
           </a:ln>
         </p:spPr>
         <p:txBody>
-          <a:bodyPr anchorCtr="0" anchor="t" bIns="91425" lIns="91425" spcFirstLastPara="1" rIns="91425" wrap="square" tIns="91425">
+          <a:bodyPr spcFirstLastPara="1" wrap="square" lIns="91425" tIns="91425" rIns="91425" bIns="91425" anchor="t" anchorCtr="0">
             <a:spAutoFit/>
           </a:bodyPr>
           <a:lstStyle/>
           <a:p>
-            <a:pPr indent="-342900" lvl="0" marL="457200" marR="62255" rtl="0" algn="just">
+            <a:pPr marL="457200" marR="62230" lvl="0" indent="-342900" algn="just" rtl="0">
               <a:lnSpc>
-                <a:spcPct val="132269"/>
+                <a:spcPct val="132000"/>
               </a:lnSpc>
               <a:spcBef>
-                <a:spcPts val="1088"/>
+                <a:spcPts val="1090"/>
               </a:spcBef>
               <a:spcAft>
                 <a:spcPts val="0"/>
@@ -9706,7 +9981,7 @@
                 <a:schemeClr val="dk1"/>
               </a:buClr>
               <a:buSzPts val="1800"/>
-              <a:buFont typeface="Times New Roman"/>
+              <a:buFont typeface="Times New Roman" panose="02020603050405020304"/>
               <a:buChar char="●"/>
             </a:pPr>
             <a:r>
@@ -9714,10 +9989,10 @@
                 <a:solidFill>
                   <a:schemeClr val="dk1"/>
                 </a:solidFill>
-                <a:latin typeface="Times New Roman"/>
-                <a:ea typeface="Times New Roman"/>
-                <a:cs typeface="Times New Roman"/>
-                <a:sym typeface="Times New Roman"/>
+                <a:latin typeface="Times New Roman" panose="02020603050405020304"/>
+                <a:ea typeface="Times New Roman" panose="02020603050405020304"/>
+                <a:cs typeface="Times New Roman" panose="02020603050405020304"/>
+                <a:sym typeface="Times New Roman" panose="02020603050405020304"/>
               </a:rPr>
               <a:t>Reimbursement Portal is an online portal where an employee can submit reimbursement claims  related to relocation, medical, and office supplies and the assigned manager can approve/reject  the claims. </a:t>
             </a:r>
@@ -9725,40 +10000,37 @@
               <a:solidFill>
                 <a:schemeClr val="dk1"/>
               </a:solidFill>
-              <a:latin typeface="Times New Roman"/>
-              <a:ea typeface="Times New Roman"/>
-              <a:cs typeface="Times New Roman"/>
-              <a:sym typeface="Times New Roman"/>
+              <a:latin typeface="Times New Roman" panose="02020603050405020304"/>
+              <a:ea typeface="Times New Roman" panose="02020603050405020304"/>
+              <a:cs typeface="Times New Roman" panose="02020603050405020304"/>
+              <a:sym typeface="Times New Roman" panose="02020603050405020304"/>
             </a:endParaRPr>
           </a:p>
           <a:p>
-            <a:pPr indent="0" lvl="0" marL="457200" marR="62255" rtl="0" algn="just">
+            <a:pPr marL="457200" marR="62230" lvl="0" indent="0" algn="just" rtl="0">
               <a:lnSpc>
-                <a:spcPct val="132269"/>
+                <a:spcPct val="132000"/>
               </a:lnSpc>
               <a:spcBef>
-                <a:spcPts val="1088"/>
+                <a:spcPts val="1090"/>
               </a:spcBef>
               <a:spcAft>
                 <a:spcPts val="0"/>
               </a:spcAft>
               <a:buNone/>
             </a:pPr>
-            <a:r>
-              <a:t/>
-            </a:r>
             <a:endParaRPr sz="1800">
               <a:solidFill>
                 <a:schemeClr val="dk1"/>
               </a:solidFill>
-              <a:latin typeface="Times New Roman"/>
-              <a:ea typeface="Times New Roman"/>
-              <a:cs typeface="Times New Roman"/>
-              <a:sym typeface="Times New Roman"/>
+              <a:latin typeface="Times New Roman" panose="02020603050405020304"/>
+              <a:ea typeface="Times New Roman" panose="02020603050405020304"/>
+              <a:cs typeface="Times New Roman" panose="02020603050405020304"/>
+              <a:sym typeface="Times New Roman" panose="02020603050405020304"/>
             </a:endParaRPr>
           </a:p>
           <a:p>
-            <a:pPr indent="-342900" lvl="0" marL="457200" rtl="0" algn="just">
+            <a:pPr marL="457200" lvl="0" indent="-342900" algn="just" rtl="0">
               <a:spcBef>
                 <a:spcPts val="0"/>
               </a:spcBef>
@@ -9769,7 +10041,7 @@
                 <a:schemeClr val="dk1"/>
               </a:buClr>
               <a:buSzPts val="1800"/>
-              <a:buFont typeface="Times New Roman"/>
+              <a:buFont typeface="Times New Roman" panose="02020603050405020304"/>
               <a:buChar char="●"/>
             </a:pPr>
             <a:r>
@@ -9777,10 +10049,10 @@
                 <a:solidFill>
                   <a:schemeClr val="dk1"/>
                 </a:solidFill>
-                <a:latin typeface="Times New Roman"/>
-                <a:ea typeface="Times New Roman"/>
-                <a:cs typeface="Times New Roman"/>
-                <a:sym typeface="Times New Roman"/>
+                <a:latin typeface="Times New Roman" panose="02020603050405020304"/>
+                <a:ea typeface="Times New Roman" panose="02020603050405020304"/>
+                <a:cs typeface="Times New Roman" panose="02020603050405020304"/>
+                <a:sym typeface="Times New Roman" panose="02020603050405020304"/>
               </a:rPr>
               <a:t>If you're an employee, you can submit reimbursement requests and if you  are Managers, log in to review and manage reimbursement requests from your team.</a:t>
             </a:r>
@@ -9788,36 +10060,33 @@
               <a:solidFill>
                 <a:schemeClr val="dk1"/>
               </a:solidFill>
-              <a:latin typeface="Times New Roman"/>
-              <a:ea typeface="Times New Roman"/>
-              <a:cs typeface="Times New Roman"/>
-              <a:sym typeface="Times New Roman"/>
+              <a:latin typeface="Times New Roman" panose="02020603050405020304"/>
+              <a:ea typeface="Times New Roman" panose="02020603050405020304"/>
+              <a:cs typeface="Times New Roman" panose="02020603050405020304"/>
+              <a:sym typeface="Times New Roman" panose="02020603050405020304"/>
             </a:endParaRPr>
           </a:p>
           <a:p>
-            <a:pPr indent="9533" lvl="0" marL="1706" marR="62255" rtl="0" algn="just">
+            <a:pPr marL="1905" marR="62230" lvl="0" indent="9525" algn="just" rtl="0">
               <a:lnSpc>
-                <a:spcPct val="132269"/>
+                <a:spcPct val="132000"/>
               </a:lnSpc>
               <a:spcBef>
-                <a:spcPts val="1088"/>
+                <a:spcPts val="1090"/>
               </a:spcBef>
               <a:spcAft>
                 <a:spcPts val="0"/>
               </a:spcAft>
               <a:buNone/>
             </a:pPr>
-            <a:r>
-              <a:t/>
-            </a:r>
             <a:endParaRPr sz="1800">
               <a:solidFill>
                 <a:schemeClr val="dk1"/>
               </a:solidFill>
-              <a:latin typeface="Times New Roman"/>
-              <a:ea typeface="Times New Roman"/>
-              <a:cs typeface="Times New Roman"/>
-              <a:sym typeface="Times New Roman"/>
+              <a:latin typeface="Times New Roman" panose="02020603050405020304"/>
+              <a:ea typeface="Times New Roman" panose="02020603050405020304"/>
+              <a:cs typeface="Times New Roman" panose="02020603050405020304"/>
+              <a:sym typeface="Times New Roman" panose="02020603050405020304"/>
             </a:endParaRPr>
           </a:p>
         </p:txBody>
@@ -9827,11 +10096,23 @@
   <p:clrMapOvr>
     <a:masterClrMapping/>
   </p:clrMapOvr>
+  <mc:AlternateContent xmlns:mc="http://schemas.openxmlformats.org/markup-compatibility/2006">
+    <mc:Choice xmlns:p14="http://schemas.microsoft.com/office/powerpoint/2010/main" Requires="p14">
+      <p:transition spd="slow" p14:dur="1100">
+        <p14:gallery dir="l"/>
+      </p:transition>
+    </mc:Choice>
+    <mc:Fallback>
+      <p:transition spd="slow">
+        <p:fade/>
+      </p:transition>
+    </mc:Fallback>
+  </mc:AlternateContent>
 </p:sld>
 </file>
 
 <file path=ppt/slides/slide20.xml><?xml version="1.0" encoding="utf-8"?>
-<p:sld xmlns:a="http://schemas.openxmlformats.org/drawingml/2006/main" xmlns:r="http://schemas.openxmlformats.org/officeDocument/2006/relationships" xmlns:mc="http://schemas.openxmlformats.org/markup-compatibility/2006" xmlns:mv="urn:schemas-microsoft-com:mac:vml" xmlns:p="http://schemas.openxmlformats.org/presentationml/2006/main" xmlns:c="http://schemas.openxmlformats.org/drawingml/2006/chart" xmlns:dgm="http://schemas.openxmlformats.org/drawingml/2006/diagram" xmlns:o="urn:schemas-microsoft-com:office:office" xmlns:v="urn:schemas-microsoft-com:vml" xmlns:pvml="urn:schemas-microsoft-com:office:powerpoint" xmlns:com="http://schemas.openxmlformats.org/drawingml/2006/compatibility" xmlns:p14="http://schemas.microsoft.com/office/powerpoint/2010/main" xmlns:p15="http://schemas.microsoft.com/office/powerpoint/2012/main" xmlns:ahyp="http://schemas.microsoft.com/office/drawing/2018/hyperlinkcolor">
+<p:sld xmlns:a="http://schemas.openxmlformats.org/drawingml/2006/main" xmlns:r="http://schemas.openxmlformats.org/officeDocument/2006/relationships" xmlns:p="http://schemas.openxmlformats.org/presentationml/2006/main">
   <p:cSld>
     <p:spTree>
       <p:nvGrpSpPr>
@@ -9867,12 +10148,12 @@
           </a:ln>
         </p:spPr>
         <p:txBody>
-          <a:bodyPr anchorCtr="0" anchor="t" bIns="91425" lIns="91425" spcFirstLastPara="1" rIns="91425" wrap="square" tIns="91425">
+          <a:bodyPr spcFirstLastPara="1" wrap="square" lIns="91425" tIns="91425" rIns="91425" bIns="91425" anchor="t" anchorCtr="0">
             <a:noAutofit/>
           </a:bodyPr>
           <a:lstStyle/>
           <a:p>
-            <a:pPr indent="0" lvl="0" marL="0" rtl="0" algn="l">
+            <a:pPr marL="0" lvl="0" indent="0" algn="l" rtl="0">
               <a:spcBef>
                 <a:spcPts val="0"/>
               </a:spcBef>
@@ -9886,10 +10167,10 @@
                 <a:solidFill>
                   <a:schemeClr val="dk1"/>
                 </a:solidFill>
-                <a:latin typeface="Times New Roman"/>
-                <a:ea typeface="Times New Roman"/>
-                <a:cs typeface="Times New Roman"/>
-                <a:sym typeface="Times New Roman"/>
+                <a:latin typeface="Times New Roman" panose="02020603050405020304"/>
+                <a:ea typeface="Times New Roman" panose="02020603050405020304"/>
+                <a:cs typeface="Times New Roman" panose="02020603050405020304"/>
+                <a:sym typeface="Times New Roman" panose="02020603050405020304"/>
               </a:rPr>
               <a:t>Snapshot of Admin Dashboard</a:t>
             </a:r>
@@ -9897,10 +10178,10 @@
               <a:solidFill>
                 <a:schemeClr val="dk1"/>
               </a:solidFill>
-              <a:latin typeface="Times New Roman"/>
-              <a:ea typeface="Times New Roman"/>
-              <a:cs typeface="Times New Roman"/>
-              <a:sym typeface="Times New Roman"/>
+              <a:latin typeface="Times New Roman" panose="02020603050405020304"/>
+              <a:ea typeface="Times New Roman" panose="02020603050405020304"/>
+              <a:cs typeface="Times New Roman" panose="02020603050405020304"/>
+              <a:sym typeface="Times New Roman" panose="02020603050405020304"/>
             </a:endParaRPr>
           </a:p>
         </p:txBody>
@@ -9912,9 +10193,7 @@
           <p:nvPr/>
         </p:nvPicPr>
         <p:blipFill>
-          <a:blip r:embed="rId3">
-            <a:alphaModFix/>
-          </a:blip>
+          <a:blip r:embed="rId1"/>
           <a:stretch>
             <a:fillRect/>
           </a:stretch>
@@ -9938,11 +10217,23 @@
   <p:clrMapOvr>
     <a:masterClrMapping/>
   </p:clrMapOvr>
+  <mc:AlternateContent xmlns:mc="http://schemas.openxmlformats.org/markup-compatibility/2006">
+    <mc:Choice xmlns:p14="http://schemas.microsoft.com/office/powerpoint/2010/main" Requires="p14">
+      <p:transition spd="slow" p14:dur="1100">
+        <p14:gallery dir="l"/>
+      </p:transition>
+    </mc:Choice>
+    <mc:Fallback>
+      <p:transition spd="slow">
+        <p:fade/>
+      </p:transition>
+    </mc:Fallback>
+  </mc:AlternateContent>
 </p:sld>
 </file>
 
 <file path=ppt/slides/slide21.xml><?xml version="1.0" encoding="utf-8"?>
-<p:sld xmlns:a="http://schemas.openxmlformats.org/drawingml/2006/main" xmlns:r="http://schemas.openxmlformats.org/officeDocument/2006/relationships" xmlns:mc="http://schemas.openxmlformats.org/markup-compatibility/2006" xmlns:mv="urn:schemas-microsoft-com:mac:vml" xmlns:p="http://schemas.openxmlformats.org/presentationml/2006/main" xmlns:c="http://schemas.openxmlformats.org/drawingml/2006/chart" xmlns:dgm="http://schemas.openxmlformats.org/drawingml/2006/diagram" xmlns:o="urn:schemas-microsoft-com:office:office" xmlns:v="urn:schemas-microsoft-com:vml" xmlns:pvml="urn:schemas-microsoft-com:office:powerpoint" xmlns:com="http://schemas.openxmlformats.org/drawingml/2006/compatibility" xmlns:p14="http://schemas.microsoft.com/office/powerpoint/2010/main" xmlns:p15="http://schemas.microsoft.com/office/powerpoint/2012/main" xmlns:ahyp="http://schemas.microsoft.com/office/drawing/2018/hyperlinkcolor">
+<p:sld xmlns:a="http://schemas.openxmlformats.org/drawingml/2006/main" xmlns:r="http://schemas.openxmlformats.org/officeDocument/2006/relationships" xmlns:p="http://schemas.openxmlformats.org/presentationml/2006/main">
   <p:cSld>
     <p:spTree>
       <p:nvGrpSpPr>
@@ -9976,12 +10267,12 @@
           </a:prstGeom>
         </p:spPr>
         <p:txBody>
-          <a:bodyPr anchorCtr="0" anchor="b" bIns="91425" lIns="91425" spcFirstLastPara="1" rIns="91425" wrap="square" tIns="91425">
+          <a:bodyPr spcFirstLastPara="1" wrap="square" lIns="91425" tIns="91425" rIns="91425" bIns="91425" anchor="b" anchorCtr="0">
             <a:normAutofit/>
           </a:bodyPr>
           <a:lstStyle/>
           <a:p>
-            <a:pPr indent="0" lvl="0" marL="0" rtl="0" algn="ctr">
+            <a:pPr marL="0" lvl="0" indent="0" algn="ctr" rtl="0">
               <a:spcBef>
                 <a:spcPts val="0"/>
               </a:spcBef>
@@ -9992,18 +10283,18 @@
             </a:pPr>
             <a:r>
               <a:rPr lang="en-GB">
-                <a:latin typeface="Times New Roman"/>
-                <a:ea typeface="Times New Roman"/>
-                <a:cs typeface="Times New Roman"/>
-                <a:sym typeface="Times New Roman"/>
+                <a:latin typeface="Times New Roman" panose="02020603050405020304"/>
+                <a:ea typeface="Times New Roman" panose="02020603050405020304"/>
+                <a:cs typeface="Times New Roman" panose="02020603050405020304"/>
+                <a:sym typeface="Times New Roman" panose="02020603050405020304"/>
               </a:rPr>
               <a:t>Thank You</a:t>
             </a:r>
             <a:endParaRPr>
-              <a:latin typeface="Times New Roman"/>
-              <a:ea typeface="Times New Roman"/>
-              <a:cs typeface="Times New Roman"/>
-              <a:sym typeface="Times New Roman"/>
+              <a:latin typeface="Times New Roman" panose="02020603050405020304"/>
+              <a:ea typeface="Times New Roman" panose="02020603050405020304"/>
+              <a:cs typeface="Times New Roman" panose="02020603050405020304"/>
+              <a:sym typeface="Times New Roman" panose="02020603050405020304"/>
             </a:endParaRPr>
           </a:p>
         </p:txBody>
@@ -10013,11 +10304,23 @@
   <p:clrMapOvr>
     <a:masterClrMapping/>
   </p:clrMapOvr>
+  <mc:AlternateContent xmlns:mc="http://schemas.openxmlformats.org/markup-compatibility/2006">
+    <mc:Choice xmlns:p14="http://schemas.microsoft.com/office/powerpoint/2010/main" Requires="p14">
+      <p:transition spd="slow" p14:dur="1100">
+        <p14:gallery dir="l"/>
+      </p:transition>
+    </mc:Choice>
+    <mc:Fallback>
+      <p:transition spd="slow">
+        <p:fade/>
+      </p:transition>
+    </mc:Fallback>
+  </mc:AlternateContent>
 </p:sld>
 </file>
 
 <file path=ppt/slides/slide3.xml><?xml version="1.0" encoding="utf-8"?>
-<p:sld xmlns:a="http://schemas.openxmlformats.org/drawingml/2006/main" xmlns:r="http://schemas.openxmlformats.org/officeDocument/2006/relationships" xmlns:mc="http://schemas.openxmlformats.org/markup-compatibility/2006" xmlns:mv="urn:schemas-microsoft-com:mac:vml" xmlns:p="http://schemas.openxmlformats.org/presentationml/2006/main" xmlns:c="http://schemas.openxmlformats.org/drawingml/2006/chart" xmlns:dgm="http://schemas.openxmlformats.org/drawingml/2006/diagram" xmlns:o="urn:schemas-microsoft-com:office:office" xmlns:v="urn:schemas-microsoft-com:vml" xmlns:pvml="urn:schemas-microsoft-com:office:powerpoint" xmlns:com="http://schemas.openxmlformats.org/drawingml/2006/compatibility" xmlns:p14="http://schemas.microsoft.com/office/powerpoint/2010/main" xmlns:p15="http://schemas.microsoft.com/office/powerpoint/2012/main" xmlns:ahyp="http://schemas.microsoft.com/office/drawing/2018/hyperlinkcolor">
+<p:sld xmlns:a="http://schemas.openxmlformats.org/drawingml/2006/main" xmlns:r="http://schemas.openxmlformats.org/officeDocument/2006/relationships" xmlns:p="http://schemas.openxmlformats.org/presentationml/2006/main">
   <p:cSld>
     <p:spTree>
       <p:nvGrpSpPr>
@@ -10053,12 +10356,12 @@
           </a:ln>
         </p:spPr>
         <p:txBody>
-          <a:bodyPr anchorCtr="0" anchor="t" bIns="91425" lIns="91425" spcFirstLastPara="1" rIns="91425" wrap="square" tIns="91425">
+          <a:bodyPr spcFirstLastPara="1" wrap="square" lIns="91425" tIns="91425" rIns="91425" bIns="91425" anchor="t" anchorCtr="0">
             <a:noAutofit/>
           </a:bodyPr>
           <a:lstStyle/>
           <a:p>
-            <a:pPr indent="0" lvl="0" marL="0" marR="0" rtl="0" algn="ctr">
+            <a:pPr marL="0" marR="0" lvl="0" indent="0" algn="ctr" rtl="0">
               <a:spcBef>
                 <a:spcPts val="0"/>
               </a:spcBef>
@@ -10072,10 +10375,10 @@
                 <a:solidFill>
                   <a:schemeClr val="dk1"/>
                 </a:solidFill>
-                <a:latin typeface="Times New Roman"/>
-                <a:ea typeface="Times New Roman"/>
-                <a:cs typeface="Times New Roman"/>
-                <a:sym typeface="Times New Roman"/>
+                <a:latin typeface="Times New Roman" panose="02020603050405020304"/>
+                <a:ea typeface="Times New Roman" panose="02020603050405020304"/>
+                <a:cs typeface="Times New Roman" panose="02020603050405020304"/>
+                <a:sym typeface="Times New Roman" panose="02020603050405020304"/>
               </a:rPr>
               <a:t>Functional Requirements</a:t>
             </a:r>
@@ -10083,10 +10386,10 @@
               <a:solidFill>
                 <a:schemeClr val="dk1"/>
               </a:solidFill>
-              <a:latin typeface="Times New Roman"/>
-              <a:ea typeface="Times New Roman"/>
-              <a:cs typeface="Times New Roman"/>
-              <a:sym typeface="Times New Roman"/>
+              <a:latin typeface="Times New Roman" panose="02020603050405020304"/>
+              <a:ea typeface="Times New Roman" panose="02020603050405020304"/>
+              <a:cs typeface="Times New Roman" panose="02020603050405020304"/>
+              <a:sym typeface="Times New Roman" panose="02020603050405020304"/>
             </a:endParaRPr>
           </a:p>
         </p:txBody>
@@ -10111,12 +10414,12 @@
           </a:ln>
         </p:spPr>
         <p:txBody>
-          <a:bodyPr anchorCtr="0" anchor="t" bIns="91425" lIns="91425" spcFirstLastPara="1" rIns="91425" wrap="square" tIns="91425">
+          <a:bodyPr spcFirstLastPara="1" wrap="square" lIns="91425" tIns="91425" rIns="91425" bIns="91425" anchor="t" anchorCtr="0">
             <a:noAutofit/>
           </a:bodyPr>
           <a:lstStyle/>
           <a:p>
-            <a:pPr indent="-342900" lvl="0" marL="457200" rtl="0" algn="l">
+            <a:pPr marL="457200" lvl="0" indent="-342900" algn="l" rtl="0">
               <a:lnSpc>
                 <a:spcPct val="150000"/>
               </a:lnSpc>
@@ -10130,7 +10433,7 @@
                 <a:schemeClr val="dk1"/>
               </a:buClr>
               <a:buSzPts val="1800"/>
-              <a:buFont typeface="Times New Roman"/>
+              <a:buFont typeface="Times New Roman" panose="02020603050405020304"/>
               <a:buChar char="●"/>
             </a:pPr>
             <a:r>
@@ -10138,10 +10441,10 @@
                 <a:solidFill>
                   <a:schemeClr val="dk1"/>
                 </a:solidFill>
-                <a:latin typeface="Times New Roman"/>
-                <a:ea typeface="Times New Roman"/>
-                <a:cs typeface="Times New Roman"/>
-                <a:sym typeface="Times New Roman"/>
+                <a:latin typeface="Times New Roman" panose="02020603050405020304"/>
+                <a:ea typeface="Times New Roman" panose="02020603050405020304"/>
+                <a:cs typeface="Times New Roman" panose="02020603050405020304"/>
+                <a:sym typeface="Times New Roman" panose="02020603050405020304"/>
               </a:rPr>
               <a:t>Three user types: Admin, Manager, Employee.</a:t>
             </a:r>
@@ -10149,14 +10452,14 @@
               <a:solidFill>
                 <a:schemeClr val="dk1"/>
               </a:solidFill>
-              <a:latin typeface="Times New Roman"/>
-              <a:ea typeface="Times New Roman"/>
-              <a:cs typeface="Times New Roman"/>
-              <a:sym typeface="Times New Roman"/>
+              <a:latin typeface="Times New Roman" panose="02020603050405020304"/>
+              <a:ea typeface="Times New Roman" panose="02020603050405020304"/>
+              <a:cs typeface="Times New Roman" panose="02020603050405020304"/>
+              <a:sym typeface="Times New Roman" panose="02020603050405020304"/>
             </a:endParaRPr>
           </a:p>
           <a:p>
-            <a:pPr indent="-342900" lvl="0" marL="457200" rtl="0" algn="l">
+            <a:pPr marL="457200" lvl="0" indent="-342900" algn="l" rtl="0">
               <a:lnSpc>
                 <a:spcPct val="150000"/>
               </a:lnSpc>
@@ -10170,7 +10473,7 @@
                 <a:schemeClr val="dk1"/>
               </a:buClr>
               <a:buSzPts val="1800"/>
-              <a:buFont typeface="Times New Roman"/>
+              <a:buFont typeface="Times New Roman" panose="02020603050405020304"/>
               <a:buChar char="●"/>
             </a:pPr>
             <a:r>
@@ -10178,10 +10481,10 @@
                 <a:solidFill>
                   <a:schemeClr val="dk1"/>
                 </a:solidFill>
-                <a:latin typeface="Times New Roman"/>
-                <a:ea typeface="Times New Roman"/>
-                <a:cs typeface="Times New Roman"/>
-                <a:sym typeface="Times New Roman"/>
+                <a:latin typeface="Times New Roman" panose="02020603050405020304"/>
+                <a:ea typeface="Times New Roman" panose="02020603050405020304"/>
+                <a:cs typeface="Times New Roman" panose="02020603050405020304"/>
+                <a:sym typeface="Times New Roman" panose="02020603050405020304"/>
               </a:rPr>
               <a:t>Managers and Employees register and login before any operations.</a:t>
             </a:r>
@@ -10189,14 +10492,14 @@
               <a:solidFill>
                 <a:schemeClr val="dk1"/>
               </a:solidFill>
-              <a:latin typeface="Times New Roman"/>
-              <a:ea typeface="Times New Roman"/>
-              <a:cs typeface="Times New Roman"/>
-              <a:sym typeface="Times New Roman"/>
+              <a:latin typeface="Times New Roman" panose="02020603050405020304"/>
+              <a:ea typeface="Times New Roman" panose="02020603050405020304"/>
+              <a:cs typeface="Times New Roman" panose="02020603050405020304"/>
+              <a:sym typeface="Times New Roman" panose="02020603050405020304"/>
             </a:endParaRPr>
           </a:p>
           <a:p>
-            <a:pPr indent="-342900" lvl="0" marL="457200" rtl="0" algn="l">
+            <a:pPr marL="457200" lvl="0" indent="-342900" algn="l" rtl="0">
               <a:lnSpc>
                 <a:spcPct val="150000"/>
               </a:lnSpc>
@@ -10210,7 +10513,7 @@
                 <a:schemeClr val="dk1"/>
               </a:buClr>
               <a:buSzPts val="1800"/>
-              <a:buFont typeface="Times New Roman"/>
+              <a:buFont typeface="Times New Roman" panose="02020603050405020304"/>
               <a:buChar char="●"/>
             </a:pPr>
             <a:r>
@@ -10218,10 +10521,10 @@
                 <a:solidFill>
                   <a:schemeClr val="dk1"/>
                 </a:solidFill>
-                <a:latin typeface="Times New Roman"/>
-                <a:ea typeface="Times New Roman"/>
-                <a:cs typeface="Times New Roman"/>
-                <a:sym typeface="Times New Roman"/>
+                <a:latin typeface="Times New Roman" panose="02020603050405020304"/>
+                <a:ea typeface="Times New Roman" panose="02020603050405020304"/>
+                <a:cs typeface="Times New Roman" panose="02020603050405020304"/>
+                <a:sym typeface="Times New Roman" panose="02020603050405020304"/>
               </a:rPr>
               <a:t>Only company emails are valid for registration.</a:t>
             </a:r>
@@ -10229,14 +10532,14 @@
               <a:solidFill>
                 <a:schemeClr val="dk1"/>
               </a:solidFill>
-              <a:latin typeface="Times New Roman"/>
-              <a:ea typeface="Times New Roman"/>
-              <a:cs typeface="Times New Roman"/>
-              <a:sym typeface="Times New Roman"/>
+              <a:latin typeface="Times New Roman" panose="02020603050405020304"/>
+              <a:ea typeface="Times New Roman" panose="02020603050405020304"/>
+              <a:cs typeface="Times New Roman" panose="02020603050405020304"/>
+              <a:sym typeface="Times New Roman" panose="02020603050405020304"/>
             </a:endParaRPr>
           </a:p>
           <a:p>
-            <a:pPr indent="-342900" lvl="0" marL="457200" rtl="0" algn="l">
+            <a:pPr marL="457200" lvl="0" indent="-342900" algn="l" rtl="0">
               <a:lnSpc>
                 <a:spcPct val="150000"/>
               </a:lnSpc>
@@ -10250,7 +10553,7 @@
                 <a:schemeClr val="dk1"/>
               </a:buClr>
               <a:buSzPts val="1800"/>
-              <a:buFont typeface="Times New Roman"/>
+              <a:buFont typeface="Times New Roman" panose="02020603050405020304"/>
               <a:buChar char="●"/>
             </a:pPr>
             <a:r>
@@ -10258,10 +10561,10 @@
                 <a:solidFill>
                   <a:schemeClr val="dk1"/>
                 </a:solidFill>
-                <a:latin typeface="Times New Roman"/>
-                <a:ea typeface="Times New Roman"/>
-                <a:cs typeface="Times New Roman"/>
-                <a:sym typeface="Times New Roman"/>
+                <a:latin typeface="Times New Roman" panose="02020603050405020304"/>
+                <a:ea typeface="Times New Roman" panose="02020603050405020304"/>
+                <a:cs typeface="Times New Roman" panose="02020603050405020304"/>
+                <a:sym typeface="Times New Roman" panose="02020603050405020304"/>
               </a:rPr>
               <a:t>Users must sign in before any operations.</a:t>
             </a:r>
@@ -10269,14 +10572,14 @@
               <a:solidFill>
                 <a:schemeClr val="dk1"/>
               </a:solidFill>
-              <a:latin typeface="Times New Roman"/>
-              <a:ea typeface="Times New Roman"/>
-              <a:cs typeface="Times New Roman"/>
-              <a:sym typeface="Times New Roman"/>
+              <a:latin typeface="Times New Roman" panose="02020603050405020304"/>
+              <a:ea typeface="Times New Roman" panose="02020603050405020304"/>
+              <a:cs typeface="Times New Roman" panose="02020603050405020304"/>
+              <a:sym typeface="Times New Roman" panose="02020603050405020304"/>
             </a:endParaRPr>
           </a:p>
           <a:p>
-            <a:pPr indent="-342900" lvl="0" marL="457200" rtl="0" algn="l">
+            <a:pPr marL="457200" lvl="0" indent="-342900" algn="l" rtl="0">
               <a:lnSpc>
                 <a:spcPct val="150000"/>
               </a:lnSpc>
@@ -10290,7 +10593,7 @@
                 <a:schemeClr val="dk1"/>
               </a:buClr>
               <a:buSzPts val="1800"/>
-              <a:buFont typeface="Times New Roman"/>
+              <a:buFont typeface="Times New Roman" panose="02020603050405020304"/>
               <a:buChar char="●"/>
             </a:pPr>
             <a:r>
@@ -10298,10 +10601,10 @@
                 <a:solidFill>
                   <a:schemeClr val="dk1"/>
                 </a:solidFill>
-                <a:latin typeface="Times New Roman"/>
-                <a:ea typeface="Times New Roman"/>
-                <a:cs typeface="Times New Roman"/>
-                <a:sym typeface="Times New Roman"/>
+                <a:latin typeface="Times New Roman" panose="02020603050405020304"/>
+                <a:ea typeface="Times New Roman" panose="02020603050405020304"/>
+                <a:cs typeface="Times New Roman" panose="02020603050405020304"/>
+                <a:sym typeface="Times New Roman" panose="02020603050405020304"/>
               </a:rPr>
               <a:t>Employees submit reimbursement requests.</a:t>
             </a:r>
@@ -10309,14 +10612,14 @@
               <a:solidFill>
                 <a:schemeClr val="dk1"/>
               </a:solidFill>
-              <a:latin typeface="Times New Roman"/>
-              <a:ea typeface="Times New Roman"/>
-              <a:cs typeface="Times New Roman"/>
-              <a:sym typeface="Times New Roman"/>
+              <a:latin typeface="Times New Roman" panose="02020603050405020304"/>
+              <a:ea typeface="Times New Roman" panose="02020603050405020304"/>
+              <a:cs typeface="Times New Roman" panose="02020603050405020304"/>
+              <a:sym typeface="Times New Roman" panose="02020603050405020304"/>
             </a:endParaRPr>
           </a:p>
           <a:p>
-            <a:pPr indent="-342900" lvl="0" marL="457200" rtl="0" algn="l">
+            <a:pPr marL="457200" lvl="0" indent="-342900" algn="l" rtl="0">
               <a:lnSpc>
                 <a:spcPct val="150000"/>
               </a:lnSpc>
@@ -10330,7 +10633,7 @@
                 <a:schemeClr val="dk1"/>
               </a:buClr>
               <a:buSzPts val="1800"/>
-              <a:buFont typeface="Times New Roman"/>
+              <a:buFont typeface="Times New Roman" panose="02020603050405020304"/>
               <a:buChar char="●"/>
             </a:pPr>
             <a:r>
@@ -10338,10 +10641,10 @@
                 <a:solidFill>
                   <a:schemeClr val="dk1"/>
                 </a:solidFill>
-                <a:latin typeface="Times New Roman"/>
-                <a:ea typeface="Times New Roman"/>
-                <a:cs typeface="Times New Roman"/>
-                <a:sym typeface="Times New Roman"/>
+                <a:latin typeface="Times New Roman" panose="02020603050405020304"/>
+                <a:ea typeface="Times New Roman" panose="02020603050405020304"/>
+                <a:cs typeface="Times New Roman" panose="02020603050405020304"/>
+                <a:sym typeface="Times New Roman" panose="02020603050405020304"/>
               </a:rPr>
               <a:t>Requests include expense type, amount, date, and one image receipt.</a:t>
             </a:r>
@@ -10349,14 +10652,14 @@
               <a:solidFill>
                 <a:schemeClr val="dk1"/>
               </a:solidFill>
-              <a:latin typeface="Times New Roman"/>
-              <a:ea typeface="Times New Roman"/>
-              <a:cs typeface="Times New Roman"/>
-              <a:sym typeface="Times New Roman"/>
+              <a:latin typeface="Times New Roman" panose="02020603050405020304"/>
+              <a:ea typeface="Times New Roman" panose="02020603050405020304"/>
+              <a:cs typeface="Times New Roman" panose="02020603050405020304"/>
+              <a:sym typeface="Times New Roman" panose="02020603050405020304"/>
             </a:endParaRPr>
           </a:p>
           <a:p>
-            <a:pPr indent="-342900" lvl="0" marL="457200" rtl="0" algn="l">
+            <a:pPr marL="457200" lvl="0" indent="-342900" algn="l" rtl="0">
               <a:lnSpc>
                 <a:spcPct val="150000"/>
               </a:lnSpc>
@@ -10370,7 +10673,7 @@
                 <a:schemeClr val="dk1"/>
               </a:buClr>
               <a:buSzPts val="1800"/>
-              <a:buFont typeface="Times New Roman"/>
+              <a:buFont typeface="Times New Roman" panose="02020603050405020304"/>
               <a:buChar char="●"/>
             </a:pPr>
             <a:r>
@@ -10378,10 +10681,10 @@
                 <a:solidFill>
                   <a:schemeClr val="dk1"/>
                 </a:solidFill>
-                <a:latin typeface="Times New Roman"/>
-                <a:ea typeface="Times New Roman"/>
-                <a:cs typeface="Times New Roman"/>
-                <a:sym typeface="Times New Roman"/>
+                <a:latin typeface="Times New Roman" panose="02020603050405020304"/>
+                <a:ea typeface="Times New Roman" panose="02020603050405020304"/>
+                <a:cs typeface="Times New Roman" panose="02020603050405020304"/>
+                <a:sym typeface="Times New Roman" panose="02020603050405020304"/>
               </a:rPr>
               <a:t>Managers approve/reject requests with comments.</a:t>
             </a:r>
@@ -10389,14 +10692,14 @@
               <a:solidFill>
                 <a:schemeClr val="dk1"/>
               </a:solidFill>
-              <a:latin typeface="Times New Roman"/>
-              <a:ea typeface="Times New Roman"/>
-              <a:cs typeface="Times New Roman"/>
-              <a:sym typeface="Times New Roman"/>
+              <a:latin typeface="Times New Roman" panose="02020603050405020304"/>
+              <a:ea typeface="Times New Roman" panose="02020603050405020304"/>
+              <a:cs typeface="Times New Roman" panose="02020603050405020304"/>
+              <a:sym typeface="Times New Roman" panose="02020603050405020304"/>
             </a:endParaRPr>
           </a:p>
           <a:p>
-            <a:pPr indent="-342900" lvl="0" marL="457200" rtl="0" algn="l">
+            <a:pPr marL="457200" lvl="0" indent="-342900" algn="l" rtl="0">
               <a:lnSpc>
                 <a:spcPct val="150000"/>
               </a:lnSpc>
@@ -10410,7 +10713,7 @@
                 <a:schemeClr val="dk1"/>
               </a:buClr>
               <a:buSzPts val="1800"/>
-              <a:buFont typeface="Times New Roman"/>
+              <a:buFont typeface="Times New Roman" panose="02020603050405020304"/>
               <a:buChar char="●"/>
             </a:pPr>
             <a:r>
@@ -10418,10 +10721,10 @@
                 <a:solidFill>
                   <a:schemeClr val="dk1"/>
                 </a:solidFill>
-                <a:latin typeface="Times New Roman"/>
-                <a:ea typeface="Times New Roman"/>
-                <a:cs typeface="Times New Roman"/>
-                <a:sym typeface="Times New Roman"/>
+                <a:latin typeface="Times New Roman" panose="02020603050405020304"/>
+                <a:ea typeface="Times New Roman" panose="02020603050405020304"/>
+                <a:cs typeface="Times New Roman" panose="02020603050405020304"/>
+                <a:sym typeface="Times New Roman" panose="02020603050405020304"/>
               </a:rPr>
               <a:t>Policy categories: Traveling (15k), Relocation (20k), Tech assets (5k).</a:t>
             </a:r>
@@ -10429,14 +10732,14 @@
               <a:solidFill>
                 <a:schemeClr val="dk1"/>
               </a:solidFill>
-              <a:latin typeface="Times New Roman"/>
-              <a:ea typeface="Times New Roman"/>
-              <a:cs typeface="Times New Roman"/>
-              <a:sym typeface="Times New Roman"/>
+              <a:latin typeface="Times New Roman" panose="02020603050405020304"/>
+              <a:ea typeface="Times New Roman" panose="02020603050405020304"/>
+              <a:cs typeface="Times New Roman" panose="02020603050405020304"/>
+              <a:sym typeface="Times New Roman" panose="02020603050405020304"/>
             </a:endParaRPr>
           </a:p>
           <a:p>
-            <a:pPr indent="-342900" lvl="0" marL="457200" rtl="0" algn="l">
+            <a:pPr marL="457200" lvl="0" indent="-342900" algn="l" rtl="0">
               <a:lnSpc>
                 <a:spcPct val="150000"/>
               </a:lnSpc>
@@ -10450,7 +10753,7 @@
                 <a:schemeClr val="dk1"/>
               </a:buClr>
               <a:buSzPts val="1800"/>
-              <a:buFont typeface="Times New Roman"/>
+              <a:buFont typeface="Times New Roman" panose="02020603050405020304"/>
               <a:buChar char="●"/>
             </a:pPr>
             <a:r>
@@ -10458,10 +10761,10 @@
                 <a:solidFill>
                   <a:schemeClr val="dk1"/>
                 </a:solidFill>
-                <a:latin typeface="Times New Roman"/>
-                <a:ea typeface="Times New Roman"/>
-                <a:cs typeface="Times New Roman"/>
-                <a:sym typeface="Times New Roman"/>
+                <a:latin typeface="Times New Roman" panose="02020603050405020304"/>
+                <a:ea typeface="Times New Roman" panose="02020603050405020304"/>
+                <a:cs typeface="Times New Roman" panose="02020603050405020304"/>
+                <a:sym typeface="Times New Roman" panose="02020603050405020304"/>
               </a:rPr>
               <a:t>Admin assigns managers to employees.</a:t>
             </a:r>
@@ -10469,14 +10772,14 @@
               <a:solidFill>
                 <a:schemeClr val="dk1"/>
               </a:solidFill>
-              <a:latin typeface="Times New Roman"/>
-              <a:ea typeface="Times New Roman"/>
-              <a:cs typeface="Times New Roman"/>
-              <a:sym typeface="Times New Roman"/>
+              <a:latin typeface="Times New Roman" panose="02020603050405020304"/>
+              <a:ea typeface="Times New Roman" panose="02020603050405020304"/>
+              <a:cs typeface="Times New Roman" panose="02020603050405020304"/>
+              <a:sym typeface="Times New Roman" panose="02020603050405020304"/>
             </a:endParaRPr>
           </a:p>
           <a:p>
-            <a:pPr indent="0" lvl="0" marL="0" rtl="0" algn="l">
+            <a:pPr marL="0" lvl="0" indent="0" algn="l" rtl="0">
               <a:lnSpc>
                 <a:spcPct val="150000"/>
               </a:lnSpc>
@@ -10488,21 +10791,18 @@
               </a:spcAft>
               <a:buNone/>
             </a:pPr>
-            <a:r>
-              <a:t/>
-            </a:r>
             <a:endParaRPr sz="1800">
               <a:solidFill>
                 <a:schemeClr val="dk1"/>
               </a:solidFill>
-              <a:latin typeface="Times New Roman"/>
-              <a:ea typeface="Times New Roman"/>
-              <a:cs typeface="Times New Roman"/>
-              <a:sym typeface="Times New Roman"/>
+              <a:latin typeface="Times New Roman" panose="02020603050405020304"/>
+              <a:ea typeface="Times New Roman" panose="02020603050405020304"/>
+              <a:cs typeface="Times New Roman" panose="02020603050405020304"/>
+              <a:sym typeface="Times New Roman" panose="02020603050405020304"/>
             </a:endParaRPr>
           </a:p>
           <a:p>
-            <a:pPr indent="0" lvl="0" marL="0" rtl="0" algn="l">
+            <a:pPr marL="0" lvl="0" indent="0" algn="l" rtl="0">
               <a:lnSpc>
                 <a:spcPct val="150000"/>
               </a:lnSpc>
@@ -10514,21 +10814,18 @@
               </a:spcAft>
               <a:buNone/>
             </a:pPr>
-            <a:r>
-              <a:t/>
-            </a:r>
             <a:endParaRPr sz="1800">
               <a:solidFill>
                 <a:schemeClr val="dk1"/>
               </a:solidFill>
-              <a:latin typeface="Times New Roman"/>
-              <a:ea typeface="Times New Roman"/>
-              <a:cs typeface="Times New Roman"/>
-              <a:sym typeface="Times New Roman"/>
+              <a:latin typeface="Times New Roman" panose="02020603050405020304"/>
+              <a:ea typeface="Times New Roman" panose="02020603050405020304"/>
+              <a:cs typeface="Times New Roman" panose="02020603050405020304"/>
+              <a:sym typeface="Times New Roman" panose="02020603050405020304"/>
             </a:endParaRPr>
           </a:p>
           <a:p>
-            <a:pPr indent="0" lvl="0" marL="0" rtl="0" algn="l">
+            <a:pPr marL="0" lvl="0" indent="0" algn="l" rtl="0">
               <a:lnSpc>
                 <a:spcPct val="150000"/>
               </a:lnSpc>
@@ -10540,17 +10837,14 @@
               </a:spcAft>
               <a:buNone/>
             </a:pPr>
-            <a:r>
-              <a:t/>
-            </a:r>
             <a:endParaRPr sz="1800">
               <a:solidFill>
                 <a:schemeClr val="dk1"/>
               </a:solidFill>
-              <a:latin typeface="Times New Roman"/>
-              <a:ea typeface="Times New Roman"/>
-              <a:cs typeface="Times New Roman"/>
-              <a:sym typeface="Times New Roman"/>
+              <a:latin typeface="Times New Roman" panose="02020603050405020304"/>
+              <a:ea typeface="Times New Roman" panose="02020603050405020304"/>
+              <a:cs typeface="Times New Roman" panose="02020603050405020304"/>
+              <a:sym typeface="Times New Roman" panose="02020603050405020304"/>
             </a:endParaRPr>
           </a:p>
         </p:txBody>
@@ -10560,11 +10854,23 @@
   <p:clrMapOvr>
     <a:masterClrMapping/>
   </p:clrMapOvr>
+  <mc:AlternateContent xmlns:mc="http://schemas.openxmlformats.org/markup-compatibility/2006">
+    <mc:Choice xmlns:p14="http://schemas.microsoft.com/office/powerpoint/2010/main" Requires="p14">
+      <p:transition spd="slow" p14:dur="1100">
+        <p14:gallery dir="l"/>
+      </p:transition>
+    </mc:Choice>
+    <mc:Fallback>
+      <p:transition spd="slow">
+        <p:fade/>
+      </p:transition>
+    </mc:Fallback>
+  </mc:AlternateContent>
 </p:sld>
 </file>
 
 <file path=ppt/slides/slide4.xml><?xml version="1.0" encoding="utf-8"?>
-<p:sld xmlns:a="http://schemas.openxmlformats.org/drawingml/2006/main" xmlns:r="http://schemas.openxmlformats.org/officeDocument/2006/relationships" xmlns:mc="http://schemas.openxmlformats.org/markup-compatibility/2006" xmlns:mv="urn:schemas-microsoft-com:mac:vml" xmlns:p="http://schemas.openxmlformats.org/presentationml/2006/main" xmlns:c="http://schemas.openxmlformats.org/drawingml/2006/chart" xmlns:dgm="http://schemas.openxmlformats.org/drawingml/2006/diagram" xmlns:o="urn:schemas-microsoft-com:office:office" xmlns:v="urn:schemas-microsoft-com:vml" xmlns:pvml="urn:schemas-microsoft-com:office:powerpoint" xmlns:com="http://schemas.openxmlformats.org/drawingml/2006/compatibility" xmlns:p14="http://schemas.microsoft.com/office/powerpoint/2010/main" xmlns:p15="http://schemas.microsoft.com/office/powerpoint/2012/main" xmlns:ahyp="http://schemas.microsoft.com/office/drawing/2018/hyperlinkcolor">
+<p:sld xmlns:a="http://schemas.openxmlformats.org/drawingml/2006/main" xmlns:r="http://schemas.openxmlformats.org/officeDocument/2006/relationships" xmlns:p="http://schemas.openxmlformats.org/presentationml/2006/main">
   <p:cSld>
     <p:spTree>
       <p:nvGrpSpPr>
@@ -10598,12 +10904,12 @@
           </a:prstGeom>
         </p:spPr>
         <p:txBody>
-          <a:bodyPr anchorCtr="0" anchor="b" bIns="91425" lIns="91425" spcFirstLastPara="1" rIns="91425" wrap="square" tIns="91425">
+          <a:bodyPr spcFirstLastPara="1" wrap="square" lIns="91425" tIns="91425" rIns="91425" bIns="91425" anchor="b" anchorCtr="0">
             <a:normAutofit/>
           </a:bodyPr>
           <a:lstStyle/>
           <a:p>
-            <a:pPr indent="-342900" lvl="0" marL="457200" rtl="0" algn="l">
+            <a:pPr marL="457200" lvl="0" indent="-342900" algn="l" rtl="0">
               <a:lnSpc>
                 <a:spcPct val="150000"/>
               </a:lnSpc>
@@ -10614,27 +10920,27 @@
                 <a:spcPts val="0"/>
               </a:spcAft>
               <a:buSzPts val="1800"/>
-              <a:buFont typeface="Times New Roman"/>
+              <a:buFont typeface="Times New Roman" panose="02020603050405020304"/>
               <a:buChar char="●"/>
             </a:pPr>
             <a:r>
               <a:rPr lang="en-GB" sz="1800">
-                <a:latin typeface="Times New Roman"/>
-                <a:ea typeface="Times New Roman"/>
-                <a:cs typeface="Times New Roman"/>
-                <a:sym typeface="Times New Roman"/>
+                <a:latin typeface="Times New Roman" panose="02020603050405020304"/>
+                <a:ea typeface="Times New Roman" panose="02020603050405020304"/>
+                <a:cs typeface="Times New Roman" panose="02020603050405020304"/>
+                <a:sym typeface="Times New Roman" panose="02020603050405020304"/>
               </a:rPr>
               <a:t>Admin is the default manager until reassigned.	</a:t>
             </a:r>
             <a:endParaRPr sz="1800">
-              <a:latin typeface="Times New Roman"/>
-              <a:ea typeface="Times New Roman"/>
-              <a:cs typeface="Times New Roman"/>
-              <a:sym typeface="Times New Roman"/>
+              <a:latin typeface="Times New Roman" panose="02020603050405020304"/>
+              <a:ea typeface="Times New Roman" panose="02020603050405020304"/>
+              <a:cs typeface="Times New Roman" panose="02020603050405020304"/>
+              <a:sym typeface="Times New Roman" panose="02020603050405020304"/>
             </a:endParaRPr>
           </a:p>
           <a:p>
-            <a:pPr indent="-342900" lvl="0" marL="457200" rtl="0" algn="l">
+            <a:pPr marL="457200" lvl="0" indent="-342900" algn="l" rtl="0">
               <a:lnSpc>
                 <a:spcPct val="150000"/>
               </a:lnSpc>
@@ -10645,27 +10951,27 @@
                 <a:spcPts val="0"/>
               </a:spcAft>
               <a:buSzPts val="1800"/>
-              <a:buFont typeface="Times New Roman"/>
+              <a:buFont typeface="Times New Roman" panose="02020603050405020304"/>
               <a:buChar char="●"/>
             </a:pPr>
             <a:r>
               <a:rPr lang="en-GB" sz="1800">
-                <a:latin typeface="Times New Roman"/>
-                <a:ea typeface="Times New Roman"/>
-                <a:cs typeface="Times New Roman"/>
-                <a:sym typeface="Times New Roman"/>
+                <a:latin typeface="Times New Roman" panose="02020603050405020304"/>
+                <a:ea typeface="Times New Roman" panose="02020603050405020304"/>
+                <a:cs typeface="Times New Roman" panose="02020603050405020304"/>
+                <a:sym typeface="Times New Roman" panose="02020603050405020304"/>
               </a:rPr>
               <a:t>Admin can delete employees and managers no longer in the organization.</a:t>
             </a:r>
             <a:endParaRPr sz="1800">
-              <a:latin typeface="Times New Roman"/>
-              <a:ea typeface="Times New Roman"/>
-              <a:cs typeface="Times New Roman"/>
-              <a:sym typeface="Times New Roman"/>
+              <a:latin typeface="Times New Roman" panose="02020603050405020304"/>
+              <a:ea typeface="Times New Roman" panose="02020603050405020304"/>
+              <a:cs typeface="Times New Roman" panose="02020603050405020304"/>
+              <a:sym typeface="Times New Roman" panose="02020603050405020304"/>
             </a:endParaRPr>
           </a:p>
           <a:p>
-            <a:pPr indent="-342900" lvl="0" marL="457200" rtl="0" algn="l">
+            <a:pPr marL="457200" lvl="0" indent="-342900" algn="l" rtl="0">
               <a:lnSpc>
                 <a:spcPct val="150000"/>
               </a:lnSpc>
@@ -10676,27 +10982,27 @@
                 <a:spcPts val="0"/>
               </a:spcAft>
               <a:buSzPts val="1800"/>
-              <a:buFont typeface="Times New Roman"/>
+              <a:buFont typeface="Times New Roman" panose="02020603050405020304"/>
               <a:buChar char="●"/>
             </a:pPr>
             <a:r>
               <a:rPr lang="en-GB" sz="1800">
-                <a:latin typeface="Times New Roman"/>
-                <a:ea typeface="Times New Roman"/>
-                <a:cs typeface="Times New Roman"/>
-                <a:sym typeface="Times New Roman"/>
+                <a:latin typeface="Times New Roman" panose="02020603050405020304"/>
+                <a:ea typeface="Times New Roman" panose="02020603050405020304"/>
+                <a:cs typeface="Times New Roman" panose="02020603050405020304"/>
+                <a:sym typeface="Times New Roman" panose="02020603050405020304"/>
               </a:rPr>
               <a:t>Admin can add or delete departments.</a:t>
             </a:r>
             <a:endParaRPr sz="1800">
-              <a:latin typeface="Times New Roman"/>
-              <a:ea typeface="Times New Roman"/>
-              <a:cs typeface="Times New Roman"/>
-              <a:sym typeface="Times New Roman"/>
+              <a:latin typeface="Times New Roman" panose="02020603050405020304"/>
+              <a:ea typeface="Times New Roman" panose="02020603050405020304"/>
+              <a:cs typeface="Times New Roman" panose="02020603050405020304"/>
+              <a:sym typeface="Times New Roman" panose="02020603050405020304"/>
             </a:endParaRPr>
           </a:p>
           <a:p>
-            <a:pPr indent="-342900" lvl="0" marL="457200" rtl="0" algn="l">
+            <a:pPr marL="457200" lvl="0" indent="-342900" algn="l" rtl="0">
               <a:lnSpc>
                 <a:spcPct val="150000"/>
               </a:lnSpc>
@@ -10707,27 +11013,27 @@
                 <a:spcPts val="0"/>
               </a:spcAft>
               <a:buSzPts val="1800"/>
-              <a:buFont typeface="Times New Roman"/>
+              <a:buFont typeface="Times New Roman" panose="02020603050405020304"/>
               <a:buChar char="●"/>
             </a:pPr>
             <a:r>
               <a:rPr lang="en-GB" sz="1800">
-                <a:latin typeface="Times New Roman"/>
-                <a:ea typeface="Times New Roman"/>
-                <a:cs typeface="Times New Roman"/>
-                <a:sym typeface="Times New Roman"/>
+                <a:latin typeface="Times New Roman" panose="02020603050405020304"/>
+                <a:ea typeface="Times New Roman" panose="02020603050405020304"/>
+                <a:cs typeface="Times New Roman" panose="02020603050405020304"/>
+                <a:sym typeface="Times New Roman" panose="02020603050405020304"/>
               </a:rPr>
               <a:t>New departments appear in the registration dropdown.</a:t>
             </a:r>
             <a:endParaRPr sz="1800">
-              <a:latin typeface="Times New Roman"/>
-              <a:ea typeface="Times New Roman"/>
-              <a:cs typeface="Times New Roman"/>
-              <a:sym typeface="Times New Roman"/>
+              <a:latin typeface="Times New Roman" panose="02020603050405020304"/>
+              <a:ea typeface="Times New Roman" panose="02020603050405020304"/>
+              <a:cs typeface="Times New Roman" panose="02020603050405020304"/>
+              <a:sym typeface="Times New Roman" panose="02020603050405020304"/>
             </a:endParaRPr>
           </a:p>
           <a:p>
-            <a:pPr indent="-342900" lvl="0" marL="457200" rtl="0" algn="l">
+            <a:pPr marL="457200" lvl="0" indent="-342900" algn="l" rtl="0">
               <a:lnSpc>
                 <a:spcPct val="150000"/>
               </a:lnSpc>
@@ -10738,27 +11044,27 @@
                 <a:spcPts val="0"/>
               </a:spcAft>
               <a:buSzPts val="1800"/>
-              <a:buFont typeface="Times New Roman"/>
+              <a:buFont typeface="Times New Roman" panose="02020603050405020304"/>
               <a:buChar char="●"/>
             </a:pPr>
             <a:r>
               <a:rPr lang="en-GB" sz="1800">
-                <a:latin typeface="Times New Roman"/>
-                <a:ea typeface="Times New Roman"/>
-                <a:cs typeface="Times New Roman"/>
-                <a:sym typeface="Times New Roman"/>
+                <a:latin typeface="Times New Roman" panose="02020603050405020304"/>
+                <a:ea typeface="Times New Roman" panose="02020603050405020304"/>
+                <a:cs typeface="Times New Roman" panose="02020603050405020304"/>
+                <a:sym typeface="Times New Roman" panose="02020603050405020304"/>
               </a:rPr>
               <a:t>One or more managers per department.</a:t>
             </a:r>
             <a:endParaRPr sz="1800">
-              <a:latin typeface="Times New Roman"/>
-              <a:ea typeface="Times New Roman"/>
-              <a:cs typeface="Times New Roman"/>
-              <a:sym typeface="Times New Roman"/>
+              <a:latin typeface="Times New Roman" panose="02020603050405020304"/>
+              <a:ea typeface="Times New Roman" panose="02020603050405020304"/>
+              <a:cs typeface="Times New Roman" panose="02020603050405020304"/>
+              <a:sym typeface="Times New Roman" panose="02020603050405020304"/>
             </a:endParaRPr>
           </a:p>
           <a:p>
-            <a:pPr indent="-342900" lvl="0" marL="457200" rtl="0" algn="l">
+            <a:pPr marL="457200" lvl="0" indent="-342900" algn="l" rtl="0">
               <a:lnSpc>
                 <a:spcPct val="150000"/>
               </a:lnSpc>
@@ -10769,27 +11075,27 @@
                 <a:spcPts val="0"/>
               </a:spcAft>
               <a:buSzPts val="1800"/>
-              <a:buFont typeface="Times New Roman"/>
+              <a:buFont typeface="Times New Roman" panose="02020603050405020304"/>
               <a:buChar char="●"/>
             </a:pPr>
             <a:r>
               <a:rPr lang="en-GB" sz="1800">
-                <a:latin typeface="Times New Roman"/>
-                <a:ea typeface="Times New Roman"/>
-                <a:cs typeface="Times New Roman"/>
-                <a:sym typeface="Times New Roman"/>
+                <a:latin typeface="Times New Roman" panose="02020603050405020304"/>
+                <a:ea typeface="Times New Roman" panose="02020603050405020304"/>
+                <a:cs typeface="Times New Roman" panose="02020603050405020304"/>
+                <a:sym typeface="Times New Roman" panose="02020603050405020304"/>
               </a:rPr>
               <a:t>Multiple employees under one manager.</a:t>
             </a:r>
             <a:endParaRPr sz="1800">
-              <a:latin typeface="Times New Roman"/>
-              <a:ea typeface="Times New Roman"/>
-              <a:cs typeface="Times New Roman"/>
-              <a:sym typeface="Times New Roman"/>
+              <a:latin typeface="Times New Roman" panose="02020603050405020304"/>
+              <a:ea typeface="Times New Roman" panose="02020603050405020304"/>
+              <a:cs typeface="Times New Roman" panose="02020603050405020304"/>
+              <a:sym typeface="Times New Roman" panose="02020603050405020304"/>
             </a:endParaRPr>
           </a:p>
           <a:p>
-            <a:pPr indent="-342900" lvl="0" marL="457200" rtl="0" algn="l">
+            <a:pPr marL="457200" lvl="0" indent="-342900" algn="l" rtl="0">
               <a:lnSpc>
                 <a:spcPct val="150000"/>
               </a:lnSpc>
@@ -10800,27 +11106,27 @@
                 <a:spcPts val="0"/>
               </a:spcAft>
               <a:buSzPts val="1800"/>
-              <a:buFont typeface="Times New Roman"/>
+              <a:buFont typeface="Times New Roman" panose="02020603050405020304"/>
               <a:buChar char="●"/>
             </a:pPr>
             <a:r>
               <a:rPr lang="en-GB" sz="1800">
-                <a:latin typeface="Times New Roman"/>
-                <a:ea typeface="Times New Roman"/>
-                <a:cs typeface="Times New Roman"/>
-                <a:sym typeface="Times New Roman"/>
+                <a:latin typeface="Times New Roman" panose="02020603050405020304"/>
+                <a:ea typeface="Times New Roman" panose="02020603050405020304"/>
+                <a:cs typeface="Times New Roman" panose="02020603050405020304"/>
+                <a:sym typeface="Times New Roman" panose="02020603050405020304"/>
               </a:rPr>
               <a:t>Requests directed to managers based on employee's department.</a:t>
             </a:r>
             <a:endParaRPr sz="1800">
-              <a:latin typeface="Times New Roman"/>
-              <a:ea typeface="Times New Roman"/>
-              <a:cs typeface="Times New Roman"/>
-              <a:sym typeface="Times New Roman"/>
+              <a:latin typeface="Times New Roman" panose="02020603050405020304"/>
+              <a:ea typeface="Times New Roman" panose="02020603050405020304"/>
+              <a:cs typeface="Times New Roman" panose="02020603050405020304"/>
+              <a:sym typeface="Times New Roman" panose="02020603050405020304"/>
             </a:endParaRPr>
           </a:p>
           <a:p>
-            <a:pPr indent="-342900" lvl="0" marL="457200" rtl="0" algn="l">
+            <a:pPr marL="457200" lvl="0" indent="-342900" algn="l" rtl="0">
               <a:lnSpc>
                 <a:spcPct val="150000"/>
               </a:lnSpc>
@@ -10831,27 +11137,27 @@
                 <a:spcPts val="0"/>
               </a:spcAft>
               <a:buSzPts val="1800"/>
-              <a:buFont typeface="Times New Roman"/>
+              <a:buFont typeface="Times New Roman" panose="02020603050405020304"/>
               <a:buChar char="●"/>
             </a:pPr>
             <a:r>
               <a:rPr lang="en-GB" sz="1800">
-                <a:latin typeface="Times New Roman"/>
-                <a:ea typeface="Times New Roman"/>
-                <a:cs typeface="Times New Roman"/>
-                <a:sym typeface="Times New Roman"/>
+                <a:latin typeface="Times New Roman" panose="02020603050405020304"/>
+                <a:ea typeface="Times New Roman" panose="02020603050405020304"/>
+                <a:cs typeface="Times New Roman" panose="02020603050405020304"/>
+                <a:sym typeface="Times New Roman" panose="02020603050405020304"/>
               </a:rPr>
               <a:t>Employees can view their requests, statuses, comments, and history.</a:t>
             </a:r>
             <a:endParaRPr sz="1800">
-              <a:latin typeface="Times New Roman"/>
-              <a:ea typeface="Times New Roman"/>
-              <a:cs typeface="Times New Roman"/>
-              <a:sym typeface="Times New Roman"/>
+              <a:latin typeface="Times New Roman" panose="02020603050405020304"/>
+              <a:ea typeface="Times New Roman" panose="02020603050405020304"/>
+              <a:cs typeface="Times New Roman" panose="02020603050405020304"/>
+              <a:sym typeface="Times New Roman" panose="02020603050405020304"/>
             </a:endParaRPr>
           </a:p>
           <a:p>
-            <a:pPr indent="-342900" lvl="0" marL="457200" rtl="0" algn="l">
+            <a:pPr marL="457200" lvl="0" indent="-342900" algn="l" rtl="0">
               <a:lnSpc>
                 <a:spcPct val="150000"/>
               </a:lnSpc>
@@ -10862,27 +11168,27 @@
                 <a:spcPts val="0"/>
               </a:spcAft>
               <a:buSzPts val="1800"/>
-              <a:buFont typeface="Times New Roman"/>
+              <a:buFont typeface="Times New Roman" panose="02020603050405020304"/>
               <a:buChar char="●"/>
             </a:pPr>
             <a:r>
               <a:rPr lang="en-GB" sz="1800">
-                <a:latin typeface="Times New Roman"/>
-                <a:ea typeface="Times New Roman"/>
-                <a:cs typeface="Times New Roman"/>
-                <a:sym typeface="Times New Roman"/>
+                <a:latin typeface="Times New Roman" panose="02020603050405020304"/>
+                <a:ea typeface="Times New Roman" panose="02020603050405020304"/>
+                <a:cs typeface="Times New Roman" panose="02020603050405020304"/>
+                <a:sym typeface="Times New Roman" panose="02020603050405020304"/>
               </a:rPr>
               <a:t>Comprehensive audit trail for each request.</a:t>
             </a:r>
             <a:endParaRPr sz="1800">
-              <a:latin typeface="Times New Roman"/>
-              <a:ea typeface="Times New Roman"/>
-              <a:cs typeface="Times New Roman"/>
-              <a:sym typeface="Times New Roman"/>
+              <a:latin typeface="Times New Roman" panose="02020603050405020304"/>
+              <a:ea typeface="Times New Roman" panose="02020603050405020304"/>
+              <a:cs typeface="Times New Roman" panose="02020603050405020304"/>
+              <a:sym typeface="Times New Roman" panose="02020603050405020304"/>
             </a:endParaRPr>
           </a:p>
           <a:p>
-            <a:pPr indent="-342900" lvl="0" marL="457200" rtl="0" algn="l">
+            <a:pPr marL="457200" lvl="0" indent="-342900" algn="l" rtl="0">
               <a:lnSpc>
                 <a:spcPct val="150000"/>
               </a:lnSpc>
@@ -10893,23 +11199,23 @@
                 <a:spcPts val="0"/>
               </a:spcAft>
               <a:buSzPts val="1800"/>
-              <a:buFont typeface="Times New Roman"/>
+              <a:buFont typeface="Times New Roman" panose="02020603050405020304"/>
               <a:buChar char="●"/>
             </a:pPr>
             <a:r>
               <a:rPr lang="en-GB" sz="1800">
-                <a:latin typeface="Times New Roman"/>
-                <a:ea typeface="Times New Roman"/>
-                <a:cs typeface="Times New Roman"/>
-                <a:sym typeface="Times New Roman"/>
+                <a:latin typeface="Times New Roman" panose="02020603050405020304"/>
+                <a:ea typeface="Times New Roman" panose="02020603050405020304"/>
+                <a:cs typeface="Times New Roman" panose="02020603050405020304"/>
+                <a:sym typeface="Times New Roman" panose="02020603050405020304"/>
               </a:rPr>
               <a:t>Users can upload jpg documents as supporting evidence.</a:t>
             </a:r>
             <a:endParaRPr sz="1800">
-              <a:latin typeface="Times New Roman"/>
-              <a:ea typeface="Times New Roman"/>
-              <a:cs typeface="Times New Roman"/>
-              <a:sym typeface="Times New Roman"/>
+              <a:latin typeface="Times New Roman" panose="02020603050405020304"/>
+              <a:ea typeface="Times New Roman" panose="02020603050405020304"/>
+              <a:cs typeface="Times New Roman" panose="02020603050405020304"/>
+              <a:sym typeface="Times New Roman" panose="02020603050405020304"/>
             </a:endParaRPr>
           </a:p>
         </p:txBody>
@@ -10919,11 +11225,23 @@
   <p:clrMapOvr>
     <a:masterClrMapping/>
   </p:clrMapOvr>
+  <mc:AlternateContent xmlns:mc="http://schemas.openxmlformats.org/markup-compatibility/2006">
+    <mc:Choice xmlns:p14="http://schemas.microsoft.com/office/powerpoint/2010/main" Requires="p14">
+      <p:transition spd="slow" p14:dur="1100">
+        <p14:gallery dir="l"/>
+      </p:transition>
+    </mc:Choice>
+    <mc:Fallback>
+      <p:transition spd="slow">
+        <p:fade/>
+      </p:transition>
+    </mc:Fallback>
+  </mc:AlternateContent>
 </p:sld>
 </file>
 
 <file path=ppt/slides/slide5.xml><?xml version="1.0" encoding="utf-8"?>
-<p:sld xmlns:a="http://schemas.openxmlformats.org/drawingml/2006/main" xmlns:r="http://schemas.openxmlformats.org/officeDocument/2006/relationships" xmlns:mc="http://schemas.openxmlformats.org/markup-compatibility/2006" xmlns:mv="urn:schemas-microsoft-com:mac:vml" xmlns:p="http://schemas.openxmlformats.org/presentationml/2006/main" xmlns:c="http://schemas.openxmlformats.org/drawingml/2006/chart" xmlns:dgm="http://schemas.openxmlformats.org/drawingml/2006/diagram" xmlns:o="urn:schemas-microsoft-com:office:office" xmlns:v="urn:schemas-microsoft-com:vml" xmlns:pvml="urn:schemas-microsoft-com:office:powerpoint" xmlns:com="http://schemas.openxmlformats.org/drawingml/2006/compatibility" xmlns:p14="http://schemas.microsoft.com/office/powerpoint/2010/main" xmlns:p15="http://schemas.microsoft.com/office/powerpoint/2012/main" xmlns:ahyp="http://schemas.microsoft.com/office/drawing/2018/hyperlinkcolor">
+<p:sld xmlns:a="http://schemas.openxmlformats.org/drawingml/2006/main" xmlns:r="http://schemas.openxmlformats.org/officeDocument/2006/relationships" xmlns:p="http://schemas.openxmlformats.org/presentationml/2006/main">
   <p:cSld>
     <p:spTree>
       <p:nvGrpSpPr>
@@ -10946,9 +11264,7 @@
           <p:nvPr/>
         </p:nvPicPr>
         <p:blipFill>
-          <a:blip r:embed="rId3">
-            <a:alphaModFix/>
-          </a:blip>
+          <a:blip r:embed="rId1"/>
           <a:stretch>
             <a:fillRect/>
           </a:stretch>
@@ -10972,11 +11288,23 @@
   <p:clrMapOvr>
     <a:masterClrMapping/>
   </p:clrMapOvr>
+  <mc:AlternateContent xmlns:mc="http://schemas.openxmlformats.org/markup-compatibility/2006">
+    <mc:Choice xmlns:p14="http://schemas.microsoft.com/office/powerpoint/2010/main" Requires="p14">
+      <p:transition spd="slow" p14:dur="1100">
+        <p14:gallery dir="l"/>
+      </p:transition>
+    </mc:Choice>
+    <mc:Fallback>
+      <p:transition spd="slow">
+        <p:fade/>
+      </p:transition>
+    </mc:Fallback>
+  </mc:AlternateContent>
 </p:sld>
 </file>
 
 <file path=ppt/slides/slide6.xml><?xml version="1.0" encoding="utf-8"?>
-<p:sld xmlns:a="http://schemas.openxmlformats.org/drawingml/2006/main" xmlns:r="http://schemas.openxmlformats.org/officeDocument/2006/relationships" xmlns:mc="http://schemas.openxmlformats.org/markup-compatibility/2006" xmlns:mv="urn:schemas-microsoft-com:mac:vml" xmlns:p="http://schemas.openxmlformats.org/presentationml/2006/main" xmlns:c="http://schemas.openxmlformats.org/drawingml/2006/chart" xmlns:dgm="http://schemas.openxmlformats.org/drawingml/2006/diagram" xmlns:o="urn:schemas-microsoft-com:office:office" xmlns:v="urn:schemas-microsoft-com:vml" xmlns:pvml="urn:schemas-microsoft-com:office:powerpoint" xmlns:com="http://schemas.openxmlformats.org/drawingml/2006/compatibility" xmlns:p14="http://schemas.microsoft.com/office/powerpoint/2010/main" xmlns:p15="http://schemas.microsoft.com/office/powerpoint/2012/main" xmlns:ahyp="http://schemas.microsoft.com/office/drawing/2018/hyperlinkcolor">
+<p:sld xmlns:a="http://schemas.openxmlformats.org/drawingml/2006/main" xmlns:r="http://schemas.openxmlformats.org/officeDocument/2006/relationships" xmlns:p="http://schemas.openxmlformats.org/presentationml/2006/main">
   <p:cSld>
     <p:spTree>
       <p:nvGrpSpPr>
@@ -10999,9 +11327,7 @@
           <p:nvPr/>
         </p:nvPicPr>
         <p:blipFill>
-          <a:blip r:embed="rId3">
-            <a:alphaModFix/>
-          </a:blip>
+          <a:blip r:embed="rId1"/>
           <a:stretch>
             <a:fillRect/>
           </a:stretch>
@@ -11025,11 +11351,23 @@
   <p:clrMapOvr>
     <a:masterClrMapping/>
   </p:clrMapOvr>
+  <mc:AlternateContent xmlns:mc="http://schemas.openxmlformats.org/markup-compatibility/2006">
+    <mc:Choice xmlns:p14="http://schemas.microsoft.com/office/powerpoint/2010/main" Requires="p14">
+      <p:transition spd="slow" p14:dur="1100">
+        <p14:gallery dir="l"/>
+      </p:transition>
+    </mc:Choice>
+    <mc:Fallback>
+      <p:transition spd="slow">
+        <p:fade/>
+      </p:transition>
+    </mc:Fallback>
+  </mc:AlternateContent>
 </p:sld>
 </file>
 
 <file path=ppt/slides/slide7.xml><?xml version="1.0" encoding="utf-8"?>
-<p:sld xmlns:a="http://schemas.openxmlformats.org/drawingml/2006/main" xmlns:r="http://schemas.openxmlformats.org/officeDocument/2006/relationships" xmlns:mc="http://schemas.openxmlformats.org/markup-compatibility/2006" xmlns:mv="urn:schemas-microsoft-com:mac:vml" xmlns:p="http://schemas.openxmlformats.org/presentationml/2006/main" xmlns:c="http://schemas.openxmlformats.org/drawingml/2006/chart" xmlns:dgm="http://schemas.openxmlformats.org/drawingml/2006/diagram" xmlns:o="urn:schemas-microsoft-com:office:office" xmlns:v="urn:schemas-microsoft-com:vml" xmlns:pvml="urn:schemas-microsoft-com:office:powerpoint" xmlns:com="http://schemas.openxmlformats.org/drawingml/2006/compatibility" xmlns:p14="http://schemas.microsoft.com/office/powerpoint/2010/main" xmlns:p15="http://schemas.microsoft.com/office/powerpoint/2012/main" xmlns:ahyp="http://schemas.microsoft.com/office/drawing/2018/hyperlinkcolor">
+<p:sld xmlns:a="http://schemas.openxmlformats.org/drawingml/2006/main" xmlns:r="http://schemas.openxmlformats.org/officeDocument/2006/relationships" xmlns:p="http://schemas.openxmlformats.org/presentationml/2006/main">
   <p:cSld>
     <p:spTree>
       <p:nvGrpSpPr>
@@ -11052,9 +11390,7 @@
           <p:nvPr/>
         </p:nvPicPr>
         <p:blipFill>
-          <a:blip r:embed="rId3">
-            <a:alphaModFix/>
-          </a:blip>
+          <a:blip r:embed="rId1"/>
           <a:stretch>
             <a:fillRect/>
           </a:stretch>
@@ -11078,11 +11414,23 @@
   <p:clrMapOvr>
     <a:masterClrMapping/>
   </p:clrMapOvr>
+  <mc:AlternateContent xmlns:mc="http://schemas.openxmlformats.org/markup-compatibility/2006">
+    <mc:Choice xmlns:p14="http://schemas.microsoft.com/office/powerpoint/2010/main" Requires="p14">
+      <p:transition spd="slow" p14:dur="1100">
+        <p14:gallery dir="l"/>
+      </p:transition>
+    </mc:Choice>
+    <mc:Fallback>
+      <p:transition spd="slow">
+        <p:fade/>
+      </p:transition>
+    </mc:Fallback>
+  </mc:AlternateContent>
 </p:sld>
 </file>
 
 <file path=ppt/slides/slide8.xml><?xml version="1.0" encoding="utf-8"?>
-<p:sld xmlns:a="http://schemas.openxmlformats.org/drawingml/2006/main" xmlns:r="http://schemas.openxmlformats.org/officeDocument/2006/relationships" xmlns:mc="http://schemas.openxmlformats.org/markup-compatibility/2006" xmlns:mv="urn:schemas-microsoft-com:mac:vml" xmlns:p="http://schemas.openxmlformats.org/presentationml/2006/main" xmlns:c="http://schemas.openxmlformats.org/drawingml/2006/chart" xmlns:dgm="http://schemas.openxmlformats.org/drawingml/2006/diagram" xmlns:o="urn:schemas-microsoft-com:office:office" xmlns:v="urn:schemas-microsoft-com:vml" xmlns:pvml="urn:schemas-microsoft-com:office:powerpoint" xmlns:com="http://schemas.openxmlformats.org/drawingml/2006/compatibility" xmlns:p14="http://schemas.microsoft.com/office/powerpoint/2010/main" xmlns:p15="http://schemas.microsoft.com/office/powerpoint/2012/main" xmlns:ahyp="http://schemas.microsoft.com/office/drawing/2018/hyperlinkcolor">
+<p:sld xmlns:a="http://schemas.openxmlformats.org/drawingml/2006/main" xmlns:r="http://schemas.openxmlformats.org/officeDocument/2006/relationships" xmlns:p="http://schemas.openxmlformats.org/presentationml/2006/main">
   <p:cSld>
     <p:spTree>
       <p:nvGrpSpPr>
@@ -11118,12 +11466,12 @@
           </a:ln>
         </p:spPr>
         <p:txBody>
-          <a:bodyPr anchorCtr="0" anchor="t" bIns="91425" lIns="91425" spcFirstLastPara="1" rIns="91425" wrap="square" tIns="91425">
+          <a:bodyPr spcFirstLastPara="1" wrap="square" lIns="91425" tIns="91425" rIns="91425" bIns="91425" anchor="t" anchorCtr="0">
             <a:noAutofit/>
           </a:bodyPr>
           <a:lstStyle/>
           <a:p>
-            <a:pPr indent="0" lvl="0" marL="0" rtl="0" algn="l">
+            <a:pPr marL="0" lvl="0" indent="0" algn="l" rtl="0">
               <a:spcBef>
                 <a:spcPts val="0"/>
               </a:spcBef>
@@ -11137,10 +11485,10 @@
                 <a:solidFill>
                   <a:schemeClr val="dk1"/>
                 </a:solidFill>
-                <a:latin typeface="Times New Roman"/>
-                <a:ea typeface="Times New Roman"/>
-                <a:cs typeface="Times New Roman"/>
-                <a:sym typeface="Times New Roman"/>
+                <a:latin typeface="Times New Roman" panose="02020603050405020304"/>
+                <a:ea typeface="Times New Roman" panose="02020603050405020304"/>
+                <a:cs typeface="Times New Roman" panose="02020603050405020304"/>
+                <a:sym typeface="Times New Roman" panose="02020603050405020304"/>
               </a:rPr>
               <a:t>User Model</a:t>
             </a:r>
@@ -11148,10 +11496,10 @@
               <a:solidFill>
                 <a:schemeClr val="dk1"/>
               </a:solidFill>
-              <a:latin typeface="Times New Roman"/>
-              <a:ea typeface="Times New Roman"/>
-              <a:cs typeface="Times New Roman"/>
-              <a:sym typeface="Times New Roman"/>
+              <a:latin typeface="Times New Roman" panose="02020603050405020304"/>
+              <a:ea typeface="Times New Roman" panose="02020603050405020304"/>
+              <a:cs typeface="Times New Roman" panose="02020603050405020304"/>
+              <a:sym typeface="Times New Roman" panose="02020603050405020304"/>
             </a:endParaRPr>
           </a:p>
         </p:txBody>
@@ -11163,9 +11511,7 @@
           <p:nvPr/>
         </p:nvPicPr>
         <p:blipFill>
-          <a:blip r:embed="rId3">
-            <a:alphaModFix/>
-          </a:blip>
+          <a:blip r:embed="rId1"/>
           <a:stretch>
             <a:fillRect/>
           </a:stretch>
@@ -11189,11 +11535,23 @@
   <p:clrMapOvr>
     <a:masterClrMapping/>
   </p:clrMapOvr>
+  <mc:AlternateContent xmlns:mc="http://schemas.openxmlformats.org/markup-compatibility/2006">
+    <mc:Choice xmlns:p14="http://schemas.microsoft.com/office/powerpoint/2010/main" Requires="p14">
+      <p:transition spd="slow" p14:dur="1100">
+        <p14:gallery dir="l"/>
+      </p:transition>
+    </mc:Choice>
+    <mc:Fallback>
+      <p:transition spd="slow">
+        <p:fade/>
+      </p:transition>
+    </mc:Fallback>
+  </mc:AlternateContent>
 </p:sld>
 </file>
 
 <file path=ppt/slides/slide9.xml><?xml version="1.0" encoding="utf-8"?>
-<p:sld xmlns:a="http://schemas.openxmlformats.org/drawingml/2006/main" xmlns:r="http://schemas.openxmlformats.org/officeDocument/2006/relationships" xmlns:mc="http://schemas.openxmlformats.org/markup-compatibility/2006" xmlns:mv="urn:schemas-microsoft-com:mac:vml" xmlns:p="http://schemas.openxmlformats.org/presentationml/2006/main" xmlns:c="http://schemas.openxmlformats.org/drawingml/2006/chart" xmlns:dgm="http://schemas.openxmlformats.org/drawingml/2006/diagram" xmlns:o="urn:schemas-microsoft-com:office:office" xmlns:v="urn:schemas-microsoft-com:vml" xmlns:pvml="urn:schemas-microsoft-com:office:powerpoint" xmlns:com="http://schemas.openxmlformats.org/drawingml/2006/compatibility" xmlns:p14="http://schemas.microsoft.com/office/powerpoint/2010/main" xmlns:p15="http://schemas.microsoft.com/office/powerpoint/2012/main" xmlns:ahyp="http://schemas.microsoft.com/office/drawing/2018/hyperlinkcolor">
+<p:sld xmlns:a="http://schemas.openxmlformats.org/drawingml/2006/main" xmlns:r="http://schemas.openxmlformats.org/officeDocument/2006/relationships" xmlns:p="http://schemas.openxmlformats.org/presentationml/2006/main">
   <p:cSld>
     <p:spTree>
       <p:nvGrpSpPr>
@@ -11229,12 +11587,12 @@
           </a:ln>
         </p:spPr>
         <p:txBody>
-          <a:bodyPr anchorCtr="0" anchor="t" bIns="91425" lIns="91425" spcFirstLastPara="1" rIns="91425" wrap="square" tIns="91425">
+          <a:bodyPr spcFirstLastPara="1" wrap="square" lIns="91425" tIns="91425" rIns="91425" bIns="91425" anchor="t" anchorCtr="0">
             <a:noAutofit/>
           </a:bodyPr>
           <a:lstStyle/>
           <a:p>
-            <a:pPr indent="0" lvl="0" marL="0" rtl="0" algn="l">
+            <a:pPr marL="0" lvl="0" indent="0" algn="l" rtl="0">
               <a:spcBef>
                 <a:spcPts val="0"/>
               </a:spcBef>
@@ -11248,10 +11606,10 @@
                 <a:solidFill>
                   <a:schemeClr val="dk1"/>
                 </a:solidFill>
-                <a:latin typeface="Times New Roman"/>
-                <a:ea typeface="Times New Roman"/>
-                <a:cs typeface="Times New Roman"/>
-                <a:sym typeface="Times New Roman"/>
+                <a:latin typeface="Times New Roman" panose="02020603050405020304"/>
+                <a:ea typeface="Times New Roman" panose="02020603050405020304"/>
+                <a:cs typeface="Times New Roman" panose="02020603050405020304"/>
+                <a:sym typeface="Times New Roman" panose="02020603050405020304"/>
               </a:rPr>
               <a:t>Reimbursement_request</a:t>
             </a:r>
@@ -11260,10 +11618,10 @@
                 <a:solidFill>
                   <a:schemeClr val="dk1"/>
                 </a:solidFill>
-                <a:latin typeface="Times New Roman"/>
-                <a:ea typeface="Times New Roman"/>
-                <a:cs typeface="Times New Roman"/>
-                <a:sym typeface="Times New Roman"/>
+                <a:latin typeface="Times New Roman" panose="02020603050405020304"/>
+                <a:ea typeface="Times New Roman" panose="02020603050405020304"/>
+                <a:cs typeface="Times New Roman" panose="02020603050405020304"/>
+                <a:sym typeface="Times New Roman" panose="02020603050405020304"/>
               </a:rPr>
               <a:t> Model</a:t>
             </a:r>
@@ -11271,10 +11629,10 @@
               <a:solidFill>
                 <a:schemeClr val="dk1"/>
               </a:solidFill>
-              <a:latin typeface="Times New Roman"/>
-              <a:ea typeface="Times New Roman"/>
-              <a:cs typeface="Times New Roman"/>
-              <a:sym typeface="Times New Roman"/>
+              <a:latin typeface="Times New Roman" panose="02020603050405020304"/>
+              <a:ea typeface="Times New Roman" panose="02020603050405020304"/>
+              <a:cs typeface="Times New Roman" panose="02020603050405020304"/>
+              <a:sym typeface="Times New Roman" panose="02020603050405020304"/>
             </a:endParaRPr>
           </a:p>
         </p:txBody>
@@ -11286,9 +11644,7 @@
           <p:nvPr/>
         </p:nvPicPr>
         <p:blipFill>
-          <a:blip r:embed="rId3">
-            <a:alphaModFix/>
-          </a:blip>
+          <a:blip r:embed="rId1"/>
           <a:stretch>
             <a:fillRect/>
           </a:stretch>
@@ -11312,11 +11668,23 @@
   <p:clrMapOvr>
     <a:masterClrMapping/>
   </p:clrMapOvr>
+  <mc:AlternateContent xmlns:mc="http://schemas.openxmlformats.org/markup-compatibility/2006">
+    <mc:Choice xmlns:p14="http://schemas.microsoft.com/office/powerpoint/2010/main" Requires="p14">
+      <p:transition spd="slow" p14:dur="1100">
+        <p14:gallery dir="l"/>
+      </p:transition>
+    </mc:Choice>
+    <mc:Fallback>
+      <p:transition spd="slow">
+        <p:fade/>
+      </p:transition>
+    </mc:Fallback>
+  </mc:AlternateContent>
 </p:sld>
 </file>
 
 <file path=ppt/theme/theme1.xml><?xml version="1.0" encoding="utf-8"?>
-<a:theme xmlns:a="http://schemas.openxmlformats.org/drawingml/2006/main" xmlns:r="http://schemas.openxmlformats.org/officeDocument/2006/relationships" name="Simple Dark">
+<a:theme xmlns:a="http://schemas.openxmlformats.org/drawingml/2006/main" name="Simple Dark">
   <a:themeElements>
     <a:clrScheme name="Simple Dark">
       <a:dk1>
@@ -11591,11 +11959,16 @@
       </a:bgFillStyleLst>
     </a:fmtScheme>
   </a:themeElements>
+  <a:extLst>
+    <a:ext uri="{05A4C25C-085E-4340-85A3-A5531E510DB2}">
+      <thm15:themeFamily xmlns:thm15="http://schemas.microsoft.com/office/thememl/2012/main" name="Office Theme" id="{62F939B6-93AF-4DB8-9C6B-D6C7DFDC589F}" vid="{4A3C46E8-61CC-4603-A589-7422A47A8E4A}"/>
+    </a:ext>
+  </a:extLst>
 </a:theme>
 </file>
 
 <file path=ppt/theme/theme2.xml><?xml version="1.0" encoding="utf-8"?>
-<a:theme xmlns:a="http://schemas.openxmlformats.org/drawingml/2006/main" xmlns:r="http://schemas.openxmlformats.org/officeDocument/2006/relationships">
+<a:theme xmlns:a="http://schemas.openxmlformats.org/drawingml/2006/main">
   <a:themeElements>
     <a:clrScheme name="Default">
       <a:dk1>
@@ -11870,5 +12243,10 @@
       </a:bgFillStyleLst>
     </a:fmtScheme>
   </a:themeElements>
+  <a:extLst>
+    <a:ext uri="{05A4C25C-085E-4340-85A3-A5531E510DB2}">
+      <thm15:themeFamily xmlns:thm15="http://schemas.microsoft.com/office/thememl/2012/main" name="Office Theme" id="{62F939B6-93AF-4DB8-9C6B-D6C7DFDC589F}" vid="{4A3C46E8-61CC-4603-A589-7422A47A8E4A}"/>
+    </a:ext>
+  </a:extLst>
 </a:theme>
 </file>
--- a/Reimbursement Portal-1.pptx
+++ b/Reimbursement Portal-1.pptx
@@ -9049,7 +9049,7 @@
         <p:spPr>
           <a:xfrm>
             <a:off x="787400" y="1343025"/>
-            <a:ext cx="7334250" cy="1891030"/>
+            <a:ext cx="7334250" cy="1748155"/>
           </a:xfrm>
           <a:prstGeom prst="rect">
             <a:avLst/>
@@ -9174,66 +9174,6 @@
               </a:rPr>
               <a:t>Make UI more attractive.</a:t>
             </a:r>
-            <a:endParaRPr lang="en-GB" sz="1800">
-              <a:solidFill>
-                <a:schemeClr val="dk1"/>
-              </a:solidFill>
-              <a:latin typeface="Times New Roman" panose="02020603050405020304"/>
-              <a:ea typeface="Times New Roman" panose="02020603050405020304"/>
-              <a:cs typeface="Times New Roman" panose="02020603050405020304"/>
-              <a:sym typeface="Times New Roman" panose="02020603050405020304"/>
-            </a:endParaRPr>
-          </a:p>
-          <a:p>
-            <a:pPr marL="457200" lvl="0" indent="-298450" algn="l" rtl="0">
-              <a:lnSpc>
-                <a:spcPct val="150000"/>
-              </a:lnSpc>
-              <a:spcBef>
-                <a:spcPts val="0"/>
-              </a:spcBef>
-              <a:spcAft>
-                <a:spcPts val="0"/>
-              </a:spcAft>
-              <a:buClr>
-                <a:schemeClr val="dk1"/>
-              </a:buClr>
-              <a:buSzPts val="1100"/>
-              <a:buFont typeface="Times New Roman" panose="02020603050405020304"/>
-              <a:buChar char="●"/>
-            </a:pPr>
-            <a:r>
-              <a:rPr lang="en-US" altLang="en-GB" sz="1800">
-                <a:solidFill>
-                  <a:schemeClr val="dk1"/>
-                </a:solidFill>
-                <a:latin typeface="Times New Roman" panose="02020603050405020304"/>
-                <a:ea typeface="Times New Roman" panose="02020603050405020304"/>
-                <a:cs typeface="Times New Roman" panose="02020603050405020304"/>
-                <a:sym typeface="Times New Roman" panose="02020603050405020304"/>
-              </a:rPr>
-              <a:t>Updation of user details in UI.</a:t>
-            </a:r>
-            <a:endParaRPr sz="1800">
-              <a:solidFill>
-                <a:schemeClr val="dk1"/>
-              </a:solidFill>
-              <a:latin typeface="Times New Roman" panose="02020603050405020304"/>
-              <a:ea typeface="Times New Roman" panose="02020603050405020304"/>
-              <a:cs typeface="Times New Roman" panose="02020603050405020304"/>
-              <a:sym typeface="Times New Roman" panose="02020603050405020304"/>
-            </a:endParaRPr>
-          </a:p>
-          <a:p>
-            <a:pPr marL="0" lvl="0" indent="0" algn="l" rtl="0">
-              <a:spcBef>
-                <a:spcPts val="1400"/>
-              </a:spcBef>
-              <a:spcAft>
-                <a:spcPts val="0"/>
-              </a:spcAft>
-              <a:buNone/>
-            </a:pPr>
             <a:endParaRPr sz="1800">
               <a:solidFill>
                 <a:schemeClr val="lt2"/>
@@ -9702,8 +9642,10 @@
       </p:sp>
       <p:pic>
         <p:nvPicPr>
-          <p:cNvPr id="154" name="Google Shape;154;p30"/>
-          <p:cNvPicPr preferRelativeResize="0"/>
+          <p:cNvPr id="1" name="Picture 0" descr="Screenshot 2024-06-05 at 02-00-57 Reimbursement Portal"/>
+          <p:cNvPicPr>
+            <a:picLocks noChangeAspect="1"/>
+          </p:cNvPicPr>
           <p:nvPr/>
         </p:nvPicPr>
         <p:blipFill>
@@ -9714,16 +9656,12 @@
         </p:blipFill>
         <p:spPr>
           <a:xfrm>
-            <a:off x="962025" y="881050"/>
-            <a:ext cx="6896098" cy="4052899"/>
+            <a:off x="814705" y="766445"/>
+            <a:ext cx="7498715" cy="4255770"/>
           </a:xfrm>
           <a:prstGeom prst="rect">
             <a:avLst/>
           </a:prstGeom>
-          <a:noFill/>
-          <a:ln>
-            <a:noFill/>
-          </a:ln>
         </p:spPr>
       </p:pic>
     </p:spTree>
@@ -9823,8 +9761,10 @@
       </p:sp>
       <p:pic>
         <p:nvPicPr>
-          <p:cNvPr id="160" name="Google Shape;160;p31"/>
-          <p:cNvPicPr preferRelativeResize="0"/>
+          <p:cNvPr id="1" name="Picture 0" descr="Screenshot 2024-06-05 at 01-59-21 Reimbursement Portal"/>
+          <p:cNvPicPr>
+            <a:picLocks noChangeAspect="1"/>
+          </p:cNvPicPr>
           <p:nvPr/>
         </p:nvPicPr>
         <p:blipFill>
@@ -9835,16 +9775,12 @@
         </p:blipFill>
         <p:spPr>
           <a:xfrm>
-            <a:off x="971550" y="853525"/>
-            <a:ext cx="6715126" cy="4137576"/>
+            <a:off x="892810" y="785495"/>
+            <a:ext cx="7372985" cy="4214495"/>
           </a:xfrm>
           <a:prstGeom prst="rect">
             <a:avLst/>
           </a:prstGeom>
-          <a:noFill/>
-          <a:ln>
-            <a:noFill/>
-          </a:ln>
         </p:spPr>
       </p:pic>
     </p:spTree>
@@ -10188,8 +10124,10 @@
       </p:sp>
       <p:pic>
         <p:nvPicPr>
-          <p:cNvPr id="166" name="Google Shape;166;p32"/>
-          <p:cNvPicPr preferRelativeResize="0"/>
+          <p:cNvPr id="3" name="Picture 2" descr="Screenshot 2024-06-05 at 01-57-15 Reimbursement Portal"/>
+          <p:cNvPicPr>
+            <a:picLocks noChangeAspect="1"/>
+          </p:cNvPicPr>
           <p:nvPr/>
         </p:nvPicPr>
         <p:blipFill>
@@ -10200,16 +10138,12 @@
         </p:blipFill>
         <p:spPr>
           <a:xfrm>
-            <a:off x="1062038" y="919150"/>
-            <a:ext cx="7019925" cy="4052900"/>
+            <a:off x="844550" y="785495"/>
+            <a:ext cx="7455535" cy="4324350"/>
           </a:xfrm>
           <a:prstGeom prst="rect">
             <a:avLst/>
           </a:prstGeom>
-          <a:noFill/>
-          <a:ln>
-            <a:noFill/>
-          </a:ln>
         </p:spPr>
       </p:pic>
     </p:spTree>

--- a/Reimbursement Portal-1.pptx
+++ b/Reimbursement Portal-1.pptx
@@ -15,20 +15,21 @@
     <p:sldId id="260" r:id="rId8"/>
     <p:sldId id="261" r:id="rId9"/>
     <p:sldId id="262" r:id="rId10"/>
-    <p:sldId id="263" r:id="rId11"/>
-    <p:sldId id="264" r:id="rId12"/>
-    <p:sldId id="265" r:id="rId13"/>
-    <p:sldId id="266" r:id="rId14"/>
-    <p:sldId id="267" r:id="rId15"/>
-    <p:sldId id="268" r:id="rId16"/>
-    <p:sldId id="269" r:id="rId17"/>
-    <p:sldId id="270" r:id="rId18"/>
-    <p:sldId id="271" r:id="rId19"/>
-    <p:sldId id="272" r:id="rId20"/>
-    <p:sldId id="273" r:id="rId21"/>
-    <p:sldId id="274" r:id="rId22"/>
-    <p:sldId id="275" r:id="rId23"/>
-    <p:sldId id="276" r:id="rId24"/>
+    <p:sldId id="277" r:id="rId11"/>
+    <p:sldId id="263" r:id="rId12"/>
+    <p:sldId id="264" r:id="rId13"/>
+    <p:sldId id="265" r:id="rId14"/>
+    <p:sldId id="266" r:id="rId15"/>
+    <p:sldId id="267" r:id="rId16"/>
+    <p:sldId id="268" r:id="rId17"/>
+    <p:sldId id="269" r:id="rId18"/>
+    <p:sldId id="270" r:id="rId19"/>
+    <p:sldId id="271" r:id="rId20"/>
+    <p:sldId id="272" r:id="rId21"/>
+    <p:sldId id="273" r:id="rId22"/>
+    <p:sldId id="274" r:id="rId23"/>
+    <p:sldId id="275" r:id="rId24"/>
+    <p:sldId id="276" r:id="rId25"/>
   </p:sldIdLst>
   <p:sldSz cx="9144000" cy="5143500"/>
   <p:notesSz cx="6858000" cy="9144000"/>
@@ -7831,6 +7832,139 @@
   <p:cSld>
     <p:spTree>
       <p:nvGrpSpPr>
+        <p:cNvPr id="98" name="Shape 98"/>
+        <p:cNvGrpSpPr/>
+        <p:nvPr/>
+      </p:nvGrpSpPr>
+      <p:grpSpPr>
+        <a:xfrm>
+          <a:off x="0" y="0"/>
+          <a:ext cx="0" cy="0"/>
+          <a:chOff x="0" y="0"/>
+          <a:chExt cx="0" cy="0"/>
+        </a:xfrm>
+      </p:grpSpPr>
+      <p:sp>
+        <p:nvSpPr>
+          <p:cNvPr id="99" name="Google Shape;99;p21"/>
+          <p:cNvSpPr txBox="1"/>
+          <p:nvPr/>
+        </p:nvSpPr>
+        <p:spPr>
+          <a:xfrm>
+            <a:off x="2100188" y="108750"/>
+            <a:ext cx="4667400" cy="628800"/>
+          </a:xfrm>
+          <a:prstGeom prst="rect">
+            <a:avLst/>
+          </a:prstGeom>
+          <a:noFill/>
+          <a:ln>
+            <a:noFill/>
+          </a:ln>
+        </p:spPr>
+        <p:txBody>
+          <a:bodyPr spcFirstLastPara="1" wrap="square" lIns="91425" tIns="91425" rIns="91425" bIns="91425" anchor="t" anchorCtr="0">
+            <a:noAutofit/>
+          </a:bodyPr>
+          <a:lstStyle/>
+          <a:p>
+            <a:pPr marL="0" lvl="0" indent="0" algn="l" rtl="0">
+              <a:spcBef>
+                <a:spcPts val="0"/>
+              </a:spcBef>
+              <a:spcAft>
+                <a:spcPts val="0"/>
+              </a:spcAft>
+              <a:buNone/>
+            </a:pPr>
+            <a:r>
+              <a:rPr lang="en-GB" sz="2800">
+                <a:solidFill>
+                  <a:schemeClr val="dk1"/>
+                </a:solidFill>
+                <a:latin typeface="Times New Roman" panose="02020603050405020304"/>
+                <a:ea typeface="Times New Roman" panose="02020603050405020304"/>
+                <a:cs typeface="Times New Roman" panose="02020603050405020304"/>
+                <a:sym typeface="Times New Roman" panose="02020603050405020304"/>
+              </a:rPr>
+              <a:t>Reimbursement_request</a:t>
+            </a:r>
+            <a:r>
+              <a:rPr lang="en-GB" sz="2800">
+                <a:solidFill>
+                  <a:schemeClr val="dk1"/>
+                </a:solidFill>
+                <a:latin typeface="Times New Roman" panose="02020603050405020304"/>
+                <a:ea typeface="Times New Roman" panose="02020603050405020304"/>
+                <a:cs typeface="Times New Roman" panose="02020603050405020304"/>
+                <a:sym typeface="Times New Roman" panose="02020603050405020304"/>
+              </a:rPr>
+              <a:t> Model</a:t>
+            </a:r>
+            <a:endParaRPr sz="2800">
+              <a:solidFill>
+                <a:schemeClr val="dk1"/>
+              </a:solidFill>
+              <a:latin typeface="Times New Roman" panose="02020603050405020304"/>
+              <a:ea typeface="Times New Roman" panose="02020603050405020304"/>
+              <a:cs typeface="Times New Roman" panose="02020603050405020304"/>
+              <a:sym typeface="Times New Roman" panose="02020603050405020304"/>
+            </a:endParaRPr>
+          </a:p>
+        </p:txBody>
+      </p:sp>
+      <p:pic>
+        <p:nvPicPr>
+          <p:cNvPr id="100" name="Google Shape;100;p21"/>
+          <p:cNvPicPr preferRelativeResize="0"/>
+          <p:nvPr/>
+        </p:nvPicPr>
+        <p:blipFill>
+          <a:blip r:embed="rId1"/>
+          <a:stretch>
+            <a:fillRect/>
+          </a:stretch>
+        </p:blipFill>
+        <p:spPr>
+          <a:xfrm>
+            <a:off x="1030075" y="873625"/>
+            <a:ext cx="6943724" cy="4051150"/>
+          </a:xfrm>
+          <a:prstGeom prst="rect">
+            <a:avLst/>
+          </a:prstGeom>
+          <a:noFill/>
+          <a:ln>
+            <a:noFill/>
+          </a:ln>
+        </p:spPr>
+      </p:pic>
+    </p:spTree>
+  </p:cSld>
+  <p:clrMapOvr>
+    <a:masterClrMapping/>
+  </p:clrMapOvr>
+  <mc:AlternateContent xmlns:mc="http://schemas.openxmlformats.org/markup-compatibility/2006">
+    <mc:Choice xmlns:p14="http://schemas.microsoft.com/office/powerpoint/2010/main" Requires="p14">
+      <p:transition spd="slow" p14:dur="1100">
+        <p14:gallery dir="l"/>
+      </p:transition>
+    </mc:Choice>
+    <mc:Fallback>
+      <p:transition spd="slow">
+        <p:fade/>
+      </p:transition>
+    </mc:Fallback>
+  </mc:AlternateContent>
+</p:sld>
+</file>
+
+<file path=ppt/slides/slide11.xml><?xml version="1.0" encoding="utf-8"?>
+<p:sld xmlns:a="http://schemas.openxmlformats.org/drawingml/2006/main" xmlns:r="http://schemas.openxmlformats.org/officeDocument/2006/relationships" xmlns:p="http://schemas.openxmlformats.org/presentationml/2006/main">
+  <p:cSld>
+    <p:spTree>
+      <p:nvGrpSpPr>
         <p:cNvPr id="104" name="Shape 104"/>
         <p:cNvGrpSpPr/>
         <p:nvPr/>
@@ -8001,7 +8135,7 @@
 </p:sld>
 </file>
 
-<file path=ppt/slides/slide11.xml><?xml version="1.0" encoding="utf-8"?>
+<file path=ppt/slides/slide12.xml><?xml version="1.0" encoding="utf-8"?>
 <p:sld xmlns:a="http://schemas.openxmlformats.org/drawingml/2006/main" xmlns:r="http://schemas.openxmlformats.org/officeDocument/2006/relationships" xmlns:p="http://schemas.openxmlformats.org/presentationml/2006/main">
   <p:cSld>
     <p:spTree>
@@ -8411,7 +8545,7 @@
 </p:sld>
 </file>
 
-<file path=ppt/slides/slide12.xml><?xml version="1.0" encoding="utf-8"?>
+<file path=ppt/slides/slide13.xml><?xml version="1.0" encoding="utf-8"?>
 <p:sld xmlns:a="http://schemas.openxmlformats.org/drawingml/2006/main" xmlns:r="http://schemas.openxmlformats.org/officeDocument/2006/relationships" xmlns:p="http://schemas.openxmlformats.org/presentationml/2006/main">
   <p:cSld>
     <p:spTree>
@@ -8474,7 +8608,7 @@
 </p:sld>
 </file>
 
-<file path=ppt/slides/slide13.xml><?xml version="1.0" encoding="utf-8"?>
+<file path=ppt/slides/slide14.xml><?xml version="1.0" encoding="utf-8"?>
 <p:sld xmlns:a="http://schemas.openxmlformats.org/drawingml/2006/main" xmlns:r="http://schemas.openxmlformats.org/officeDocument/2006/relationships" xmlns:p="http://schemas.openxmlformats.org/presentationml/2006/main">
   <p:cSld>
     <p:spTree>
@@ -8778,7 +8912,7 @@
               </a:rPr>
               <a:t>	Logging module for generating application logs</a:t>
             </a:r>
-            <a:endParaRPr sz="1800">
+            <a:endParaRPr lang="en-GB" sz="1800">
               <a:solidFill>
                 <a:schemeClr val="dk1"/>
               </a:solidFill>
@@ -8789,7 +8923,7 @@
             </a:endParaRPr>
           </a:p>
           <a:p>
-            <a:pPr marL="457200" lvl="0" indent="-342900" algn="l" rtl="0">
+            <a:pPr marL="114300" lvl="0" indent="0" algn="l" rtl="0">
               <a:lnSpc>
                 <a:spcPct val="150000"/>
               </a:lnSpc>
@@ -8804,20 +8938,8 @@
               </a:buClr>
               <a:buSzPts val="1800"/>
               <a:buFont typeface="Times New Roman" panose="02020603050405020304"/>
-              <a:buChar char="●"/>
+              <a:buNone/>
             </a:pPr>
-            <a:r>
-              <a:rPr lang="en-GB" sz="1800">
-                <a:solidFill>
-                  <a:schemeClr val="dk1"/>
-                </a:solidFill>
-                <a:latin typeface="Times New Roman" panose="02020603050405020304"/>
-                <a:ea typeface="Times New Roman" panose="02020603050405020304"/>
-                <a:cs typeface="Times New Roman" panose="02020603050405020304"/>
-                <a:sym typeface="Times New Roman" panose="02020603050405020304"/>
-              </a:rPr>
-              <a:t>        UnitTest framework for testing.</a:t>
-            </a:r>
             <a:endParaRPr sz="1800">
               <a:solidFill>
                 <a:schemeClr val="dk1"/>
@@ -8891,7 +9013,19 @@
                 <a:cs typeface="Times New Roman" panose="02020603050405020304"/>
                 <a:sym typeface="Times New Roman" panose="02020603050405020304"/>
               </a:rPr>
-              <a:t>    	REST API developed in Python</a:t>
+              <a:t>    	REST API developed in </a:t>
+            </a:r>
+            <a:r>
+              <a:rPr lang="en-US" altLang="en-GB" sz="1800">
+                <a:solidFill>
+                  <a:schemeClr val="dk1"/>
+                </a:solidFill>
+                <a:latin typeface="Times New Roman" panose="02020603050405020304"/>
+                <a:ea typeface="Times New Roman" panose="02020603050405020304"/>
+                <a:cs typeface="Times New Roman" panose="02020603050405020304"/>
+                <a:sym typeface="Times New Roman" panose="02020603050405020304"/>
+              </a:rPr>
+              <a:t>Flask</a:t>
             </a:r>
             <a:endParaRPr sz="1800">
               <a:solidFill>
@@ -8965,7 +9099,7 @@
 </p:sld>
 </file>
 
-<file path=ppt/slides/slide14.xml><?xml version="1.0" encoding="utf-8"?>
+<file path=ppt/slides/slide15.xml><?xml version="1.0" encoding="utf-8"?>
 <p:sld xmlns:a="http://schemas.openxmlformats.org/drawingml/2006/main" xmlns:r="http://schemas.openxmlformats.org/officeDocument/2006/relationships" xmlns:p="http://schemas.openxmlformats.org/presentationml/2006/main">
   <p:cSld>
     <p:spTree>
@@ -9202,7 +9336,7 @@
 </p:sld>
 </file>
 
-<file path=ppt/slides/slide15.xml><?xml version="1.0" encoding="utf-8"?>
+<file path=ppt/slides/slide16.xml><?xml version="1.0" encoding="utf-8"?>
 <p:sld xmlns:a="http://schemas.openxmlformats.org/drawingml/2006/main" xmlns:r="http://schemas.openxmlformats.org/officeDocument/2006/relationships" xmlns:p="http://schemas.openxmlformats.org/presentationml/2006/main">
   <p:cSld>
     <p:spTree>
@@ -9323,7 +9457,7 @@
 </p:sld>
 </file>
 
-<file path=ppt/slides/slide16.xml><?xml version="1.0" encoding="utf-8"?>
+<file path=ppt/slides/slide17.xml><?xml version="1.0" encoding="utf-8"?>
 <p:sld xmlns:a="http://schemas.openxmlformats.org/drawingml/2006/main" xmlns:r="http://schemas.openxmlformats.org/officeDocument/2006/relationships" xmlns:p="http://schemas.openxmlformats.org/presentationml/2006/main">
   <p:cSld>
     <p:spTree>
@@ -9444,7 +9578,7 @@
 </p:sld>
 </file>
 
-<file path=ppt/slides/slide17.xml><?xml version="1.0" encoding="utf-8"?>
+<file path=ppt/slides/slide18.xml><?xml version="1.0" encoding="utf-8"?>
 <p:sld xmlns:a="http://schemas.openxmlformats.org/drawingml/2006/main" xmlns:r="http://schemas.openxmlformats.org/officeDocument/2006/relationships" xmlns:p="http://schemas.openxmlformats.org/presentationml/2006/main">
   <p:cSld>
     <p:spTree>
@@ -9565,7 +9699,7 @@
 </p:sld>
 </file>
 
-<file path=ppt/slides/slide18.xml><?xml version="1.0" encoding="utf-8"?>
+<file path=ppt/slides/slide19.xml><?xml version="1.0" encoding="utf-8"?>
 <p:sld xmlns:a="http://schemas.openxmlformats.org/drawingml/2006/main" xmlns:r="http://schemas.openxmlformats.org/officeDocument/2006/relationships" xmlns:p="http://schemas.openxmlformats.org/presentationml/2006/main">
   <p:cSld>
     <p:spTree>
@@ -9642,7 +9776,7 @@
       </p:sp>
       <p:pic>
         <p:nvPicPr>
-          <p:cNvPr id="1" name="Picture 0" descr="Screenshot 2024-06-05 at 02-00-57 Reimbursement Portal"/>
+          <p:cNvPr id="2" name="Picture 1" descr="Screenshot 2024-06-05 at 02-00-57 Reimbursement Portal"/>
           <p:cNvPicPr>
             <a:picLocks noChangeAspect="1"/>
           </p:cNvPicPr>
@@ -9658,125 +9792,6 @@
           <a:xfrm>
             <a:off x="814705" y="766445"/>
             <a:ext cx="7498715" cy="4255770"/>
-          </a:xfrm>
-          <a:prstGeom prst="rect">
-            <a:avLst/>
-          </a:prstGeom>
-        </p:spPr>
-      </p:pic>
-    </p:spTree>
-  </p:cSld>
-  <p:clrMapOvr>
-    <a:masterClrMapping/>
-  </p:clrMapOvr>
-  <mc:AlternateContent xmlns:mc="http://schemas.openxmlformats.org/markup-compatibility/2006">
-    <mc:Choice xmlns:p14="http://schemas.microsoft.com/office/powerpoint/2010/main" Requires="p14">
-      <p:transition spd="slow" p14:dur="1100">
-        <p14:gallery dir="l"/>
-      </p:transition>
-    </mc:Choice>
-    <mc:Fallback>
-      <p:transition spd="slow">
-        <p:fade/>
-      </p:transition>
-    </mc:Fallback>
-  </mc:AlternateContent>
-</p:sld>
-</file>
-
-<file path=ppt/slides/slide19.xml><?xml version="1.0" encoding="utf-8"?>
-<p:sld xmlns:a="http://schemas.openxmlformats.org/drawingml/2006/main" xmlns:r="http://schemas.openxmlformats.org/officeDocument/2006/relationships" xmlns:p="http://schemas.openxmlformats.org/presentationml/2006/main">
-  <p:cSld>
-    <p:spTree>
-      <p:nvGrpSpPr>
-        <p:cNvPr id="158" name="Shape 158"/>
-        <p:cNvGrpSpPr/>
-        <p:nvPr/>
-      </p:nvGrpSpPr>
-      <p:grpSpPr>
-        <a:xfrm>
-          <a:off x="0" y="0"/>
-          <a:ext cx="0" cy="0"/>
-          <a:chOff x="0" y="0"/>
-          <a:chExt cx="0" cy="0"/>
-        </a:xfrm>
-      </p:grpSpPr>
-      <p:sp>
-        <p:nvSpPr>
-          <p:cNvPr id="159" name="Google Shape;159;p31"/>
-          <p:cNvSpPr txBox="1"/>
-          <p:nvPr/>
-        </p:nvSpPr>
-        <p:spPr>
-          <a:xfrm>
-            <a:off x="2057400" y="157000"/>
-            <a:ext cx="5057700" cy="628800"/>
-          </a:xfrm>
-          <a:prstGeom prst="rect">
-            <a:avLst/>
-          </a:prstGeom>
-          <a:noFill/>
-          <a:ln>
-            <a:noFill/>
-          </a:ln>
-        </p:spPr>
-        <p:txBody>
-          <a:bodyPr spcFirstLastPara="1" wrap="square" lIns="91425" tIns="91425" rIns="91425" bIns="91425" anchor="t" anchorCtr="0">
-            <a:noAutofit/>
-          </a:bodyPr>
-          <a:lstStyle/>
-          <a:p>
-            <a:pPr marL="0" lvl="0" indent="0" algn="l" rtl="0">
-              <a:spcBef>
-                <a:spcPts val="0"/>
-              </a:spcBef>
-              <a:spcAft>
-                <a:spcPts val="0"/>
-              </a:spcAft>
-              <a:buNone/>
-            </a:pPr>
-            <a:r>
-              <a:rPr lang="en-GB" sz="2800">
-                <a:solidFill>
-                  <a:schemeClr val="dk1"/>
-                </a:solidFill>
-                <a:latin typeface="Times New Roman" panose="02020603050405020304"/>
-                <a:ea typeface="Times New Roman" panose="02020603050405020304"/>
-                <a:cs typeface="Times New Roman" panose="02020603050405020304"/>
-                <a:sym typeface="Times New Roman" panose="02020603050405020304"/>
-              </a:rPr>
-              <a:t>Snapshot of Manager Dashboard</a:t>
-            </a:r>
-            <a:endParaRPr sz="2800">
-              <a:solidFill>
-                <a:schemeClr val="dk1"/>
-              </a:solidFill>
-              <a:latin typeface="Times New Roman" panose="02020603050405020304"/>
-              <a:ea typeface="Times New Roman" panose="02020603050405020304"/>
-              <a:cs typeface="Times New Roman" panose="02020603050405020304"/>
-              <a:sym typeface="Times New Roman" panose="02020603050405020304"/>
-            </a:endParaRPr>
-          </a:p>
-        </p:txBody>
-      </p:sp>
-      <p:pic>
-        <p:nvPicPr>
-          <p:cNvPr id="1" name="Picture 0" descr="Screenshot 2024-06-05 at 01-59-21 Reimbursement Portal"/>
-          <p:cNvPicPr>
-            <a:picLocks noChangeAspect="1"/>
-          </p:cNvPicPr>
-          <p:nvPr/>
-        </p:nvPicPr>
-        <p:blipFill>
-          <a:blip r:embed="rId1"/>
-          <a:stretch>
-            <a:fillRect/>
-          </a:stretch>
-        </p:blipFill>
-        <p:spPr>
-          <a:xfrm>
-            <a:off x="892810" y="785495"/>
-            <a:ext cx="7372985" cy="4214495"/>
           </a:xfrm>
           <a:prstGeom prst="rect">
             <a:avLst/>
@@ -10052,6 +10067,125 @@
   <p:cSld>
     <p:spTree>
       <p:nvGrpSpPr>
+        <p:cNvPr id="158" name="Shape 158"/>
+        <p:cNvGrpSpPr/>
+        <p:nvPr/>
+      </p:nvGrpSpPr>
+      <p:grpSpPr>
+        <a:xfrm>
+          <a:off x="0" y="0"/>
+          <a:ext cx="0" cy="0"/>
+          <a:chOff x="0" y="0"/>
+          <a:chExt cx="0" cy="0"/>
+        </a:xfrm>
+      </p:grpSpPr>
+      <p:sp>
+        <p:nvSpPr>
+          <p:cNvPr id="159" name="Google Shape;159;p31"/>
+          <p:cNvSpPr txBox="1"/>
+          <p:nvPr/>
+        </p:nvSpPr>
+        <p:spPr>
+          <a:xfrm>
+            <a:off x="2057400" y="157000"/>
+            <a:ext cx="5057700" cy="628800"/>
+          </a:xfrm>
+          <a:prstGeom prst="rect">
+            <a:avLst/>
+          </a:prstGeom>
+          <a:noFill/>
+          <a:ln>
+            <a:noFill/>
+          </a:ln>
+        </p:spPr>
+        <p:txBody>
+          <a:bodyPr spcFirstLastPara="1" wrap="square" lIns="91425" tIns="91425" rIns="91425" bIns="91425" anchor="t" anchorCtr="0">
+            <a:noAutofit/>
+          </a:bodyPr>
+          <a:lstStyle/>
+          <a:p>
+            <a:pPr marL="0" lvl="0" indent="0" algn="l" rtl="0">
+              <a:spcBef>
+                <a:spcPts val="0"/>
+              </a:spcBef>
+              <a:spcAft>
+                <a:spcPts val="0"/>
+              </a:spcAft>
+              <a:buNone/>
+            </a:pPr>
+            <a:r>
+              <a:rPr lang="en-GB" sz="2800">
+                <a:solidFill>
+                  <a:schemeClr val="dk1"/>
+                </a:solidFill>
+                <a:latin typeface="Times New Roman" panose="02020603050405020304"/>
+                <a:ea typeface="Times New Roman" panose="02020603050405020304"/>
+                <a:cs typeface="Times New Roman" panose="02020603050405020304"/>
+                <a:sym typeface="Times New Roman" panose="02020603050405020304"/>
+              </a:rPr>
+              <a:t>Snapshot of Manager Dashboard</a:t>
+            </a:r>
+            <a:endParaRPr sz="2800">
+              <a:solidFill>
+                <a:schemeClr val="dk1"/>
+              </a:solidFill>
+              <a:latin typeface="Times New Roman" panose="02020603050405020304"/>
+              <a:ea typeface="Times New Roman" panose="02020603050405020304"/>
+              <a:cs typeface="Times New Roman" panose="02020603050405020304"/>
+              <a:sym typeface="Times New Roman" panose="02020603050405020304"/>
+            </a:endParaRPr>
+          </a:p>
+        </p:txBody>
+      </p:sp>
+      <p:pic>
+        <p:nvPicPr>
+          <p:cNvPr id="2" name="Picture 1" descr="Screenshot 2024-06-05 at 01-59-21 Reimbursement Portal"/>
+          <p:cNvPicPr>
+            <a:picLocks noChangeAspect="1"/>
+          </p:cNvPicPr>
+          <p:nvPr/>
+        </p:nvPicPr>
+        <p:blipFill>
+          <a:blip r:embed="rId1"/>
+          <a:stretch>
+            <a:fillRect/>
+          </a:stretch>
+        </p:blipFill>
+        <p:spPr>
+          <a:xfrm>
+            <a:off x="892810" y="785495"/>
+            <a:ext cx="7372985" cy="4214495"/>
+          </a:xfrm>
+          <a:prstGeom prst="rect">
+            <a:avLst/>
+          </a:prstGeom>
+        </p:spPr>
+      </p:pic>
+    </p:spTree>
+  </p:cSld>
+  <p:clrMapOvr>
+    <a:masterClrMapping/>
+  </p:clrMapOvr>
+  <mc:AlternateContent xmlns:mc="http://schemas.openxmlformats.org/markup-compatibility/2006">
+    <mc:Choice xmlns:p14="http://schemas.microsoft.com/office/powerpoint/2010/main" Requires="p14">
+      <p:transition spd="slow" p14:dur="1100">
+        <p14:gallery dir="l"/>
+      </p:transition>
+    </mc:Choice>
+    <mc:Fallback>
+      <p:transition spd="slow">
+        <p:fade/>
+      </p:transition>
+    </mc:Fallback>
+  </mc:AlternateContent>
+</p:sld>
+</file>
+
+<file path=ppt/slides/slide21.xml><?xml version="1.0" encoding="utf-8"?>
+<p:sld xmlns:a="http://schemas.openxmlformats.org/drawingml/2006/main" xmlns:r="http://schemas.openxmlformats.org/officeDocument/2006/relationships" xmlns:p="http://schemas.openxmlformats.org/presentationml/2006/main">
+  <p:cSld>
+    <p:spTree>
+      <p:nvGrpSpPr>
         <p:cNvPr id="164" name="Shape 164"/>
         <p:cNvGrpSpPr/>
         <p:nvPr/>
@@ -10166,7 +10300,7 @@
 </p:sld>
 </file>
 
-<file path=ppt/slides/slide21.xml><?xml version="1.0" encoding="utf-8"?>
+<file path=ppt/slides/slide22.xml><?xml version="1.0" encoding="utf-8"?>
 <p:sld xmlns:a="http://schemas.openxmlformats.org/drawingml/2006/main" xmlns:r="http://schemas.openxmlformats.org/officeDocument/2006/relationships" xmlns:p="http://schemas.openxmlformats.org/presentationml/2006/main">
   <p:cSld>
     <p:spTree>
@@ -11193,8 +11327,10 @@
       </p:grpSpPr>
       <p:pic>
         <p:nvPicPr>
-          <p:cNvPr id="78" name="Google Shape;78;p17"/>
-          <p:cNvPicPr preferRelativeResize="0"/>
+          <p:cNvPr id="2" name="Picture 1" descr="employee123"/>
+          <p:cNvPicPr>
+            <a:picLocks noChangeAspect="1"/>
+          </p:cNvPicPr>
           <p:nvPr/>
         </p:nvPicPr>
         <p:blipFill>
@@ -11205,8 +11341,24 @@
         </p:blipFill>
         <p:spPr>
           <a:xfrm>
-            <a:off x="182775" y="130550"/>
-            <a:ext cx="8772650" cy="4830176"/>
+            <a:off x="570865" y="902335"/>
+            <a:ext cx="8307070" cy="3967480"/>
+          </a:xfrm>
+          <a:prstGeom prst="rect">
+            <a:avLst/>
+          </a:prstGeom>
+        </p:spPr>
+      </p:pic>
+      <p:sp>
+        <p:nvSpPr>
+          <p:cNvPr id="123" name="Google Shape;123;p25"/>
+          <p:cNvSpPr txBox="1"/>
+          <p:nvPr/>
+        </p:nvSpPr>
+        <p:spPr>
+          <a:xfrm>
+            <a:off x="2793600" y="128425"/>
+            <a:ext cx="3728700" cy="628800"/>
           </a:xfrm>
           <a:prstGeom prst="rect">
             <a:avLst/>
@@ -11216,7 +11368,44 @@
             <a:noFill/>
           </a:ln>
         </p:spPr>
-      </p:pic>
+        <p:txBody>
+          <a:bodyPr spcFirstLastPara="1" wrap="square" lIns="91425" tIns="91425" rIns="91425" bIns="91425" anchor="t" anchorCtr="0">
+            <a:noAutofit/>
+          </a:bodyPr>
+          <a:p>
+            <a:pPr marL="0" lvl="0" indent="0" algn="l" rtl="0">
+              <a:spcBef>
+                <a:spcPts val="0"/>
+              </a:spcBef>
+              <a:spcAft>
+                <a:spcPts val="0"/>
+              </a:spcAft>
+              <a:buNone/>
+            </a:pPr>
+            <a:r>
+              <a:rPr lang="en-US" altLang="en-GB" sz="2800">
+                <a:solidFill>
+                  <a:schemeClr val="dk1"/>
+                </a:solidFill>
+                <a:latin typeface="Times New Roman" panose="02020603050405020304"/>
+                <a:ea typeface="Times New Roman" panose="02020603050405020304"/>
+                <a:cs typeface="Times New Roman" panose="02020603050405020304"/>
+                <a:sym typeface="Times New Roman" panose="02020603050405020304"/>
+              </a:rPr>
+              <a:t>Employee Dashboard</a:t>
+            </a:r>
+            <a:endParaRPr lang="en-US" altLang="en-GB" sz="2800">
+              <a:solidFill>
+                <a:schemeClr val="dk1"/>
+              </a:solidFill>
+              <a:latin typeface="Times New Roman" panose="02020603050405020304"/>
+              <a:ea typeface="Times New Roman" panose="02020603050405020304"/>
+              <a:cs typeface="Times New Roman" panose="02020603050405020304"/>
+              <a:sym typeface="Times New Roman" panose="02020603050405020304"/>
+            </a:endParaRPr>
+          </a:p>
+        </p:txBody>
+      </p:sp>
     </p:spTree>
   </p:cSld>
   <p:clrMapOvr>
@@ -11254,10 +11443,69 @@
           <a:chExt cx="0" cy="0"/>
         </a:xfrm>
       </p:grpSpPr>
+      <p:sp>
+        <p:nvSpPr>
+          <p:cNvPr id="123" name="Google Shape;123;p25"/>
+          <p:cNvSpPr txBox="1"/>
+          <p:nvPr/>
+        </p:nvSpPr>
+        <p:spPr>
+          <a:xfrm>
+            <a:off x="2793365" y="128270"/>
+            <a:ext cx="3138170" cy="628650"/>
+          </a:xfrm>
+          <a:prstGeom prst="rect">
+            <a:avLst/>
+          </a:prstGeom>
+          <a:noFill/>
+          <a:ln>
+            <a:noFill/>
+          </a:ln>
+        </p:spPr>
+        <p:txBody>
+          <a:bodyPr spcFirstLastPara="1" wrap="square" lIns="91425" tIns="91425" rIns="91425" bIns="91425" anchor="t" anchorCtr="0">
+            <a:noAutofit/>
+          </a:bodyPr>
+          <a:p>
+            <a:pPr marL="0" lvl="0" indent="0" algn="l" rtl="0">
+              <a:spcBef>
+                <a:spcPts val="0"/>
+              </a:spcBef>
+              <a:spcAft>
+                <a:spcPts val="0"/>
+              </a:spcAft>
+              <a:buNone/>
+            </a:pPr>
+            <a:r>
+              <a:rPr lang="en-US" altLang="en-GB" sz="2800">
+                <a:solidFill>
+                  <a:schemeClr val="dk1"/>
+                </a:solidFill>
+                <a:latin typeface="Times New Roman" panose="02020603050405020304"/>
+                <a:ea typeface="Times New Roman" panose="02020603050405020304"/>
+                <a:cs typeface="Times New Roman" panose="02020603050405020304"/>
+                <a:sym typeface="Times New Roman" panose="02020603050405020304"/>
+              </a:rPr>
+              <a:t>Manager Dashboard</a:t>
+            </a:r>
+            <a:endParaRPr lang="en-US" altLang="en-GB" sz="2800">
+              <a:solidFill>
+                <a:schemeClr val="dk1"/>
+              </a:solidFill>
+              <a:latin typeface="Times New Roman" panose="02020603050405020304"/>
+              <a:ea typeface="Times New Roman" panose="02020603050405020304"/>
+              <a:cs typeface="Times New Roman" panose="02020603050405020304"/>
+              <a:sym typeface="Times New Roman" panose="02020603050405020304"/>
+            </a:endParaRPr>
+          </a:p>
+        </p:txBody>
+      </p:sp>
       <p:pic>
         <p:nvPicPr>
-          <p:cNvPr id="83" name="Google Shape;83;p18"/>
-          <p:cNvPicPr preferRelativeResize="0"/>
+          <p:cNvPr id="1" name="Picture 0" descr="manager12"/>
+          <p:cNvPicPr>
+            <a:picLocks noChangeAspect="1"/>
+          </p:cNvPicPr>
           <p:nvPr/>
         </p:nvPicPr>
         <p:blipFill>
@@ -11268,16 +11516,12 @@
         </p:blipFill>
         <p:spPr>
           <a:xfrm>
-            <a:off x="152400" y="152400"/>
-            <a:ext cx="8763875" cy="4838700"/>
+            <a:off x="199390" y="697865"/>
+            <a:ext cx="8744585" cy="4204335"/>
           </a:xfrm>
           <a:prstGeom prst="rect">
             <a:avLst/>
           </a:prstGeom>
-          <a:noFill/>
-          <a:ln>
-            <a:noFill/>
-          </a:ln>
         </p:spPr>
       </p:pic>
     </p:spTree>
@@ -11317,10 +11561,69 @@
           <a:chExt cx="0" cy="0"/>
         </a:xfrm>
       </p:grpSpPr>
+      <p:sp>
+        <p:nvSpPr>
+          <p:cNvPr id="123" name="Google Shape;123;p25"/>
+          <p:cNvSpPr txBox="1"/>
+          <p:nvPr/>
+        </p:nvSpPr>
+        <p:spPr>
+          <a:xfrm>
+            <a:off x="2793365" y="90170"/>
+            <a:ext cx="2891155" cy="628650"/>
+          </a:xfrm>
+          <a:prstGeom prst="rect">
+            <a:avLst/>
+          </a:prstGeom>
+          <a:noFill/>
+          <a:ln>
+            <a:noFill/>
+          </a:ln>
+        </p:spPr>
+        <p:txBody>
+          <a:bodyPr spcFirstLastPara="1" wrap="square" lIns="91425" tIns="91425" rIns="91425" bIns="91425" anchor="t" anchorCtr="0">
+            <a:noAutofit/>
+          </a:bodyPr>
+          <a:p>
+            <a:pPr marL="0" lvl="0" indent="0" algn="l" rtl="0">
+              <a:spcBef>
+                <a:spcPts val="0"/>
+              </a:spcBef>
+              <a:spcAft>
+                <a:spcPts val="0"/>
+              </a:spcAft>
+              <a:buNone/>
+            </a:pPr>
+            <a:r>
+              <a:rPr lang="en-US" altLang="en-GB" sz="2800">
+                <a:solidFill>
+                  <a:schemeClr val="dk1"/>
+                </a:solidFill>
+                <a:latin typeface="Times New Roman" panose="02020603050405020304"/>
+                <a:ea typeface="Times New Roman" panose="02020603050405020304"/>
+                <a:cs typeface="Times New Roman" panose="02020603050405020304"/>
+                <a:sym typeface="Times New Roman" panose="02020603050405020304"/>
+              </a:rPr>
+              <a:t>Admin Dashboard</a:t>
+            </a:r>
+            <a:endParaRPr lang="en-US" altLang="en-GB" sz="2800">
+              <a:solidFill>
+                <a:schemeClr val="dk1"/>
+              </a:solidFill>
+              <a:latin typeface="Times New Roman" panose="02020603050405020304"/>
+              <a:ea typeface="Times New Roman" panose="02020603050405020304"/>
+              <a:cs typeface="Times New Roman" panose="02020603050405020304"/>
+              <a:sym typeface="Times New Roman" panose="02020603050405020304"/>
+            </a:endParaRPr>
+          </a:p>
+        </p:txBody>
+      </p:sp>
       <p:pic>
         <p:nvPicPr>
-          <p:cNvPr id="88" name="Google Shape;88;p19"/>
-          <p:cNvPicPr preferRelativeResize="0"/>
+          <p:cNvPr id="1" name="Picture 0" descr="admin12"/>
+          <p:cNvPicPr>
+            <a:picLocks noChangeAspect="1"/>
+          </p:cNvPicPr>
           <p:nvPr/>
         </p:nvPicPr>
         <p:blipFill>
@@ -11331,16 +11634,12 @@
         </p:blipFill>
         <p:spPr>
           <a:xfrm>
-            <a:off x="104425" y="121900"/>
-            <a:ext cx="8888676" cy="4899726"/>
+            <a:off x="491490" y="421640"/>
+            <a:ext cx="8218170" cy="4597400"/>
           </a:xfrm>
           <a:prstGeom prst="rect">
             <a:avLst/>
           </a:prstGeom>
-          <a:noFill/>
-          <a:ln>
-            <a:noFill/>
-          </a:ln>
         </p:spPr>
       </p:pic>
     </p:spTree>
@@ -11364,6 +11663,117 @@
 </file>
 
 <file path=ppt/slides/slide8.xml><?xml version="1.0" encoding="utf-8"?>
+<p:sld xmlns:a="http://schemas.openxmlformats.org/drawingml/2006/main" xmlns:r="http://schemas.openxmlformats.org/officeDocument/2006/relationships" xmlns:p="http://schemas.openxmlformats.org/presentationml/2006/main">
+  <p:cSld>
+    <p:spTree>
+      <p:nvGrpSpPr>
+        <p:cNvPr id="1" name=""/>
+        <p:cNvGrpSpPr/>
+        <p:nvPr/>
+      </p:nvGrpSpPr>
+      <p:grpSpPr/>
+      <p:sp>
+        <p:nvSpPr>
+          <p:cNvPr id="93" name="Google Shape;93;p20"/>
+          <p:cNvSpPr txBox="1"/>
+          <p:nvPr/>
+        </p:nvSpPr>
+        <p:spPr>
+          <a:xfrm>
+            <a:off x="2698750" y="93980"/>
+            <a:ext cx="3242945" cy="628650"/>
+          </a:xfrm>
+          <a:prstGeom prst="rect">
+            <a:avLst/>
+          </a:prstGeom>
+          <a:noFill/>
+          <a:ln>
+            <a:noFill/>
+          </a:ln>
+        </p:spPr>
+        <p:txBody>
+          <a:bodyPr spcFirstLastPara="1" wrap="square" lIns="91425" tIns="91425" rIns="91425" bIns="91425" anchor="t" anchorCtr="0">
+            <a:noAutofit/>
+          </a:bodyPr>
+          <a:p>
+            <a:pPr marL="0" lvl="0" indent="0" algn="l" rtl="0">
+              <a:spcBef>
+                <a:spcPts val="0"/>
+              </a:spcBef>
+              <a:spcAft>
+                <a:spcPts val="0"/>
+              </a:spcAft>
+              <a:buNone/>
+            </a:pPr>
+            <a:r>
+              <a:rPr lang="en-US" altLang="en-GB" sz="2800">
+                <a:solidFill>
+                  <a:schemeClr val="dk1"/>
+                </a:solidFill>
+                <a:latin typeface="Times New Roman" panose="02020603050405020304"/>
+                <a:ea typeface="Times New Roman" panose="02020603050405020304"/>
+                <a:cs typeface="Times New Roman" panose="02020603050405020304"/>
+                <a:sym typeface="Times New Roman" panose="02020603050405020304"/>
+              </a:rPr>
+              <a:t>Session Management</a:t>
+            </a:r>
+            <a:endParaRPr lang="en-US" altLang="en-GB" sz="2800">
+              <a:solidFill>
+                <a:schemeClr val="dk1"/>
+              </a:solidFill>
+              <a:latin typeface="Times New Roman" panose="02020603050405020304"/>
+              <a:ea typeface="Times New Roman" panose="02020603050405020304"/>
+              <a:cs typeface="Times New Roman" panose="02020603050405020304"/>
+              <a:sym typeface="Times New Roman" panose="02020603050405020304"/>
+            </a:endParaRPr>
+          </a:p>
+        </p:txBody>
+      </p:sp>
+      <p:pic>
+        <p:nvPicPr>
+          <p:cNvPr id="6" name="Picture 5" descr="session2"/>
+          <p:cNvPicPr>
+            <a:picLocks noChangeAspect="1"/>
+          </p:cNvPicPr>
+          <p:nvPr/>
+        </p:nvPicPr>
+        <p:blipFill>
+          <a:blip r:embed="rId1"/>
+          <a:stretch>
+            <a:fillRect/>
+          </a:stretch>
+        </p:blipFill>
+        <p:spPr>
+          <a:xfrm>
+            <a:off x="114300" y="855345"/>
+            <a:ext cx="8934450" cy="4042410"/>
+          </a:xfrm>
+          <a:prstGeom prst="rect">
+            <a:avLst/>
+          </a:prstGeom>
+        </p:spPr>
+      </p:pic>
+    </p:spTree>
+  </p:cSld>
+  <p:clrMapOvr>
+    <a:masterClrMapping/>
+  </p:clrMapOvr>
+  <mc:AlternateContent xmlns:mc="http://schemas.openxmlformats.org/markup-compatibility/2006">
+    <mc:Choice xmlns:p14="http://schemas.microsoft.com/office/powerpoint/2010/main" Requires="p14">
+      <p:transition spd="slow" p14:dur="1100">
+        <p14:gallery dir="l"/>
+      </p:transition>
+    </mc:Choice>
+    <mc:Fallback>
+      <p:transition spd="slow">
+        <p:fade/>
+      </p:transition>
+    </mc:Fallback>
+  </mc:AlternateContent>
+</p:sld>
+</file>
+
+<file path=ppt/slides/slide9.xml><?xml version="1.0" encoding="utf-8"?>
 <p:sld xmlns:a="http://schemas.openxmlformats.org/drawingml/2006/main" xmlns:r="http://schemas.openxmlformats.org/officeDocument/2006/relationships" xmlns:p="http://schemas.openxmlformats.org/presentationml/2006/main">
   <p:cSld>
     <p:spTree>
@@ -11454,139 +11864,6 @@
           <a:xfrm>
             <a:off x="1190400" y="728050"/>
             <a:ext cx="6441250" cy="4051150"/>
-          </a:xfrm>
-          <a:prstGeom prst="rect">
-            <a:avLst/>
-          </a:prstGeom>
-          <a:noFill/>
-          <a:ln>
-            <a:noFill/>
-          </a:ln>
-        </p:spPr>
-      </p:pic>
-    </p:spTree>
-  </p:cSld>
-  <p:clrMapOvr>
-    <a:masterClrMapping/>
-  </p:clrMapOvr>
-  <mc:AlternateContent xmlns:mc="http://schemas.openxmlformats.org/markup-compatibility/2006">
-    <mc:Choice xmlns:p14="http://schemas.microsoft.com/office/powerpoint/2010/main" Requires="p14">
-      <p:transition spd="slow" p14:dur="1100">
-        <p14:gallery dir="l"/>
-      </p:transition>
-    </mc:Choice>
-    <mc:Fallback>
-      <p:transition spd="slow">
-        <p:fade/>
-      </p:transition>
-    </mc:Fallback>
-  </mc:AlternateContent>
-</p:sld>
-</file>
-
-<file path=ppt/slides/slide9.xml><?xml version="1.0" encoding="utf-8"?>
-<p:sld xmlns:a="http://schemas.openxmlformats.org/drawingml/2006/main" xmlns:r="http://schemas.openxmlformats.org/officeDocument/2006/relationships" xmlns:p="http://schemas.openxmlformats.org/presentationml/2006/main">
-  <p:cSld>
-    <p:spTree>
-      <p:nvGrpSpPr>
-        <p:cNvPr id="98" name="Shape 98"/>
-        <p:cNvGrpSpPr/>
-        <p:nvPr/>
-      </p:nvGrpSpPr>
-      <p:grpSpPr>
-        <a:xfrm>
-          <a:off x="0" y="0"/>
-          <a:ext cx="0" cy="0"/>
-          <a:chOff x="0" y="0"/>
-          <a:chExt cx="0" cy="0"/>
-        </a:xfrm>
-      </p:grpSpPr>
-      <p:sp>
-        <p:nvSpPr>
-          <p:cNvPr id="99" name="Google Shape;99;p21"/>
-          <p:cNvSpPr txBox="1"/>
-          <p:nvPr/>
-        </p:nvSpPr>
-        <p:spPr>
-          <a:xfrm>
-            <a:off x="2100188" y="108750"/>
-            <a:ext cx="4667400" cy="628800"/>
-          </a:xfrm>
-          <a:prstGeom prst="rect">
-            <a:avLst/>
-          </a:prstGeom>
-          <a:noFill/>
-          <a:ln>
-            <a:noFill/>
-          </a:ln>
-        </p:spPr>
-        <p:txBody>
-          <a:bodyPr spcFirstLastPara="1" wrap="square" lIns="91425" tIns="91425" rIns="91425" bIns="91425" anchor="t" anchorCtr="0">
-            <a:noAutofit/>
-          </a:bodyPr>
-          <a:lstStyle/>
-          <a:p>
-            <a:pPr marL="0" lvl="0" indent="0" algn="l" rtl="0">
-              <a:spcBef>
-                <a:spcPts val="0"/>
-              </a:spcBef>
-              <a:spcAft>
-                <a:spcPts val="0"/>
-              </a:spcAft>
-              <a:buNone/>
-            </a:pPr>
-            <a:r>
-              <a:rPr lang="en-GB" sz="2800">
-                <a:solidFill>
-                  <a:schemeClr val="dk1"/>
-                </a:solidFill>
-                <a:latin typeface="Times New Roman" panose="02020603050405020304"/>
-                <a:ea typeface="Times New Roman" panose="02020603050405020304"/>
-                <a:cs typeface="Times New Roman" panose="02020603050405020304"/>
-                <a:sym typeface="Times New Roman" panose="02020603050405020304"/>
-              </a:rPr>
-              <a:t>Reimbursement_request</a:t>
-            </a:r>
-            <a:r>
-              <a:rPr lang="en-GB" sz="2800">
-                <a:solidFill>
-                  <a:schemeClr val="dk1"/>
-                </a:solidFill>
-                <a:latin typeface="Times New Roman" panose="02020603050405020304"/>
-                <a:ea typeface="Times New Roman" panose="02020603050405020304"/>
-                <a:cs typeface="Times New Roman" panose="02020603050405020304"/>
-                <a:sym typeface="Times New Roman" panose="02020603050405020304"/>
-              </a:rPr>
-              <a:t> Model</a:t>
-            </a:r>
-            <a:endParaRPr sz="2800">
-              <a:solidFill>
-                <a:schemeClr val="dk1"/>
-              </a:solidFill>
-              <a:latin typeface="Times New Roman" panose="02020603050405020304"/>
-              <a:ea typeface="Times New Roman" panose="02020603050405020304"/>
-              <a:cs typeface="Times New Roman" panose="02020603050405020304"/>
-              <a:sym typeface="Times New Roman" panose="02020603050405020304"/>
-            </a:endParaRPr>
-          </a:p>
-        </p:txBody>
-      </p:sp>
-      <p:pic>
-        <p:nvPicPr>
-          <p:cNvPr id="100" name="Google Shape;100;p21"/>
-          <p:cNvPicPr preferRelativeResize="0"/>
-          <p:nvPr/>
-        </p:nvPicPr>
-        <p:blipFill>
-          <a:blip r:embed="rId1"/>
-          <a:stretch>
-            <a:fillRect/>
-          </a:stretch>
-        </p:blipFill>
-        <p:spPr>
-          <a:xfrm>
-            <a:off x="1030075" y="873625"/>
-            <a:ext cx="6943724" cy="4051150"/>
           </a:xfrm>
           <a:prstGeom prst="rect">
             <a:avLst/>
